--- a/clickhouse/Clickhouse.pptx
+++ b/clickhouse/Clickhouse.pptx
@@ -7,6 +7,7 @@
   <p:sldIdLst>
     <p:sldId id="256" r:id="rId2"/>
     <p:sldId id="257" r:id="rId3"/>
+    <p:sldId id="258" r:id="rId4"/>
   </p:sldIdLst>
   <p:sldSz cx="12192000" cy="6858000"/>
   <p:notesSz cx="6858000" cy="9144000"/>
@@ -260,7 +261,7 @@
           <a:p>
             <a:fld id="{1DCFACBB-E66A-42EF-8F6A-77DBE898C298}" type="datetimeFigureOut">
               <a:rPr lang="zh-CN" altLang="en-US" smtClean="0"/>
-              <a:t>2024/10/28</a:t>
+              <a:t>2024/11/3</a:t>
             </a:fld>
             <a:endParaRPr lang="zh-CN" altLang="en-US"/>
           </a:p>
@@ -458,7 +459,7 @@
           <a:p>
             <a:fld id="{1DCFACBB-E66A-42EF-8F6A-77DBE898C298}" type="datetimeFigureOut">
               <a:rPr lang="zh-CN" altLang="en-US" smtClean="0"/>
-              <a:t>2024/10/28</a:t>
+              <a:t>2024/11/3</a:t>
             </a:fld>
             <a:endParaRPr lang="zh-CN" altLang="en-US"/>
           </a:p>
@@ -666,7 +667,7 @@
           <a:p>
             <a:fld id="{1DCFACBB-E66A-42EF-8F6A-77DBE898C298}" type="datetimeFigureOut">
               <a:rPr lang="zh-CN" altLang="en-US" smtClean="0"/>
-              <a:t>2024/10/28</a:t>
+              <a:t>2024/11/3</a:t>
             </a:fld>
             <a:endParaRPr lang="zh-CN" altLang="en-US"/>
           </a:p>
@@ -864,7 +865,7 @@
           <a:p>
             <a:fld id="{1DCFACBB-E66A-42EF-8F6A-77DBE898C298}" type="datetimeFigureOut">
               <a:rPr lang="zh-CN" altLang="en-US" smtClean="0"/>
-              <a:t>2024/10/28</a:t>
+              <a:t>2024/11/3</a:t>
             </a:fld>
             <a:endParaRPr lang="zh-CN" altLang="en-US"/>
           </a:p>
@@ -1139,7 +1140,7 @@
           <a:p>
             <a:fld id="{1DCFACBB-E66A-42EF-8F6A-77DBE898C298}" type="datetimeFigureOut">
               <a:rPr lang="zh-CN" altLang="en-US" smtClean="0"/>
-              <a:t>2024/10/28</a:t>
+              <a:t>2024/11/3</a:t>
             </a:fld>
             <a:endParaRPr lang="zh-CN" altLang="en-US"/>
           </a:p>
@@ -1404,7 +1405,7 @@
           <a:p>
             <a:fld id="{1DCFACBB-E66A-42EF-8F6A-77DBE898C298}" type="datetimeFigureOut">
               <a:rPr lang="zh-CN" altLang="en-US" smtClean="0"/>
-              <a:t>2024/10/28</a:t>
+              <a:t>2024/11/3</a:t>
             </a:fld>
             <a:endParaRPr lang="zh-CN" altLang="en-US"/>
           </a:p>
@@ -1816,7 +1817,7 @@
           <a:p>
             <a:fld id="{1DCFACBB-E66A-42EF-8F6A-77DBE898C298}" type="datetimeFigureOut">
               <a:rPr lang="zh-CN" altLang="en-US" smtClean="0"/>
-              <a:t>2024/10/28</a:t>
+              <a:t>2024/11/3</a:t>
             </a:fld>
             <a:endParaRPr lang="zh-CN" altLang="en-US"/>
           </a:p>
@@ -1957,7 +1958,7 @@
           <a:p>
             <a:fld id="{1DCFACBB-E66A-42EF-8F6A-77DBE898C298}" type="datetimeFigureOut">
               <a:rPr lang="zh-CN" altLang="en-US" smtClean="0"/>
-              <a:t>2024/10/28</a:t>
+              <a:t>2024/11/3</a:t>
             </a:fld>
             <a:endParaRPr lang="zh-CN" altLang="en-US"/>
           </a:p>
@@ -2070,7 +2071,7 @@
           <a:p>
             <a:fld id="{1DCFACBB-E66A-42EF-8F6A-77DBE898C298}" type="datetimeFigureOut">
               <a:rPr lang="zh-CN" altLang="en-US" smtClean="0"/>
-              <a:t>2024/10/28</a:t>
+              <a:t>2024/11/3</a:t>
             </a:fld>
             <a:endParaRPr lang="zh-CN" altLang="en-US"/>
           </a:p>
@@ -2381,7 +2382,7 @@
           <a:p>
             <a:fld id="{1DCFACBB-E66A-42EF-8F6A-77DBE898C298}" type="datetimeFigureOut">
               <a:rPr lang="zh-CN" altLang="en-US" smtClean="0"/>
-              <a:t>2024/10/28</a:t>
+              <a:t>2024/11/3</a:t>
             </a:fld>
             <a:endParaRPr lang="zh-CN" altLang="en-US"/>
           </a:p>
@@ -2669,7 +2670,7 @@
           <a:p>
             <a:fld id="{1DCFACBB-E66A-42EF-8F6A-77DBE898C298}" type="datetimeFigureOut">
               <a:rPr lang="zh-CN" altLang="en-US" smtClean="0"/>
-              <a:t>2024/10/28</a:t>
+              <a:t>2024/11/3</a:t>
             </a:fld>
             <a:endParaRPr lang="zh-CN" altLang="en-US"/>
           </a:p>
@@ -2910,7 +2911,7 @@
           <a:p>
             <a:fld id="{1DCFACBB-E66A-42EF-8F6A-77DBE898C298}" type="datetimeFigureOut">
               <a:rPr lang="zh-CN" altLang="en-US" smtClean="0"/>
-              <a:t>2024/10/28</a:t>
+              <a:t>2024/11/3</a:t>
             </a:fld>
             <a:endParaRPr lang="zh-CN" altLang="en-US"/>
           </a:p>
@@ -4386,6 +4387,572 @@
 </p:sld>
 </file>
 
+<file path=ppt/slides/slide3.xml><?xml version="1.0" encoding="utf-8"?>
+<p:sld xmlns:a="http://schemas.openxmlformats.org/drawingml/2006/main" xmlns:r="http://schemas.openxmlformats.org/officeDocument/2006/relationships" xmlns:p="http://schemas.openxmlformats.org/presentationml/2006/main">
+  <p:cSld>
+    <p:spTree>
+      <p:nvGrpSpPr>
+        <p:cNvPr id="1" name=""/>
+        <p:cNvGrpSpPr/>
+        <p:nvPr/>
+      </p:nvGrpSpPr>
+      <p:grpSpPr>
+        <a:xfrm>
+          <a:off x="0" y="0"/>
+          <a:ext cx="0" cy="0"/>
+          <a:chOff x="0" y="0"/>
+          <a:chExt cx="0" cy="0"/>
+        </a:xfrm>
+      </p:grpSpPr>
+      <p:sp>
+        <p:nvSpPr>
+          <p:cNvPr id="4" name="矩形 3">
+            <a:extLst>
+              <a:ext uri="{FF2B5EF4-FFF2-40B4-BE49-F238E27FC236}">
+                <a16:creationId xmlns:a16="http://schemas.microsoft.com/office/drawing/2014/main" id="{12D4737F-0413-885C-7047-A3C2815F1AB2}"/>
+              </a:ext>
+            </a:extLst>
+          </p:cNvPr>
+          <p:cNvSpPr/>
+          <p:nvPr/>
+        </p:nvSpPr>
+        <p:spPr>
+          <a:xfrm>
+            <a:off x="402334" y="2326235"/>
+            <a:ext cx="1806855" cy="826618"/>
+          </a:xfrm>
+          <a:prstGeom prst="rect">
+            <a:avLst/>
+          </a:prstGeom>
+        </p:spPr>
+        <p:style>
+          <a:lnRef idx="2">
+            <a:schemeClr val="accent1">
+              <a:shade val="15000"/>
+            </a:schemeClr>
+          </a:lnRef>
+          <a:fillRef idx="1">
+            <a:schemeClr val="accent1"/>
+          </a:fillRef>
+          <a:effectRef idx="0">
+            <a:schemeClr val="accent1"/>
+          </a:effectRef>
+          <a:fontRef idx="minor">
+            <a:schemeClr val="lt1"/>
+          </a:fontRef>
+        </p:style>
+        <p:txBody>
+          <a:bodyPr rtlCol="0" anchor="ctr"/>
+          <a:lstStyle/>
+          <a:p>
+            <a:pPr algn="ctr"/>
+            <a:r>
+              <a:rPr lang="en-US" altLang="zh-CN" dirty="0"/>
+              <a:t>client</a:t>
+            </a:r>
+            <a:endParaRPr lang="zh-CN" altLang="en-US" dirty="0"/>
+          </a:p>
+        </p:txBody>
+      </p:sp>
+      <p:sp>
+        <p:nvSpPr>
+          <p:cNvPr id="5" name="圆柱体 4">
+            <a:extLst>
+              <a:ext uri="{FF2B5EF4-FFF2-40B4-BE49-F238E27FC236}">
+                <a16:creationId xmlns:a16="http://schemas.microsoft.com/office/drawing/2014/main" id="{71BECA1D-6BD9-0973-5A8C-0ED7EB72BC8E}"/>
+              </a:ext>
+            </a:extLst>
+          </p:cNvPr>
+          <p:cNvSpPr/>
+          <p:nvPr/>
+        </p:nvSpPr>
+        <p:spPr>
+          <a:xfrm>
+            <a:off x="3791498" y="3357677"/>
+            <a:ext cx="1953159" cy="1111910"/>
+          </a:xfrm>
+          <a:prstGeom prst="can">
+            <a:avLst/>
+          </a:prstGeom>
+        </p:spPr>
+        <p:style>
+          <a:lnRef idx="2">
+            <a:schemeClr val="accent1">
+              <a:shade val="15000"/>
+            </a:schemeClr>
+          </a:lnRef>
+          <a:fillRef idx="1">
+            <a:schemeClr val="accent1"/>
+          </a:fillRef>
+          <a:effectRef idx="0">
+            <a:schemeClr val="accent1"/>
+          </a:effectRef>
+          <a:fontRef idx="minor">
+            <a:schemeClr val="lt1"/>
+          </a:fontRef>
+        </p:style>
+        <p:txBody>
+          <a:bodyPr rtlCol="0" anchor="ctr"/>
+          <a:lstStyle/>
+          <a:p>
+            <a:pPr algn="ctr"/>
+            <a:r>
+              <a:rPr lang="en-US" altLang="zh-CN" dirty="0" err="1"/>
+              <a:t>Clickhouse</a:t>
+            </a:r>
+            <a:r>
+              <a:rPr lang="en-US" altLang="zh-CN" dirty="0"/>
+              <a:t>-a</a:t>
+            </a:r>
+            <a:endParaRPr lang="zh-CN" altLang="en-US" dirty="0"/>
+          </a:p>
+        </p:txBody>
+      </p:sp>
+      <p:sp>
+        <p:nvSpPr>
+          <p:cNvPr id="6" name="矩形: 圆角 5">
+            <a:extLst>
+              <a:ext uri="{FF2B5EF4-FFF2-40B4-BE49-F238E27FC236}">
+                <a16:creationId xmlns:a16="http://schemas.microsoft.com/office/drawing/2014/main" id="{6BF647AD-C9EE-772A-42A2-DFBDF6FAB860}"/>
+              </a:ext>
+            </a:extLst>
+          </p:cNvPr>
+          <p:cNvSpPr/>
+          <p:nvPr/>
+        </p:nvSpPr>
+        <p:spPr>
+          <a:xfrm>
+            <a:off x="6788504" y="1715416"/>
+            <a:ext cx="2231136" cy="826617"/>
+          </a:xfrm>
+          <a:prstGeom prst="roundRect">
+            <a:avLst/>
+          </a:prstGeom>
+        </p:spPr>
+        <p:style>
+          <a:lnRef idx="2">
+            <a:schemeClr val="accent1">
+              <a:shade val="15000"/>
+            </a:schemeClr>
+          </a:lnRef>
+          <a:fillRef idx="1">
+            <a:schemeClr val="accent1"/>
+          </a:fillRef>
+          <a:effectRef idx="0">
+            <a:schemeClr val="accent1"/>
+          </a:effectRef>
+          <a:fontRef idx="minor">
+            <a:schemeClr val="lt1"/>
+          </a:fontRef>
+        </p:style>
+        <p:txBody>
+          <a:bodyPr rtlCol="0" anchor="ctr"/>
+          <a:lstStyle/>
+          <a:p>
+            <a:pPr algn="ctr"/>
+            <a:r>
+              <a:rPr lang="en-US" altLang="zh-CN" dirty="0"/>
+              <a:t>Zookeeper-cluster</a:t>
+            </a:r>
+            <a:endParaRPr lang="zh-CN" altLang="en-US" dirty="0"/>
+          </a:p>
+        </p:txBody>
+      </p:sp>
+      <p:sp>
+        <p:nvSpPr>
+          <p:cNvPr id="7" name="圆柱体 6">
+            <a:extLst>
+              <a:ext uri="{FF2B5EF4-FFF2-40B4-BE49-F238E27FC236}">
+                <a16:creationId xmlns:a16="http://schemas.microsoft.com/office/drawing/2014/main" id="{4F52102A-E6F6-37BD-0549-ED04863B916D}"/>
+              </a:ext>
+            </a:extLst>
+          </p:cNvPr>
+          <p:cNvSpPr/>
+          <p:nvPr/>
+        </p:nvSpPr>
+        <p:spPr>
+          <a:xfrm>
+            <a:off x="9508540" y="3357677"/>
+            <a:ext cx="1953159" cy="1111910"/>
+          </a:xfrm>
+          <a:prstGeom prst="can">
+            <a:avLst/>
+          </a:prstGeom>
+        </p:spPr>
+        <p:style>
+          <a:lnRef idx="2">
+            <a:schemeClr val="accent1">
+              <a:shade val="15000"/>
+            </a:schemeClr>
+          </a:lnRef>
+          <a:fillRef idx="1">
+            <a:schemeClr val="accent1"/>
+          </a:fillRef>
+          <a:effectRef idx="0">
+            <a:schemeClr val="accent1"/>
+          </a:effectRef>
+          <a:fontRef idx="minor">
+            <a:schemeClr val="lt1"/>
+          </a:fontRef>
+        </p:style>
+        <p:txBody>
+          <a:bodyPr rtlCol="0" anchor="ctr"/>
+          <a:lstStyle/>
+          <a:p>
+            <a:pPr algn="ctr"/>
+            <a:r>
+              <a:rPr lang="en-US" altLang="zh-CN" dirty="0" err="1"/>
+              <a:t>Clickhouse</a:t>
+            </a:r>
+            <a:r>
+              <a:rPr lang="en-US" altLang="zh-CN" dirty="0"/>
+              <a:t>-b</a:t>
+            </a:r>
+            <a:endParaRPr lang="zh-CN" altLang="en-US" dirty="0"/>
+          </a:p>
+        </p:txBody>
+      </p:sp>
+      <p:cxnSp>
+        <p:nvCxnSpPr>
+          <p:cNvPr id="9" name="直接箭头连接符 8">
+            <a:extLst>
+              <a:ext uri="{FF2B5EF4-FFF2-40B4-BE49-F238E27FC236}">
+                <a16:creationId xmlns:a16="http://schemas.microsoft.com/office/drawing/2014/main" id="{C1165D0A-0B12-5E35-8D0F-1B632D73D2E3}"/>
+              </a:ext>
+            </a:extLst>
+          </p:cNvPr>
+          <p:cNvCxnSpPr>
+            <a:cxnSpLocks/>
+            <a:stCxn id="4" idx="3"/>
+            <a:endCxn id="5" idx="2"/>
+          </p:cNvCxnSpPr>
+          <p:nvPr/>
+        </p:nvCxnSpPr>
+        <p:spPr>
+          <a:xfrm>
+            <a:off x="2209189" y="2739544"/>
+            <a:ext cx="1582309" cy="1174088"/>
+          </a:xfrm>
+          <a:prstGeom prst="straightConnector1">
+            <a:avLst/>
+          </a:prstGeom>
+          <a:ln>
+            <a:tailEnd type="triangle"/>
+          </a:ln>
+        </p:spPr>
+        <p:style>
+          <a:lnRef idx="3">
+            <a:schemeClr val="accent1"/>
+          </a:lnRef>
+          <a:fillRef idx="0">
+            <a:schemeClr val="accent1"/>
+          </a:fillRef>
+          <a:effectRef idx="2">
+            <a:schemeClr val="accent1"/>
+          </a:effectRef>
+          <a:fontRef idx="minor">
+            <a:schemeClr val="tx1"/>
+          </a:fontRef>
+        </p:style>
+      </p:cxnSp>
+      <p:sp>
+        <p:nvSpPr>
+          <p:cNvPr id="13" name="文本框 12">
+            <a:extLst>
+              <a:ext uri="{FF2B5EF4-FFF2-40B4-BE49-F238E27FC236}">
+                <a16:creationId xmlns:a16="http://schemas.microsoft.com/office/drawing/2014/main" id="{408E76C6-86F9-97B9-A9AE-4B1FE92D47E9}"/>
+              </a:ext>
+            </a:extLst>
+          </p:cNvPr>
+          <p:cNvSpPr txBox="1"/>
+          <p:nvPr/>
+        </p:nvSpPr>
+        <p:spPr>
+          <a:xfrm>
+            <a:off x="2209189" y="3326588"/>
+            <a:ext cx="1176925" cy="307777"/>
+          </a:xfrm>
+          <a:prstGeom prst="rect">
+            <a:avLst/>
+          </a:prstGeom>
+          <a:noFill/>
+        </p:spPr>
+        <p:txBody>
+          <a:bodyPr wrap="none" rtlCol="0">
+            <a:spAutoFit/>
+          </a:bodyPr>
+          <a:lstStyle/>
+          <a:p>
+            <a:r>
+              <a:rPr lang="en-US" altLang="zh-CN" sz="1400" dirty="0"/>
+              <a:t>1</a:t>
+            </a:r>
+            <a:r>
+              <a:rPr lang="zh-CN" altLang="en-US" sz="1400" dirty="0"/>
+              <a:t>，写入数据</a:t>
+            </a:r>
+          </a:p>
+        </p:txBody>
+      </p:sp>
+      <p:cxnSp>
+        <p:nvCxnSpPr>
+          <p:cNvPr id="14" name="直接箭头连接符 13">
+            <a:extLst>
+              <a:ext uri="{FF2B5EF4-FFF2-40B4-BE49-F238E27FC236}">
+                <a16:creationId xmlns:a16="http://schemas.microsoft.com/office/drawing/2014/main" id="{7C60820E-B602-68F9-46E6-22B17B9AA013}"/>
+              </a:ext>
+            </a:extLst>
+          </p:cNvPr>
+          <p:cNvCxnSpPr>
+            <a:cxnSpLocks/>
+            <a:stCxn id="5" idx="4"/>
+            <a:endCxn id="6" idx="1"/>
+          </p:cNvCxnSpPr>
+          <p:nvPr/>
+        </p:nvCxnSpPr>
+        <p:spPr>
+          <a:xfrm flipV="1">
+            <a:off x="5744657" y="2128725"/>
+            <a:ext cx="1043847" cy="1784907"/>
+          </a:xfrm>
+          <a:prstGeom prst="straightConnector1">
+            <a:avLst/>
+          </a:prstGeom>
+          <a:ln>
+            <a:tailEnd type="triangle"/>
+          </a:ln>
+        </p:spPr>
+        <p:style>
+          <a:lnRef idx="3">
+            <a:schemeClr val="accent1"/>
+          </a:lnRef>
+          <a:fillRef idx="0">
+            <a:schemeClr val="accent1"/>
+          </a:fillRef>
+          <a:effectRef idx="2">
+            <a:schemeClr val="accent1"/>
+          </a:effectRef>
+          <a:fontRef idx="minor">
+            <a:schemeClr val="tx1"/>
+          </a:fontRef>
+        </p:style>
+      </p:cxnSp>
+      <p:sp>
+        <p:nvSpPr>
+          <p:cNvPr id="19" name="文本框 18">
+            <a:extLst>
+              <a:ext uri="{FF2B5EF4-FFF2-40B4-BE49-F238E27FC236}">
+                <a16:creationId xmlns:a16="http://schemas.microsoft.com/office/drawing/2014/main" id="{7A1B65F2-5EDD-1695-CF32-951EA8E137E3}"/>
+              </a:ext>
+            </a:extLst>
+          </p:cNvPr>
+          <p:cNvSpPr txBox="1"/>
+          <p:nvPr/>
+        </p:nvSpPr>
+        <p:spPr>
+          <a:xfrm>
+            <a:off x="5623345" y="2770902"/>
+            <a:ext cx="1535998" cy="307777"/>
+          </a:xfrm>
+          <a:prstGeom prst="rect">
+            <a:avLst/>
+          </a:prstGeom>
+          <a:noFill/>
+        </p:spPr>
+        <p:txBody>
+          <a:bodyPr wrap="none" rtlCol="0">
+            <a:spAutoFit/>
+          </a:bodyPr>
+          <a:lstStyle/>
+          <a:p>
+            <a:r>
+              <a:rPr lang="en-US" altLang="zh-CN" sz="1400" dirty="0"/>
+              <a:t>2</a:t>
+            </a:r>
+            <a:r>
+              <a:rPr lang="zh-CN" altLang="en-US" sz="1400" dirty="0"/>
+              <a:t>，提交写入日志</a:t>
+            </a:r>
+          </a:p>
+        </p:txBody>
+      </p:sp>
+      <p:cxnSp>
+        <p:nvCxnSpPr>
+          <p:cNvPr id="20" name="直接箭头连接符 19">
+            <a:extLst>
+              <a:ext uri="{FF2B5EF4-FFF2-40B4-BE49-F238E27FC236}">
+                <a16:creationId xmlns:a16="http://schemas.microsoft.com/office/drawing/2014/main" id="{7A19260C-65C2-D40E-5508-4A92FF310FA4}"/>
+              </a:ext>
+            </a:extLst>
+          </p:cNvPr>
+          <p:cNvCxnSpPr>
+            <a:cxnSpLocks/>
+            <a:stCxn id="6" idx="3"/>
+            <a:endCxn id="7" idx="1"/>
+          </p:cNvCxnSpPr>
+          <p:nvPr/>
+        </p:nvCxnSpPr>
+        <p:spPr>
+          <a:xfrm>
+            <a:off x="9019640" y="2128725"/>
+            <a:ext cx="1465480" cy="1228952"/>
+          </a:xfrm>
+          <a:prstGeom prst="straightConnector1">
+            <a:avLst/>
+          </a:prstGeom>
+          <a:ln>
+            <a:tailEnd type="triangle"/>
+          </a:ln>
+        </p:spPr>
+        <p:style>
+          <a:lnRef idx="3">
+            <a:schemeClr val="accent1"/>
+          </a:lnRef>
+          <a:fillRef idx="0">
+            <a:schemeClr val="accent1"/>
+          </a:fillRef>
+          <a:effectRef idx="2">
+            <a:schemeClr val="accent1"/>
+          </a:effectRef>
+          <a:fontRef idx="minor">
+            <a:schemeClr val="tx1"/>
+          </a:fontRef>
+        </p:style>
+      </p:cxnSp>
+      <p:cxnSp>
+        <p:nvCxnSpPr>
+          <p:cNvPr id="23" name="直接箭头连接符 22">
+            <a:extLst>
+              <a:ext uri="{FF2B5EF4-FFF2-40B4-BE49-F238E27FC236}">
+                <a16:creationId xmlns:a16="http://schemas.microsoft.com/office/drawing/2014/main" id="{A6FAFB73-C2F2-CCFB-87DA-6B11337200B8}"/>
+              </a:ext>
+            </a:extLst>
+          </p:cNvPr>
+          <p:cNvCxnSpPr>
+            <a:cxnSpLocks/>
+            <a:stCxn id="5" idx="4"/>
+            <a:endCxn id="7" idx="2"/>
+          </p:cNvCxnSpPr>
+          <p:nvPr/>
+        </p:nvCxnSpPr>
+        <p:spPr>
+          <a:xfrm>
+            <a:off x="5744657" y="3913632"/>
+            <a:ext cx="3763883" cy="0"/>
+          </a:xfrm>
+          <a:prstGeom prst="straightConnector1">
+            <a:avLst/>
+          </a:prstGeom>
+          <a:ln>
+            <a:tailEnd type="triangle"/>
+          </a:ln>
+        </p:spPr>
+        <p:style>
+          <a:lnRef idx="3">
+            <a:schemeClr val="accent1"/>
+          </a:lnRef>
+          <a:fillRef idx="0">
+            <a:schemeClr val="accent1"/>
+          </a:fillRef>
+          <a:effectRef idx="2">
+            <a:schemeClr val="accent1"/>
+          </a:effectRef>
+          <a:fontRef idx="minor">
+            <a:schemeClr val="tx1"/>
+          </a:fontRef>
+        </p:style>
+      </p:cxnSp>
+      <p:sp>
+        <p:nvSpPr>
+          <p:cNvPr id="27" name="文本框 26">
+            <a:extLst>
+              <a:ext uri="{FF2B5EF4-FFF2-40B4-BE49-F238E27FC236}">
+                <a16:creationId xmlns:a16="http://schemas.microsoft.com/office/drawing/2014/main" id="{FA7AA61D-5754-701B-686D-1279178F67A9}"/>
+              </a:ext>
+            </a:extLst>
+          </p:cNvPr>
+          <p:cNvSpPr txBox="1"/>
+          <p:nvPr/>
+        </p:nvSpPr>
+        <p:spPr>
+          <a:xfrm>
+            <a:off x="8787974" y="2585655"/>
+            <a:ext cx="1535998" cy="307777"/>
+          </a:xfrm>
+          <a:prstGeom prst="rect">
+            <a:avLst/>
+          </a:prstGeom>
+          <a:noFill/>
+        </p:spPr>
+        <p:txBody>
+          <a:bodyPr wrap="none" rtlCol="0">
+            <a:spAutoFit/>
+          </a:bodyPr>
+          <a:lstStyle/>
+          <a:p>
+            <a:r>
+              <a:rPr lang="en-US" altLang="zh-CN" sz="1400" dirty="0"/>
+              <a:t>3</a:t>
+            </a:r>
+            <a:r>
+              <a:rPr lang="zh-CN" altLang="en-US" sz="1400" dirty="0"/>
+              <a:t>，收到写入日志</a:t>
+            </a:r>
+          </a:p>
+        </p:txBody>
+      </p:sp>
+      <p:sp>
+        <p:nvSpPr>
+          <p:cNvPr id="28" name="文本框 27">
+            <a:extLst>
+              <a:ext uri="{FF2B5EF4-FFF2-40B4-BE49-F238E27FC236}">
+                <a16:creationId xmlns:a16="http://schemas.microsoft.com/office/drawing/2014/main" id="{94EC168A-3572-6221-ED20-810F81FA9C5E}"/>
+              </a:ext>
+            </a:extLst>
+          </p:cNvPr>
+          <p:cNvSpPr txBox="1"/>
+          <p:nvPr/>
+        </p:nvSpPr>
+        <p:spPr>
+          <a:xfrm>
+            <a:off x="6765497" y="3927993"/>
+            <a:ext cx="2254143" cy="307777"/>
+          </a:xfrm>
+          <a:prstGeom prst="rect">
+            <a:avLst/>
+          </a:prstGeom>
+          <a:noFill/>
+        </p:spPr>
+        <p:txBody>
+          <a:bodyPr wrap="none" rtlCol="0">
+            <a:spAutoFit/>
+          </a:bodyPr>
+          <a:lstStyle/>
+          <a:p>
+            <a:r>
+              <a:rPr lang="en-US" altLang="zh-CN" sz="1400" dirty="0"/>
+              <a:t>4</a:t>
+            </a:r>
+            <a:r>
+              <a:rPr lang="zh-CN" altLang="en-US" sz="1400" dirty="0"/>
+              <a:t>，从目录副本下载新数据</a:t>
+            </a:r>
+          </a:p>
+        </p:txBody>
+      </p:sp>
+    </p:spTree>
+    <p:extLst>
+      <p:ext uri="{BB962C8B-B14F-4D97-AF65-F5344CB8AC3E}">
+        <p14:creationId xmlns:p14="http://schemas.microsoft.com/office/powerpoint/2010/main" val="947246089"/>
+      </p:ext>
+    </p:extLst>
+  </p:cSld>
+  <p:clrMapOvr>
+    <a:masterClrMapping/>
+  </p:clrMapOvr>
+</p:sld>
+</file>
+
 <file path=ppt/theme/theme1.xml><?xml version="1.0" encoding="utf-8"?>
 <a:theme xmlns:a="http://schemas.openxmlformats.org/drawingml/2006/main" name="Office 主题​​">
   <a:themeElements>

--- a/clickhouse/Clickhouse.pptx
+++ b/clickhouse/Clickhouse.pptx
@@ -8,6 +8,9 @@
     <p:sldId id="256" r:id="rId2"/>
     <p:sldId id="257" r:id="rId3"/>
     <p:sldId id="258" r:id="rId4"/>
+    <p:sldId id="259" r:id="rId5"/>
+    <p:sldId id="260" r:id="rId6"/>
+    <p:sldId id="261" r:id="rId7"/>
   </p:sldIdLst>
   <p:sldSz cx="12192000" cy="6858000"/>
   <p:notesSz cx="6858000" cy="9144000"/>
@@ -261,7 +264,7 @@
           <a:p>
             <a:fld id="{1DCFACBB-E66A-42EF-8F6A-77DBE898C298}" type="datetimeFigureOut">
               <a:rPr lang="zh-CN" altLang="en-US" smtClean="0"/>
-              <a:t>2024/11/3</a:t>
+              <a:t>2024/11/5</a:t>
             </a:fld>
             <a:endParaRPr lang="zh-CN" altLang="en-US"/>
           </a:p>
@@ -459,7 +462,7 @@
           <a:p>
             <a:fld id="{1DCFACBB-E66A-42EF-8F6A-77DBE898C298}" type="datetimeFigureOut">
               <a:rPr lang="zh-CN" altLang="en-US" smtClean="0"/>
-              <a:t>2024/11/3</a:t>
+              <a:t>2024/11/5</a:t>
             </a:fld>
             <a:endParaRPr lang="zh-CN" altLang="en-US"/>
           </a:p>
@@ -667,7 +670,7 @@
           <a:p>
             <a:fld id="{1DCFACBB-E66A-42EF-8F6A-77DBE898C298}" type="datetimeFigureOut">
               <a:rPr lang="zh-CN" altLang="en-US" smtClean="0"/>
-              <a:t>2024/11/3</a:t>
+              <a:t>2024/11/5</a:t>
             </a:fld>
             <a:endParaRPr lang="zh-CN" altLang="en-US"/>
           </a:p>
@@ -865,7 +868,7 @@
           <a:p>
             <a:fld id="{1DCFACBB-E66A-42EF-8F6A-77DBE898C298}" type="datetimeFigureOut">
               <a:rPr lang="zh-CN" altLang="en-US" smtClean="0"/>
-              <a:t>2024/11/3</a:t>
+              <a:t>2024/11/5</a:t>
             </a:fld>
             <a:endParaRPr lang="zh-CN" altLang="en-US"/>
           </a:p>
@@ -1140,7 +1143,7 @@
           <a:p>
             <a:fld id="{1DCFACBB-E66A-42EF-8F6A-77DBE898C298}" type="datetimeFigureOut">
               <a:rPr lang="zh-CN" altLang="en-US" smtClean="0"/>
-              <a:t>2024/11/3</a:t>
+              <a:t>2024/11/5</a:t>
             </a:fld>
             <a:endParaRPr lang="zh-CN" altLang="en-US"/>
           </a:p>
@@ -1405,7 +1408,7 @@
           <a:p>
             <a:fld id="{1DCFACBB-E66A-42EF-8F6A-77DBE898C298}" type="datetimeFigureOut">
               <a:rPr lang="zh-CN" altLang="en-US" smtClean="0"/>
-              <a:t>2024/11/3</a:t>
+              <a:t>2024/11/5</a:t>
             </a:fld>
             <a:endParaRPr lang="zh-CN" altLang="en-US"/>
           </a:p>
@@ -1817,7 +1820,7 @@
           <a:p>
             <a:fld id="{1DCFACBB-E66A-42EF-8F6A-77DBE898C298}" type="datetimeFigureOut">
               <a:rPr lang="zh-CN" altLang="en-US" smtClean="0"/>
-              <a:t>2024/11/3</a:t>
+              <a:t>2024/11/5</a:t>
             </a:fld>
             <a:endParaRPr lang="zh-CN" altLang="en-US"/>
           </a:p>
@@ -1958,7 +1961,7 @@
           <a:p>
             <a:fld id="{1DCFACBB-E66A-42EF-8F6A-77DBE898C298}" type="datetimeFigureOut">
               <a:rPr lang="zh-CN" altLang="en-US" smtClean="0"/>
-              <a:t>2024/11/3</a:t>
+              <a:t>2024/11/5</a:t>
             </a:fld>
             <a:endParaRPr lang="zh-CN" altLang="en-US"/>
           </a:p>
@@ -2071,7 +2074,7 @@
           <a:p>
             <a:fld id="{1DCFACBB-E66A-42EF-8F6A-77DBE898C298}" type="datetimeFigureOut">
               <a:rPr lang="zh-CN" altLang="en-US" smtClean="0"/>
-              <a:t>2024/11/3</a:t>
+              <a:t>2024/11/5</a:t>
             </a:fld>
             <a:endParaRPr lang="zh-CN" altLang="en-US"/>
           </a:p>
@@ -2382,7 +2385,7 @@
           <a:p>
             <a:fld id="{1DCFACBB-E66A-42EF-8F6A-77DBE898C298}" type="datetimeFigureOut">
               <a:rPr lang="zh-CN" altLang="en-US" smtClean="0"/>
-              <a:t>2024/11/3</a:t>
+              <a:t>2024/11/5</a:t>
             </a:fld>
             <a:endParaRPr lang="zh-CN" altLang="en-US"/>
           </a:p>
@@ -2670,7 +2673,7 @@
           <a:p>
             <a:fld id="{1DCFACBB-E66A-42EF-8F6A-77DBE898C298}" type="datetimeFigureOut">
               <a:rPr lang="zh-CN" altLang="en-US" smtClean="0"/>
-              <a:t>2024/11/3</a:t>
+              <a:t>2024/11/5</a:t>
             </a:fld>
             <a:endParaRPr lang="zh-CN" altLang="en-US"/>
           </a:p>
@@ -2911,7 +2914,7 @@
           <a:p>
             <a:fld id="{1DCFACBB-E66A-42EF-8F6A-77DBE898C298}" type="datetimeFigureOut">
               <a:rPr lang="zh-CN" altLang="en-US" smtClean="0"/>
-              <a:t>2024/11/3</a:t>
+              <a:t>2024/11/5</a:t>
             </a:fld>
             <a:endParaRPr lang="zh-CN" altLang="en-US"/>
           </a:p>
@@ -4953,6 +4956,3333 @@
 </p:sld>
 </file>
 
+<file path=ppt/slides/slide4.xml><?xml version="1.0" encoding="utf-8"?>
+<p:sld xmlns:a="http://schemas.openxmlformats.org/drawingml/2006/main" xmlns:r="http://schemas.openxmlformats.org/officeDocument/2006/relationships" xmlns:p="http://schemas.openxmlformats.org/presentationml/2006/main">
+  <p:cSld>
+    <p:spTree>
+      <p:nvGrpSpPr>
+        <p:cNvPr id="1" name=""/>
+        <p:cNvGrpSpPr/>
+        <p:nvPr/>
+      </p:nvGrpSpPr>
+      <p:grpSpPr>
+        <a:xfrm>
+          <a:off x="0" y="0"/>
+          <a:ext cx="0" cy="0"/>
+          <a:chOff x="0" y="0"/>
+          <a:chExt cx="0" cy="0"/>
+        </a:xfrm>
+      </p:grpSpPr>
+      <p:sp>
+        <p:nvSpPr>
+          <p:cNvPr id="4" name="矩形: 圆角 3">
+            <a:extLst>
+              <a:ext uri="{FF2B5EF4-FFF2-40B4-BE49-F238E27FC236}">
+                <a16:creationId xmlns:a16="http://schemas.microsoft.com/office/drawing/2014/main" id="{718B4064-7C1D-07B3-30C5-ADFD56A25455}"/>
+              </a:ext>
+            </a:extLst>
+          </p:cNvPr>
+          <p:cNvSpPr/>
+          <p:nvPr/>
+        </p:nvSpPr>
+        <p:spPr>
+          <a:xfrm>
+            <a:off x="4434251" y="1471748"/>
+            <a:ext cx="2779939" cy="783771"/>
+          </a:xfrm>
+          <a:prstGeom prst="roundRect">
+            <a:avLst/>
+          </a:prstGeom>
+        </p:spPr>
+        <p:style>
+          <a:lnRef idx="1">
+            <a:schemeClr val="accent2"/>
+          </a:lnRef>
+          <a:fillRef idx="2">
+            <a:schemeClr val="accent2"/>
+          </a:fillRef>
+          <a:effectRef idx="1">
+            <a:schemeClr val="accent2"/>
+          </a:effectRef>
+          <a:fontRef idx="minor">
+            <a:schemeClr val="dk1"/>
+          </a:fontRef>
+        </p:style>
+        <p:txBody>
+          <a:bodyPr rtlCol="0" anchor="ctr"/>
+          <a:lstStyle/>
+          <a:p>
+            <a:pPr algn="ctr"/>
+            <a:r>
+              <a:rPr lang="en-US" altLang="zh-CN" dirty="0"/>
+              <a:t>distribute</a:t>
+            </a:r>
+          </a:p>
+          <a:p>
+            <a:pPr algn="ctr"/>
+            <a:r>
+              <a:rPr lang="en-US" altLang="zh-CN" dirty="0"/>
+              <a:t>os01</a:t>
+            </a:r>
+            <a:endParaRPr lang="zh-CN" altLang="en-US" dirty="0"/>
+          </a:p>
+        </p:txBody>
+      </p:sp>
+      <p:sp>
+        <p:nvSpPr>
+          <p:cNvPr id="5" name="矩形 4">
+            <a:extLst>
+              <a:ext uri="{FF2B5EF4-FFF2-40B4-BE49-F238E27FC236}">
+                <a16:creationId xmlns:a16="http://schemas.microsoft.com/office/drawing/2014/main" id="{EDDD0F0B-D68E-6353-19D4-5F414B64918B}"/>
+              </a:ext>
+            </a:extLst>
+          </p:cNvPr>
+          <p:cNvSpPr/>
+          <p:nvPr/>
+        </p:nvSpPr>
+        <p:spPr>
+          <a:xfrm>
+            <a:off x="1193709" y="3341371"/>
+            <a:ext cx="2000250" cy="640897"/>
+          </a:xfrm>
+          <a:prstGeom prst="rect">
+            <a:avLst/>
+          </a:prstGeom>
+        </p:spPr>
+        <p:style>
+          <a:lnRef idx="1">
+            <a:schemeClr val="accent5"/>
+          </a:lnRef>
+          <a:fillRef idx="2">
+            <a:schemeClr val="accent5"/>
+          </a:fillRef>
+          <a:effectRef idx="1">
+            <a:schemeClr val="accent5"/>
+          </a:effectRef>
+          <a:fontRef idx="minor">
+            <a:schemeClr val="dk1"/>
+          </a:fontRef>
+        </p:style>
+        <p:txBody>
+          <a:bodyPr rtlCol="0" anchor="ctr"/>
+          <a:lstStyle/>
+          <a:p>
+            <a:pPr algn="ctr"/>
+            <a:r>
+              <a:rPr lang="en-US" altLang="zh-CN" dirty="0"/>
+              <a:t>os01</a:t>
+            </a:r>
+          </a:p>
+          <a:p>
+            <a:pPr algn="ctr"/>
+            <a:r>
+              <a:rPr lang="en-US" altLang="zh-CN" dirty="0"/>
+              <a:t>s1r1</a:t>
+            </a:r>
+            <a:endParaRPr lang="zh-CN" altLang="en-US" dirty="0"/>
+          </a:p>
+        </p:txBody>
+      </p:sp>
+      <p:sp>
+        <p:nvSpPr>
+          <p:cNvPr id="6" name="矩形 5">
+            <a:extLst>
+              <a:ext uri="{FF2B5EF4-FFF2-40B4-BE49-F238E27FC236}">
+                <a16:creationId xmlns:a16="http://schemas.microsoft.com/office/drawing/2014/main" id="{3AD652FD-8122-1ECD-11FE-8C05BA74DFA8}"/>
+              </a:ext>
+            </a:extLst>
+          </p:cNvPr>
+          <p:cNvSpPr/>
+          <p:nvPr/>
+        </p:nvSpPr>
+        <p:spPr>
+          <a:xfrm>
+            <a:off x="1193709" y="5179696"/>
+            <a:ext cx="2000250" cy="640897"/>
+          </a:xfrm>
+          <a:prstGeom prst="rect">
+            <a:avLst/>
+          </a:prstGeom>
+        </p:spPr>
+        <p:style>
+          <a:lnRef idx="1">
+            <a:schemeClr val="accent5"/>
+          </a:lnRef>
+          <a:fillRef idx="2">
+            <a:schemeClr val="accent5"/>
+          </a:fillRef>
+          <a:effectRef idx="1">
+            <a:schemeClr val="accent5"/>
+          </a:effectRef>
+          <a:fontRef idx="minor">
+            <a:schemeClr val="dk1"/>
+          </a:fontRef>
+        </p:style>
+        <p:txBody>
+          <a:bodyPr rtlCol="0" anchor="ctr"/>
+          <a:lstStyle/>
+          <a:p>
+            <a:pPr algn="ctr"/>
+            <a:r>
+              <a:rPr lang="en-US" altLang="zh-CN" dirty="0"/>
+              <a:t>os02</a:t>
+            </a:r>
+          </a:p>
+          <a:p>
+            <a:pPr algn="ctr"/>
+            <a:r>
+              <a:rPr lang="en-US" altLang="zh-CN" dirty="0"/>
+              <a:t>s1r2</a:t>
+            </a:r>
+            <a:endParaRPr lang="zh-CN" altLang="en-US" dirty="0"/>
+          </a:p>
+        </p:txBody>
+      </p:sp>
+      <p:sp>
+        <p:nvSpPr>
+          <p:cNvPr id="7" name="矩形 6">
+            <a:extLst>
+              <a:ext uri="{FF2B5EF4-FFF2-40B4-BE49-F238E27FC236}">
+                <a16:creationId xmlns:a16="http://schemas.microsoft.com/office/drawing/2014/main" id="{F77824E2-48FD-2C5A-1CB2-15CE2C170ACC}"/>
+              </a:ext>
+            </a:extLst>
+          </p:cNvPr>
+          <p:cNvSpPr/>
+          <p:nvPr/>
+        </p:nvSpPr>
+        <p:spPr>
+          <a:xfrm>
+            <a:off x="4824096" y="3341369"/>
+            <a:ext cx="2000250" cy="640897"/>
+          </a:xfrm>
+          <a:prstGeom prst="rect">
+            <a:avLst/>
+          </a:prstGeom>
+        </p:spPr>
+        <p:style>
+          <a:lnRef idx="1">
+            <a:schemeClr val="accent5"/>
+          </a:lnRef>
+          <a:fillRef idx="2">
+            <a:schemeClr val="accent5"/>
+          </a:fillRef>
+          <a:effectRef idx="1">
+            <a:schemeClr val="accent5"/>
+          </a:effectRef>
+          <a:fontRef idx="minor">
+            <a:schemeClr val="dk1"/>
+          </a:fontRef>
+        </p:style>
+        <p:txBody>
+          <a:bodyPr rtlCol="0" anchor="ctr"/>
+          <a:lstStyle/>
+          <a:p>
+            <a:pPr algn="ctr"/>
+            <a:r>
+              <a:rPr lang="en-US" altLang="zh-CN" dirty="0"/>
+              <a:t>os03</a:t>
+            </a:r>
+          </a:p>
+          <a:p>
+            <a:pPr algn="ctr"/>
+            <a:r>
+              <a:rPr lang="en-US" altLang="zh-CN" dirty="0"/>
+              <a:t>s2r3</a:t>
+            </a:r>
+            <a:endParaRPr lang="zh-CN" altLang="en-US" dirty="0"/>
+          </a:p>
+        </p:txBody>
+      </p:sp>
+      <p:sp>
+        <p:nvSpPr>
+          <p:cNvPr id="8" name="矩形 7">
+            <a:extLst>
+              <a:ext uri="{FF2B5EF4-FFF2-40B4-BE49-F238E27FC236}">
+                <a16:creationId xmlns:a16="http://schemas.microsoft.com/office/drawing/2014/main" id="{B4ADC647-8631-076B-936A-6A9239BD6654}"/>
+              </a:ext>
+            </a:extLst>
+          </p:cNvPr>
+          <p:cNvSpPr/>
+          <p:nvPr/>
+        </p:nvSpPr>
+        <p:spPr>
+          <a:xfrm>
+            <a:off x="8287113" y="3341370"/>
+            <a:ext cx="2000250" cy="640897"/>
+          </a:xfrm>
+          <a:prstGeom prst="rect">
+            <a:avLst/>
+          </a:prstGeom>
+        </p:spPr>
+        <p:style>
+          <a:lnRef idx="1">
+            <a:schemeClr val="accent5"/>
+          </a:lnRef>
+          <a:fillRef idx="2">
+            <a:schemeClr val="accent5"/>
+          </a:fillRef>
+          <a:effectRef idx="1">
+            <a:schemeClr val="accent5"/>
+          </a:effectRef>
+          <a:fontRef idx="minor">
+            <a:schemeClr val="dk1"/>
+          </a:fontRef>
+        </p:style>
+        <p:txBody>
+          <a:bodyPr rtlCol="0" anchor="ctr"/>
+          <a:lstStyle/>
+          <a:p>
+            <a:pPr algn="ctr"/>
+            <a:r>
+              <a:rPr lang="en-US" altLang="zh-CN" dirty="0"/>
+              <a:t>os05</a:t>
+            </a:r>
+          </a:p>
+          <a:p>
+            <a:pPr algn="ctr"/>
+            <a:r>
+              <a:rPr lang="en-US" altLang="zh-CN" dirty="0"/>
+              <a:t>s3r5</a:t>
+            </a:r>
+            <a:endParaRPr lang="zh-CN" altLang="en-US" dirty="0"/>
+          </a:p>
+        </p:txBody>
+      </p:sp>
+      <p:sp>
+        <p:nvSpPr>
+          <p:cNvPr id="9" name="矩形 8">
+            <a:extLst>
+              <a:ext uri="{FF2B5EF4-FFF2-40B4-BE49-F238E27FC236}">
+                <a16:creationId xmlns:a16="http://schemas.microsoft.com/office/drawing/2014/main" id="{00BED8B4-1B52-7994-6CD8-49E0B177E7C4}"/>
+              </a:ext>
+            </a:extLst>
+          </p:cNvPr>
+          <p:cNvSpPr/>
+          <p:nvPr/>
+        </p:nvSpPr>
+        <p:spPr>
+          <a:xfrm>
+            <a:off x="4824096" y="5179696"/>
+            <a:ext cx="2000250" cy="640897"/>
+          </a:xfrm>
+          <a:prstGeom prst="rect">
+            <a:avLst/>
+          </a:prstGeom>
+        </p:spPr>
+        <p:style>
+          <a:lnRef idx="1">
+            <a:schemeClr val="accent5"/>
+          </a:lnRef>
+          <a:fillRef idx="2">
+            <a:schemeClr val="accent5"/>
+          </a:fillRef>
+          <a:effectRef idx="1">
+            <a:schemeClr val="accent5"/>
+          </a:effectRef>
+          <a:fontRef idx="minor">
+            <a:schemeClr val="dk1"/>
+          </a:fontRef>
+        </p:style>
+        <p:txBody>
+          <a:bodyPr rtlCol="0" anchor="ctr"/>
+          <a:lstStyle/>
+          <a:p>
+            <a:pPr algn="ctr"/>
+            <a:r>
+              <a:rPr lang="en-US" altLang="zh-CN" dirty="0"/>
+              <a:t>os04</a:t>
+            </a:r>
+          </a:p>
+          <a:p>
+            <a:pPr algn="ctr"/>
+            <a:r>
+              <a:rPr lang="en-US" altLang="zh-CN" dirty="0"/>
+              <a:t>s2r4</a:t>
+            </a:r>
+            <a:endParaRPr lang="zh-CN" altLang="en-US" dirty="0"/>
+          </a:p>
+        </p:txBody>
+      </p:sp>
+      <p:sp>
+        <p:nvSpPr>
+          <p:cNvPr id="10" name="矩形 9">
+            <a:extLst>
+              <a:ext uri="{FF2B5EF4-FFF2-40B4-BE49-F238E27FC236}">
+                <a16:creationId xmlns:a16="http://schemas.microsoft.com/office/drawing/2014/main" id="{A7AD4521-FA99-B200-670E-94708410BA5F}"/>
+              </a:ext>
+            </a:extLst>
+          </p:cNvPr>
+          <p:cNvSpPr/>
+          <p:nvPr/>
+        </p:nvSpPr>
+        <p:spPr>
+          <a:xfrm>
+            <a:off x="8287113" y="5179695"/>
+            <a:ext cx="2000250" cy="640897"/>
+          </a:xfrm>
+          <a:prstGeom prst="rect">
+            <a:avLst/>
+          </a:prstGeom>
+        </p:spPr>
+        <p:style>
+          <a:lnRef idx="1">
+            <a:schemeClr val="accent5"/>
+          </a:lnRef>
+          <a:fillRef idx="2">
+            <a:schemeClr val="accent5"/>
+          </a:fillRef>
+          <a:effectRef idx="1">
+            <a:schemeClr val="accent5"/>
+          </a:effectRef>
+          <a:fontRef idx="minor">
+            <a:schemeClr val="dk1"/>
+          </a:fontRef>
+        </p:style>
+        <p:txBody>
+          <a:bodyPr rtlCol="0" anchor="ctr"/>
+          <a:lstStyle/>
+          <a:p>
+            <a:pPr algn="ctr"/>
+            <a:r>
+              <a:rPr lang="en-US" altLang="zh-CN" dirty="0"/>
+              <a:t>os06</a:t>
+            </a:r>
+          </a:p>
+          <a:p>
+            <a:pPr algn="ctr"/>
+            <a:r>
+              <a:rPr lang="en-US" altLang="zh-CN" dirty="0"/>
+              <a:t>s3r6</a:t>
+            </a:r>
+            <a:endParaRPr lang="zh-CN" altLang="en-US" dirty="0"/>
+          </a:p>
+        </p:txBody>
+      </p:sp>
+      <p:sp>
+        <p:nvSpPr>
+          <p:cNvPr id="11" name="文本框 10">
+            <a:extLst>
+              <a:ext uri="{FF2B5EF4-FFF2-40B4-BE49-F238E27FC236}">
+                <a16:creationId xmlns:a16="http://schemas.microsoft.com/office/drawing/2014/main" id="{3BA2E647-5D36-F09A-CEA5-A39C4D3CFB51}"/>
+              </a:ext>
+            </a:extLst>
+          </p:cNvPr>
+          <p:cNvSpPr txBox="1"/>
+          <p:nvPr/>
+        </p:nvSpPr>
+        <p:spPr>
+          <a:xfrm>
+            <a:off x="4473416" y="385898"/>
+            <a:ext cx="2396810" cy="369332"/>
+          </a:xfrm>
+          <a:prstGeom prst="rect">
+            <a:avLst/>
+          </a:prstGeom>
+        </p:spPr>
+        <p:style>
+          <a:lnRef idx="2">
+            <a:schemeClr val="accent1"/>
+          </a:lnRef>
+          <a:fillRef idx="1">
+            <a:schemeClr val="lt1"/>
+          </a:fillRef>
+          <a:effectRef idx="0">
+            <a:schemeClr val="accent1"/>
+          </a:effectRef>
+          <a:fontRef idx="minor">
+            <a:schemeClr val="dk1"/>
+          </a:fontRef>
+        </p:style>
+        <p:txBody>
+          <a:bodyPr wrap="none" rtlCol="0">
+            <a:spAutoFit/>
+          </a:bodyPr>
+          <a:lstStyle/>
+          <a:p>
+            <a:r>
+              <a:rPr lang="en-US" altLang="zh-CN" dirty="0"/>
+              <a:t>3</a:t>
+            </a:r>
+            <a:r>
+              <a:rPr lang="zh-CN" altLang="en-US" dirty="0"/>
+              <a:t>分片</a:t>
+            </a:r>
+            <a:r>
+              <a:rPr lang="en-US" altLang="zh-CN" dirty="0"/>
+              <a:t>2</a:t>
+            </a:r>
+            <a:r>
+              <a:rPr lang="zh-CN" altLang="en-US" dirty="0"/>
+              <a:t>副本共</a:t>
+            </a:r>
+            <a:r>
+              <a:rPr lang="en-US" altLang="zh-CN" dirty="0"/>
+              <a:t>6</a:t>
+            </a:r>
+            <a:r>
+              <a:rPr lang="zh-CN" altLang="en-US" dirty="0"/>
+              <a:t>个节点</a:t>
+            </a:r>
+          </a:p>
+        </p:txBody>
+      </p:sp>
+      <p:sp>
+        <p:nvSpPr>
+          <p:cNvPr id="13" name="文本框 12">
+            <a:extLst>
+              <a:ext uri="{FF2B5EF4-FFF2-40B4-BE49-F238E27FC236}">
+                <a16:creationId xmlns:a16="http://schemas.microsoft.com/office/drawing/2014/main" id="{5580DE6B-3F77-25DA-5A99-79586AB8321A}"/>
+              </a:ext>
+            </a:extLst>
+          </p:cNvPr>
+          <p:cNvSpPr txBox="1"/>
+          <p:nvPr/>
+        </p:nvSpPr>
+        <p:spPr>
+          <a:xfrm>
+            <a:off x="9530080" y="553720"/>
+            <a:ext cx="2066591" cy="369332"/>
+          </a:xfrm>
+          <a:prstGeom prst="rect">
+            <a:avLst/>
+          </a:prstGeom>
+          <a:noFill/>
+        </p:spPr>
+        <p:txBody>
+          <a:bodyPr wrap="none" rtlCol="0">
+            <a:spAutoFit/>
+          </a:bodyPr>
+          <a:lstStyle/>
+          <a:p>
+            <a:r>
+              <a:rPr lang="en-US" altLang="zh-CN" dirty="0" err="1"/>
+              <a:t>Internal_replication</a:t>
+            </a:r>
+            <a:endParaRPr lang="zh-CN" altLang="en-US" dirty="0"/>
+          </a:p>
+        </p:txBody>
+      </p:sp>
+      <p:cxnSp>
+        <p:nvCxnSpPr>
+          <p:cNvPr id="15" name="直接箭头连接符 14">
+            <a:extLst>
+              <a:ext uri="{FF2B5EF4-FFF2-40B4-BE49-F238E27FC236}">
+                <a16:creationId xmlns:a16="http://schemas.microsoft.com/office/drawing/2014/main" id="{4BCF18C8-B5EC-CD5C-5C0F-E85BE91DBADD}"/>
+              </a:ext>
+            </a:extLst>
+          </p:cNvPr>
+          <p:cNvCxnSpPr>
+            <a:cxnSpLocks/>
+            <a:stCxn id="16" idx="1"/>
+          </p:cNvCxnSpPr>
+          <p:nvPr/>
+        </p:nvCxnSpPr>
+        <p:spPr>
+          <a:xfrm flipH="1">
+            <a:off x="9522047" y="1295790"/>
+            <a:ext cx="1442720" cy="0"/>
+          </a:xfrm>
+          <a:prstGeom prst="straightConnector1">
+            <a:avLst/>
+          </a:prstGeom>
+          <a:ln w="25400" cmpd="sng">
+            <a:prstDash val="dash"/>
+            <a:round/>
+            <a:tailEnd type="triangle"/>
+          </a:ln>
+        </p:spPr>
+        <p:style>
+          <a:lnRef idx="3">
+            <a:schemeClr val="accent1"/>
+          </a:lnRef>
+          <a:fillRef idx="0">
+            <a:schemeClr val="accent1"/>
+          </a:fillRef>
+          <a:effectRef idx="2">
+            <a:schemeClr val="accent1"/>
+          </a:effectRef>
+          <a:fontRef idx="minor">
+            <a:schemeClr val="tx1"/>
+          </a:fontRef>
+        </p:style>
+      </p:cxnSp>
+      <p:sp>
+        <p:nvSpPr>
+          <p:cNvPr id="16" name="文本框 15">
+            <a:extLst>
+              <a:ext uri="{FF2B5EF4-FFF2-40B4-BE49-F238E27FC236}">
+                <a16:creationId xmlns:a16="http://schemas.microsoft.com/office/drawing/2014/main" id="{3C6377F8-1D03-FE95-2ACA-576519EAD3BB}"/>
+              </a:ext>
+            </a:extLst>
+          </p:cNvPr>
+          <p:cNvSpPr txBox="1"/>
+          <p:nvPr/>
+        </p:nvSpPr>
+        <p:spPr>
+          <a:xfrm>
+            <a:off x="10964767" y="1111124"/>
+            <a:ext cx="631904" cy="369332"/>
+          </a:xfrm>
+          <a:prstGeom prst="rect">
+            <a:avLst/>
+          </a:prstGeom>
+          <a:noFill/>
+        </p:spPr>
+        <p:txBody>
+          <a:bodyPr wrap="none" rtlCol="0">
+            <a:spAutoFit/>
+          </a:bodyPr>
+          <a:lstStyle/>
+          <a:p>
+            <a:r>
+              <a:rPr lang="en-US" altLang="zh-CN" dirty="0"/>
+              <a:t>false</a:t>
+            </a:r>
+            <a:endParaRPr lang="zh-CN" altLang="en-US" dirty="0"/>
+          </a:p>
+        </p:txBody>
+      </p:sp>
+      <p:cxnSp>
+        <p:nvCxnSpPr>
+          <p:cNvPr id="17" name="直接箭头连接符 16">
+            <a:extLst>
+              <a:ext uri="{FF2B5EF4-FFF2-40B4-BE49-F238E27FC236}">
+                <a16:creationId xmlns:a16="http://schemas.microsoft.com/office/drawing/2014/main" id="{6B5D8566-2166-43BB-54F0-7975D7C1C0F8}"/>
+              </a:ext>
+            </a:extLst>
+          </p:cNvPr>
+          <p:cNvCxnSpPr>
+            <a:cxnSpLocks/>
+          </p:cNvCxnSpPr>
+          <p:nvPr/>
+        </p:nvCxnSpPr>
+        <p:spPr>
+          <a:xfrm flipH="1">
+            <a:off x="5725171" y="923052"/>
+            <a:ext cx="1391909" cy="548696"/>
+          </a:xfrm>
+          <a:prstGeom prst="straightConnector1">
+            <a:avLst/>
+          </a:prstGeom>
+          <a:ln w="38100" cmpd="sng">
+            <a:solidFill>
+              <a:schemeClr val="accent5"/>
+            </a:solidFill>
+            <a:prstDash val="solid"/>
+            <a:round/>
+            <a:tailEnd type="triangle"/>
+          </a:ln>
+        </p:spPr>
+        <p:style>
+          <a:lnRef idx="3">
+            <a:schemeClr val="accent1"/>
+          </a:lnRef>
+          <a:fillRef idx="0">
+            <a:schemeClr val="accent1"/>
+          </a:fillRef>
+          <a:effectRef idx="2">
+            <a:schemeClr val="accent1"/>
+          </a:effectRef>
+          <a:fontRef idx="minor">
+            <a:schemeClr val="tx1"/>
+          </a:fontRef>
+        </p:style>
+      </p:cxnSp>
+      <p:cxnSp>
+        <p:nvCxnSpPr>
+          <p:cNvPr id="19" name="直接箭头连接符 18">
+            <a:extLst>
+              <a:ext uri="{FF2B5EF4-FFF2-40B4-BE49-F238E27FC236}">
+                <a16:creationId xmlns:a16="http://schemas.microsoft.com/office/drawing/2014/main" id="{A47F000B-2223-648F-4CF3-783BB2249F79}"/>
+              </a:ext>
+            </a:extLst>
+          </p:cNvPr>
+          <p:cNvCxnSpPr>
+            <a:cxnSpLocks/>
+            <a:stCxn id="4" idx="2"/>
+            <a:endCxn id="5" idx="3"/>
+          </p:cNvCxnSpPr>
+          <p:nvPr/>
+        </p:nvCxnSpPr>
+        <p:spPr>
+          <a:xfrm flipH="1">
+            <a:off x="3193959" y="2255519"/>
+            <a:ext cx="2630262" cy="1406301"/>
+          </a:xfrm>
+          <a:prstGeom prst="straightConnector1">
+            <a:avLst/>
+          </a:prstGeom>
+          <a:ln w="25400" cmpd="sng">
+            <a:prstDash val="dash"/>
+            <a:round/>
+            <a:tailEnd type="triangle"/>
+          </a:ln>
+        </p:spPr>
+        <p:style>
+          <a:lnRef idx="3">
+            <a:schemeClr val="accent1"/>
+          </a:lnRef>
+          <a:fillRef idx="0">
+            <a:schemeClr val="accent1"/>
+          </a:fillRef>
+          <a:effectRef idx="2">
+            <a:schemeClr val="accent1"/>
+          </a:effectRef>
+          <a:fontRef idx="minor">
+            <a:schemeClr val="tx1"/>
+          </a:fontRef>
+        </p:style>
+      </p:cxnSp>
+      <p:cxnSp>
+        <p:nvCxnSpPr>
+          <p:cNvPr id="21" name="直接箭头连接符 20">
+            <a:extLst>
+              <a:ext uri="{FF2B5EF4-FFF2-40B4-BE49-F238E27FC236}">
+                <a16:creationId xmlns:a16="http://schemas.microsoft.com/office/drawing/2014/main" id="{98399BBF-4407-27D4-D5C8-0259DD64694F}"/>
+              </a:ext>
+            </a:extLst>
+          </p:cNvPr>
+          <p:cNvCxnSpPr>
+            <a:cxnSpLocks/>
+            <a:stCxn id="4" idx="2"/>
+            <a:endCxn id="6" idx="3"/>
+          </p:cNvCxnSpPr>
+          <p:nvPr/>
+        </p:nvCxnSpPr>
+        <p:spPr>
+          <a:xfrm flipH="1">
+            <a:off x="3193959" y="2255519"/>
+            <a:ext cx="2630262" cy="3244626"/>
+          </a:xfrm>
+          <a:prstGeom prst="straightConnector1">
+            <a:avLst/>
+          </a:prstGeom>
+          <a:ln w="25400" cmpd="sng">
+            <a:prstDash val="dash"/>
+            <a:round/>
+            <a:tailEnd type="triangle"/>
+          </a:ln>
+        </p:spPr>
+        <p:style>
+          <a:lnRef idx="3">
+            <a:schemeClr val="accent1"/>
+          </a:lnRef>
+          <a:fillRef idx="0">
+            <a:schemeClr val="accent1"/>
+          </a:fillRef>
+          <a:effectRef idx="2">
+            <a:schemeClr val="accent1"/>
+          </a:effectRef>
+          <a:fontRef idx="minor">
+            <a:schemeClr val="tx1"/>
+          </a:fontRef>
+        </p:style>
+      </p:cxnSp>
+      <p:cxnSp>
+        <p:nvCxnSpPr>
+          <p:cNvPr id="25" name="直接箭头连接符 24">
+            <a:extLst>
+              <a:ext uri="{FF2B5EF4-FFF2-40B4-BE49-F238E27FC236}">
+                <a16:creationId xmlns:a16="http://schemas.microsoft.com/office/drawing/2014/main" id="{D077FFE7-1153-E244-9FD0-AD5F5A4E2151}"/>
+              </a:ext>
+            </a:extLst>
+          </p:cNvPr>
+          <p:cNvCxnSpPr>
+            <a:cxnSpLocks/>
+            <a:stCxn id="28" idx="2"/>
+            <a:endCxn id="8" idx="1"/>
+          </p:cNvCxnSpPr>
+          <p:nvPr/>
+        </p:nvCxnSpPr>
+        <p:spPr>
+          <a:xfrm>
+            <a:off x="7385345" y="2194367"/>
+            <a:ext cx="901768" cy="1467452"/>
+          </a:xfrm>
+          <a:prstGeom prst="straightConnector1">
+            <a:avLst/>
+          </a:prstGeom>
+          <a:ln w="25400" cmpd="sng">
+            <a:prstDash val="dash"/>
+            <a:round/>
+            <a:tailEnd type="triangle"/>
+          </a:ln>
+        </p:spPr>
+        <p:style>
+          <a:lnRef idx="3">
+            <a:schemeClr val="accent1"/>
+          </a:lnRef>
+          <a:fillRef idx="0">
+            <a:schemeClr val="accent1"/>
+          </a:fillRef>
+          <a:effectRef idx="2">
+            <a:schemeClr val="accent1"/>
+          </a:effectRef>
+          <a:fontRef idx="minor">
+            <a:schemeClr val="tx1"/>
+          </a:fontRef>
+        </p:style>
+      </p:cxnSp>
+      <p:sp>
+        <p:nvSpPr>
+          <p:cNvPr id="28" name="矩形 27">
+            <a:extLst>
+              <a:ext uri="{FF2B5EF4-FFF2-40B4-BE49-F238E27FC236}">
+                <a16:creationId xmlns:a16="http://schemas.microsoft.com/office/drawing/2014/main" id="{14EE69C7-1B96-615B-E2AD-A0D304861C78}"/>
+              </a:ext>
+            </a:extLst>
+          </p:cNvPr>
+          <p:cNvSpPr/>
+          <p:nvPr/>
+        </p:nvSpPr>
+        <p:spPr>
+          <a:xfrm>
+            <a:off x="6520769" y="1761840"/>
+            <a:ext cx="1729151" cy="432527"/>
+          </a:xfrm>
+          <a:prstGeom prst="rect">
+            <a:avLst/>
+          </a:prstGeom>
+        </p:spPr>
+        <p:style>
+          <a:lnRef idx="1">
+            <a:schemeClr val="accent4"/>
+          </a:lnRef>
+          <a:fillRef idx="2">
+            <a:schemeClr val="accent4"/>
+          </a:fillRef>
+          <a:effectRef idx="1">
+            <a:schemeClr val="accent4"/>
+          </a:effectRef>
+          <a:fontRef idx="minor">
+            <a:schemeClr val="dk1"/>
+          </a:fontRef>
+        </p:style>
+        <p:txBody>
+          <a:bodyPr rtlCol="0" anchor="ctr"/>
+          <a:lstStyle/>
+          <a:p>
+            <a:pPr algn="ctr"/>
+            <a:r>
+              <a:rPr lang="en-US" altLang="zh-CN" sz="1200" dirty="0"/>
+              <a:t>remote-shard-data-temp-partition</a:t>
+            </a:r>
+            <a:endParaRPr lang="zh-CN" altLang="en-US" sz="1200" dirty="0"/>
+          </a:p>
+        </p:txBody>
+      </p:sp>
+      <p:sp>
+        <p:nvSpPr>
+          <p:cNvPr id="31" name="矩形 30">
+            <a:extLst>
+              <a:ext uri="{FF2B5EF4-FFF2-40B4-BE49-F238E27FC236}">
+                <a16:creationId xmlns:a16="http://schemas.microsoft.com/office/drawing/2014/main" id="{BEFB2753-4BED-FD16-397A-777B8D9590CD}"/>
+              </a:ext>
+            </a:extLst>
+          </p:cNvPr>
+          <p:cNvSpPr/>
+          <p:nvPr/>
+        </p:nvSpPr>
+        <p:spPr>
+          <a:xfrm>
+            <a:off x="375115" y="3445553"/>
+            <a:ext cx="1174546" cy="432527"/>
+          </a:xfrm>
+          <a:prstGeom prst="rect">
+            <a:avLst/>
+          </a:prstGeom>
+        </p:spPr>
+        <p:style>
+          <a:lnRef idx="1">
+            <a:schemeClr val="accent4"/>
+          </a:lnRef>
+          <a:fillRef idx="2">
+            <a:schemeClr val="accent4"/>
+          </a:fillRef>
+          <a:effectRef idx="1">
+            <a:schemeClr val="accent4"/>
+          </a:effectRef>
+          <a:fontRef idx="minor">
+            <a:schemeClr val="dk1"/>
+          </a:fontRef>
+        </p:style>
+        <p:txBody>
+          <a:bodyPr rtlCol="0" anchor="ctr"/>
+          <a:lstStyle/>
+          <a:p>
+            <a:pPr algn="ctr"/>
+            <a:r>
+              <a:rPr lang="en-US" altLang="zh-CN" sz="1000" dirty="0"/>
+              <a:t>Local-shard-data-partition</a:t>
+            </a:r>
+            <a:endParaRPr lang="zh-CN" altLang="en-US" sz="1000" dirty="0"/>
+          </a:p>
+        </p:txBody>
+      </p:sp>
+      <p:cxnSp>
+        <p:nvCxnSpPr>
+          <p:cNvPr id="32" name="直接箭头连接符 31">
+            <a:extLst>
+              <a:ext uri="{FF2B5EF4-FFF2-40B4-BE49-F238E27FC236}">
+                <a16:creationId xmlns:a16="http://schemas.microsoft.com/office/drawing/2014/main" id="{F85F471F-E102-E40A-E32A-522E20262FEA}"/>
+              </a:ext>
+            </a:extLst>
+          </p:cNvPr>
+          <p:cNvCxnSpPr>
+            <a:cxnSpLocks/>
+            <a:stCxn id="28" idx="2"/>
+            <a:endCxn id="7" idx="3"/>
+          </p:cNvCxnSpPr>
+          <p:nvPr/>
+        </p:nvCxnSpPr>
+        <p:spPr>
+          <a:xfrm flipH="1">
+            <a:off x="6824346" y="2194367"/>
+            <a:ext cx="560999" cy="1467451"/>
+          </a:xfrm>
+          <a:prstGeom prst="straightConnector1">
+            <a:avLst/>
+          </a:prstGeom>
+          <a:ln w="25400" cmpd="sng">
+            <a:prstDash val="dash"/>
+            <a:round/>
+            <a:tailEnd type="triangle"/>
+          </a:ln>
+        </p:spPr>
+        <p:style>
+          <a:lnRef idx="3">
+            <a:schemeClr val="accent1"/>
+          </a:lnRef>
+          <a:fillRef idx="0">
+            <a:schemeClr val="accent1"/>
+          </a:fillRef>
+          <a:effectRef idx="2">
+            <a:schemeClr val="accent1"/>
+          </a:effectRef>
+          <a:fontRef idx="minor">
+            <a:schemeClr val="tx1"/>
+          </a:fontRef>
+        </p:style>
+      </p:cxnSp>
+      <p:cxnSp>
+        <p:nvCxnSpPr>
+          <p:cNvPr id="35" name="直接箭头连接符 34">
+            <a:extLst>
+              <a:ext uri="{FF2B5EF4-FFF2-40B4-BE49-F238E27FC236}">
+                <a16:creationId xmlns:a16="http://schemas.microsoft.com/office/drawing/2014/main" id="{22A0571D-427C-545F-FC8F-00B00FC9D62D}"/>
+              </a:ext>
+            </a:extLst>
+          </p:cNvPr>
+          <p:cNvCxnSpPr>
+            <a:cxnSpLocks/>
+            <a:stCxn id="28" idx="2"/>
+            <a:endCxn id="9" idx="3"/>
+          </p:cNvCxnSpPr>
+          <p:nvPr/>
+        </p:nvCxnSpPr>
+        <p:spPr>
+          <a:xfrm flipH="1">
+            <a:off x="6824346" y="2194367"/>
+            <a:ext cx="560999" cy="3305778"/>
+          </a:xfrm>
+          <a:prstGeom prst="straightConnector1">
+            <a:avLst/>
+          </a:prstGeom>
+          <a:ln w="25400" cmpd="sng">
+            <a:prstDash val="dash"/>
+            <a:round/>
+            <a:tailEnd type="triangle"/>
+          </a:ln>
+        </p:spPr>
+        <p:style>
+          <a:lnRef idx="3">
+            <a:schemeClr val="accent1"/>
+          </a:lnRef>
+          <a:fillRef idx="0">
+            <a:schemeClr val="accent1"/>
+          </a:fillRef>
+          <a:effectRef idx="2">
+            <a:schemeClr val="accent1"/>
+          </a:effectRef>
+          <a:fontRef idx="minor">
+            <a:schemeClr val="tx1"/>
+          </a:fontRef>
+        </p:style>
+      </p:cxnSp>
+      <p:cxnSp>
+        <p:nvCxnSpPr>
+          <p:cNvPr id="38" name="直接箭头连接符 37">
+            <a:extLst>
+              <a:ext uri="{FF2B5EF4-FFF2-40B4-BE49-F238E27FC236}">
+                <a16:creationId xmlns:a16="http://schemas.microsoft.com/office/drawing/2014/main" id="{11173D0F-8CF8-B86E-CAD1-1711725A6692}"/>
+              </a:ext>
+            </a:extLst>
+          </p:cNvPr>
+          <p:cNvCxnSpPr>
+            <a:cxnSpLocks/>
+            <a:stCxn id="28" idx="2"/>
+            <a:endCxn id="10" idx="1"/>
+          </p:cNvCxnSpPr>
+          <p:nvPr/>
+        </p:nvCxnSpPr>
+        <p:spPr>
+          <a:xfrm>
+            <a:off x="7385345" y="2194367"/>
+            <a:ext cx="901768" cy="3305777"/>
+          </a:xfrm>
+          <a:prstGeom prst="straightConnector1">
+            <a:avLst/>
+          </a:prstGeom>
+          <a:ln w="25400" cmpd="sng">
+            <a:prstDash val="dash"/>
+            <a:round/>
+            <a:tailEnd type="triangle"/>
+          </a:ln>
+        </p:spPr>
+        <p:style>
+          <a:lnRef idx="3">
+            <a:schemeClr val="accent1"/>
+          </a:lnRef>
+          <a:fillRef idx="0">
+            <a:schemeClr val="accent1"/>
+          </a:fillRef>
+          <a:effectRef idx="2">
+            <a:schemeClr val="accent1"/>
+          </a:effectRef>
+          <a:fontRef idx="minor">
+            <a:schemeClr val="tx1"/>
+          </a:fontRef>
+        </p:style>
+      </p:cxnSp>
+      <p:cxnSp>
+        <p:nvCxnSpPr>
+          <p:cNvPr id="42" name="直接箭头连接符 41">
+            <a:extLst>
+              <a:ext uri="{FF2B5EF4-FFF2-40B4-BE49-F238E27FC236}">
+                <a16:creationId xmlns:a16="http://schemas.microsoft.com/office/drawing/2014/main" id="{9BEEBFA1-07FB-6E24-7978-1468A34E2A42}"/>
+              </a:ext>
+            </a:extLst>
+          </p:cNvPr>
+          <p:cNvCxnSpPr>
+            <a:cxnSpLocks/>
+          </p:cNvCxnSpPr>
+          <p:nvPr/>
+        </p:nvCxnSpPr>
+        <p:spPr>
+          <a:xfrm flipH="1">
+            <a:off x="9566003" y="1839350"/>
+            <a:ext cx="1442720" cy="0"/>
+          </a:xfrm>
+          <a:prstGeom prst="straightConnector1">
+            <a:avLst/>
+          </a:prstGeom>
+          <a:ln w="25400" cmpd="sng">
+            <a:solidFill>
+              <a:srgbClr val="00B0F0"/>
+            </a:solidFill>
+            <a:prstDash val="solid"/>
+            <a:round/>
+            <a:tailEnd type="triangle"/>
+          </a:ln>
+        </p:spPr>
+        <p:style>
+          <a:lnRef idx="3">
+            <a:schemeClr val="accent1"/>
+          </a:lnRef>
+          <a:fillRef idx="0">
+            <a:schemeClr val="accent1"/>
+          </a:fillRef>
+          <a:effectRef idx="2">
+            <a:schemeClr val="accent1"/>
+          </a:effectRef>
+          <a:fontRef idx="minor">
+            <a:schemeClr val="tx1"/>
+          </a:fontRef>
+        </p:style>
+      </p:cxnSp>
+      <p:sp>
+        <p:nvSpPr>
+          <p:cNvPr id="43" name="文本框 42">
+            <a:extLst>
+              <a:ext uri="{FF2B5EF4-FFF2-40B4-BE49-F238E27FC236}">
+                <a16:creationId xmlns:a16="http://schemas.microsoft.com/office/drawing/2014/main" id="{A54F62CB-FBCE-8A3E-9672-138727FB220C}"/>
+              </a:ext>
+            </a:extLst>
+          </p:cNvPr>
+          <p:cNvSpPr txBox="1"/>
+          <p:nvPr/>
+        </p:nvSpPr>
+        <p:spPr>
+          <a:xfrm>
+            <a:off x="10964767" y="1639641"/>
+            <a:ext cx="582211" cy="369332"/>
+          </a:xfrm>
+          <a:prstGeom prst="rect">
+            <a:avLst/>
+          </a:prstGeom>
+          <a:noFill/>
+        </p:spPr>
+        <p:txBody>
+          <a:bodyPr wrap="none" rtlCol="0">
+            <a:spAutoFit/>
+          </a:bodyPr>
+          <a:lstStyle/>
+          <a:p>
+            <a:r>
+              <a:rPr lang="en-US" altLang="zh-CN" dirty="0"/>
+              <a:t>true</a:t>
+            </a:r>
+            <a:endParaRPr lang="zh-CN" altLang="en-US" dirty="0"/>
+          </a:p>
+        </p:txBody>
+      </p:sp>
+      <p:cxnSp>
+        <p:nvCxnSpPr>
+          <p:cNvPr id="44" name="直接箭头连接符 43">
+            <a:extLst>
+              <a:ext uri="{FF2B5EF4-FFF2-40B4-BE49-F238E27FC236}">
+                <a16:creationId xmlns:a16="http://schemas.microsoft.com/office/drawing/2014/main" id="{2B287E5D-A109-FA62-FB35-3019AF301576}"/>
+              </a:ext>
+            </a:extLst>
+          </p:cNvPr>
+          <p:cNvCxnSpPr>
+            <a:cxnSpLocks/>
+            <a:stCxn id="4" idx="2"/>
+            <a:endCxn id="5" idx="0"/>
+          </p:cNvCxnSpPr>
+          <p:nvPr/>
+        </p:nvCxnSpPr>
+        <p:spPr>
+          <a:xfrm flipH="1">
+            <a:off x="2193834" y="2255519"/>
+            <a:ext cx="3630387" cy="1085852"/>
+          </a:xfrm>
+          <a:prstGeom prst="straightConnector1">
+            <a:avLst/>
+          </a:prstGeom>
+          <a:ln w="25400" cmpd="sng">
+            <a:solidFill>
+              <a:srgbClr val="00B0F0"/>
+            </a:solidFill>
+            <a:prstDash val="solid"/>
+            <a:round/>
+            <a:tailEnd type="triangle"/>
+          </a:ln>
+        </p:spPr>
+        <p:style>
+          <a:lnRef idx="3">
+            <a:schemeClr val="accent1"/>
+          </a:lnRef>
+          <a:fillRef idx="0">
+            <a:schemeClr val="accent1"/>
+          </a:fillRef>
+          <a:effectRef idx="2">
+            <a:schemeClr val="accent1"/>
+          </a:effectRef>
+          <a:fontRef idx="minor">
+            <a:schemeClr val="tx1"/>
+          </a:fontRef>
+        </p:style>
+      </p:cxnSp>
+      <p:cxnSp>
+        <p:nvCxnSpPr>
+          <p:cNvPr id="48" name="直接箭头连接符 47">
+            <a:extLst>
+              <a:ext uri="{FF2B5EF4-FFF2-40B4-BE49-F238E27FC236}">
+                <a16:creationId xmlns:a16="http://schemas.microsoft.com/office/drawing/2014/main" id="{CE6704EA-C7DA-D503-9A7C-E676176E9D5F}"/>
+              </a:ext>
+            </a:extLst>
+          </p:cNvPr>
+          <p:cNvCxnSpPr>
+            <a:cxnSpLocks/>
+            <a:stCxn id="28" idx="2"/>
+          </p:cNvCxnSpPr>
+          <p:nvPr/>
+        </p:nvCxnSpPr>
+        <p:spPr>
+          <a:xfrm flipH="1">
+            <a:off x="5629299" y="2194367"/>
+            <a:ext cx="1756046" cy="1141922"/>
+          </a:xfrm>
+          <a:prstGeom prst="straightConnector1">
+            <a:avLst/>
+          </a:prstGeom>
+          <a:ln w="25400" cmpd="sng">
+            <a:solidFill>
+              <a:srgbClr val="00B0F0"/>
+            </a:solidFill>
+            <a:prstDash val="solid"/>
+            <a:round/>
+            <a:tailEnd type="triangle"/>
+          </a:ln>
+        </p:spPr>
+        <p:style>
+          <a:lnRef idx="3">
+            <a:schemeClr val="accent1"/>
+          </a:lnRef>
+          <a:fillRef idx="0">
+            <a:schemeClr val="accent1"/>
+          </a:fillRef>
+          <a:effectRef idx="2">
+            <a:schemeClr val="accent1"/>
+          </a:effectRef>
+          <a:fontRef idx="minor">
+            <a:schemeClr val="tx1"/>
+          </a:fontRef>
+        </p:style>
+      </p:cxnSp>
+      <p:cxnSp>
+        <p:nvCxnSpPr>
+          <p:cNvPr id="51" name="直接箭头连接符 50">
+            <a:extLst>
+              <a:ext uri="{FF2B5EF4-FFF2-40B4-BE49-F238E27FC236}">
+                <a16:creationId xmlns:a16="http://schemas.microsoft.com/office/drawing/2014/main" id="{3B115C29-9F5A-E3C6-6854-DE033ADF9EE5}"/>
+              </a:ext>
+            </a:extLst>
+          </p:cNvPr>
+          <p:cNvCxnSpPr>
+            <a:cxnSpLocks/>
+            <a:stCxn id="5" idx="2"/>
+          </p:cNvCxnSpPr>
+          <p:nvPr/>
+        </p:nvCxnSpPr>
+        <p:spPr>
+          <a:xfrm>
+            <a:off x="2193834" y="3982268"/>
+            <a:ext cx="0" cy="1197427"/>
+          </a:xfrm>
+          <a:prstGeom prst="straightConnector1">
+            <a:avLst/>
+          </a:prstGeom>
+          <a:ln w="25400" cmpd="sng">
+            <a:solidFill>
+              <a:srgbClr val="00B0F0"/>
+            </a:solidFill>
+            <a:prstDash val="solid"/>
+            <a:round/>
+            <a:tailEnd type="triangle"/>
+          </a:ln>
+        </p:spPr>
+        <p:style>
+          <a:lnRef idx="3">
+            <a:schemeClr val="accent1"/>
+          </a:lnRef>
+          <a:fillRef idx="0">
+            <a:schemeClr val="accent1"/>
+          </a:fillRef>
+          <a:effectRef idx="2">
+            <a:schemeClr val="accent1"/>
+          </a:effectRef>
+          <a:fontRef idx="minor">
+            <a:schemeClr val="tx1"/>
+          </a:fontRef>
+        </p:style>
+      </p:cxnSp>
+      <p:cxnSp>
+        <p:nvCxnSpPr>
+          <p:cNvPr id="53" name="直接箭头连接符 52">
+            <a:extLst>
+              <a:ext uri="{FF2B5EF4-FFF2-40B4-BE49-F238E27FC236}">
+                <a16:creationId xmlns:a16="http://schemas.microsoft.com/office/drawing/2014/main" id="{D708D6C8-32B5-B2A3-5CC0-E2EE24F71382}"/>
+              </a:ext>
+            </a:extLst>
+          </p:cNvPr>
+          <p:cNvCxnSpPr>
+            <a:cxnSpLocks/>
+            <a:stCxn id="7" idx="2"/>
+            <a:endCxn id="9" idx="0"/>
+          </p:cNvCxnSpPr>
+          <p:nvPr/>
+        </p:nvCxnSpPr>
+        <p:spPr>
+          <a:xfrm>
+            <a:off x="5824221" y="3982266"/>
+            <a:ext cx="0" cy="1197430"/>
+          </a:xfrm>
+          <a:prstGeom prst="straightConnector1">
+            <a:avLst/>
+          </a:prstGeom>
+          <a:ln w="25400" cmpd="sng">
+            <a:solidFill>
+              <a:srgbClr val="00B0F0"/>
+            </a:solidFill>
+            <a:prstDash val="solid"/>
+            <a:round/>
+            <a:tailEnd type="triangle"/>
+          </a:ln>
+        </p:spPr>
+        <p:style>
+          <a:lnRef idx="3">
+            <a:schemeClr val="accent1"/>
+          </a:lnRef>
+          <a:fillRef idx="0">
+            <a:schemeClr val="accent1"/>
+          </a:fillRef>
+          <a:effectRef idx="2">
+            <a:schemeClr val="accent1"/>
+          </a:effectRef>
+          <a:fontRef idx="minor">
+            <a:schemeClr val="tx1"/>
+          </a:fontRef>
+        </p:style>
+      </p:cxnSp>
+      <p:cxnSp>
+        <p:nvCxnSpPr>
+          <p:cNvPr id="56" name="直接箭头连接符 55">
+            <a:extLst>
+              <a:ext uri="{FF2B5EF4-FFF2-40B4-BE49-F238E27FC236}">
+                <a16:creationId xmlns:a16="http://schemas.microsoft.com/office/drawing/2014/main" id="{0D85B570-802E-9794-470E-871D462F0C83}"/>
+              </a:ext>
+            </a:extLst>
+          </p:cNvPr>
+          <p:cNvCxnSpPr>
+            <a:cxnSpLocks/>
+            <a:stCxn id="8" idx="2"/>
+          </p:cNvCxnSpPr>
+          <p:nvPr/>
+        </p:nvCxnSpPr>
+        <p:spPr>
+          <a:xfrm>
+            <a:off x="9287238" y="3982267"/>
+            <a:ext cx="0" cy="1197429"/>
+          </a:xfrm>
+          <a:prstGeom prst="straightConnector1">
+            <a:avLst/>
+          </a:prstGeom>
+          <a:ln w="25400" cmpd="sng">
+            <a:solidFill>
+              <a:srgbClr val="00B0F0"/>
+            </a:solidFill>
+            <a:prstDash val="solid"/>
+            <a:round/>
+            <a:tailEnd type="triangle"/>
+          </a:ln>
+        </p:spPr>
+        <p:style>
+          <a:lnRef idx="3">
+            <a:schemeClr val="accent1"/>
+          </a:lnRef>
+          <a:fillRef idx="0">
+            <a:schemeClr val="accent1"/>
+          </a:fillRef>
+          <a:effectRef idx="2">
+            <a:schemeClr val="accent1"/>
+          </a:effectRef>
+          <a:fontRef idx="minor">
+            <a:schemeClr val="tx1"/>
+          </a:fontRef>
+        </p:style>
+      </p:cxnSp>
+      <p:cxnSp>
+        <p:nvCxnSpPr>
+          <p:cNvPr id="60" name="直接箭头连接符 59">
+            <a:extLst>
+              <a:ext uri="{FF2B5EF4-FFF2-40B4-BE49-F238E27FC236}">
+                <a16:creationId xmlns:a16="http://schemas.microsoft.com/office/drawing/2014/main" id="{DE8466BC-A9E0-605F-B6C3-397DD021BC0A}"/>
+              </a:ext>
+            </a:extLst>
+          </p:cNvPr>
+          <p:cNvCxnSpPr>
+            <a:cxnSpLocks/>
+            <a:stCxn id="28" idx="2"/>
+            <a:endCxn id="8" idx="0"/>
+          </p:cNvCxnSpPr>
+          <p:nvPr/>
+        </p:nvCxnSpPr>
+        <p:spPr>
+          <a:xfrm>
+            <a:off x="7385345" y="2194367"/>
+            <a:ext cx="1901893" cy="1147003"/>
+          </a:xfrm>
+          <a:prstGeom prst="straightConnector1">
+            <a:avLst/>
+          </a:prstGeom>
+          <a:ln w="25400" cmpd="sng">
+            <a:solidFill>
+              <a:srgbClr val="00B0F0"/>
+            </a:solidFill>
+            <a:prstDash val="solid"/>
+            <a:round/>
+            <a:tailEnd type="triangle"/>
+          </a:ln>
+        </p:spPr>
+        <p:style>
+          <a:lnRef idx="3">
+            <a:schemeClr val="accent1"/>
+          </a:lnRef>
+          <a:fillRef idx="0">
+            <a:schemeClr val="accent1"/>
+          </a:fillRef>
+          <a:effectRef idx="2">
+            <a:schemeClr val="accent1"/>
+          </a:effectRef>
+          <a:fontRef idx="minor">
+            <a:schemeClr val="tx1"/>
+          </a:fontRef>
+        </p:style>
+      </p:cxnSp>
+    </p:spTree>
+    <p:extLst>
+      <p:ext uri="{BB962C8B-B14F-4D97-AF65-F5344CB8AC3E}">
+        <p14:creationId xmlns:p14="http://schemas.microsoft.com/office/powerpoint/2010/main" val="2620622343"/>
+      </p:ext>
+    </p:extLst>
+  </p:cSld>
+  <p:clrMapOvr>
+    <a:masterClrMapping/>
+  </p:clrMapOvr>
+</p:sld>
+</file>
+
+<file path=ppt/slides/slide5.xml><?xml version="1.0" encoding="utf-8"?>
+<p:sld xmlns:a="http://schemas.openxmlformats.org/drawingml/2006/main" xmlns:r="http://schemas.openxmlformats.org/officeDocument/2006/relationships" xmlns:p="http://schemas.openxmlformats.org/presentationml/2006/main">
+  <p:cSld>
+    <p:spTree>
+      <p:nvGrpSpPr>
+        <p:cNvPr id="1" name="">
+          <a:extLst>
+            <a:ext uri="{FF2B5EF4-FFF2-40B4-BE49-F238E27FC236}">
+              <a16:creationId xmlns:a16="http://schemas.microsoft.com/office/drawing/2014/main" id="{4F5CC661-744E-8FC7-B5A9-547CFF042AF6}"/>
+            </a:ext>
+          </a:extLst>
+        </p:cNvPr>
+        <p:cNvGrpSpPr/>
+        <p:nvPr/>
+      </p:nvGrpSpPr>
+      <p:grpSpPr>
+        <a:xfrm>
+          <a:off x="0" y="0"/>
+          <a:ext cx="0" cy="0"/>
+          <a:chOff x="0" y="0"/>
+          <a:chExt cx="0" cy="0"/>
+        </a:xfrm>
+      </p:grpSpPr>
+      <p:sp>
+        <p:nvSpPr>
+          <p:cNvPr id="4" name="矩形: 圆角 3">
+            <a:extLst>
+              <a:ext uri="{FF2B5EF4-FFF2-40B4-BE49-F238E27FC236}">
+                <a16:creationId xmlns:a16="http://schemas.microsoft.com/office/drawing/2014/main" id="{3A7A2FA0-1144-E7C1-9567-8E5013991D6E}"/>
+              </a:ext>
+            </a:extLst>
+          </p:cNvPr>
+          <p:cNvSpPr/>
+          <p:nvPr/>
+        </p:nvSpPr>
+        <p:spPr>
+          <a:xfrm>
+            <a:off x="4434251" y="1471748"/>
+            <a:ext cx="2779939" cy="783771"/>
+          </a:xfrm>
+          <a:prstGeom prst="roundRect">
+            <a:avLst/>
+          </a:prstGeom>
+        </p:spPr>
+        <p:style>
+          <a:lnRef idx="1">
+            <a:schemeClr val="accent2"/>
+          </a:lnRef>
+          <a:fillRef idx="2">
+            <a:schemeClr val="accent2"/>
+          </a:fillRef>
+          <a:effectRef idx="1">
+            <a:schemeClr val="accent2"/>
+          </a:effectRef>
+          <a:fontRef idx="minor">
+            <a:schemeClr val="dk1"/>
+          </a:fontRef>
+        </p:style>
+        <p:txBody>
+          <a:bodyPr rtlCol="0" anchor="ctr"/>
+          <a:lstStyle/>
+          <a:p>
+            <a:pPr algn="ctr"/>
+            <a:r>
+              <a:rPr lang="en-US" altLang="zh-CN" dirty="0"/>
+              <a:t>distribute</a:t>
+            </a:r>
+          </a:p>
+          <a:p>
+            <a:pPr algn="ctr"/>
+            <a:r>
+              <a:rPr lang="en-US" altLang="zh-CN" dirty="0"/>
+              <a:t>os01</a:t>
+            </a:r>
+            <a:endParaRPr lang="zh-CN" altLang="en-US" dirty="0"/>
+          </a:p>
+        </p:txBody>
+      </p:sp>
+      <p:sp>
+        <p:nvSpPr>
+          <p:cNvPr id="5" name="矩形 4">
+            <a:extLst>
+              <a:ext uri="{FF2B5EF4-FFF2-40B4-BE49-F238E27FC236}">
+                <a16:creationId xmlns:a16="http://schemas.microsoft.com/office/drawing/2014/main" id="{9873580A-2CA0-AA12-DECA-ED5496CF8B65}"/>
+              </a:ext>
+            </a:extLst>
+          </p:cNvPr>
+          <p:cNvSpPr/>
+          <p:nvPr/>
+        </p:nvSpPr>
+        <p:spPr>
+          <a:xfrm>
+            <a:off x="1193709" y="3341371"/>
+            <a:ext cx="2000250" cy="640897"/>
+          </a:xfrm>
+          <a:prstGeom prst="rect">
+            <a:avLst/>
+          </a:prstGeom>
+        </p:spPr>
+        <p:style>
+          <a:lnRef idx="1">
+            <a:schemeClr val="accent5"/>
+          </a:lnRef>
+          <a:fillRef idx="2">
+            <a:schemeClr val="accent5"/>
+          </a:fillRef>
+          <a:effectRef idx="1">
+            <a:schemeClr val="accent5"/>
+          </a:effectRef>
+          <a:fontRef idx="minor">
+            <a:schemeClr val="dk1"/>
+          </a:fontRef>
+        </p:style>
+        <p:txBody>
+          <a:bodyPr rtlCol="0" anchor="ctr"/>
+          <a:lstStyle/>
+          <a:p>
+            <a:pPr algn="ctr"/>
+            <a:r>
+              <a:rPr lang="en-US" altLang="zh-CN" dirty="0"/>
+              <a:t>os01</a:t>
+            </a:r>
+          </a:p>
+          <a:p>
+            <a:pPr algn="ctr"/>
+            <a:r>
+              <a:rPr lang="en-US" altLang="zh-CN" dirty="0"/>
+              <a:t>s1r1</a:t>
+            </a:r>
+            <a:endParaRPr lang="zh-CN" altLang="en-US" dirty="0"/>
+          </a:p>
+        </p:txBody>
+      </p:sp>
+      <p:sp>
+        <p:nvSpPr>
+          <p:cNvPr id="6" name="矩形 5">
+            <a:extLst>
+              <a:ext uri="{FF2B5EF4-FFF2-40B4-BE49-F238E27FC236}">
+                <a16:creationId xmlns:a16="http://schemas.microsoft.com/office/drawing/2014/main" id="{311F0F7E-5A4B-1F4F-5923-C50D9568CBC6}"/>
+              </a:ext>
+            </a:extLst>
+          </p:cNvPr>
+          <p:cNvSpPr/>
+          <p:nvPr/>
+        </p:nvSpPr>
+        <p:spPr>
+          <a:xfrm>
+            <a:off x="1193709" y="5179696"/>
+            <a:ext cx="2000250" cy="640897"/>
+          </a:xfrm>
+          <a:prstGeom prst="rect">
+            <a:avLst/>
+          </a:prstGeom>
+        </p:spPr>
+        <p:style>
+          <a:lnRef idx="1">
+            <a:schemeClr val="accent5"/>
+          </a:lnRef>
+          <a:fillRef idx="2">
+            <a:schemeClr val="accent5"/>
+          </a:fillRef>
+          <a:effectRef idx="1">
+            <a:schemeClr val="accent5"/>
+          </a:effectRef>
+          <a:fontRef idx="minor">
+            <a:schemeClr val="dk1"/>
+          </a:fontRef>
+        </p:style>
+        <p:txBody>
+          <a:bodyPr rtlCol="0" anchor="ctr"/>
+          <a:lstStyle/>
+          <a:p>
+            <a:pPr algn="ctr"/>
+            <a:r>
+              <a:rPr lang="en-US" altLang="zh-CN" dirty="0"/>
+              <a:t>os02</a:t>
+            </a:r>
+          </a:p>
+          <a:p>
+            <a:pPr algn="ctr"/>
+            <a:r>
+              <a:rPr lang="en-US" altLang="zh-CN" dirty="0"/>
+              <a:t>s1r2</a:t>
+            </a:r>
+            <a:endParaRPr lang="zh-CN" altLang="en-US" dirty="0"/>
+          </a:p>
+        </p:txBody>
+      </p:sp>
+      <p:sp>
+        <p:nvSpPr>
+          <p:cNvPr id="7" name="矩形 6">
+            <a:extLst>
+              <a:ext uri="{FF2B5EF4-FFF2-40B4-BE49-F238E27FC236}">
+                <a16:creationId xmlns:a16="http://schemas.microsoft.com/office/drawing/2014/main" id="{A63DE8C0-E203-55F9-9FEF-4E57D95B4649}"/>
+              </a:ext>
+            </a:extLst>
+          </p:cNvPr>
+          <p:cNvSpPr/>
+          <p:nvPr/>
+        </p:nvSpPr>
+        <p:spPr>
+          <a:xfrm>
+            <a:off x="4824096" y="3341369"/>
+            <a:ext cx="2000250" cy="640897"/>
+          </a:xfrm>
+          <a:prstGeom prst="rect">
+            <a:avLst/>
+          </a:prstGeom>
+        </p:spPr>
+        <p:style>
+          <a:lnRef idx="1">
+            <a:schemeClr val="accent5"/>
+          </a:lnRef>
+          <a:fillRef idx="2">
+            <a:schemeClr val="accent5"/>
+          </a:fillRef>
+          <a:effectRef idx="1">
+            <a:schemeClr val="accent5"/>
+          </a:effectRef>
+          <a:fontRef idx="minor">
+            <a:schemeClr val="dk1"/>
+          </a:fontRef>
+        </p:style>
+        <p:txBody>
+          <a:bodyPr rtlCol="0" anchor="ctr"/>
+          <a:lstStyle/>
+          <a:p>
+            <a:pPr algn="ctr"/>
+            <a:r>
+              <a:rPr lang="en-US" altLang="zh-CN" dirty="0"/>
+              <a:t>os03</a:t>
+            </a:r>
+          </a:p>
+          <a:p>
+            <a:pPr algn="ctr"/>
+            <a:r>
+              <a:rPr lang="en-US" altLang="zh-CN" dirty="0"/>
+              <a:t>s2r3</a:t>
+            </a:r>
+            <a:endParaRPr lang="zh-CN" altLang="en-US" dirty="0"/>
+          </a:p>
+        </p:txBody>
+      </p:sp>
+      <p:sp>
+        <p:nvSpPr>
+          <p:cNvPr id="8" name="矩形 7">
+            <a:extLst>
+              <a:ext uri="{FF2B5EF4-FFF2-40B4-BE49-F238E27FC236}">
+                <a16:creationId xmlns:a16="http://schemas.microsoft.com/office/drawing/2014/main" id="{7E83B184-18CA-C605-CF20-E0F8A0500785}"/>
+              </a:ext>
+            </a:extLst>
+          </p:cNvPr>
+          <p:cNvSpPr/>
+          <p:nvPr/>
+        </p:nvSpPr>
+        <p:spPr>
+          <a:xfrm>
+            <a:off x="8287113" y="3341370"/>
+            <a:ext cx="2000250" cy="640897"/>
+          </a:xfrm>
+          <a:prstGeom prst="rect">
+            <a:avLst/>
+          </a:prstGeom>
+        </p:spPr>
+        <p:style>
+          <a:lnRef idx="1">
+            <a:schemeClr val="accent5"/>
+          </a:lnRef>
+          <a:fillRef idx="2">
+            <a:schemeClr val="accent5"/>
+          </a:fillRef>
+          <a:effectRef idx="1">
+            <a:schemeClr val="accent5"/>
+          </a:effectRef>
+          <a:fontRef idx="minor">
+            <a:schemeClr val="dk1"/>
+          </a:fontRef>
+        </p:style>
+        <p:txBody>
+          <a:bodyPr rtlCol="0" anchor="ctr"/>
+          <a:lstStyle/>
+          <a:p>
+            <a:pPr algn="ctr"/>
+            <a:r>
+              <a:rPr lang="en-US" altLang="zh-CN" dirty="0"/>
+              <a:t>os05</a:t>
+            </a:r>
+          </a:p>
+          <a:p>
+            <a:pPr algn="ctr"/>
+            <a:r>
+              <a:rPr lang="en-US" altLang="zh-CN" dirty="0"/>
+              <a:t>s3r5</a:t>
+            </a:r>
+            <a:endParaRPr lang="zh-CN" altLang="en-US" dirty="0"/>
+          </a:p>
+        </p:txBody>
+      </p:sp>
+      <p:sp>
+        <p:nvSpPr>
+          <p:cNvPr id="9" name="矩形 8">
+            <a:extLst>
+              <a:ext uri="{FF2B5EF4-FFF2-40B4-BE49-F238E27FC236}">
+                <a16:creationId xmlns:a16="http://schemas.microsoft.com/office/drawing/2014/main" id="{4BD1FA4B-8AA2-5B52-89C8-9DE98DDC32C4}"/>
+              </a:ext>
+            </a:extLst>
+          </p:cNvPr>
+          <p:cNvSpPr/>
+          <p:nvPr/>
+        </p:nvSpPr>
+        <p:spPr>
+          <a:xfrm>
+            <a:off x="4824096" y="5179696"/>
+            <a:ext cx="2000250" cy="640897"/>
+          </a:xfrm>
+          <a:prstGeom prst="rect">
+            <a:avLst/>
+          </a:prstGeom>
+        </p:spPr>
+        <p:style>
+          <a:lnRef idx="1">
+            <a:schemeClr val="accent5"/>
+          </a:lnRef>
+          <a:fillRef idx="2">
+            <a:schemeClr val="accent5"/>
+          </a:fillRef>
+          <a:effectRef idx="1">
+            <a:schemeClr val="accent5"/>
+          </a:effectRef>
+          <a:fontRef idx="minor">
+            <a:schemeClr val="dk1"/>
+          </a:fontRef>
+        </p:style>
+        <p:txBody>
+          <a:bodyPr rtlCol="0" anchor="ctr"/>
+          <a:lstStyle/>
+          <a:p>
+            <a:pPr algn="ctr"/>
+            <a:r>
+              <a:rPr lang="en-US" altLang="zh-CN" dirty="0"/>
+              <a:t>os04</a:t>
+            </a:r>
+          </a:p>
+          <a:p>
+            <a:pPr algn="ctr"/>
+            <a:r>
+              <a:rPr lang="en-US" altLang="zh-CN" dirty="0"/>
+              <a:t>s2r4</a:t>
+            </a:r>
+            <a:endParaRPr lang="zh-CN" altLang="en-US" dirty="0"/>
+          </a:p>
+        </p:txBody>
+      </p:sp>
+      <p:sp>
+        <p:nvSpPr>
+          <p:cNvPr id="10" name="矩形 9">
+            <a:extLst>
+              <a:ext uri="{FF2B5EF4-FFF2-40B4-BE49-F238E27FC236}">
+                <a16:creationId xmlns:a16="http://schemas.microsoft.com/office/drawing/2014/main" id="{D6F56E9A-1DCC-A603-1BE3-6CFA64D9FDA4}"/>
+              </a:ext>
+            </a:extLst>
+          </p:cNvPr>
+          <p:cNvSpPr/>
+          <p:nvPr/>
+        </p:nvSpPr>
+        <p:spPr>
+          <a:xfrm>
+            <a:off x="8287113" y="5179695"/>
+            <a:ext cx="2000250" cy="640897"/>
+          </a:xfrm>
+          <a:prstGeom prst="rect">
+            <a:avLst/>
+          </a:prstGeom>
+        </p:spPr>
+        <p:style>
+          <a:lnRef idx="1">
+            <a:schemeClr val="accent5"/>
+          </a:lnRef>
+          <a:fillRef idx="2">
+            <a:schemeClr val="accent5"/>
+          </a:fillRef>
+          <a:effectRef idx="1">
+            <a:schemeClr val="accent5"/>
+          </a:effectRef>
+          <a:fontRef idx="minor">
+            <a:schemeClr val="dk1"/>
+          </a:fontRef>
+        </p:style>
+        <p:txBody>
+          <a:bodyPr rtlCol="0" anchor="ctr"/>
+          <a:lstStyle/>
+          <a:p>
+            <a:pPr algn="ctr"/>
+            <a:r>
+              <a:rPr lang="en-US" altLang="zh-CN" dirty="0"/>
+              <a:t>os06</a:t>
+            </a:r>
+          </a:p>
+          <a:p>
+            <a:pPr algn="ctr"/>
+            <a:r>
+              <a:rPr lang="en-US" altLang="zh-CN" dirty="0"/>
+              <a:t>s3r6</a:t>
+            </a:r>
+            <a:endParaRPr lang="zh-CN" altLang="en-US" dirty="0"/>
+          </a:p>
+        </p:txBody>
+      </p:sp>
+      <p:sp>
+        <p:nvSpPr>
+          <p:cNvPr id="11" name="文本框 10">
+            <a:extLst>
+              <a:ext uri="{FF2B5EF4-FFF2-40B4-BE49-F238E27FC236}">
+                <a16:creationId xmlns:a16="http://schemas.microsoft.com/office/drawing/2014/main" id="{38E05054-00FD-0B92-A646-97FCC48F64DD}"/>
+              </a:ext>
+            </a:extLst>
+          </p:cNvPr>
+          <p:cNvSpPr txBox="1"/>
+          <p:nvPr/>
+        </p:nvSpPr>
+        <p:spPr>
+          <a:xfrm>
+            <a:off x="4473416" y="385898"/>
+            <a:ext cx="2396810" cy="369332"/>
+          </a:xfrm>
+          <a:prstGeom prst="rect">
+            <a:avLst/>
+          </a:prstGeom>
+        </p:spPr>
+        <p:style>
+          <a:lnRef idx="2">
+            <a:schemeClr val="accent1"/>
+          </a:lnRef>
+          <a:fillRef idx="1">
+            <a:schemeClr val="lt1"/>
+          </a:fillRef>
+          <a:effectRef idx="0">
+            <a:schemeClr val="accent1"/>
+          </a:effectRef>
+          <a:fontRef idx="minor">
+            <a:schemeClr val="dk1"/>
+          </a:fontRef>
+        </p:style>
+        <p:txBody>
+          <a:bodyPr wrap="none" rtlCol="0">
+            <a:spAutoFit/>
+          </a:bodyPr>
+          <a:lstStyle/>
+          <a:p>
+            <a:r>
+              <a:rPr lang="en-US" altLang="zh-CN" dirty="0"/>
+              <a:t>3</a:t>
+            </a:r>
+            <a:r>
+              <a:rPr lang="zh-CN" altLang="en-US" dirty="0"/>
+              <a:t>分片</a:t>
+            </a:r>
+            <a:r>
+              <a:rPr lang="en-US" altLang="zh-CN" dirty="0"/>
+              <a:t>2</a:t>
+            </a:r>
+            <a:r>
+              <a:rPr lang="zh-CN" altLang="en-US" dirty="0"/>
+              <a:t>副本共</a:t>
+            </a:r>
+            <a:r>
+              <a:rPr lang="en-US" altLang="zh-CN" dirty="0"/>
+              <a:t>6</a:t>
+            </a:r>
+            <a:r>
+              <a:rPr lang="zh-CN" altLang="en-US" dirty="0"/>
+              <a:t>个节点</a:t>
+            </a:r>
+          </a:p>
+        </p:txBody>
+      </p:sp>
+      <p:sp>
+        <p:nvSpPr>
+          <p:cNvPr id="13" name="文本框 12">
+            <a:extLst>
+              <a:ext uri="{FF2B5EF4-FFF2-40B4-BE49-F238E27FC236}">
+                <a16:creationId xmlns:a16="http://schemas.microsoft.com/office/drawing/2014/main" id="{0B42AAFC-0979-9749-5357-2CB0F27B0927}"/>
+              </a:ext>
+            </a:extLst>
+          </p:cNvPr>
+          <p:cNvSpPr txBox="1"/>
+          <p:nvPr/>
+        </p:nvSpPr>
+        <p:spPr>
+          <a:xfrm>
+            <a:off x="7987393" y="599886"/>
+            <a:ext cx="3884397" cy="646331"/>
+          </a:xfrm>
+          <a:prstGeom prst="rect">
+            <a:avLst/>
+          </a:prstGeom>
+        </p:spPr>
+        <p:style>
+          <a:lnRef idx="2">
+            <a:schemeClr val="accent1"/>
+          </a:lnRef>
+          <a:fillRef idx="1">
+            <a:schemeClr val="lt1"/>
+          </a:fillRef>
+          <a:effectRef idx="0">
+            <a:schemeClr val="accent1"/>
+          </a:effectRef>
+          <a:fontRef idx="minor">
+            <a:schemeClr val="dk1"/>
+          </a:fontRef>
+        </p:style>
+        <p:txBody>
+          <a:bodyPr wrap="none" rtlCol="0">
+            <a:spAutoFit/>
+          </a:bodyPr>
+          <a:lstStyle/>
+          <a:p>
+            <a:r>
+              <a:rPr lang="zh-CN" altLang="en-US" sz="1200" dirty="0"/>
+              <a:t>优先选择</a:t>
+            </a:r>
+            <a:r>
+              <a:rPr lang="en-US" altLang="zh-CN" sz="1200" dirty="0"/>
+              <a:t>errors-count</a:t>
+            </a:r>
+            <a:r>
+              <a:rPr lang="zh-CN" altLang="en-US" sz="1200" dirty="0"/>
+              <a:t>小的副本</a:t>
+            </a:r>
+            <a:endParaRPr lang="en-US" altLang="zh-CN" sz="1200" dirty="0"/>
+          </a:p>
+          <a:p>
+            <a:r>
+              <a:rPr lang="en-US" altLang="zh-CN" sz="1200" dirty="0"/>
+              <a:t>errors-count</a:t>
+            </a:r>
+            <a:r>
+              <a:rPr lang="zh-CN" altLang="en-US" sz="1200" dirty="0"/>
+              <a:t>相同的有随机、顺序、随机</a:t>
+            </a:r>
+            <a:r>
+              <a:rPr lang="en-US" altLang="zh-CN" sz="1200" dirty="0"/>
+              <a:t>(</a:t>
+            </a:r>
+            <a:r>
+              <a:rPr lang="zh-CN" altLang="en-US" sz="1200" dirty="0"/>
+              <a:t>第一顺序位</a:t>
+            </a:r>
+            <a:r>
+              <a:rPr lang="en-US" altLang="zh-CN" sz="1200" dirty="0"/>
+              <a:t>)</a:t>
+            </a:r>
+            <a:r>
+              <a:rPr lang="zh-CN" altLang="en-US" sz="1200" dirty="0"/>
+              <a:t>、</a:t>
+            </a:r>
+            <a:endParaRPr lang="en-US" altLang="zh-CN" sz="1200" dirty="0"/>
+          </a:p>
+          <a:p>
+            <a:r>
+              <a:rPr lang="en-US" altLang="zh-CN" sz="1200" dirty="0"/>
+              <a:t>host</a:t>
+            </a:r>
+            <a:r>
+              <a:rPr lang="zh-CN" altLang="en-US" sz="1200" dirty="0"/>
+              <a:t>名称近似等四种选择方式</a:t>
+            </a:r>
+          </a:p>
+        </p:txBody>
+      </p:sp>
+      <p:cxnSp>
+        <p:nvCxnSpPr>
+          <p:cNvPr id="17" name="直接箭头连接符 16">
+            <a:extLst>
+              <a:ext uri="{FF2B5EF4-FFF2-40B4-BE49-F238E27FC236}">
+                <a16:creationId xmlns:a16="http://schemas.microsoft.com/office/drawing/2014/main" id="{07A0F379-C6C9-CDEF-82C2-8D6653680BFD}"/>
+              </a:ext>
+            </a:extLst>
+          </p:cNvPr>
+          <p:cNvCxnSpPr>
+            <a:cxnSpLocks/>
+          </p:cNvCxnSpPr>
+          <p:nvPr/>
+        </p:nvCxnSpPr>
+        <p:spPr>
+          <a:xfrm flipH="1">
+            <a:off x="5725171" y="923052"/>
+            <a:ext cx="1391909" cy="548696"/>
+          </a:xfrm>
+          <a:prstGeom prst="straightConnector1">
+            <a:avLst/>
+          </a:prstGeom>
+          <a:ln w="38100" cmpd="sng">
+            <a:solidFill>
+              <a:schemeClr val="accent5"/>
+            </a:solidFill>
+            <a:prstDash val="solid"/>
+            <a:round/>
+            <a:tailEnd type="triangle"/>
+          </a:ln>
+        </p:spPr>
+        <p:style>
+          <a:lnRef idx="3">
+            <a:schemeClr val="accent1"/>
+          </a:lnRef>
+          <a:fillRef idx="0">
+            <a:schemeClr val="accent1"/>
+          </a:fillRef>
+          <a:effectRef idx="2">
+            <a:schemeClr val="accent1"/>
+          </a:effectRef>
+          <a:fontRef idx="minor">
+            <a:schemeClr val="tx1"/>
+          </a:fontRef>
+        </p:style>
+      </p:cxnSp>
+      <p:sp>
+        <p:nvSpPr>
+          <p:cNvPr id="2" name="文本框 1">
+            <a:extLst>
+              <a:ext uri="{FF2B5EF4-FFF2-40B4-BE49-F238E27FC236}">
+                <a16:creationId xmlns:a16="http://schemas.microsoft.com/office/drawing/2014/main" id="{B95C2CDF-EBBE-5415-7849-A765E4B3AE3A}"/>
+              </a:ext>
+            </a:extLst>
+          </p:cNvPr>
+          <p:cNvSpPr txBox="1"/>
+          <p:nvPr/>
+        </p:nvSpPr>
+        <p:spPr>
+          <a:xfrm>
+            <a:off x="1391920" y="3982266"/>
+            <a:ext cx="1702710" cy="369332"/>
+          </a:xfrm>
+          <a:prstGeom prst="rect">
+            <a:avLst/>
+          </a:prstGeom>
+          <a:noFill/>
+        </p:spPr>
+        <p:txBody>
+          <a:bodyPr wrap="none" rtlCol="0">
+            <a:spAutoFit/>
+          </a:bodyPr>
+          <a:lstStyle/>
+          <a:p>
+            <a:r>
+              <a:rPr lang="en-US" altLang="zh-CN" dirty="0" err="1"/>
+              <a:t>errors_count</a:t>
+            </a:r>
+            <a:r>
+              <a:rPr lang="en-US" altLang="zh-CN" dirty="0"/>
+              <a:t>=1</a:t>
+            </a:r>
+            <a:endParaRPr lang="zh-CN" altLang="en-US" dirty="0"/>
+          </a:p>
+        </p:txBody>
+      </p:sp>
+      <p:sp>
+        <p:nvSpPr>
+          <p:cNvPr id="3" name="文本框 2">
+            <a:extLst>
+              <a:ext uri="{FF2B5EF4-FFF2-40B4-BE49-F238E27FC236}">
+                <a16:creationId xmlns:a16="http://schemas.microsoft.com/office/drawing/2014/main" id="{CC4F02AC-A69A-CF93-CE01-4BB77A482001}"/>
+              </a:ext>
+            </a:extLst>
+          </p:cNvPr>
+          <p:cNvSpPr txBox="1"/>
+          <p:nvPr/>
+        </p:nvSpPr>
+        <p:spPr>
+          <a:xfrm>
+            <a:off x="1244600" y="5820592"/>
+            <a:ext cx="1702710" cy="369332"/>
+          </a:xfrm>
+          <a:prstGeom prst="rect">
+            <a:avLst/>
+          </a:prstGeom>
+          <a:noFill/>
+        </p:spPr>
+        <p:txBody>
+          <a:bodyPr wrap="none" rtlCol="0">
+            <a:spAutoFit/>
+          </a:bodyPr>
+          <a:lstStyle/>
+          <a:p>
+            <a:r>
+              <a:rPr lang="en-US" altLang="zh-CN" dirty="0" err="1"/>
+              <a:t>errors_count</a:t>
+            </a:r>
+            <a:r>
+              <a:rPr lang="en-US" altLang="zh-CN" dirty="0"/>
+              <a:t>=8</a:t>
+            </a:r>
+            <a:endParaRPr lang="zh-CN" altLang="en-US" dirty="0"/>
+          </a:p>
+        </p:txBody>
+      </p:sp>
+      <p:sp>
+        <p:nvSpPr>
+          <p:cNvPr id="12" name="文本框 11">
+            <a:extLst>
+              <a:ext uri="{FF2B5EF4-FFF2-40B4-BE49-F238E27FC236}">
+                <a16:creationId xmlns:a16="http://schemas.microsoft.com/office/drawing/2014/main" id="{7AF35ED6-9E9B-A17E-A511-5E342FFAA30A}"/>
+              </a:ext>
+            </a:extLst>
+          </p:cNvPr>
+          <p:cNvSpPr txBox="1"/>
+          <p:nvPr/>
+        </p:nvSpPr>
+        <p:spPr>
+          <a:xfrm>
+            <a:off x="4938845" y="3982266"/>
+            <a:ext cx="1702710" cy="369332"/>
+          </a:xfrm>
+          <a:prstGeom prst="rect">
+            <a:avLst/>
+          </a:prstGeom>
+          <a:noFill/>
+        </p:spPr>
+        <p:txBody>
+          <a:bodyPr wrap="none" rtlCol="0">
+            <a:spAutoFit/>
+          </a:bodyPr>
+          <a:lstStyle/>
+          <a:p>
+            <a:r>
+              <a:rPr lang="en-US" altLang="zh-CN" dirty="0" err="1"/>
+              <a:t>errors_count</a:t>
+            </a:r>
+            <a:r>
+              <a:rPr lang="en-US" altLang="zh-CN" dirty="0"/>
+              <a:t>=3</a:t>
+            </a:r>
+            <a:endParaRPr lang="zh-CN" altLang="en-US" dirty="0"/>
+          </a:p>
+        </p:txBody>
+      </p:sp>
+      <p:sp>
+        <p:nvSpPr>
+          <p:cNvPr id="14" name="文本框 13">
+            <a:extLst>
+              <a:ext uri="{FF2B5EF4-FFF2-40B4-BE49-F238E27FC236}">
+                <a16:creationId xmlns:a16="http://schemas.microsoft.com/office/drawing/2014/main" id="{63E4FC04-33C1-D2E1-10F7-E543E8DCBB5A}"/>
+              </a:ext>
+            </a:extLst>
+          </p:cNvPr>
+          <p:cNvSpPr txBox="1"/>
+          <p:nvPr/>
+        </p:nvSpPr>
+        <p:spPr>
+          <a:xfrm>
+            <a:off x="4972865" y="5750282"/>
+            <a:ext cx="1702710" cy="369332"/>
+          </a:xfrm>
+          <a:prstGeom prst="rect">
+            <a:avLst/>
+          </a:prstGeom>
+          <a:noFill/>
+        </p:spPr>
+        <p:txBody>
+          <a:bodyPr wrap="none" rtlCol="0">
+            <a:spAutoFit/>
+          </a:bodyPr>
+          <a:lstStyle/>
+          <a:p>
+            <a:r>
+              <a:rPr lang="en-US" altLang="zh-CN" dirty="0" err="1"/>
+              <a:t>errors_count</a:t>
+            </a:r>
+            <a:r>
+              <a:rPr lang="en-US" altLang="zh-CN" dirty="0"/>
+              <a:t>=2</a:t>
+            </a:r>
+            <a:endParaRPr lang="zh-CN" altLang="en-US" dirty="0"/>
+          </a:p>
+        </p:txBody>
+      </p:sp>
+      <p:sp>
+        <p:nvSpPr>
+          <p:cNvPr id="18" name="文本框 17">
+            <a:extLst>
+              <a:ext uri="{FF2B5EF4-FFF2-40B4-BE49-F238E27FC236}">
+                <a16:creationId xmlns:a16="http://schemas.microsoft.com/office/drawing/2014/main" id="{7FF86714-EDD0-E843-E3F6-D23F614E958E}"/>
+              </a:ext>
+            </a:extLst>
+          </p:cNvPr>
+          <p:cNvSpPr txBox="1"/>
+          <p:nvPr/>
+        </p:nvSpPr>
+        <p:spPr>
+          <a:xfrm>
+            <a:off x="8435883" y="3982266"/>
+            <a:ext cx="1702710" cy="369332"/>
+          </a:xfrm>
+          <a:prstGeom prst="rect">
+            <a:avLst/>
+          </a:prstGeom>
+          <a:noFill/>
+        </p:spPr>
+        <p:txBody>
+          <a:bodyPr wrap="none" rtlCol="0">
+            <a:spAutoFit/>
+          </a:bodyPr>
+          <a:lstStyle/>
+          <a:p>
+            <a:r>
+              <a:rPr lang="en-US" altLang="zh-CN" dirty="0" err="1"/>
+              <a:t>errors_count</a:t>
+            </a:r>
+            <a:r>
+              <a:rPr lang="en-US" altLang="zh-CN" dirty="0"/>
+              <a:t>=3</a:t>
+            </a:r>
+            <a:endParaRPr lang="zh-CN" altLang="en-US" dirty="0"/>
+          </a:p>
+        </p:txBody>
+      </p:sp>
+      <p:sp>
+        <p:nvSpPr>
+          <p:cNvPr id="20" name="文本框 19">
+            <a:extLst>
+              <a:ext uri="{FF2B5EF4-FFF2-40B4-BE49-F238E27FC236}">
+                <a16:creationId xmlns:a16="http://schemas.microsoft.com/office/drawing/2014/main" id="{7194568C-1D3D-609C-E10A-4515AEBD0EE7}"/>
+              </a:ext>
+            </a:extLst>
+          </p:cNvPr>
+          <p:cNvSpPr txBox="1"/>
+          <p:nvPr/>
+        </p:nvSpPr>
+        <p:spPr>
+          <a:xfrm>
+            <a:off x="8431713" y="5820592"/>
+            <a:ext cx="1702710" cy="369332"/>
+          </a:xfrm>
+          <a:prstGeom prst="rect">
+            <a:avLst/>
+          </a:prstGeom>
+          <a:noFill/>
+        </p:spPr>
+        <p:txBody>
+          <a:bodyPr wrap="none" rtlCol="0">
+            <a:spAutoFit/>
+          </a:bodyPr>
+          <a:lstStyle/>
+          <a:p>
+            <a:r>
+              <a:rPr lang="en-US" altLang="zh-CN" dirty="0" err="1"/>
+              <a:t>errors_count</a:t>
+            </a:r>
+            <a:r>
+              <a:rPr lang="en-US" altLang="zh-CN" dirty="0"/>
+              <a:t>=3</a:t>
+            </a:r>
+            <a:endParaRPr lang="zh-CN" altLang="en-US" dirty="0"/>
+          </a:p>
+        </p:txBody>
+      </p:sp>
+      <p:cxnSp>
+        <p:nvCxnSpPr>
+          <p:cNvPr id="22" name="直接箭头连接符 21">
+            <a:extLst>
+              <a:ext uri="{FF2B5EF4-FFF2-40B4-BE49-F238E27FC236}">
+                <a16:creationId xmlns:a16="http://schemas.microsoft.com/office/drawing/2014/main" id="{C1C585F9-E2F8-750B-C7EE-131D9B523FB8}"/>
+              </a:ext>
+            </a:extLst>
+          </p:cNvPr>
+          <p:cNvCxnSpPr>
+            <a:cxnSpLocks/>
+          </p:cNvCxnSpPr>
+          <p:nvPr/>
+        </p:nvCxnSpPr>
+        <p:spPr>
+          <a:xfrm flipH="1">
+            <a:off x="2193834" y="2255519"/>
+            <a:ext cx="3630387" cy="1085852"/>
+          </a:xfrm>
+          <a:prstGeom prst="straightConnector1">
+            <a:avLst/>
+          </a:prstGeom>
+          <a:ln w="25400" cmpd="sng">
+            <a:solidFill>
+              <a:srgbClr val="92D050"/>
+            </a:solidFill>
+            <a:prstDash val="solid"/>
+            <a:round/>
+            <a:tailEnd type="triangle"/>
+          </a:ln>
+        </p:spPr>
+        <p:style>
+          <a:lnRef idx="3">
+            <a:schemeClr val="accent1"/>
+          </a:lnRef>
+          <a:fillRef idx="0">
+            <a:schemeClr val="accent1"/>
+          </a:fillRef>
+          <a:effectRef idx="2">
+            <a:schemeClr val="accent1"/>
+          </a:effectRef>
+          <a:fontRef idx="minor">
+            <a:schemeClr val="tx1"/>
+          </a:fontRef>
+        </p:style>
+      </p:cxnSp>
+      <p:cxnSp>
+        <p:nvCxnSpPr>
+          <p:cNvPr id="23" name="直接箭头连接符 22">
+            <a:extLst>
+              <a:ext uri="{FF2B5EF4-FFF2-40B4-BE49-F238E27FC236}">
+                <a16:creationId xmlns:a16="http://schemas.microsoft.com/office/drawing/2014/main" id="{215FCACE-C418-1E28-0C8C-233191A34F1C}"/>
+              </a:ext>
+            </a:extLst>
+          </p:cNvPr>
+          <p:cNvCxnSpPr>
+            <a:cxnSpLocks/>
+            <a:stCxn id="4" idx="2"/>
+            <a:endCxn id="9" idx="0"/>
+          </p:cNvCxnSpPr>
+          <p:nvPr/>
+        </p:nvCxnSpPr>
+        <p:spPr>
+          <a:xfrm>
+            <a:off x="5824221" y="2255519"/>
+            <a:ext cx="0" cy="2924177"/>
+          </a:xfrm>
+          <a:prstGeom prst="straightConnector1">
+            <a:avLst/>
+          </a:prstGeom>
+          <a:ln w="25400" cmpd="sng">
+            <a:solidFill>
+              <a:srgbClr val="92D050"/>
+            </a:solidFill>
+            <a:prstDash val="solid"/>
+            <a:round/>
+            <a:tailEnd type="triangle"/>
+          </a:ln>
+        </p:spPr>
+        <p:style>
+          <a:lnRef idx="3">
+            <a:schemeClr val="accent1"/>
+          </a:lnRef>
+          <a:fillRef idx="0">
+            <a:schemeClr val="accent1"/>
+          </a:fillRef>
+          <a:effectRef idx="2">
+            <a:schemeClr val="accent1"/>
+          </a:effectRef>
+          <a:fontRef idx="minor">
+            <a:schemeClr val="tx1"/>
+          </a:fontRef>
+        </p:style>
+      </p:cxnSp>
+      <p:cxnSp>
+        <p:nvCxnSpPr>
+          <p:cNvPr id="27" name="直接箭头连接符 26">
+            <a:extLst>
+              <a:ext uri="{FF2B5EF4-FFF2-40B4-BE49-F238E27FC236}">
+                <a16:creationId xmlns:a16="http://schemas.microsoft.com/office/drawing/2014/main" id="{3294CEEF-DCE4-D3CC-4546-438ABBB17167}"/>
+              </a:ext>
+            </a:extLst>
+          </p:cNvPr>
+          <p:cNvCxnSpPr>
+            <a:cxnSpLocks/>
+            <a:stCxn id="4" idx="2"/>
+            <a:endCxn id="8" idx="0"/>
+          </p:cNvCxnSpPr>
+          <p:nvPr/>
+        </p:nvCxnSpPr>
+        <p:spPr>
+          <a:xfrm>
+            <a:off x="5824221" y="2255519"/>
+            <a:ext cx="3463017" cy="1085851"/>
+          </a:xfrm>
+          <a:prstGeom prst="straightConnector1">
+            <a:avLst/>
+          </a:prstGeom>
+          <a:ln w="25400" cmpd="sng">
+            <a:solidFill>
+              <a:srgbClr val="92D050"/>
+            </a:solidFill>
+            <a:prstDash val="solid"/>
+            <a:round/>
+            <a:tailEnd type="triangle"/>
+          </a:ln>
+        </p:spPr>
+        <p:style>
+          <a:lnRef idx="3">
+            <a:schemeClr val="accent1"/>
+          </a:lnRef>
+          <a:fillRef idx="0">
+            <a:schemeClr val="accent1"/>
+          </a:fillRef>
+          <a:effectRef idx="2">
+            <a:schemeClr val="accent1"/>
+          </a:effectRef>
+          <a:fontRef idx="minor">
+            <a:schemeClr val="tx1"/>
+          </a:fontRef>
+        </p:style>
+      </p:cxnSp>
+    </p:spTree>
+    <p:extLst>
+      <p:ext uri="{BB962C8B-B14F-4D97-AF65-F5344CB8AC3E}">
+        <p14:creationId xmlns:p14="http://schemas.microsoft.com/office/powerpoint/2010/main" val="2077854990"/>
+      </p:ext>
+    </p:extLst>
+  </p:cSld>
+  <p:clrMapOvr>
+    <a:masterClrMapping/>
+  </p:clrMapOvr>
+</p:sld>
+</file>
+
+<file path=ppt/slides/slide6.xml><?xml version="1.0" encoding="utf-8"?>
+<p:sld xmlns:a="http://schemas.openxmlformats.org/drawingml/2006/main" xmlns:r="http://schemas.openxmlformats.org/officeDocument/2006/relationships" xmlns:p="http://schemas.openxmlformats.org/presentationml/2006/main">
+  <p:cSld>
+    <p:spTree>
+      <p:nvGrpSpPr>
+        <p:cNvPr id="1" name="">
+          <a:extLst>
+            <a:ext uri="{FF2B5EF4-FFF2-40B4-BE49-F238E27FC236}">
+              <a16:creationId xmlns:a16="http://schemas.microsoft.com/office/drawing/2014/main" id="{1DE6E577-C093-E129-331B-F42873022526}"/>
+            </a:ext>
+          </a:extLst>
+        </p:cNvPr>
+        <p:cNvGrpSpPr/>
+        <p:nvPr/>
+      </p:nvGrpSpPr>
+      <p:grpSpPr>
+        <a:xfrm>
+          <a:off x="0" y="0"/>
+          <a:ext cx="0" cy="0"/>
+          <a:chOff x="0" y="0"/>
+          <a:chExt cx="0" cy="0"/>
+        </a:xfrm>
+      </p:grpSpPr>
+      <p:sp>
+        <p:nvSpPr>
+          <p:cNvPr id="38" name="矩形: 圆角 37">
+            <a:extLst>
+              <a:ext uri="{FF2B5EF4-FFF2-40B4-BE49-F238E27FC236}">
+                <a16:creationId xmlns:a16="http://schemas.microsoft.com/office/drawing/2014/main" id="{16930A1E-BB25-5BC2-9726-DE736D94496D}"/>
+              </a:ext>
+            </a:extLst>
+          </p:cNvPr>
+          <p:cNvSpPr/>
+          <p:nvPr/>
+        </p:nvSpPr>
+        <p:spPr>
+          <a:xfrm>
+            <a:off x="7651206" y="3429001"/>
+            <a:ext cx="2341880" cy="3119120"/>
+          </a:xfrm>
+          <a:prstGeom prst="roundRect">
+            <a:avLst/>
+          </a:prstGeom>
+          <a:ln>
+            <a:prstDash val="dash"/>
+          </a:ln>
+        </p:spPr>
+        <p:style>
+          <a:lnRef idx="2">
+            <a:schemeClr val="accent1"/>
+          </a:lnRef>
+          <a:fillRef idx="1">
+            <a:schemeClr val="lt1"/>
+          </a:fillRef>
+          <a:effectRef idx="0">
+            <a:schemeClr val="accent1"/>
+          </a:effectRef>
+          <a:fontRef idx="minor">
+            <a:schemeClr val="dk1"/>
+          </a:fontRef>
+        </p:style>
+        <p:txBody>
+          <a:bodyPr rtlCol="0" anchor="ctr"/>
+          <a:lstStyle/>
+          <a:p>
+            <a:pPr algn="ctr"/>
+            <a:endParaRPr lang="zh-CN" altLang="en-US"/>
+          </a:p>
+        </p:txBody>
+      </p:sp>
+      <p:sp>
+        <p:nvSpPr>
+          <p:cNvPr id="37" name="矩形: 圆角 36">
+            <a:extLst>
+              <a:ext uri="{FF2B5EF4-FFF2-40B4-BE49-F238E27FC236}">
+                <a16:creationId xmlns:a16="http://schemas.microsoft.com/office/drawing/2014/main" id="{E6DFF30F-45AF-06E5-0F20-A808489669E1}"/>
+              </a:ext>
+            </a:extLst>
+          </p:cNvPr>
+          <p:cNvSpPr/>
+          <p:nvPr/>
+        </p:nvSpPr>
+        <p:spPr>
+          <a:xfrm>
+            <a:off x="4655821" y="3429000"/>
+            <a:ext cx="2341880" cy="3119120"/>
+          </a:xfrm>
+          <a:prstGeom prst="roundRect">
+            <a:avLst/>
+          </a:prstGeom>
+          <a:ln>
+            <a:prstDash val="dash"/>
+          </a:ln>
+        </p:spPr>
+        <p:style>
+          <a:lnRef idx="2">
+            <a:schemeClr val="accent1"/>
+          </a:lnRef>
+          <a:fillRef idx="1">
+            <a:schemeClr val="lt1"/>
+          </a:fillRef>
+          <a:effectRef idx="0">
+            <a:schemeClr val="accent1"/>
+          </a:effectRef>
+          <a:fontRef idx="minor">
+            <a:schemeClr val="dk1"/>
+          </a:fontRef>
+        </p:style>
+        <p:txBody>
+          <a:bodyPr rtlCol="0" anchor="ctr"/>
+          <a:lstStyle/>
+          <a:p>
+            <a:pPr algn="ctr"/>
+            <a:endParaRPr lang="zh-CN" altLang="en-US"/>
+          </a:p>
+        </p:txBody>
+      </p:sp>
+      <p:sp>
+        <p:nvSpPr>
+          <p:cNvPr id="36" name="矩形: 圆角 35">
+            <a:extLst>
+              <a:ext uri="{FF2B5EF4-FFF2-40B4-BE49-F238E27FC236}">
+                <a16:creationId xmlns:a16="http://schemas.microsoft.com/office/drawing/2014/main" id="{17ABF4DC-A420-402D-7021-D440427B7ABD}"/>
+              </a:ext>
+            </a:extLst>
+          </p:cNvPr>
+          <p:cNvSpPr/>
+          <p:nvPr/>
+        </p:nvSpPr>
+        <p:spPr>
+          <a:xfrm>
+            <a:off x="1510792" y="3429001"/>
+            <a:ext cx="2341880" cy="3119120"/>
+          </a:xfrm>
+          <a:prstGeom prst="roundRect">
+            <a:avLst/>
+          </a:prstGeom>
+          <a:ln>
+            <a:prstDash val="dash"/>
+          </a:ln>
+        </p:spPr>
+        <p:style>
+          <a:lnRef idx="2">
+            <a:schemeClr val="accent1"/>
+          </a:lnRef>
+          <a:fillRef idx="1">
+            <a:schemeClr val="lt1"/>
+          </a:fillRef>
+          <a:effectRef idx="0">
+            <a:schemeClr val="accent1"/>
+          </a:effectRef>
+          <a:fontRef idx="minor">
+            <a:schemeClr val="dk1"/>
+          </a:fontRef>
+        </p:style>
+        <p:txBody>
+          <a:bodyPr rtlCol="0" anchor="ctr"/>
+          <a:lstStyle/>
+          <a:p>
+            <a:pPr algn="ctr"/>
+            <a:endParaRPr lang="zh-CN" altLang="en-US"/>
+          </a:p>
+        </p:txBody>
+      </p:sp>
+      <p:sp>
+        <p:nvSpPr>
+          <p:cNvPr id="4" name="矩形: 圆角 3">
+            <a:extLst>
+              <a:ext uri="{FF2B5EF4-FFF2-40B4-BE49-F238E27FC236}">
+                <a16:creationId xmlns:a16="http://schemas.microsoft.com/office/drawing/2014/main" id="{1146CABB-4770-ECE5-026B-6F4A6A8A00AF}"/>
+              </a:ext>
+            </a:extLst>
+          </p:cNvPr>
+          <p:cNvSpPr/>
+          <p:nvPr/>
+        </p:nvSpPr>
+        <p:spPr>
+          <a:xfrm>
+            <a:off x="4434251" y="1471748"/>
+            <a:ext cx="2779939" cy="783771"/>
+          </a:xfrm>
+          <a:prstGeom prst="roundRect">
+            <a:avLst/>
+          </a:prstGeom>
+        </p:spPr>
+        <p:style>
+          <a:lnRef idx="1">
+            <a:schemeClr val="accent2"/>
+          </a:lnRef>
+          <a:fillRef idx="2">
+            <a:schemeClr val="accent2"/>
+          </a:fillRef>
+          <a:effectRef idx="1">
+            <a:schemeClr val="accent2"/>
+          </a:effectRef>
+          <a:fontRef idx="minor">
+            <a:schemeClr val="dk1"/>
+          </a:fontRef>
+        </p:style>
+        <p:txBody>
+          <a:bodyPr rtlCol="0" anchor="ctr"/>
+          <a:lstStyle/>
+          <a:p>
+            <a:pPr algn="ctr"/>
+            <a:r>
+              <a:rPr lang="en-US" altLang="zh-CN" dirty="0"/>
+              <a:t>distribute</a:t>
+            </a:r>
+          </a:p>
+          <a:p>
+            <a:pPr algn="ctr"/>
+            <a:r>
+              <a:rPr lang="en-US" altLang="zh-CN" dirty="0"/>
+              <a:t>os11</a:t>
+            </a:r>
+            <a:endParaRPr lang="zh-CN" altLang="en-US" dirty="0"/>
+          </a:p>
+        </p:txBody>
+      </p:sp>
+      <p:sp>
+        <p:nvSpPr>
+          <p:cNvPr id="5" name="矩形 4">
+            <a:extLst>
+              <a:ext uri="{FF2B5EF4-FFF2-40B4-BE49-F238E27FC236}">
+                <a16:creationId xmlns:a16="http://schemas.microsoft.com/office/drawing/2014/main" id="{62A73BAB-BE1B-DC4E-0B01-0BA2CBDBEF78}"/>
+              </a:ext>
+            </a:extLst>
+          </p:cNvPr>
+          <p:cNvSpPr/>
+          <p:nvPr/>
+        </p:nvSpPr>
+        <p:spPr>
+          <a:xfrm>
+            <a:off x="1683421" y="3708403"/>
+            <a:ext cx="2000250" cy="640897"/>
+          </a:xfrm>
+          <a:prstGeom prst="rect">
+            <a:avLst/>
+          </a:prstGeom>
+        </p:spPr>
+        <p:style>
+          <a:lnRef idx="1">
+            <a:schemeClr val="accent5"/>
+          </a:lnRef>
+          <a:fillRef idx="2">
+            <a:schemeClr val="accent5"/>
+          </a:fillRef>
+          <a:effectRef idx="1">
+            <a:schemeClr val="accent5"/>
+          </a:effectRef>
+          <a:fontRef idx="minor">
+            <a:schemeClr val="dk1"/>
+          </a:fontRef>
+        </p:style>
+        <p:txBody>
+          <a:bodyPr rtlCol="0" anchor="ctr"/>
+          <a:lstStyle/>
+          <a:p>
+            <a:pPr algn="ctr"/>
+            <a:r>
+              <a:rPr lang="en-US" altLang="zh-CN" dirty="0"/>
+              <a:t>os11</a:t>
+            </a:r>
+          </a:p>
+          <a:p>
+            <a:pPr algn="ctr"/>
+            <a:r>
+              <a:rPr lang="en-US" altLang="zh-CN" dirty="0"/>
+              <a:t>share1 replica1</a:t>
+            </a:r>
+          </a:p>
+        </p:txBody>
+      </p:sp>
+      <p:sp>
+        <p:nvSpPr>
+          <p:cNvPr id="6" name="矩形 5">
+            <a:extLst>
+              <a:ext uri="{FF2B5EF4-FFF2-40B4-BE49-F238E27FC236}">
+                <a16:creationId xmlns:a16="http://schemas.microsoft.com/office/drawing/2014/main" id="{9ECFC95B-D856-2E1C-8AC5-80C1B6942088}"/>
+              </a:ext>
+            </a:extLst>
+          </p:cNvPr>
+          <p:cNvSpPr/>
+          <p:nvPr/>
+        </p:nvSpPr>
+        <p:spPr>
+          <a:xfrm>
+            <a:off x="1683421" y="5546728"/>
+            <a:ext cx="2000250" cy="640897"/>
+          </a:xfrm>
+          <a:prstGeom prst="rect">
+            <a:avLst/>
+          </a:prstGeom>
+        </p:spPr>
+        <p:style>
+          <a:lnRef idx="1">
+            <a:schemeClr val="accent5"/>
+          </a:lnRef>
+          <a:fillRef idx="2">
+            <a:schemeClr val="accent5"/>
+          </a:fillRef>
+          <a:effectRef idx="1">
+            <a:schemeClr val="accent5"/>
+          </a:effectRef>
+          <a:fontRef idx="minor">
+            <a:schemeClr val="dk1"/>
+          </a:fontRef>
+        </p:style>
+        <p:txBody>
+          <a:bodyPr rtlCol="0" anchor="ctr"/>
+          <a:lstStyle/>
+          <a:p>
+            <a:pPr algn="ctr"/>
+            <a:r>
+              <a:rPr lang="en-US" altLang="zh-CN" dirty="0"/>
+              <a:t>share1 replica2</a:t>
+            </a:r>
+          </a:p>
+        </p:txBody>
+      </p:sp>
+      <p:sp>
+        <p:nvSpPr>
+          <p:cNvPr id="7" name="矩形 6">
+            <a:extLst>
+              <a:ext uri="{FF2B5EF4-FFF2-40B4-BE49-F238E27FC236}">
+                <a16:creationId xmlns:a16="http://schemas.microsoft.com/office/drawing/2014/main" id="{0FEA4411-CBDC-A909-1ADC-EBBB96A675C9}"/>
+              </a:ext>
+            </a:extLst>
+          </p:cNvPr>
+          <p:cNvSpPr/>
+          <p:nvPr/>
+        </p:nvSpPr>
+        <p:spPr>
+          <a:xfrm>
+            <a:off x="4829176" y="3708400"/>
+            <a:ext cx="2000250" cy="640897"/>
+          </a:xfrm>
+          <a:prstGeom prst="rect">
+            <a:avLst/>
+          </a:prstGeom>
+        </p:spPr>
+        <p:style>
+          <a:lnRef idx="1">
+            <a:schemeClr val="accent5"/>
+          </a:lnRef>
+          <a:fillRef idx="2">
+            <a:schemeClr val="accent5"/>
+          </a:fillRef>
+          <a:effectRef idx="1">
+            <a:schemeClr val="accent5"/>
+          </a:effectRef>
+          <a:fontRef idx="minor">
+            <a:schemeClr val="dk1"/>
+          </a:fontRef>
+        </p:style>
+        <p:txBody>
+          <a:bodyPr rtlCol="0" anchor="ctr"/>
+          <a:lstStyle/>
+          <a:p>
+            <a:pPr algn="ctr"/>
+            <a:r>
+              <a:rPr lang="en-US" altLang="zh-CN"/>
+              <a:t>os1</a:t>
+            </a:r>
+            <a:r>
+              <a:rPr lang="en-US" altLang="zh-CN" dirty="0"/>
+              <a:t>2</a:t>
+            </a:r>
+          </a:p>
+          <a:p>
+            <a:pPr algn="ctr"/>
+            <a:r>
+              <a:rPr lang="en-US" altLang="zh-CN" dirty="0"/>
+              <a:t>share2 replica1</a:t>
+            </a:r>
+          </a:p>
+        </p:txBody>
+      </p:sp>
+      <p:sp>
+        <p:nvSpPr>
+          <p:cNvPr id="9" name="矩形 8">
+            <a:extLst>
+              <a:ext uri="{FF2B5EF4-FFF2-40B4-BE49-F238E27FC236}">
+                <a16:creationId xmlns:a16="http://schemas.microsoft.com/office/drawing/2014/main" id="{4CF9A806-0E71-7F64-AED5-5A81CE708BEE}"/>
+              </a:ext>
+            </a:extLst>
+          </p:cNvPr>
+          <p:cNvSpPr/>
+          <p:nvPr/>
+        </p:nvSpPr>
+        <p:spPr>
+          <a:xfrm>
+            <a:off x="4829176" y="5546727"/>
+            <a:ext cx="2000250" cy="640897"/>
+          </a:xfrm>
+          <a:prstGeom prst="rect">
+            <a:avLst/>
+          </a:prstGeom>
+        </p:spPr>
+        <p:style>
+          <a:lnRef idx="1">
+            <a:schemeClr val="accent5"/>
+          </a:lnRef>
+          <a:fillRef idx="2">
+            <a:schemeClr val="accent5"/>
+          </a:fillRef>
+          <a:effectRef idx="1">
+            <a:schemeClr val="accent5"/>
+          </a:effectRef>
+          <a:fontRef idx="minor">
+            <a:schemeClr val="dk1"/>
+          </a:fontRef>
+        </p:style>
+        <p:txBody>
+          <a:bodyPr rtlCol="0" anchor="ctr"/>
+          <a:lstStyle/>
+          <a:p>
+            <a:pPr algn="ctr"/>
+            <a:r>
+              <a:rPr lang="en-US" altLang="zh-CN" dirty="0"/>
+              <a:t>share2 replica2</a:t>
+            </a:r>
+          </a:p>
+        </p:txBody>
+      </p:sp>
+      <p:sp>
+        <p:nvSpPr>
+          <p:cNvPr id="11" name="文本框 10">
+            <a:extLst>
+              <a:ext uri="{FF2B5EF4-FFF2-40B4-BE49-F238E27FC236}">
+                <a16:creationId xmlns:a16="http://schemas.microsoft.com/office/drawing/2014/main" id="{A6C4C215-393B-9370-F8C5-BFAF6929DB4A}"/>
+              </a:ext>
+            </a:extLst>
+          </p:cNvPr>
+          <p:cNvSpPr txBox="1"/>
+          <p:nvPr/>
+        </p:nvSpPr>
+        <p:spPr>
+          <a:xfrm>
+            <a:off x="4473416" y="385898"/>
+            <a:ext cx="2396810" cy="369332"/>
+          </a:xfrm>
+          <a:prstGeom prst="rect">
+            <a:avLst/>
+          </a:prstGeom>
+        </p:spPr>
+        <p:style>
+          <a:lnRef idx="2">
+            <a:schemeClr val="accent1"/>
+          </a:lnRef>
+          <a:fillRef idx="1">
+            <a:schemeClr val="lt1"/>
+          </a:fillRef>
+          <a:effectRef idx="0">
+            <a:schemeClr val="accent1"/>
+          </a:effectRef>
+          <a:fontRef idx="minor">
+            <a:schemeClr val="dk1"/>
+          </a:fontRef>
+        </p:style>
+        <p:txBody>
+          <a:bodyPr wrap="none" rtlCol="0">
+            <a:spAutoFit/>
+          </a:bodyPr>
+          <a:lstStyle/>
+          <a:p>
+            <a:r>
+              <a:rPr lang="en-US" altLang="zh-CN" dirty="0"/>
+              <a:t>3</a:t>
+            </a:r>
+            <a:r>
+              <a:rPr lang="zh-CN" altLang="en-US" dirty="0"/>
+              <a:t>分片</a:t>
+            </a:r>
+            <a:r>
+              <a:rPr lang="en-US" altLang="zh-CN" dirty="0"/>
+              <a:t>2</a:t>
+            </a:r>
+            <a:r>
+              <a:rPr lang="zh-CN" altLang="en-US" dirty="0"/>
+              <a:t>副本共</a:t>
+            </a:r>
+            <a:r>
+              <a:rPr lang="en-US" altLang="zh-CN" dirty="0"/>
+              <a:t>3</a:t>
+            </a:r>
+            <a:r>
+              <a:rPr lang="zh-CN" altLang="en-US" dirty="0"/>
+              <a:t>个节点</a:t>
+            </a:r>
+          </a:p>
+        </p:txBody>
+      </p:sp>
+      <p:cxnSp>
+        <p:nvCxnSpPr>
+          <p:cNvPr id="17" name="直接箭头连接符 16">
+            <a:extLst>
+              <a:ext uri="{FF2B5EF4-FFF2-40B4-BE49-F238E27FC236}">
+                <a16:creationId xmlns:a16="http://schemas.microsoft.com/office/drawing/2014/main" id="{D8AAA17B-5725-2651-C0AE-2FD43636A919}"/>
+              </a:ext>
+            </a:extLst>
+          </p:cNvPr>
+          <p:cNvCxnSpPr>
+            <a:cxnSpLocks/>
+          </p:cNvCxnSpPr>
+          <p:nvPr/>
+        </p:nvCxnSpPr>
+        <p:spPr>
+          <a:xfrm flipH="1">
+            <a:off x="5725171" y="923052"/>
+            <a:ext cx="1391909" cy="548696"/>
+          </a:xfrm>
+          <a:prstGeom prst="straightConnector1">
+            <a:avLst/>
+          </a:prstGeom>
+          <a:ln w="38100" cmpd="sng">
+            <a:solidFill>
+              <a:schemeClr val="accent5"/>
+            </a:solidFill>
+            <a:prstDash val="solid"/>
+            <a:round/>
+            <a:tailEnd type="triangle"/>
+          </a:ln>
+        </p:spPr>
+        <p:style>
+          <a:lnRef idx="3">
+            <a:schemeClr val="accent1"/>
+          </a:lnRef>
+          <a:fillRef idx="0">
+            <a:schemeClr val="accent1"/>
+          </a:fillRef>
+          <a:effectRef idx="2">
+            <a:schemeClr val="accent1"/>
+          </a:effectRef>
+          <a:fontRef idx="minor">
+            <a:schemeClr val="tx1"/>
+          </a:fontRef>
+        </p:style>
+      </p:cxnSp>
+      <p:cxnSp>
+        <p:nvCxnSpPr>
+          <p:cNvPr id="22" name="直接箭头连接符 21">
+            <a:extLst>
+              <a:ext uri="{FF2B5EF4-FFF2-40B4-BE49-F238E27FC236}">
+                <a16:creationId xmlns:a16="http://schemas.microsoft.com/office/drawing/2014/main" id="{362D2014-D23D-FF4A-F47E-C7BE4B57BB9D}"/>
+              </a:ext>
+            </a:extLst>
+          </p:cNvPr>
+          <p:cNvCxnSpPr>
+            <a:cxnSpLocks/>
+            <a:stCxn id="4" idx="2"/>
+            <a:endCxn id="5" idx="0"/>
+          </p:cNvCxnSpPr>
+          <p:nvPr/>
+        </p:nvCxnSpPr>
+        <p:spPr>
+          <a:xfrm flipH="1">
+            <a:off x="2683546" y="2255519"/>
+            <a:ext cx="3140675" cy="1452884"/>
+          </a:xfrm>
+          <a:prstGeom prst="straightConnector1">
+            <a:avLst/>
+          </a:prstGeom>
+          <a:ln w="25400" cmpd="sng">
+            <a:solidFill>
+              <a:srgbClr val="92D050"/>
+            </a:solidFill>
+            <a:prstDash val="solid"/>
+            <a:round/>
+            <a:tailEnd type="triangle"/>
+          </a:ln>
+        </p:spPr>
+        <p:style>
+          <a:lnRef idx="3">
+            <a:schemeClr val="accent1"/>
+          </a:lnRef>
+          <a:fillRef idx="0">
+            <a:schemeClr val="accent1"/>
+          </a:fillRef>
+          <a:effectRef idx="2">
+            <a:schemeClr val="accent1"/>
+          </a:effectRef>
+          <a:fontRef idx="minor">
+            <a:schemeClr val="tx1"/>
+          </a:fontRef>
+        </p:style>
+      </p:cxnSp>
+      <p:cxnSp>
+        <p:nvCxnSpPr>
+          <p:cNvPr id="15" name="直接箭头连接符 14">
+            <a:extLst>
+              <a:ext uri="{FF2B5EF4-FFF2-40B4-BE49-F238E27FC236}">
+                <a16:creationId xmlns:a16="http://schemas.microsoft.com/office/drawing/2014/main" id="{BEAC9674-A433-B6C8-8DB9-434AA91E2FE2}"/>
+              </a:ext>
+            </a:extLst>
+          </p:cNvPr>
+          <p:cNvCxnSpPr>
+            <a:cxnSpLocks/>
+            <a:endCxn id="9" idx="0"/>
+          </p:cNvCxnSpPr>
+          <p:nvPr/>
+        </p:nvCxnSpPr>
+        <p:spPr>
+          <a:xfrm>
+            <a:off x="2198914" y="4349299"/>
+            <a:ext cx="3630387" cy="1197428"/>
+          </a:xfrm>
+          <a:prstGeom prst="straightConnector1">
+            <a:avLst/>
+          </a:prstGeom>
+          <a:ln w="25400" cmpd="sng">
+            <a:solidFill>
+              <a:srgbClr val="00B0F0"/>
+            </a:solidFill>
+            <a:prstDash val="solid"/>
+            <a:round/>
+            <a:tailEnd type="triangle"/>
+          </a:ln>
+        </p:spPr>
+        <p:style>
+          <a:lnRef idx="3">
+            <a:schemeClr val="accent1"/>
+          </a:lnRef>
+          <a:fillRef idx="0">
+            <a:schemeClr val="accent1"/>
+          </a:fillRef>
+          <a:effectRef idx="2">
+            <a:schemeClr val="accent1"/>
+          </a:effectRef>
+          <a:fontRef idx="minor">
+            <a:schemeClr val="tx1"/>
+          </a:fontRef>
+        </p:style>
+      </p:cxnSp>
+      <p:cxnSp>
+        <p:nvCxnSpPr>
+          <p:cNvPr id="16" name="直接箭头连接符 15">
+            <a:extLst>
+              <a:ext uri="{FF2B5EF4-FFF2-40B4-BE49-F238E27FC236}">
+                <a16:creationId xmlns:a16="http://schemas.microsoft.com/office/drawing/2014/main" id="{9F8826BF-9708-9F9D-93DF-258D166CA435}"/>
+              </a:ext>
+            </a:extLst>
+          </p:cNvPr>
+          <p:cNvCxnSpPr>
+            <a:cxnSpLocks/>
+            <a:stCxn id="7" idx="2"/>
+            <a:endCxn id="29" idx="0"/>
+          </p:cNvCxnSpPr>
+          <p:nvPr/>
+        </p:nvCxnSpPr>
+        <p:spPr>
+          <a:xfrm>
+            <a:off x="5829301" y="4349297"/>
+            <a:ext cx="2995385" cy="1344658"/>
+          </a:xfrm>
+          <a:prstGeom prst="straightConnector1">
+            <a:avLst/>
+          </a:prstGeom>
+          <a:ln w="25400" cmpd="sng">
+            <a:solidFill>
+              <a:srgbClr val="00B0F0"/>
+            </a:solidFill>
+            <a:prstDash val="solid"/>
+            <a:round/>
+            <a:tailEnd type="triangle"/>
+          </a:ln>
+        </p:spPr>
+        <p:style>
+          <a:lnRef idx="3">
+            <a:schemeClr val="accent1"/>
+          </a:lnRef>
+          <a:fillRef idx="0">
+            <a:schemeClr val="accent1"/>
+          </a:fillRef>
+          <a:effectRef idx="2">
+            <a:schemeClr val="accent1"/>
+          </a:effectRef>
+          <a:fontRef idx="minor">
+            <a:schemeClr val="tx1"/>
+          </a:fontRef>
+        </p:style>
+      </p:cxnSp>
+      <p:cxnSp>
+        <p:nvCxnSpPr>
+          <p:cNvPr id="19" name="直接箭头连接符 18">
+            <a:extLst>
+              <a:ext uri="{FF2B5EF4-FFF2-40B4-BE49-F238E27FC236}">
+                <a16:creationId xmlns:a16="http://schemas.microsoft.com/office/drawing/2014/main" id="{DD1EB2EC-C29D-2367-8CFE-1636FF9C88DB}"/>
+              </a:ext>
+            </a:extLst>
+          </p:cNvPr>
+          <p:cNvCxnSpPr>
+            <a:cxnSpLocks/>
+            <a:stCxn id="4" idx="2"/>
+            <a:endCxn id="7" idx="0"/>
+          </p:cNvCxnSpPr>
+          <p:nvPr/>
+        </p:nvCxnSpPr>
+        <p:spPr>
+          <a:xfrm>
+            <a:off x="5824221" y="2255519"/>
+            <a:ext cx="5080" cy="1452881"/>
+          </a:xfrm>
+          <a:prstGeom prst="straightConnector1">
+            <a:avLst/>
+          </a:prstGeom>
+          <a:ln w="25400" cmpd="sng">
+            <a:solidFill>
+              <a:srgbClr val="92D050"/>
+            </a:solidFill>
+            <a:prstDash val="solid"/>
+            <a:round/>
+            <a:tailEnd type="triangle"/>
+          </a:ln>
+        </p:spPr>
+        <p:style>
+          <a:lnRef idx="3">
+            <a:schemeClr val="accent1"/>
+          </a:lnRef>
+          <a:fillRef idx="0">
+            <a:schemeClr val="accent1"/>
+          </a:fillRef>
+          <a:effectRef idx="2">
+            <a:schemeClr val="accent1"/>
+          </a:effectRef>
+          <a:fontRef idx="minor">
+            <a:schemeClr val="tx1"/>
+          </a:fontRef>
+        </p:style>
+      </p:cxnSp>
+      <p:sp>
+        <p:nvSpPr>
+          <p:cNvPr id="28" name="矩形 27">
+            <a:extLst>
+              <a:ext uri="{FF2B5EF4-FFF2-40B4-BE49-F238E27FC236}">
+                <a16:creationId xmlns:a16="http://schemas.microsoft.com/office/drawing/2014/main" id="{DFE8BECD-7BD5-372D-0757-724F13A08C37}"/>
+              </a:ext>
+            </a:extLst>
+          </p:cNvPr>
+          <p:cNvSpPr/>
+          <p:nvPr/>
+        </p:nvSpPr>
+        <p:spPr>
+          <a:xfrm>
+            <a:off x="7824561" y="3855628"/>
+            <a:ext cx="2000250" cy="640897"/>
+          </a:xfrm>
+          <a:prstGeom prst="rect">
+            <a:avLst/>
+          </a:prstGeom>
+        </p:spPr>
+        <p:style>
+          <a:lnRef idx="1">
+            <a:schemeClr val="accent5"/>
+          </a:lnRef>
+          <a:fillRef idx="2">
+            <a:schemeClr val="accent5"/>
+          </a:fillRef>
+          <a:effectRef idx="1">
+            <a:schemeClr val="accent5"/>
+          </a:effectRef>
+          <a:fontRef idx="minor">
+            <a:schemeClr val="dk1"/>
+          </a:fontRef>
+        </p:style>
+        <p:txBody>
+          <a:bodyPr rtlCol="0" anchor="ctr"/>
+          <a:lstStyle/>
+          <a:p>
+            <a:pPr algn="ctr"/>
+            <a:r>
+              <a:rPr lang="en-US" altLang="zh-CN" dirty="0"/>
+              <a:t>os13</a:t>
+            </a:r>
+          </a:p>
+          <a:p>
+            <a:pPr algn="ctr"/>
+            <a:r>
+              <a:rPr lang="en-US" altLang="zh-CN" dirty="0"/>
+              <a:t>share2 replica1</a:t>
+            </a:r>
+          </a:p>
+        </p:txBody>
+      </p:sp>
+      <p:sp>
+        <p:nvSpPr>
+          <p:cNvPr id="29" name="矩形 28">
+            <a:extLst>
+              <a:ext uri="{FF2B5EF4-FFF2-40B4-BE49-F238E27FC236}">
+                <a16:creationId xmlns:a16="http://schemas.microsoft.com/office/drawing/2014/main" id="{7AC8E21C-C94B-06BC-4F30-AEF6A6DA8CA9}"/>
+              </a:ext>
+            </a:extLst>
+          </p:cNvPr>
+          <p:cNvSpPr/>
+          <p:nvPr/>
+        </p:nvSpPr>
+        <p:spPr>
+          <a:xfrm>
+            <a:off x="7824561" y="5693955"/>
+            <a:ext cx="2000250" cy="640897"/>
+          </a:xfrm>
+          <a:prstGeom prst="rect">
+            <a:avLst/>
+          </a:prstGeom>
+        </p:spPr>
+        <p:style>
+          <a:lnRef idx="1">
+            <a:schemeClr val="accent5"/>
+          </a:lnRef>
+          <a:fillRef idx="2">
+            <a:schemeClr val="accent5"/>
+          </a:fillRef>
+          <a:effectRef idx="1">
+            <a:schemeClr val="accent5"/>
+          </a:effectRef>
+          <a:fontRef idx="minor">
+            <a:schemeClr val="dk1"/>
+          </a:fontRef>
+        </p:style>
+        <p:txBody>
+          <a:bodyPr rtlCol="0" anchor="ctr"/>
+          <a:lstStyle/>
+          <a:p>
+            <a:pPr algn="ctr"/>
+            <a:r>
+              <a:rPr lang="en-US" altLang="zh-CN" dirty="0"/>
+              <a:t>share2 replica2</a:t>
+            </a:r>
+          </a:p>
+        </p:txBody>
+      </p:sp>
+      <p:cxnSp>
+        <p:nvCxnSpPr>
+          <p:cNvPr id="30" name="直接箭头连接符 29">
+            <a:extLst>
+              <a:ext uri="{FF2B5EF4-FFF2-40B4-BE49-F238E27FC236}">
+                <a16:creationId xmlns:a16="http://schemas.microsoft.com/office/drawing/2014/main" id="{6ABD2D6B-8853-8E3A-6097-B50B2730C1E5}"/>
+              </a:ext>
+            </a:extLst>
+          </p:cNvPr>
+          <p:cNvCxnSpPr>
+            <a:cxnSpLocks/>
+            <a:endCxn id="6" idx="0"/>
+          </p:cNvCxnSpPr>
+          <p:nvPr/>
+        </p:nvCxnSpPr>
+        <p:spPr>
+          <a:xfrm flipH="1">
+            <a:off x="2683546" y="4455980"/>
+            <a:ext cx="6429467" cy="1090748"/>
+          </a:xfrm>
+          <a:prstGeom prst="straightConnector1">
+            <a:avLst/>
+          </a:prstGeom>
+          <a:ln w="25400" cmpd="sng">
+            <a:solidFill>
+              <a:srgbClr val="00B0F0"/>
+            </a:solidFill>
+            <a:prstDash val="solid"/>
+            <a:round/>
+            <a:tailEnd type="triangle"/>
+          </a:ln>
+        </p:spPr>
+        <p:style>
+          <a:lnRef idx="3">
+            <a:schemeClr val="accent1"/>
+          </a:lnRef>
+          <a:fillRef idx="0">
+            <a:schemeClr val="accent1"/>
+          </a:fillRef>
+          <a:effectRef idx="2">
+            <a:schemeClr val="accent1"/>
+          </a:effectRef>
+          <a:fontRef idx="minor">
+            <a:schemeClr val="tx1"/>
+          </a:fontRef>
+        </p:style>
+      </p:cxnSp>
+      <p:cxnSp>
+        <p:nvCxnSpPr>
+          <p:cNvPr id="39" name="直接箭头连接符 38">
+            <a:extLst>
+              <a:ext uri="{FF2B5EF4-FFF2-40B4-BE49-F238E27FC236}">
+                <a16:creationId xmlns:a16="http://schemas.microsoft.com/office/drawing/2014/main" id="{EC2321B3-EE93-0923-9875-B8280223B287}"/>
+              </a:ext>
+            </a:extLst>
+          </p:cNvPr>
+          <p:cNvCxnSpPr>
+            <a:cxnSpLocks/>
+            <a:stCxn id="4" idx="2"/>
+          </p:cNvCxnSpPr>
+          <p:nvPr/>
+        </p:nvCxnSpPr>
+        <p:spPr>
+          <a:xfrm>
+            <a:off x="5824221" y="2255519"/>
+            <a:ext cx="2799080" cy="1559561"/>
+          </a:xfrm>
+          <a:prstGeom prst="straightConnector1">
+            <a:avLst/>
+          </a:prstGeom>
+          <a:ln w="25400" cmpd="sng">
+            <a:solidFill>
+              <a:srgbClr val="92D050"/>
+            </a:solidFill>
+            <a:prstDash val="solid"/>
+            <a:round/>
+            <a:tailEnd type="triangle"/>
+          </a:ln>
+        </p:spPr>
+        <p:style>
+          <a:lnRef idx="3">
+            <a:schemeClr val="accent1"/>
+          </a:lnRef>
+          <a:fillRef idx="0">
+            <a:schemeClr val="accent1"/>
+          </a:fillRef>
+          <a:effectRef idx="2">
+            <a:schemeClr val="accent1"/>
+          </a:effectRef>
+          <a:fontRef idx="minor">
+            <a:schemeClr val="tx1"/>
+          </a:fontRef>
+        </p:style>
+      </p:cxnSp>
+    </p:spTree>
+    <p:extLst>
+      <p:ext uri="{BB962C8B-B14F-4D97-AF65-F5344CB8AC3E}">
+        <p14:creationId xmlns:p14="http://schemas.microsoft.com/office/powerpoint/2010/main" val="3599653581"/>
+      </p:ext>
+    </p:extLst>
+  </p:cSld>
+  <p:clrMapOvr>
+    <a:masterClrMapping/>
+  </p:clrMapOvr>
+</p:sld>
+</file>
+
 <file path=ppt/theme/theme1.xml><?xml version="1.0" encoding="utf-8"?>
 <a:theme xmlns:a="http://schemas.openxmlformats.org/drawingml/2006/main" name="Office 主题​​">
   <a:themeElements>

--- a/clickhouse/Clickhouse.pptx
+++ b/clickhouse/Clickhouse.pptx
@@ -1,19 +1,24 @@
 
 <file path=ppt/presentation.xml><?xml version="1.0" encoding="utf-8"?>
-<p:presentation xmlns:a="http://schemas.openxmlformats.org/drawingml/2006/main" xmlns:r="http://schemas.openxmlformats.org/officeDocument/2006/relationships" xmlns:p="http://schemas.openxmlformats.org/presentationml/2006/main" saveSubsetFonts="1">
+<p:presentation xmlns:a="http://schemas.openxmlformats.org/drawingml/2006/main" xmlns:r="http://schemas.openxmlformats.org/officeDocument/2006/relationships" xmlns:p="http://schemas.openxmlformats.org/presentationml/2006/main">
   <p:sldMasterIdLst>
     <p:sldMasterId id="2147483648" r:id="rId1"/>
+    <p:sldMasterId id="2147483660" r:id="rId3"/>
   </p:sldMasterIdLst>
   <p:sldIdLst>
-    <p:sldId id="256" r:id="rId2"/>
-    <p:sldId id="257" r:id="rId3"/>
-    <p:sldId id="258" r:id="rId4"/>
-    <p:sldId id="259" r:id="rId5"/>
-    <p:sldId id="260" r:id="rId6"/>
-    <p:sldId id="261" r:id="rId7"/>
+    <p:sldId id="256" r:id="rId4"/>
+    <p:sldId id="257" r:id="rId5"/>
+    <p:sldId id="258" r:id="rId6"/>
+    <p:sldId id="259" r:id="rId7"/>
+    <p:sldId id="260" r:id="rId8"/>
+    <p:sldId id="261" r:id="rId9"/>
+    <p:sldId id="262" r:id="rId10"/>
   </p:sldIdLst>
   <p:sldSz cx="12192000" cy="6858000"/>
   <p:notesSz cx="6858000" cy="9144000"/>
+  <p:custDataLst>
+    <p:tags r:id="rId14"/>
+  </p:custDataLst>
   <p:defaultTextStyle>
     <a:defPPr>
       <a:defRPr lang="zh-CN"/>
@@ -109,11 +114,6 @@
       </a:defRPr>
     </a:lvl9pPr>
   </p:defaultTextStyle>
-  <p:extLst>
-    <p:ext uri="{EFAFB233-063F-42B5-8137-9DF3F51BA10A}">
-      <p15:sldGuideLst xmlns:p15="http://schemas.microsoft.com/office/powerpoint/2012/main"/>
-    </p:ext>
-  </p:extLst>
 </p:presentation>
 </file>
 
@@ -136,13 +136,7 @@
       </p:grpSpPr>
       <p:sp>
         <p:nvSpPr>
-          <p:cNvPr id="2" name="标题 1">
-            <a:extLst>
-              <a:ext uri="{FF2B5EF4-FFF2-40B4-BE49-F238E27FC236}">
-                <a16:creationId xmlns:a16="http://schemas.microsoft.com/office/drawing/2014/main" id="{687E45BD-B0C7-E1C1-A103-0ABA2BE81EB9}"/>
-              </a:ext>
-            </a:extLst>
-          </p:cNvPr>
+          <p:cNvPr id="2" name="标题 1"/>
           <p:cNvSpPr>
             <a:spLocks noGrp="1"/>
           </p:cNvSpPr>
@@ -168,18 +162,13 @@
               <a:rPr lang="zh-CN" altLang="en-US"/>
               <a:t>单击此处编辑母版标题样式</a:t>
             </a:r>
-          </a:p>
-        </p:txBody>
-      </p:sp>
-      <p:sp>
-        <p:nvSpPr>
-          <p:cNvPr id="3" name="副标题 2">
-            <a:extLst>
-              <a:ext uri="{FF2B5EF4-FFF2-40B4-BE49-F238E27FC236}">
-                <a16:creationId xmlns:a16="http://schemas.microsoft.com/office/drawing/2014/main" id="{B3E9336A-C00E-28A4-CFC5-17B02C920C2E}"/>
-              </a:ext>
-            </a:extLst>
-          </p:cNvPr>
+            <a:endParaRPr lang="zh-CN" altLang="en-US"/>
+          </a:p>
+        </p:txBody>
+      </p:sp>
+      <p:sp>
+        <p:nvSpPr>
+          <p:cNvPr id="3" name="副标题 2"/>
           <p:cNvSpPr>
             <a:spLocks noGrp="1"/>
           </p:cNvSpPr>
@@ -238,18 +227,13 @@
               <a:rPr lang="zh-CN" altLang="en-US"/>
               <a:t>单击此处编辑母版副标题样式</a:t>
             </a:r>
-          </a:p>
-        </p:txBody>
-      </p:sp>
-      <p:sp>
-        <p:nvSpPr>
-          <p:cNvPr id="4" name="日期占位符 3">
-            <a:extLst>
-              <a:ext uri="{FF2B5EF4-FFF2-40B4-BE49-F238E27FC236}">
-                <a16:creationId xmlns:a16="http://schemas.microsoft.com/office/drawing/2014/main" id="{DFC8C6F1-8672-C2BC-5E7D-F985221A1ACE}"/>
-              </a:ext>
-            </a:extLst>
-          </p:cNvPr>
+            <a:endParaRPr lang="zh-CN" altLang="en-US"/>
+          </a:p>
+        </p:txBody>
+      </p:sp>
+      <p:sp>
+        <p:nvSpPr>
+          <p:cNvPr id="4" name="日期占位符 3"/>
           <p:cNvSpPr>
             <a:spLocks noGrp="1"/>
           </p:cNvSpPr>
@@ -264,7 +248,6 @@
           <a:p>
             <a:fld id="{1DCFACBB-E66A-42EF-8F6A-77DBE898C298}" type="datetimeFigureOut">
               <a:rPr lang="zh-CN" altLang="en-US" smtClean="0"/>
-              <a:t>2024/11/5</a:t>
             </a:fld>
             <a:endParaRPr lang="zh-CN" altLang="en-US"/>
           </a:p>
@@ -272,13 +255,7 @@
       </p:sp>
       <p:sp>
         <p:nvSpPr>
-          <p:cNvPr id="5" name="页脚占位符 4">
-            <a:extLst>
-              <a:ext uri="{FF2B5EF4-FFF2-40B4-BE49-F238E27FC236}">
-                <a16:creationId xmlns:a16="http://schemas.microsoft.com/office/drawing/2014/main" id="{136DC6C1-37AA-C8C8-C170-E7A482D6E318}"/>
-              </a:ext>
-            </a:extLst>
-          </p:cNvPr>
+          <p:cNvPr id="5" name="页脚占位符 4"/>
           <p:cNvSpPr>
             <a:spLocks noGrp="1"/>
           </p:cNvSpPr>
@@ -297,13 +274,7 @@
       </p:sp>
       <p:sp>
         <p:nvSpPr>
-          <p:cNvPr id="6" name="灯片编号占位符 5">
-            <a:extLst>
-              <a:ext uri="{FF2B5EF4-FFF2-40B4-BE49-F238E27FC236}">
-                <a16:creationId xmlns:a16="http://schemas.microsoft.com/office/drawing/2014/main" id="{ACEDC87D-A096-BFD1-008E-BBB669A4ADD8}"/>
-              </a:ext>
-            </a:extLst>
-          </p:cNvPr>
+          <p:cNvPr id="6" name="灯片编号占位符 5"/>
           <p:cNvSpPr>
             <a:spLocks noGrp="1"/>
           </p:cNvSpPr>
@@ -318,18 +289,12 @@
           <a:p>
             <a:fld id="{265DE8D4-0978-4613-9E9F-712DF247FDE0}" type="slidenum">
               <a:rPr lang="zh-CN" altLang="en-US" smtClean="0"/>
-              <a:t>‹#›</a:t>
             </a:fld>
             <a:endParaRPr lang="zh-CN" altLang="en-US"/>
           </a:p>
         </p:txBody>
       </p:sp>
     </p:spTree>
-    <p:extLst>
-      <p:ext uri="{BB962C8B-B14F-4D97-AF65-F5344CB8AC3E}">
-        <p14:creationId xmlns:p14="http://schemas.microsoft.com/office/powerpoint/2010/main" val="3094796725"/>
-      </p:ext>
-    </p:extLst>
   </p:cSld>
   <p:clrMapOvr>
     <a:masterClrMapping/>
@@ -356,13 +321,7 @@
       </p:grpSpPr>
       <p:sp>
         <p:nvSpPr>
-          <p:cNvPr id="2" name="标题 1">
-            <a:extLst>
-              <a:ext uri="{FF2B5EF4-FFF2-40B4-BE49-F238E27FC236}">
-                <a16:creationId xmlns:a16="http://schemas.microsoft.com/office/drawing/2014/main" id="{A02A154D-615D-5727-2538-4FAA5E123F76}"/>
-              </a:ext>
-            </a:extLst>
-          </p:cNvPr>
+          <p:cNvPr id="2" name="标题 1"/>
           <p:cNvSpPr>
             <a:spLocks noGrp="1"/>
           </p:cNvSpPr>
@@ -379,18 +338,13 @@
               <a:rPr lang="zh-CN" altLang="en-US"/>
               <a:t>单击此处编辑母版标题样式</a:t>
             </a:r>
-          </a:p>
-        </p:txBody>
-      </p:sp>
-      <p:sp>
-        <p:nvSpPr>
-          <p:cNvPr id="3" name="竖排文字占位符 2">
-            <a:extLst>
-              <a:ext uri="{FF2B5EF4-FFF2-40B4-BE49-F238E27FC236}">
-                <a16:creationId xmlns:a16="http://schemas.microsoft.com/office/drawing/2014/main" id="{DF9BF849-E39B-E0C6-99EA-6FEBB5D90775}"/>
-              </a:ext>
-            </a:extLst>
-          </p:cNvPr>
+            <a:endParaRPr lang="zh-CN" altLang="en-US"/>
+          </a:p>
+        </p:txBody>
+      </p:sp>
+      <p:sp>
+        <p:nvSpPr>
+          <p:cNvPr id="3" name="竖排文字占位符 2"/>
           <p:cNvSpPr>
             <a:spLocks noGrp="1"/>
           </p:cNvSpPr>
@@ -408,6 +362,7 @@
               <a:rPr lang="zh-CN" altLang="en-US"/>
               <a:t>单击此处编辑母版文本样式</a:t>
             </a:r>
+            <a:endParaRPr lang="zh-CN" altLang="en-US"/>
           </a:p>
           <a:p>
             <a:pPr lvl="1"/>
@@ -415,6 +370,7 @@
               <a:rPr lang="zh-CN" altLang="en-US"/>
               <a:t>二级</a:t>
             </a:r>
+            <a:endParaRPr lang="zh-CN" altLang="en-US"/>
           </a:p>
           <a:p>
             <a:pPr lvl="2"/>
@@ -422,6 +378,7 @@
               <a:rPr lang="zh-CN" altLang="en-US"/>
               <a:t>三级</a:t>
             </a:r>
+            <a:endParaRPr lang="zh-CN" altLang="en-US"/>
           </a:p>
           <a:p>
             <a:pPr lvl="3"/>
@@ -429,6 +386,7 @@
               <a:rPr lang="zh-CN" altLang="en-US"/>
               <a:t>四级</a:t>
             </a:r>
+            <a:endParaRPr lang="zh-CN" altLang="en-US"/>
           </a:p>
           <a:p>
             <a:pPr lvl="4"/>
@@ -436,18 +394,13 @@
               <a:rPr lang="zh-CN" altLang="en-US"/>
               <a:t>五级</a:t>
             </a:r>
-          </a:p>
-        </p:txBody>
-      </p:sp>
-      <p:sp>
-        <p:nvSpPr>
-          <p:cNvPr id="4" name="日期占位符 3">
-            <a:extLst>
-              <a:ext uri="{FF2B5EF4-FFF2-40B4-BE49-F238E27FC236}">
-                <a16:creationId xmlns:a16="http://schemas.microsoft.com/office/drawing/2014/main" id="{D213BC23-052F-5AF2-BFAE-C082535215C2}"/>
-              </a:ext>
-            </a:extLst>
-          </p:cNvPr>
+            <a:endParaRPr lang="zh-CN" altLang="en-US"/>
+          </a:p>
+        </p:txBody>
+      </p:sp>
+      <p:sp>
+        <p:nvSpPr>
+          <p:cNvPr id="4" name="日期占位符 3"/>
           <p:cNvSpPr>
             <a:spLocks noGrp="1"/>
           </p:cNvSpPr>
@@ -462,7 +415,6 @@
           <a:p>
             <a:fld id="{1DCFACBB-E66A-42EF-8F6A-77DBE898C298}" type="datetimeFigureOut">
               <a:rPr lang="zh-CN" altLang="en-US" smtClean="0"/>
-              <a:t>2024/11/5</a:t>
             </a:fld>
             <a:endParaRPr lang="zh-CN" altLang="en-US"/>
           </a:p>
@@ -470,13 +422,7 @@
       </p:sp>
       <p:sp>
         <p:nvSpPr>
-          <p:cNvPr id="5" name="页脚占位符 4">
-            <a:extLst>
-              <a:ext uri="{FF2B5EF4-FFF2-40B4-BE49-F238E27FC236}">
-                <a16:creationId xmlns:a16="http://schemas.microsoft.com/office/drawing/2014/main" id="{A031CDC7-EBA1-437C-FE10-F037D052BD65}"/>
-              </a:ext>
-            </a:extLst>
-          </p:cNvPr>
+          <p:cNvPr id="5" name="页脚占位符 4"/>
           <p:cNvSpPr>
             <a:spLocks noGrp="1"/>
           </p:cNvSpPr>
@@ -495,13 +441,7 @@
       </p:sp>
       <p:sp>
         <p:nvSpPr>
-          <p:cNvPr id="6" name="灯片编号占位符 5">
-            <a:extLst>
-              <a:ext uri="{FF2B5EF4-FFF2-40B4-BE49-F238E27FC236}">
-                <a16:creationId xmlns:a16="http://schemas.microsoft.com/office/drawing/2014/main" id="{FDB7C1F8-2AA4-B9B7-1E7F-B09A26A69FAC}"/>
-              </a:ext>
-            </a:extLst>
-          </p:cNvPr>
+          <p:cNvPr id="6" name="灯片编号占位符 5"/>
           <p:cNvSpPr>
             <a:spLocks noGrp="1"/>
           </p:cNvSpPr>
@@ -516,18 +456,12 @@
           <a:p>
             <a:fld id="{265DE8D4-0978-4613-9E9F-712DF247FDE0}" type="slidenum">
               <a:rPr lang="zh-CN" altLang="en-US" smtClean="0"/>
-              <a:t>‹#›</a:t>
             </a:fld>
             <a:endParaRPr lang="zh-CN" altLang="en-US"/>
           </a:p>
         </p:txBody>
       </p:sp>
     </p:spTree>
-    <p:extLst>
-      <p:ext uri="{BB962C8B-B14F-4D97-AF65-F5344CB8AC3E}">
-        <p14:creationId xmlns:p14="http://schemas.microsoft.com/office/powerpoint/2010/main" val="1181792605"/>
-      </p:ext>
-    </p:extLst>
   </p:cSld>
   <p:clrMapOvr>
     <a:masterClrMapping/>
@@ -554,13 +488,7 @@
       </p:grpSpPr>
       <p:sp>
         <p:nvSpPr>
-          <p:cNvPr id="2" name="竖排标题 1">
-            <a:extLst>
-              <a:ext uri="{FF2B5EF4-FFF2-40B4-BE49-F238E27FC236}">
-                <a16:creationId xmlns:a16="http://schemas.microsoft.com/office/drawing/2014/main" id="{7C74B6C3-A798-B22A-0DCA-6EE47FC05A1C}"/>
-              </a:ext>
-            </a:extLst>
-          </p:cNvPr>
+          <p:cNvPr id="2" name="竖排标题 1"/>
           <p:cNvSpPr>
             <a:spLocks noGrp="1"/>
           </p:cNvSpPr>
@@ -582,18 +510,13 @@
               <a:rPr lang="zh-CN" altLang="en-US"/>
               <a:t>单击此处编辑母版标题样式</a:t>
             </a:r>
-          </a:p>
-        </p:txBody>
-      </p:sp>
-      <p:sp>
-        <p:nvSpPr>
-          <p:cNvPr id="3" name="竖排文字占位符 2">
-            <a:extLst>
-              <a:ext uri="{FF2B5EF4-FFF2-40B4-BE49-F238E27FC236}">
-                <a16:creationId xmlns:a16="http://schemas.microsoft.com/office/drawing/2014/main" id="{BE0C2187-A41F-EE8E-00E5-A6B69FD2F793}"/>
-              </a:ext>
-            </a:extLst>
-          </p:cNvPr>
+            <a:endParaRPr lang="zh-CN" altLang="en-US"/>
+          </a:p>
+        </p:txBody>
+      </p:sp>
+      <p:sp>
+        <p:nvSpPr>
+          <p:cNvPr id="3" name="竖排文字占位符 2"/>
           <p:cNvSpPr>
             <a:spLocks noGrp="1"/>
           </p:cNvSpPr>
@@ -616,6 +539,7 @@
               <a:rPr lang="zh-CN" altLang="en-US"/>
               <a:t>单击此处编辑母版文本样式</a:t>
             </a:r>
+            <a:endParaRPr lang="zh-CN" altLang="en-US"/>
           </a:p>
           <a:p>
             <a:pPr lvl="1"/>
@@ -623,6 +547,7 @@
               <a:rPr lang="zh-CN" altLang="en-US"/>
               <a:t>二级</a:t>
             </a:r>
+            <a:endParaRPr lang="zh-CN" altLang="en-US"/>
           </a:p>
           <a:p>
             <a:pPr lvl="2"/>
@@ -630,6 +555,7 @@
               <a:rPr lang="zh-CN" altLang="en-US"/>
               <a:t>三级</a:t>
             </a:r>
+            <a:endParaRPr lang="zh-CN" altLang="en-US"/>
           </a:p>
           <a:p>
             <a:pPr lvl="3"/>
@@ -637,6 +563,7 @@
               <a:rPr lang="zh-CN" altLang="en-US"/>
               <a:t>四级</a:t>
             </a:r>
+            <a:endParaRPr lang="zh-CN" altLang="en-US"/>
           </a:p>
           <a:p>
             <a:pPr lvl="4"/>
@@ -644,18 +571,13 @@
               <a:rPr lang="zh-CN" altLang="en-US"/>
               <a:t>五级</a:t>
             </a:r>
-          </a:p>
-        </p:txBody>
-      </p:sp>
-      <p:sp>
-        <p:nvSpPr>
-          <p:cNvPr id="4" name="日期占位符 3">
-            <a:extLst>
-              <a:ext uri="{FF2B5EF4-FFF2-40B4-BE49-F238E27FC236}">
-                <a16:creationId xmlns:a16="http://schemas.microsoft.com/office/drawing/2014/main" id="{22AC0E6F-2B2F-D172-124C-CAA5E516311F}"/>
-              </a:ext>
-            </a:extLst>
-          </p:cNvPr>
+            <a:endParaRPr lang="zh-CN" altLang="en-US"/>
+          </a:p>
+        </p:txBody>
+      </p:sp>
+      <p:sp>
+        <p:nvSpPr>
+          <p:cNvPr id="4" name="日期占位符 3"/>
           <p:cNvSpPr>
             <a:spLocks noGrp="1"/>
           </p:cNvSpPr>
@@ -670,7 +592,6 @@
           <a:p>
             <a:fld id="{1DCFACBB-E66A-42EF-8F6A-77DBE898C298}" type="datetimeFigureOut">
               <a:rPr lang="zh-CN" altLang="en-US" smtClean="0"/>
-              <a:t>2024/11/5</a:t>
             </a:fld>
             <a:endParaRPr lang="zh-CN" altLang="en-US"/>
           </a:p>
@@ -678,13 +599,7 @@
       </p:sp>
       <p:sp>
         <p:nvSpPr>
-          <p:cNvPr id="5" name="页脚占位符 4">
-            <a:extLst>
-              <a:ext uri="{FF2B5EF4-FFF2-40B4-BE49-F238E27FC236}">
-                <a16:creationId xmlns:a16="http://schemas.microsoft.com/office/drawing/2014/main" id="{D657687A-632B-4DFF-7D25-B82F2EDEAA06}"/>
-              </a:ext>
-            </a:extLst>
-          </p:cNvPr>
+          <p:cNvPr id="5" name="页脚占位符 4"/>
           <p:cNvSpPr>
             <a:spLocks noGrp="1"/>
           </p:cNvSpPr>
@@ -703,13 +618,7 @@
       </p:sp>
       <p:sp>
         <p:nvSpPr>
-          <p:cNvPr id="6" name="灯片编号占位符 5">
-            <a:extLst>
-              <a:ext uri="{FF2B5EF4-FFF2-40B4-BE49-F238E27FC236}">
-                <a16:creationId xmlns:a16="http://schemas.microsoft.com/office/drawing/2014/main" id="{8902A285-F7DE-D050-705B-6613564116C0}"/>
-              </a:ext>
-            </a:extLst>
-          </p:cNvPr>
+          <p:cNvPr id="6" name="灯片编号占位符 5"/>
           <p:cNvSpPr>
             <a:spLocks noGrp="1"/>
           </p:cNvSpPr>
@@ -724,18 +633,12 @@
           <a:p>
             <a:fld id="{265DE8D4-0978-4613-9E9F-712DF247FDE0}" type="slidenum">
               <a:rPr lang="zh-CN" altLang="en-US" smtClean="0"/>
-              <a:t>‹#›</a:t>
             </a:fld>
             <a:endParaRPr lang="zh-CN" altLang="en-US"/>
           </a:p>
         </p:txBody>
       </p:sp>
     </p:spTree>
-    <p:extLst>
-      <p:ext uri="{BB962C8B-B14F-4D97-AF65-F5344CB8AC3E}">
-        <p14:creationId xmlns:p14="http://schemas.microsoft.com/office/powerpoint/2010/main" val="1577356293"/>
-      </p:ext>
-    </p:extLst>
   </p:cSld>
   <p:clrMapOvr>
     <a:masterClrMapping/>
@@ -743,7 +646,192 @@
 </p:sldLayout>
 </file>
 
-<file path=ppt/slideLayouts/slideLayout2.xml><?xml version="1.0" encoding="utf-8"?>
+<file path=ppt/slideLayouts/slideLayout12.xml><?xml version="1.0" encoding="utf-8"?>
+<p:sldLayout xmlns:a="http://schemas.openxmlformats.org/drawingml/2006/main" xmlns:r="http://schemas.openxmlformats.org/officeDocument/2006/relationships" xmlns:p="http://schemas.openxmlformats.org/presentationml/2006/main" type="title" preserve="1">
+  <p:cSld name="标题幻灯片">
+    <p:spTree>
+      <p:nvGrpSpPr>
+        <p:cNvPr id="1" name=""/>
+        <p:cNvGrpSpPr/>
+        <p:nvPr/>
+      </p:nvGrpSpPr>
+      <p:grpSpPr>
+        <a:xfrm>
+          <a:off x="0" y="0"/>
+          <a:ext cx="0" cy="0"/>
+          <a:chOff x="0" y="0"/>
+          <a:chExt cx="0" cy="0"/>
+        </a:xfrm>
+      </p:grpSpPr>
+      <p:sp>
+        <p:nvSpPr>
+          <p:cNvPr id="2" name="标题 1"/>
+          <p:cNvSpPr>
+            <a:spLocks noGrp="1"/>
+          </p:cNvSpPr>
+          <p:nvPr>
+            <p:ph type="ctrTitle"/>
+          </p:nvPr>
+        </p:nvSpPr>
+        <p:spPr>
+          <a:xfrm>
+            <a:off x="1524000" y="1122363"/>
+            <a:ext cx="9144000" cy="2387600"/>
+          </a:xfrm>
+        </p:spPr>
+        <p:txBody>
+          <a:bodyPr anchor="b"/>
+          <a:lstStyle>
+            <a:lvl1pPr algn="ctr">
+              <a:defRPr sz="6000"/>
+            </a:lvl1pPr>
+          </a:lstStyle>
+          <a:p>
+            <a:r>
+              <a:rPr lang="zh-CN" altLang="en-US"/>
+              <a:t>单击此处编辑母版标题样式</a:t>
+            </a:r>
+            <a:endParaRPr lang="zh-CN" altLang="en-US"/>
+          </a:p>
+        </p:txBody>
+      </p:sp>
+      <p:sp>
+        <p:nvSpPr>
+          <p:cNvPr id="3" name="副标题 2"/>
+          <p:cNvSpPr>
+            <a:spLocks noGrp="1"/>
+          </p:cNvSpPr>
+          <p:nvPr>
+            <p:ph type="subTitle" idx="1"/>
+          </p:nvPr>
+        </p:nvSpPr>
+        <p:spPr>
+          <a:xfrm>
+            <a:off x="1524000" y="3602038"/>
+            <a:ext cx="9144000" cy="1655762"/>
+          </a:xfrm>
+        </p:spPr>
+        <p:txBody>
+          <a:bodyPr/>
+          <a:lstStyle>
+            <a:lvl1pPr marL="0" indent="0" algn="ctr">
+              <a:buNone/>
+              <a:defRPr sz="2400"/>
+            </a:lvl1pPr>
+            <a:lvl2pPr marL="457200" indent="0" algn="ctr">
+              <a:buNone/>
+              <a:defRPr sz="2000"/>
+            </a:lvl2pPr>
+            <a:lvl3pPr marL="914400" indent="0" algn="ctr">
+              <a:buNone/>
+              <a:defRPr sz="1800"/>
+            </a:lvl3pPr>
+            <a:lvl4pPr marL="1371600" indent="0" algn="ctr">
+              <a:buNone/>
+              <a:defRPr sz="1600"/>
+            </a:lvl4pPr>
+            <a:lvl5pPr marL="1828800" indent="0" algn="ctr">
+              <a:buNone/>
+              <a:defRPr sz="1600"/>
+            </a:lvl5pPr>
+            <a:lvl6pPr marL="2286000" indent="0" algn="ctr">
+              <a:buNone/>
+              <a:defRPr sz="1600"/>
+            </a:lvl6pPr>
+            <a:lvl7pPr marL="2743200" indent="0" algn="ctr">
+              <a:buNone/>
+              <a:defRPr sz="1600"/>
+            </a:lvl7pPr>
+            <a:lvl8pPr marL="3200400" indent="0" algn="ctr">
+              <a:buNone/>
+              <a:defRPr sz="1600"/>
+            </a:lvl8pPr>
+            <a:lvl9pPr marL="3657600" indent="0" algn="ctr">
+              <a:buNone/>
+              <a:defRPr sz="1600"/>
+            </a:lvl9pPr>
+          </a:lstStyle>
+          <a:p>
+            <a:r>
+              <a:rPr lang="zh-CN" altLang="en-US"/>
+              <a:t>单击此处编辑母版副标题样式</a:t>
+            </a:r>
+            <a:endParaRPr lang="zh-CN" altLang="en-US"/>
+          </a:p>
+        </p:txBody>
+      </p:sp>
+      <p:sp>
+        <p:nvSpPr>
+          <p:cNvPr id="4" name="日期占位符 3"/>
+          <p:cNvSpPr>
+            <a:spLocks noGrp="1"/>
+          </p:cNvSpPr>
+          <p:nvPr>
+            <p:ph type="dt" sz="half" idx="10"/>
+          </p:nvPr>
+        </p:nvSpPr>
+        <p:spPr/>
+        <p:txBody>
+          <a:bodyPr/>
+          <a:lstStyle/>
+          <a:p>
+            <a:fld id="{1DCFACBB-E66A-42EF-8F6A-77DBE898C298}" type="datetimeFigureOut">
+              <a:rPr lang="zh-CN" altLang="en-US" smtClean="0"/>
+            </a:fld>
+            <a:endParaRPr lang="zh-CN" altLang="en-US"/>
+          </a:p>
+        </p:txBody>
+      </p:sp>
+      <p:sp>
+        <p:nvSpPr>
+          <p:cNvPr id="5" name="页脚占位符 4"/>
+          <p:cNvSpPr>
+            <a:spLocks noGrp="1"/>
+          </p:cNvSpPr>
+          <p:nvPr>
+            <p:ph type="ftr" sz="quarter" idx="11"/>
+          </p:nvPr>
+        </p:nvSpPr>
+        <p:spPr/>
+        <p:txBody>
+          <a:bodyPr/>
+          <a:lstStyle/>
+          <a:p>
+            <a:endParaRPr lang="zh-CN" altLang="en-US"/>
+          </a:p>
+        </p:txBody>
+      </p:sp>
+      <p:sp>
+        <p:nvSpPr>
+          <p:cNvPr id="6" name="灯片编号占位符 5"/>
+          <p:cNvSpPr>
+            <a:spLocks noGrp="1"/>
+          </p:cNvSpPr>
+          <p:nvPr>
+            <p:ph type="sldNum" sz="quarter" idx="12"/>
+          </p:nvPr>
+        </p:nvSpPr>
+        <p:spPr/>
+        <p:txBody>
+          <a:bodyPr/>
+          <a:lstStyle/>
+          <a:p>
+            <a:fld id="{265DE8D4-0978-4613-9E9F-712DF247FDE0}" type="slidenum">
+              <a:rPr lang="zh-CN" altLang="en-US" smtClean="0"/>
+            </a:fld>
+            <a:endParaRPr lang="zh-CN" altLang="en-US"/>
+          </a:p>
+        </p:txBody>
+      </p:sp>
+    </p:spTree>
+  </p:cSld>
+  <p:clrMapOvr>
+    <a:masterClrMapping/>
+  </p:clrMapOvr>
+</p:sldLayout>
+</file>
+
+<file path=ppt/slideLayouts/slideLayout13.xml><?xml version="1.0" encoding="utf-8"?>
 <p:sldLayout xmlns:a="http://schemas.openxmlformats.org/drawingml/2006/main" xmlns:r="http://schemas.openxmlformats.org/officeDocument/2006/relationships" xmlns:p="http://schemas.openxmlformats.org/presentationml/2006/main" type="obj" preserve="1">
   <p:cSld name="标题和内容">
     <p:spTree>
@@ -762,13 +850,7 @@
       </p:grpSpPr>
       <p:sp>
         <p:nvSpPr>
-          <p:cNvPr id="2" name="标题 1">
-            <a:extLst>
-              <a:ext uri="{FF2B5EF4-FFF2-40B4-BE49-F238E27FC236}">
-                <a16:creationId xmlns:a16="http://schemas.microsoft.com/office/drawing/2014/main" id="{1A571CBB-715D-186A-1B95-B0E9E21CADF5}"/>
-              </a:ext>
-            </a:extLst>
-          </p:cNvPr>
+          <p:cNvPr id="2" name="标题 1"/>
           <p:cNvSpPr>
             <a:spLocks noGrp="1"/>
           </p:cNvSpPr>
@@ -785,18 +867,13 @@
               <a:rPr lang="zh-CN" altLang="en-US"/>
               <a:t>单击此处编辑母版标题样式</a:t>
             </a:r>
-          </a:p>
-        </p:txBody>
-      </p:sp>
-      <p:sp>
-        <p:nvSpPr>
-          <p:cNvPr id="3" name="内容占位符 2">
-            <a:extLst>
-              <a:ext uri="{FF2B5EF4-FFF2-40B4-BE49-F238E27FC236}">
-                <a16:creationId xmlns:a16="http://schemas.microsoft.com/office/drawing/2014/main" id="{6CEECDED-D35A-C956-0D2E-B897327BA6D8}"/>
-              </a:ext>
-            </a:extLst>
-          </p:cNvPr>
+            <a:endParaRPr lang="zh-CN" altLang="en-US"/>
+          </a:p>
+        </p:txBody>
+      </p:sp>
+      <p:sp>
+        <p:nvSpPr>
+          <p:cNvPr id="3" name="内容占位符 2"/>
           <p:cNvSpPr>
             <a:spLocks noGrp="1"/>
           </p:cNvSpPr>
@@ -814,6 +891,7 @@
               <a:rPr lang="zh-CN" altLang="en-US"/>
               <a:t>单击此处编辑母版文本样式</a:t>
             </a:r>
+            <a:endParaRPr lang="zh-CN" altLang="en-US"/>
           </a:p>
           <a:p>
             <a:pPr lvl="1"/>
@@ -821,6 +899,7 @@
               <a:rPr lang="zh-CN" altLang="en-US"/>
               <a:t>二级</a:t>
             </a:r>
+            <a:endParaRPr lang="zh-CN" altLang="en-US"/>
           </a:p>
           <a:p>
             <a:pPr lvl="2"/>
@@ -828,6 +907,7 @@
               <a:rPr lang="zh-CN" altLang="en-US"/>
               <a:t>三级</a:t>
             </a:r>
+            <a:endParaRPr lang="zh-CN" altLang="en-US"/>
           </a:p>
           <a:p>
             <a:pPr lvl="3"/>
@@ -835,6 +915,7 @@
               <a:rPr lang="zh-CN" altLang="en-US"/>
               <a:t>四级</a:t>
             </a:r>
+            <a:endParaRPr lang="zh-CN" altLang="en-US"/>
           </a:p>
           <a:p>
             <a:pPr lvl="4"/>
@@ -842,18 +923,13 @@
               <a:rPr lang="zh-CN" altLang="en-US"/>
               <a:t>五级</a:t>
             </a:r>
-          </a:p>
-        </p:txBody>
-      </p:sp>
-      <p:sp>
-        <p:nvSpPr>
-          <p:cNvPr id="4" name="日期占位符 3">
-            <a:extLst>
-              <a:ext uri="{FF2B5EF4-FFF2-40B4-BE49-F238E27FC236}">
-                <a16:creationId xmlns:a16="http://schemas.microsoft.com/office/drawing/2014/main" id="{E08540B1-F0C9-7677-A96A-DBC63E5F18EF}"/>
-              </a:ext>
-            </a:extLst>
-          </p:cNvPr>
+            <a:endParaRPr lang="zh-CN" altLang="en-US"/>
+          </a:p>
+        </p:txBody>
+      </p:sp>
+      <p:sp>
+        <p:nvSpPr>
+          <p:cNvPr id="4" name="日期占位符 3"/>
           <p:cNvSpPr>
             <a:spLocks noGrp="1"/>
           </p:cNvSpPr>
@@ -868,7 +944,6 @@
           <a:p>
             <a:fld id="{1DCFACBB-E66A-42EF-8F6A-77DBE898C298}" type="datetimeFigureOut">
               <a:rPr lang="zh-CN" altLang="en-US" smtClean="0"/>
-              <a:t>2024/11/5</a:t>
             </a:fld>
             <a:endParaRPr lang="zh-CN" altLang="en-US"/>
           </a:p>
@@ -876,13 +951,7 @@
       </p:sp>
       <p:sp>
         <p:nvSpPr>
-          <p:cNvPr id="5" name="页脚占位符 4">
-            <a:extLst>
-              <a:ext uri="{FF2B5EF4-FFF2-40B4-BE49-F238E27FC236}">
-                <a16:creationId xmlns:a16="http://schemas.microsoft.com/office/drawing/2014/main" id="{078F3C18-0BF3-724D-7EFB-9A34FC3227DE}"/>
-              </a:ext>
-            </a:extLst>
-          </p:cNvPr>
+          <p:cNvPr id="5" name="页脚占位符 4"/>
           <p:cNvSpPr>
             <a:spLocks noGrp="1"/>
           </p:cNvSpPr>
@@ -901,13 +970,7 @@
       </p:sp>
       <p:sp>
         <p:nvSpPr>
-          <p:cNvPr id="6" name="灯片编号占位符 5">
-            <a:extLst>
-              <a:ext uri="{FF2B5EF4-FFF2-40B4-BE49-F238E27FC236}">
-                <a16:creationId xmlns:a16="http://schemas.microsoft.com/office/drawing/2014/main" id="{CF4B7654-2AD1-A377-D2AB-04D6126562AC}"/>
-              </a:ext>
-            </a:extLst>
-          </p:cNvPr>
+          <p:cNvPr id="6" name="灯片编号占位符 5"/>
           <p:cNvSpPr>
             <a:spLocks noGrp="1"/>
           </p:cNvSpPr>
@@ -922,18 +985,12 @@
           <a:p>
             <a:fld id="{265DE8D4-0978-4613-9E9F-712DF247FDE0}" type="slidenum">
               <a:rPr lang="zh-CN" altLang="en-US" smtClean="0"/>
-              <a:t>‹#›</a:t>
             </a:fld>
             <a:endParaRPr lang="zh-CN" altLang="en-US"/>
           </a:p>
         </p:txBody>
       </p:sp>
     </p:spTree>
-    <p:extLst>
-      <p:ext uri="{BB962C8B-B14F-4D97-AF65-F5344CB8AC3E}">
-        <p14:creationId xmlns:p14="http://schemas.microsoft.com/office/powerpoint/2010/main" val="1872768472"/>
-      </p:ext>
-    </p:extLst>
   </p:cSld>
   <p:clrMapOvr>
     <a:masterClrMapping/>
@@ -941,7 +998,7 @@
 </p:sldLayout>
 </file>
 
-<file path=ppt/slideLayouts/slideLayout3.xml><?xml version="1.0" encoding="utf-8"?>
+<file path=ppt/slideLayouts/slideLayout14.xml><?xml version="1.0" encoding="utf-8"?>
 <p:sldLayout xmlns:a="http://schemas.openxmlformats.org/drawingml/2006/main" xmlns:r="http://schemas.openxmlformats.org/officeDocument/2006/relationships" xmlns:p="http://schemas.openxmlformats.org/presentationml/2006/main" type="secHead" preserve="1">
   <p:cSld name="节标题">
     <p:spTree>
@@ -960,13 +1017,7 @@
       </p:grpSpPr>
       <p:sp>
         <p:nvSpPr>
-          <p:cNvPr id="2" name="标题 1">
-            <a:extLst>
-              <a:ext uri="{FF2B5EF4-FFF2-40B4-BE49-F238E27FC236}">
-                <a16:creationId xmlns:a16="http://schemas.microsoft.com/office/drawing/2014/main" id="{942E24A9-59B5-44BB-2D50-F1C30F7E91D7}"/>
-              </a:ext>
-            </a:extLst>
-          </p:cNvPr>
+          <p:cNvPr id="2" name="标题 1"/>
           <p:cNvSpPr>
             <a:spLocks noGrp="1"/>
           </p:cNvSpPr>
@@ -992,18 +1043,13 @@
               <a:rPr lang="zh-CN" altLang="en-US"/>
               <a:t>单击此处编辑母版标题样式</a:t>
             </a:r>
-          </a:p>
-        </p:txBody>
-      </p:sp>
-      <p:sp>
-        <p:nvSpPr>
-          <p:cNvPr id="3" name="文本占位符 2">
-            <a:extLst>
-              <a:ext uri="{FF2B5EF4-FFF2-40B4-BE49-F238E27FC236}">
-                <a16:creationId xmlns:a16="http://schemas.microsoft.com/office/drawing/2014/main" id="{39FC31E8-8CD9-AA27-C4A0-156B104468BA}"/>
-              </a:ext>
-            </a:extLst>
-          </p:cNvPr>
+            <a:endParaRPr lang="zh-CN" altLang="en-US"/>
+          </a:p>
+        </p:txBody>
+      </p:sp>
+      <p:sp>
+        <p:nvSpPr>
+          <p:cNvPr id="3" name="文本占位符 2"/>
           <p:cNvSpPr>
             <a:spLocks noGrp="1"/>
           </p:cNvSpPr>
@@ -1117,18 +1163,13 @@
               <a:rPr lang="zh-CN" altLang="en-US"/>
               <a:t>单击此处编辑母版文本样式</a:t>
             </a:r>
-          </a:p>
-        </p:txBody>
-      </p:sp>
-      <p:sp>
-        <p:nvSpPr>
-          <p:cNvPr id="4" name="日期占位符 3">
-            <a:extLst>
-              <a:ext uri="{FF2B5EF4-FFF2-40B4-BE49-F238E27FC236}">
-                <a16:creationId xmlns:a16="http://schemas.microsoft.com/office/drawing/2014/main" id="{6D3EAA15-79A1-F0DB-A8C0-C3C1B4A4FDC4}"/>
-              </a:ext>
-            </a:extLst>
-          </p:cNvPr>
+            <a:endParaRPr lang="zh-CN" altLang="en-US"/>
+          </a:p>
+        </p:txBody>
+      </p:sp>
+      <p:sp>
+        <p:nvSpPr>
+          <p:cNvPr id="4" name="日期占位符 3"/>
           <p:cNvSpPr>
             <a:spLocks noGrp="1"/>
           </p:cNvSpPr>
@@ -1143,7 +1184,6 @@
           <a:p>
             <a:fld id="{1DCFACBB-E66A-42EF-8F6A-77DBE898C298}" type="datetimeFigureOut">
               <a:rPr lang="zh-CN" altLang="en-US" smtClean="0"/>
-              <a:t>2024/11/5</a:t>
             </a:fld>
             <a:endParaRPr lang="zh-CN" altLang="en-US"/>
           </a:p>
@@ -1151,13 +1191,7 @@
       </p:sp>
       <p:sp>
         <p:nvSpPr>
-          <p:cNvPr id="5" name="页脚占位符 4">
-            <a:extLst>
-              <a:ext uri="{FF2B5EF4-FFF2-40B4-BE49-F238E27FC236}">
-                <a16:creationId xmlns:a16="http://schemas.microsoft.com/office/drawing/2014/main" id="{F59AD7A0-5699-1973-293B-41CC78FFD4B2}"/>
-              </a:ext>
-            </a:extLst>
-          </p:cNvPr>
+          <p:cNvPr id="5" name="页脚占位符 4"/>
           <p:cNvSpPr>
             <a:spLocks noGrp="1"/>
           </p:cNvSpPr>
@@ -1176,13 +1210,7 @@
       </p:sp>
       <p:sp>
         <p:nvSpPr>
-          <p:cNvPr id="6" name="灯片编号占位符 5">
-            <a:extLst>
-              <a:ext uri="{FF2B5EF4-FFF2-40B4-BE49-F238E27FC236}">
-                <a16:creationId xmlns:a16="http://schemas.microsoft.com/office/drawing/2014/main" id="{01D72B66-B79E-98FD-64EF-7DC543207417}"/>
-              </a:ext>
-            </a:extLst>
-          </p:cNvPr>
+          <p:cNvPr id="6" name="灯片编号占位符 5"/>
           <p:cNvSpPr>
             <a:spLocks noGrp="1"/>
           </p:cNvSpPr>
@@ -1197,18 +1225,12 @@
           <a:p>
             <a:fld id="{265DE8D4-0978-4613-9E9F-712DF247FDE0}" type="slidenum">
               <a:rPr lang="zh-CN" altLang="en-US" smtClean="0"/>
-              <a:t>‹#›</a:t>
             </a:fld>
             <a:endParaRPr lang="zh-CN" altLang="en-US"/>
           </a:p>
         </p:txBody>
       </p:sp>
     </p:spTree>
-    <p:extLst>
-      <p:ext uri="{BB962C8B-B14F-4D97-AF65-F5344CB8AC3E}">
-        <p14:creationId xmlns:p14="http://schemas.microsoft.com/office/powerpoint/2010/main" val="1058340535"/>
-      </p:ext>
-    </p:extLst>
   </p:cSld>
   <p:clrMapOvr>
     <a:masterClrMapping/>
@@ -1216,7 +1238,7 @@
 </p:sldLayout>
 </file>
 
-<file path=ppt/slideLayouts/slideLayout4.xml><?xml version="1.0" encoding="utf-8"?>
+<file path=ppt/slideLayouts/slideLayout15.xml><?xml version="1.0" encoding="utf-8"?>
 <p:sldLayout xmlns:a="http://schemas.openxmlformats.org/drawingml/2006/main" xmlns:r="http://schemas.openxmlformats.org/officeDocument/2006/relationships" xmlns:p="http://schemas.openxmlformats.org/presentationml/2006/main" type="twoObj" preserve="1">
   <p:cSld name="两栏内容">
     <p:spTree>
@@ -1235,13 +1257,7 @@
       </p:grpSpPr>
       <p:sp>
         <p:nvSpPr>
-          <p:cNvPr id="2" name="标题 1">
-            <a:extLst>
-              <a:ext uri="{FF2B5EF4-FFF2-40B4-BE49-F238E27FC236}">
-                <a16:creationId xmlns:a16="http://schemas.microsoft.com/office/drawing/2014/main" id="{16967301-1226-02B4-0BAE-DBE35849A89D}"/>
-              </a:ext>
-            </a:extLst>
-          </p:cNvPr>
+          <p:cNvPr id="2" name="标题 1"/>
           <p:cNvSpPr>
             <a:spLocks noGrp="1"/>
           </p:cNvSpPr>
@@ -1258,18 +1274,13 @@
               <a:rPr lang="zh-CN" altLang="en-US"/>
               <a:t>单击此处编辑母版标题样式</a:t>
             </a:r>
-          </a:p>
-        </p:txBody>
-      </p:sp>
-      <p:sp>
-        <p:nvSpPr>
-          <p:cNvPr id="3" name="内容占位符 2">
-            <a:extLst>
-              <a:ext uri="{FF2B5EF4-FFF2-40B4-BE49-F238E27FC236}">
-                <a16:creationId xmlns:a16="http://schemas.microsoft.com/office/drawing/2014/main" id="{7CD24C63-26A7-7515-719F-7BB3DD1C39F6}"/>
-              </a:ext>
-            </a:extLst>
-          </p:cNvPr>
+            <a:endParaRPr lang="zh-CN" altLang="en-US"/>
+          </a:p>
+        </p:txBody>
+      </p:sp>
+      <p:sp>
+        <p:nvSpPr>
+          <p:cNvPr id="3" name="内容占位符 2"/>
           <p:cNvSpPr>
             <a:spLocks noGrp="1"/>
           </p:cNvSpPr>
@@ -1292,6 +1303,7 @@
               <a:rPr lang="zh-CN" altLang="en-US"/>
               <a:t>单击此处编辑母版文本样式</a:t>
             </a:r>
+            <a:endParaRPr lang="zh-CN" altLang="en-US"/>
           </a:p>
           <a:p>
             <a:pPr lvl="1"/>
@@ -1299,6 +1311,7 @@
               <a:rPr lang="zh-CN" altLang="en-US"/>
               <a:t>二级</a:t>
             </a:r>
+            <a:endParaRPr lang="zh-CN" altLang="en-US"/>
           </a:p>
           <a:p>
             <a:pPr lvl="2"/>
@@ -1306,6 +1319,7 @@
               <a:rPr lang="zh-CN" altLang="en-US"/>
               <a:t>三级</a:t>
             </a:r>
+            <a:endParaRPr lang="zh-CN" altLang="en-US"/>
           </a:p>
           <a:p>
             <a:pPr lvl="3"/>
@@ -1313,6 +1327,7 @@
               <a:rPr lang="zh-CN" altLang="en-US"/>
               <a:t>四级</a:t>
             </a:r>
+            <a:endParaRPr lang="zh-CN" altLang="en-US"/>
           </a:p>
           <a:p>
             <a:pPr lvl="4"/>
@@ -1320,18 +1335,13 @@
               <a:rPr lang="zh-CN" altLang="en-US"/>
               <a:t>五级</a:t>
             </a:r>
-          </a:p>
-        </p:txBody>
-      </p:sp>
-      <p:sp>
-        <p:nvSpPr>
-          <p:cNvPr id="4" name="内容占位符 3">
-            <a:extLst>
-              <a:ext uri="{FF2B5EF4-FFF2-40B4-BE49-F238E27FC236}">
-                <a16:creationId xmlns:a16="http://schemas.microsoft.com/office/drawing/2014/main" id="{966F503D-20F6-88ED-FA17-715AE648D0BC}"/>
-              </a:ext>
-            </a:extLst>
-          </p:cNvPr>
+            <a:endParaRPr lang="zh-CN" altLang="en-US"/>
+          </a:p>
+        </p:txBody>
+      </p:sp>
+      <p:sp>
+        <p:nvSpPr>
+          <p:cNvPr id="4" name="内容占位符 3"/>
           <p:cNvSpPr>
             <a:spLocks noGrp="1"/>
           </p:cNvSpPr>
@@ -1354,6 +1364,7 @@
               <a:rPr lang="zh-CN" altLang="en-US"/>
               <a:t>单击此处编辑母版文本样式</a:t>
             </a:r>
+            <a:endParaRPr lang="zh-CN" altLang="en-US"/>
           </a:p>
           <a:p>
             <a:pPr lvl="1"/>
@@ -1361,6 +1372,7 @@
               <a:rPr lang="zh-CN" altLang="en-US"/>
               <a:t>二级</a:t>
             </a:r>
+            <a:endParaRPr lang="zh-CN" altLang="en-US"/>
           </a:p>
           <a:p>
             <a:pPr lvl="2"/>
@@ -1368,6 +1380,7 @@
               <a:rPr lang="zh-CN" altLang="en-US"/>
               <a:t>三级</a:t>
             </a:r>
+            <a:endParaRPr lang="zh-CN" altLang="en-US"/>
           </a:p>
           <a:p>
             <a:pPr lvl="3"/>
@@ -1375,6 +1388,7 @@
               <a:rPr lang="zh-CN" altLang="en-US"/>
               <a:t>四级</a:t>
             </a:r>
+            <a:endParaRPr lang="zh-CN" altLang="en-US"/>
           </a:p>
           <a:p>
             <a:pPr lvl="4"/>
@@ -1382,18 +1396,13 @@
               <a:rPr lang="zh-CN" altLang="en-US"/>
               <a:t>五级</a:t>
             </a:r>
-          </a:p>
-        </p:txBody>
-      </p:sp>
-      <p:sp>
-        <p:nvSpPr>
-          <p:cNvPr id="5" name="日期占位符 4">
-            <a:extLst>
-              <a:ext uri="{FF2B5EF4-FFF2-40B4-BE49-F238E27FC236}">
-                <a16:creationId xmlns:a16="http://schemas.microsoft.com/office/drawing/2014/main" id="{D3D419F3-F637-E83F-7ABE-F1D6EC72FCDD}"/>
-              </a:ext>
-            </a:extLst>
-          </p:cNvPr>
+            <a:endParaRPr lang="zh-CN" altLang="en-US"/>
+          </a:p>
+        </p:txBody>
+      </p:sp>
+      <p:sp>
+        <p:nvSpPr>
+          <p:cNvPr id="5" name="日期占位符 4"/>
           <p:cNvSpPr>
             <a:spLocks noGrp="1"/>
           </p:cNvSpPr>
@@ -1408,7 +1417,6 @@
           <a:p>
             <a:fld id="{1DCFACBB-E66A-42EF-8F6A-77DBE898C298}" type="datetimeFigureOut">
               <a:rPr lang="zh-CN" altLang="en-US" smtClean="0"/>
-              <a:t>2024/11/5</a:t>
             </a:fld>
             <a:endParaRPr lang="zh-CN" altLang="en-US"/>
           </a:p>
@@ -1416,13 +1424,7 @@
       </p:sp>
       <p:sp>
         <p:nvSpPr>
-          <p:cNvPr id="6" name="页脚占位符 5">
-            <a:extLst>
-              <a:ext uri="{FF2B5EF4-FFF2-40B4-BE49-F238E27FC236}">
-                <a16:creationId xmlns:a16="http://schemas.microsoft.com/office/drawing/2014/main" id="{71EE3D42-355B-1219-60C1-A00E48663F6C}"/>
-              </a:ext>
-            </a:extLst>
-          </p:cNvPr>
+          <p:cNvPr id="6" name="页脚占位符 5"/>
           <p:cNvSpPr>
             <a:spLocks noGrp="1"/>
           </p:cNvSpPr>
@@ -1441,13 +1443,7 @@
       </p:sp>
       <p:sp>
         <p:nvSpPr>
-          <p:cNvPr id="7" name="灯片编号占位符 6">
-            <a:extLst>
-              <a:ext uri="{FF2B5EF4-FFF2-40B4-BE49-F238E27FC236}">
-                <a16:creationId xmlns:a16="http://schemas.microsoft.com/office/drawing/2014/main" id="{0152DF2A-091B-0231-5F3A-9E6B7D5F2186}"/>
-              </a:ext>
-            </a:extLst>
-          </p:cNvPr>
+          <p:cNvPr id="7" name="灯片编号占位符 6"/>
           <p:cNvSpPr>
             <a:spLocks noGrp="1"/>
           </p:cNvSpPr>
@@ -1462,18 +1458,12 @@
           <a:p>
             <a:fld id="{265DE8D4-0978-4613-9E9F-712DF247FDE0}" type="slidenum">
               <a:rPr lang="zh-CN" altLang="en-US" smtClean="0"/>
-              <a:t>‹#›</a:t>
             </a:fld>
             <a:endParaRPr lang="zh-CN" altLang="en-US"/>
           </a:p>
         </p:txBody>
       </p:sp>
     </p:spTree>
-    <p:extLst>
-      <p:ext uri="{BB962C8B-B14F-4D97-AF65-F5344CB8AC3E}">
-        <p14:creationId xmlns:p14="http://schemas.microsoft.com/office/powerpoint/2010/main" val="1356943228"/>
-      </p:ext>
-    </p:extLst>
   </p:cSld>
   <p:clrMapOvr>
     <a:masterClrMapping/>
@@ -1481,7 +1471,7 @@
 </p:sldLayout>
 </file>
 
-<file path=ppt/slideLayouts/slideLayout5.xml><?xml version="1.0" encoding="utf-8"?>
+<file path=ppt/slideLayouts/slideLayout16.xml><?xml version="1.0" encoding="utf-8"?>
 <p:sldLayout xmlns:a="http://schemas.openxmlformats.org/drawingml/2006/main" xmlns:r="http://schemas.openxmlformats.org/officeDocument/2006/relationships" xmlns:p="http://schemas.openxmlformats.org/presentationml/2006/main" type="twoTxTwoObj" preserve="1">
   <p:cSld name="比较">
     <p:spTree>
@@ -1500,13 +1490,7 @@
       </p:grpSpPr>
       <p:sp>
         <p:nvSpPr>
-          <p:cNvPr id="2" name="标题 1">
-            <a:extLst>
-              <a:ext uri="{FF2B5EF4-FFF2-40B4-BE49-F238E27FC236}">
-                <a16:creationId xmlns:a16="http://schemas.microsoft.com/office/drawing/2014/main" id="{BADA0DAB-5378-2F51-6416-77E8DDFEF95D}"/>
-              </a:ext>
-            </a:extLst>
-          </p:cNvPr>
+          <p:cNvPr id="2" name="标题 1"/>
           <p:cNvSpPr>
             <a:spLocks noGrp="1"/>
           </p:cNvSpPr>
@@ -1528,18 +1512,13 @@
               <a:rPr lang="zh-CN" altLang="en-US"/>
               <a:t>单击此处编辑母版标题样式</a:t>
             </a:r>
-          </a:p>
-        </p:txBody>
-      </p:sp>
-      <p:sp>
-        <p:nvSpPr>
-          <p:cNvPr id="3" name="文本占位符 2">
-            <a:extLst>
-              <a:ext uri="{FF2B5EF4-FFF2-40B4-BE49-F238E27FC236}">
-                <a16:creationId xmlns:a16="http://schemas.microsoft.com/office/drawing/2014/main" id="{C5F2C743-ED0A-205D-437A-3DFD33B2DDFD}"/>
-              </a:ext>
-            </a:extLst>
-          </p:cNvPr>
+            <a:endParaRPr lang="zh-CN" altLang="en-US"/>
+          </a:p>
+        </p:txBody>
+      </p:sp>
+      <p:sp>
+        <p:nvSpPr>
+          <p:cNvPr id="3" name="文本占位符 2"/>
           <p:cNvSpPr>
             <a:spLocks noGrp="1"/>
           </p:cNvSpPr>
@@ -1599,18 +1578,13 @@
               <a:rPr lang="zh-CN" altLang="en-US"/>
               <a:t>单击此处编辑母版文本样式</a:t>
             </a:r>
-          </a:p>
-        </p:txBody>
-      </p:sp>
-      <p:sp>
-        <p:nvSpPr>
-          <p:cNvPr id="4" name="内容占位符 3">
-            <a:extLst>
-              <a:ext uri="{FF2B5EF4-FFF2-40B4-BE49-F238E27FC236}">
-                <a16:creationId xmlns:a16="http://schemas.microsoft.com/office/drawing/2014/main" id="{D65196E2-0815-28CF-CC5D-51B0209F35B7}"/>
-              </a:ext>
-            </a:extLst>
-          </p:cNvPr>
+            <a:endParaRPr lang="zh-CN" altLang="en-US"/>
+          </a:p>
+        </p:txBody>
+      </p:sp>
+      <p:sp>
+        <p:nvSpPr>
+          <p:cNvPr id="4" name="内容占位符 3"/>
           <p:cNvSpPr>
             <a:spLocks noGrp="1"/>
           </p:cNvSpPr>
@@ -1633,6 +1607,7 @@
               <a:rPr lang="zh-CN" altLang="en-US"/>
               <a:t>单击此处编辑母版文本样式</a:t>
             </a:r>
+            <a:endParaRPr lang="zh-CN" altLang="en-US"/>
           </a:p>
           <a:p>
             <a:pPr lvl="1"/>
@@ -1640,6 +1615,7 @@
               <a:rPr lang="zh-CN" altLang="en-US"/>
               <a:t>二级</a:t>
             </a:r>
+            <a:endParaRPr lang="zh-CN" altLang="en-US"/>
           </a:p>
           <a:p>
             <a:pPr lvl="2"/>
@@ -1647,6 +1623,7 @@
               <a:rPr lang="zh-CN" altLang="en-US"/>
               <a:t>三级</a:t>
             </a:r>
+            <a:endParaRPr lang="zh-CN" altLang="en-US"/>
           </a:p>
           <a:p>
             <a:pPr lvl="3"/>
@@ -1654,6 +1631,7 @@
               <a:rPr lang="zh-CN" altLang="en-US"/>
               <a:t>四级</a:t>
             </a:r>
+            <a:endParaRPr lang="zh-CN" altLang="en-US"/>
           </a:p>
           <a:p>
             <a:pPr lvl="4"/>
@@ -1661,18 +1639,13 @@
               <a:rPr lang="zh-CN" altLang="en-US"/>
               <a:t>五级</a:t>
             </a:r>
-          </a:p>
-        </p:txBody>
-      </p:sp>
-      <p:sp>
-        <p:nvSpPr>
-          <p:cNvPr id="5" name="文本占位符 4">
-            <a:extLst>
-              <a:ext uri="{FF2B5EF4-FFF2-40B4-BE49-F238E27FC236}">
-                <a16:creationId xmlns:a16="http://schemas.microsoft.com/office/drawing/2014/main" id="{5F6AEF56-1D2D-9DE8-8833-93BEAD03A7B8}"/>
-              </a:ext>
-            </a:extLst>
-          </p:cNvPr>
+            <a:endParaRPr lang="zh-CN" altLang="en-US"/>
+          </a:p>
+        </p:txBody>
+      </p:sp>
+      <p:sp>
+        <p:nvSpPr>
+          <p:cNvPr id="5" name="文本占位符 4"/>
           <p:cNvSpPr>
             <a:spLocks noGrp="1"/>
           </p:cNvSpPr>
@@ -1732,18 +1705,13 @@
               <a:rPr lang="zh-CN" altLang="en-US"/>
               <a:t>单击此处编辑母版文本样式</a:t>
             </a:r>
-          </a:p>
-        </p:txBody>
-      </p:sp>
-      <p:sp>
-        <p:nvSpPr>
-          <p:cNvPr id="6" name="内容占位符 5">
-            <a:extLst>
-              <a:ext uri="{FF2B5EF4-FFF2-40B4-BE49-F238E27FC236}">
-                <a16:creationId xmlns:a16="http://schemas.microsoft.com/office/drawing/2014/main" id="{AECB18C2-3688-5162-065C-94824F9E7480}"/>
-              </a:ext>
-            </a:extLst>
-          </p:cNvPr>
+            <a:endParaRPr lang="zh-CN" altLang="en-US"/>
+          </a:p>
+        </p:txBody>
+      </p:sp>
+      <p:sp>
+        <p:nvSpPr>
+          <p:cNvPr id="6" name="内容占位符 5"/>
           <p:cNvSpPr>
             <a:spLocks noGrp="1"/>
           </p:cNvSpPr>
@@ -1766,6 +1734,7 @@
               <a:rPr lang="zh-CN" altLang="en-US"/>
               <a:t>单击此处编辑母版文本样式</a:t>
             </a:r>
+            <a:endParaRPr lang="zh-CN" altLang="en-US"/>
           </a:p>
           <a:p>
             <a:pPr lvl="1"/>
@@ -1773,6 +1742,7 @@
               <a:rPr lang="zh-CN" altLang="en-US"/>
               <a:t>二级</a:t>
             </a:r>
+            <a:endParaRPr lang="zh-CN" altLang="en-US"/>
           </a:p>
           <a:p>
             <a:pPr lvl="2"/>
@@ -1780,6 +1750,7 @@
               <a:rPr lang="zh-CN" altLang="en-US"/>
               <a:t>三级</a:t>
             </a:r>
+            <a:endParaRPr lang="zh-CN" altLang="en-US"/>
           </a:p>
           <a:p>
             <a:pPr lvl="3"/>
@@ -1787,6 +1758,7 @@
               <a:rPr lang="zh-CN" altLang="en-US"/>
               <a:t>四级</a:t>
             </a:r>
+            <a:endParaRPr lang="zh-CN" altLang="en-US"/>
           </a:p>
           <a:p>
             <a:pPr lvl="4"/>
@@ -1794,18 +1766,13 @@
               <a:rPr lang="zh-CN" altLang="en-US"/>
               <a:t>五级</a:t>
             </a:r>
-          </a:p>
-        </p:txBody>
-      </p:sp>
-      <p:sp>
-        <p:nvSpPr>
-          <p:cNvPr id="7" name="日期占位符 6">
-            <a:extLst>
-              <a:ext uri="{FF2B5EF4-FFF2-40B4-BE49-F238E27FC236}">
-                <a16:creationId xmlns:a16="http://schemas.microsoft.com/office/drawing/2014/main" id="{3A70DDFC-5FF2-4FC8-8CA1-31BEC91F8023}"/>
-              </a:ext>
-            </a:extLst>
-          </p:cNvPr>
+            <a:endParaRPr lang="zh-CN" altLang="en-US"/>
+          </a:p>
+        </p:txBody>
+      </p:sp>
+      <p:sp>
+        <p:nvSpPr>
+          <p:cNvPr id="7" name="日期占位符 6"/>
           <p:cNvSpPr>
             <a:spLocks noGrp="1"/>
           </p:cNvSpPr>
@@ -1820,7 +1787,6 @@
           <a:p>
             <a:fld id="{1DCFACBB-E66A-42EF-8F6A-77DBE898C298}" type="datetimeFigureOut">
               <a:rPr lang="zh-CN" altLang="en-US" smtClean="0"/>
-              <a:t>2024/11/5</a:t>
             </a:fld>
             <a:endParaRPr lang="zh-CN" altLang="en-US"/>
           </a:p>
@@ -1828,13 +1794,7 @@
       </p:sp>
       <p:sp>
         <p:nvSpPr>
-          <p:cNvPr id="8" name="页脚占位符 7">
-            <a:extLst>
-              <a:ext uri="{FF2B5EF4-FFF2-40B4-BE49-F238E27FC236}">
-                <a16:creationId xmlns:a16="http://schemas.microsoft.com/office/drawing/2014/main" id="{228CC263-8BD9-01F4-4295-9D8AE7529051}"/>
-              </a:ext>
-            </a:extLst>
-          </p:cNvPr>
+          <p:cNvPr id="8" name="页脚占位符 7"/>
           <p:cNvSpPr>
             <a:spLocks noGrp="1"/>
           </p:cNvSpPr>
@@ -1853,13 +1813,7 @@
       </p:sp>
       <p:sp>
         <p:nvSpPr>
-          <p:cNvPr id="9" name="灯片编号占位符 8">
-            <a:extLst>
-              <a:ext uri="{FF2B5EF4-FFF2-40B4-BE49-F238E27FC236}">
-                <a16:creationId xmlns:a16="http://schemas.microsoft.com/office/drawing/2014/main" id="{CC48D3CE-663D-838B-1BA5-04E25EA3819B}"/>
-              </a:ext>
-            </a:extLst>
-          </p:cNvPr>
+          <p:cNvPr id="9" name="灯片编号占位符 8"/>
           <p:cNvSpPr>
             <a:spLocks noGrp="1"/>
           </p:cNvSpPr>
@@ -1874,18 +1828,12 @@
           <a:p>
             <a:fld id="{265DE8D4-0978-4613-9E9F-712DF247FDE0}" type="slidenum">
               <a:rPr lang="zh-CN" altLang="en-US" smtClean="0"/>
-              <a:t>‹#›</a:t>
             </a:fld>
             <a:endParaRPr lang="zh-CN" altLang="en-US"/>
           </a:p>
         </p:txBody>
       </p:sp>
     </p:spTree>
-    <p:extLst>
-      <p:ext uri="{BB962C8B-B14F-4D97-AF65-F5344CB8AC3E}">
-        <p14:creationId xmlns:p14="http://schemas.microsoft.com/office/powerpoint/2010/main" val="3382393472"/>
-      </p:ext>
-    </p:extLst>
   </p:cSld>
   <p:clrMapOvr>
     <a:masterClrMapping/>
@@ -1893,7 +1841,7 @@
 </p:sldLayout>
 </file>
 
-<file path=ppt/slideLayouts/slideLayout6.xml><?xml version="1.0" encoding="utf-8"?>
+<file path=ppt/slideLayouts/slideLayout17.xml><?xml version="1.0" encoding="utf-8"?>
 <p:sldLayout xmlns:a="http://schemas.openxmlformats.org/drawingml/2006/main" xmlns:r="http://schemas.openxmlformats.org/officeDocument/2006/relationships" xmlns:p="http://schemas.openxmlformats.org/presentationml/2006/main" type="titleOnly" preserve="1">
   <p:cSld name="仅标题">
     <p:spTree>
@@ -1912,13 +1860,7 @@
       </p:grpSpPr>
       <p:sp>
         <p:nvSpPr>
-          <p:cNvPr id="2" name="标题 1">
-            <a:extLst>
-              <a:ext uri="{FF2B5EF4-FFF2-40B4-BE49-F238E27FC236}">
-                <a16:creationId xmlns:a16="http://schemas.microsoft.com/office/drawing/2014/main" id="{DCF8CAB1-373E-B97F-994E-2E301EE46C21}"/>
-              </a:ext>
-            </a:extLst>
-          </p:cNvPr>
+          <p:cNvPr id="2" name="标题 1"/>
           <p:cNvSpPr>
             <a:spLocks noGrp="1"/>
           </p:cNvSpPr>
@@ -1935,18 +1877,13 @@
               <a:rPr lang="zh-CN" altLang="en-US"/>
               <a:t>单击此处编辑母版标题样式</a:t>
             </a:r>
-          </a:p>
-        </p:txBody>
-      </p:sp>
-      <p:sp>
-        <p:nvSpPr>
-          <p:cNvPr id="3" name="日期占位符 2">
-            <a:extLst>
-              <a:ext uri="{FF2B5EF4-FFF2-40B4-BE49-F238E27FC236}">
-                <a16:creationId xmlns:a16="http://schemas.microsoft.com/office/drawing/2014/main" id="{32AEA36B-BA21-48B6-583E-602C11CE82BB}"/>
-              </a:ext>
-            </a:extLst>
-          </p:cNvPr>
+            <a:endParaRPr lang="zh-CN" altLang="en-US"/>
+          </a:p>
+        </p:txBody>
+      </p:sp>
+      <p:sp>
+        <p:nvSpPr>
+          <p:cNvPr id="3" name="日期占位符 2"/>
           <p:cNvSpPr>
             <a:spLocks noGrp="1"/>
           </p:cNvSpPr>
@@ -1961,7 +1898,6 @@
           <a:p>
             <a:fld id="{1DCFACBB-E66A-42EF-8F6A-77DBE898C298}" type="datetimeFigureOut">
               <a:rPr lang="zh-CN" altLang="en-US" smtClean="0"/>
-              <a:t>2024/11/5</a:t>
             </a:fld>
             <a:endParaRPr lang="zh-CN" altLang="en-US"/>
           </a:p>
@@ -1969,13 +1905,7 @@
       </p:sp>
       <p:sp>
         <p:nvSpPr>
-          <p:cNvPr id="4" name="页脚占位符 3">
-            <a:extLst>
-              <a:ext uri="{FF2B5EF4-FFF2-40B4-BE49-F238E27FC236}">
-                <a16:creationId xmlns:a16="http://schemas.microsoft.com/office/drawing/2014/main" id="{396C9948-FE31-D650-DD15-651DDD8F1ECE}"/>
-              </a:ext>
-            </a:extLst>
-          </p:cNvPr>
+          <p:cNvPr id="4" name="页脚占位符 3"/>
           <p:cNvSpPr>
             <a:spLocks noGrp="1"/>
           </p:cNvSpPr>
@@ -1994,13 +1924,7 @@
       </p:sp>
       <p:sp>
         <p:nvSpPr>
-          <p:cNvPr id="5" name="灯片编号占位符 4">
-            <a:extLst>
-              <a:ext uri="{FF2B5EF4-FFF2-40B4-BE49-F238E27FC236}">
-                <a16:creationId xmlns:a16="http://schemas.microsoft.com/office/drawing/2014/main" id="{F0803EF9-547F-B07E-5DFD-7E1BE742038D}"/>
-              </a:ext>
-            </a:extLst>
-          </p:cNvPr>
+          <p:cNvPr id="5" name="灯片编号占位符 4"/>
           <p:cNvSpPr>
             <a:spLocks noGrp="1"/>
           </p:cNvSpPr>
@@ -2015,18 +1939,12 @@
           <a:p>
             <a:fld id="{265DE8D4-0978-4613-9E9F-712DF247FDE0}" type="slidenum">
               <a:rPr lang="zh-CN" altLang="en-US" smtClean="0"/>
-              <a:t>‹#›</a:t>
             </a:fld>
             <a:endParaRPr lang="zh-CN" altLang="en-US"/>
           </a:p>
         </p:txBody>
       </p:sp>
     </p:spTree>
-    <p:extLst>
-      <p:ext uri="{BB962C8B-B14F-4D97-AF65-F5344CB8AC3E}">
-        <p14:creationId xmlns:p14="http://schemas.microsoft.com/office/powerpoint/2010/main" val="1187310705"/>
-      </p:ext>
-    </p:extLst>
   </p:cSld>
   <p:clrMapOvr>
     <a:masterClrMapping/>
@@ -2034,7 +1952,7 @@
 </p:sldLayout>
 </file>
 
-<file path=ppt/slideLayouts/slideLayout7.xml><?xml version="1.0" encoding="utf-8"?>
+<file path=ppt/slideLayouts/slideLayout18.xml><?xml version="1.0" encoding="utf-8"?>
 <p:sldLayout xmlns:a="http://schemas.openxmlformats.org/drawingml/2006/main" xmlns:r="http://schemas.openxmlformats.org/officeDocument/2006/relationships" xmlns:p="http://schemas.openxmlformats.org/presentationml/2006/main" type="blank" preserve="1">
   <p:cSld name="空白">
     <p:spTree>
@@ -2053,13 +1971,7 @@
       </p:grpSpPr>
       <p:sp>
         <p:nvSpPr>
-          <p:cNvPr id="2" name="日期占位符 1">
-            <a:extLst>
-              <a:ext uri="{FF2B5EF4-FFF2-40B4-BE49-F238E27FC236}">
-                <a16:creationId xmlns:a16="http://schemas.microsoft.com/office/drawing/2014/main" id="{607ADE6D-9CF6-2F4E-53EE-A1659E8FC8CE}"/>
-              </a:ext>
-            </a:extLst>
-          </p:cNvPr>
+          <p:cNvPr id="2" name="日期占位符 1"/>
           <p:cNvSpPr>
             <a:spLocks noGrp="1"/>
           </p:cNvSpPr>
@@ -2074,7 +1986,6 @@
           <a:p>
             <a:fld id="{1DCFACBB-E66A-42EF-8F6A-77DBE898C298}" type="datetimeFigureOut">
               <a:rPr lang="zh-CN" altLang="en-US" smtClean="0"/>
-              <a:t>2024/11/5</a:t>
             </a:fld>
             <a:endParaRPr lang="zh-CN" altLang="en-US"/>
           </a:p>
@@ -2082,13 +1993,7 @@
       </p:sp>
       <p:sp>
         <p:nvSpPr>
-          <p:cNvPr id="3" name="页脚占位符 2">
-            <a:extLst>
-              <a:ext uri="{FF2B5EF4-FFF2-40B4-BE49-F238E27FC236}">
-                <a16:creationId xmlns:a16="http://schemas.microsoft.com/office/drawing/2014/main" id="{F71DEEC8-EA9B-03BF-1460-7536920A0F84}"/>
-              </a:ext>
-            </a:extLst>
-          </p:cNvPr>
+          <p:cNvPr id="3" name="页脚占位符 2"/>
           <p:cNvSpPr>
             <a:spLocks noGrp="1"/>
           </p:cNvSpPr>
@@ -2107,13 +2012,7 @@
       </p:sp>
       <p:sp>
         <p:nvSpPr>
-          <p:cNvPr id="4" name="灯片编号占位符 3">
-            <a:extLst>
-              <a:ext uri="{FF2B5EF4-FFF2-40B4-BE49-F238E27FC236}">
-                <a16:creationId xmlns:a16="http://schemas.microsoft.com/office/drawing/2014/main" id="{7E863534-1A6C-2815-1F1C-0995845713ED}"/>
-              </a:ext>
-            </a:extLst>
-          </p:cNvPr>
+          <p:cNvPr id="4" name="灯片编号占位符 3"/>
           <p:cNvSpPr>
             <a:spLocks noGrp="1"/>
           </p:cNvSpPr>
@@ -2128,18 +2027,12 @@
           <a:p>
             <a:fld id="{265DE8D4-0978-4613-9E9F-712DF247FDE0}" type="slidenum">
               <a:rPr lang="zh-CN" altLang="en-US" smtClean="0"/>
-              <a:t>‹#›</a:t>
             </a:fld>
             <a:endParaRPr lang="zh-CN" altLang="en-US"/>
           </a:p>
         </p:txBody>
       </p:sp>
     </p:spTree>
-    <p:extLst>
-      <p:ext uri="{BB962C8B-B14F-4D97-AF65-F5344CB8AC3E}">
-        <p14:creationId xmlns:p14="http://schemas.microsoft.com/office/powerpoint/2010/main" val="3025427719"/>
-      </p:ext>
-    </p:extLst>
   </p:cSld>
   <p:clrMapOvr>
     <a:masterClrMapping/>
@@ -2147,7 +2040,7 @@
 </p:sldLayout>
 </file>
 
-<file path=ppt/slideLayouts/slideLayout8.xml><?xml version="1.0" encoding="utf-8"?>
+<file path=ppt/slideLayouts/slideLayout19.xml><?xml version="1.0" encoding="utf-8"?>
 <p:sldLayout xmlns:a="http://schemas.openxmlformats.org/drawingml/2006/main" xmlns:r="http://schemas.openxmlformats.org/officeDocument/2006/relationships" xmlns:p="http://schemas.openxmlformats.org/presentationml/2006/main" type="objTx" preserve="1">
   <p:cSld name="内容与标题">
     <p:spTree>
@@ -2166,13 +2059,7 @@
       </p:grpSpPr>
       <p:sp>
         <p:nvSpPr>
-          <p:cNvPr id="2" name="标题 1">
-            <a:extLst>
-              <a:ext uri="{FF2B5EF4-FFF2-40B4-BE49-F238E27FC236}">
-                <a16:creationId xmlns:a16="http://schemas.microsoft.com/office/drawing/2014/main" id="{4BA2E9BB-2B8D-B8D4-FA3A-14D5C70183A9}"/>
-              </a:ext>
-            </a:extLst>
-          </p:cNvPr>
+          <p:cNvPr id="2" name="标题 1"/>
           <p:cNvSpPr>
             <a:spLocks noGrp="1"/>
           </p:cNvSpPr>
@@ -2198,18 +2085,13 @@
               <a:rPr lang="zh-CN" altLang="en-US"/>
               <a:t>单击此处编辑母版标题样式</a:t>
             </a:r>
-          </a:p>
-        </p:txBody>
-      </p:sp>
-      <p:sp>
-        <p:nvSpPr>
-          <p:cNvPr id="3" name="内容占位符 2">
-            <a:extLst>
-              <a:ext uri="{FF2B5EF4-FFF2-40B4-BE49-F238E27FC236}">
-                <a16:creationId xmlns:a16="http://schemas.microsoft.com/office/drawing/2014/main" id="{2AB7166B-92DF-9D4D-E10E-EC2629FBB79F}"/>
-              </a:ext>
-            </a:extLst>
-          </p:cNvPr>
+            <a:endParaRPr lang="zh-CN" altLang="en-US"/>
+          </a:p>
+        </p:txBody>
+      </p:sp>
+      <p:sp>
+        <p:nvSpPr>
+          <p:cNvPr id="3" name="内容占位符 2"/>
           <p:cNvSpPr>
             <a:spLocks noGrp="1"/>
           </p:cNvSpPr>
@@ -2260,6 +2142,7 @@
               <a:rPr lang="zh-CN" altLang="en-US"/>
               <a:t>单击此处编辑母版文本样式</a:t>
             </a:r>
+            <a:endParaRPr lang="zh-CN" altLang="en-US"/>
           </a:p>
           <a:p>
             <a:pPr lvl="1"/>
@@ -2267,6 +2150,7 @@
               <a:rPr lang="zh-CN" altLang="en-US"/>
               <a:t>二级</a:t>
             </a:r>
+            <a:endParaRPr lang="zh-CN" altLang="en-US"/>
           </a:p>
           <a:p>
             <a:pPr lvl="2"/>
@@ -2274,6 +2158,7 @@
               <a:rPr lang="zh-CN" altLang="en-US"/>
               <a:t>三级</a:t>
             </a:r>
+            <a:endParaRPr lang="zh-CN" altLang="en-US"/>
           </a:p>
           <a:p>
             <a:pPr lvl="3"/>
@@ -2281,6 +2166,7 @@
               <a:rPr lang="zh-CN" altLang="en-US"/>
               <a:t>四级</a:t>
             </a:r>
+            <a:endParaRPr lang="zh-CN" altLang="en-US"/>
           </a:p>
           <a:p>
             <a:pPr lvl="4"/>
@@ -2288,18 +2174,13 @@
               <a:rPr lang="zh-CN" altLang="en-US"/>
               <a:t>五级</a:t>
             </a:r>
-          </a:p>
-        </p:txBody>
-      </p:sp>
-      <p:sp>
-        <p:nvSpPr>
-          <p:cNvPr id="4" name="文本占位符 3">
-            <a:extLst>
-              <a:ext uri="{FF2B5EF4-FFF2-40B4-BE49-F238E27FC236}">
-                <a16:creationId xmlns:a16="http://schemas.microsoft.com/office/drawing/2014/main" id="{5AEF982C-F79C-5898-D26B-5B569E2F2E14}"/>
-              </a:ext>
-            </a:extLst>
-          </p:cNvPr>
+            <a:endParaRPr lang="zh-CN" altLang="en-US"/>
+          </a:p>
+        </p:txBody>
+      </p:sp>
+      <p:sp>
+        <p:nvSpPr>
+          <p:cNvPr id="4" name="文本占位符 3"/>
           <p:cNvSpPr>
             <a:spLocks noGrp="1"/>
           </p:cNvSpPr>
@@ -2359,18 +2240,13 @@
               <a:rPr lang="zh-CN" altLang="en-US"/>
               <a:t>单击此处编辑母版文本样式</a:t>
             </a:r>
-          </a:p>
-        </p:txBody>
-      </p:sp>
-      <p:sp>
-        <p:nvSpPr>
-          <p:cNvPr id="5" name="日期占位符 4">
-            <a:extLst>
-              <a:ext uri="{FF2B5EF4-FFF2-40B4-BE49-F238E27FC236}">
-                <a16:creationId xmlns:a16="http://schemas.microsoft.com/office/drawing/2014/main" id="{40426065-4D46-FE45-598E-5417A49E99E8}"/>
-              </a:ext>
-            </a:extLst>
-          </p:cNvPr>
+            <a:endParaRPr lang="zh-CN" altLang="en-US"/>
+          </a:p>
+        </p:txBody>
+      </p:sp>
+      <p:sp>
+        <p:nvSpPr>
+          <p:cNvPr id="5" name="日期占位符 4"/>
           <p:cNvSpPr>
             <a:spLocks noGrp="1"/>
           </p:cNvSpPr>
@@ -2385,7 +2261,6 @@
           <a:p>
             <a:fld id="{1DCFACBB-E66A-42EF-8F6A-77DBE898C298}" type="datetimeFigureOut">
               <a:rPr lang="zh-CN" altLang="en-US" smtClean="0"/>
-              <a:t>2024/11/5</a:t>
             </a:fld>
             <a:endParaRPr lang="zh-CN" altLang="en-US"/>
           </a:p>
@@ -2393,13 +2268,7 @@
       </p:sp>
       <p:sp>
         <p:nvSpPr>
-          <p:cNvPr id="6" name="页脚占位符 5">
-            <a:extLst>
-              <a:ext uri="{FF2B5EF4-FFF2-40B4-BE49-F238E27FC236}">
-                <a16:creationId xmlns:a16="http://schemas.microsoft.com/office/drawing/2014/main" id="{A966C8E2-3270-9B16-5A59-7017A971BBFB}"/>
-              </a:ext>
-            </a:extLst>
-          </p:cNvPr>
+          <p:cNvPr id="6" name="页脚占位符 5"/>
           <p:cNvSpPr>
             <a:spLocks noGrp="1"/>
           </p:cNvSpPr>
@@ -2418,13 +2287,7 @@
       </p:sp>
       <p:sp>
         <p:nvSpPr>
-          <p:cNvPr id="7" name="灯片编号占位符 6">
-            <a:extLst>
-              <a:ext uri="{FF2B5EF4-FFF2-40B4-BE49-F238E27FC236}">
-                <a16:creationId xmlns:a16="http://schemas.microsoft.com/office/drawing/2014/main" id="{94C94942-1FE9-00FC-3B99-FE0AB710D3AC}"/>
-              </a:ext>
-            </a:extLst>
-          </p:cNvPr>
+          <p:cNvPr id="7" name="灯片编号占位符 6"/>
           <p:cNvSpPr>
             <a:spLocks noGrp="1"/>
           </p:cNvSpPr>
@@ -2439,18 +2302,2087 @@
           <a:p>
             <a:fld id="{265DE8D4-0978-4613-9E9F-712DF247FDE0}" type="slidenum">
               <a:rPr lang="zh-CN" altLang="en-US" smtClean="0"/>
-              <a:t>‹#›</a:t>
             </a:fld>
             <a:endParaRPr lang="zh-CN" altLang="en-US"/>
           </a:p>
         </p:txBody>
       </p:sp>
     </p:spTree>
-    <p:extLst>
-      <p:ext uri="{BB962C8B-B14F-4D97-AF65-F5344CB8AC3E}">
-        <p14:creationId xmlns:p14="http://schemas.microsoft.com/office/powerpoint/2010/main" val="549748932"/>
-      </p:ext>
-    </p:extLst>
+  </p:cSld>
+  <p:clrMapOvr>
+    <a:masterClrMapping/>
+  </p:clrMapOvr>
+</p:sldLayout>
+</file>
+
+<file path=ppt/slideLayouts/slideLayout2.xml><?xml version="1.0" encoding="utf-8"?>
+<p:sldLayout xmlns:a="http://schemas.openxmlformats.org/drawingml/2006/main" xmlns:r="http://schemas.openxmlformats.org/officeDocument/2006/relationships" xmlns:p="http://schemas.openxmlformats.org/presentationml/2006/main" type="obj" preserve="1">
+  <p:cSld name="标题和内容">
+    <p:spTree>
+      <p:nvGrpSpPr>
+        <p:cNvPr id="1" name=""/>
+        <p:cNvGrpSpPr/>
+        <p:nvPr/>
+      </p:nvGrpSpPr>
+      <p:grpSpPr>
+        <a:xfrm>
+          <a:off x="0" y="0"/>
+          <a:ext cx="0" cy="0"/>
+          <a:chOff x="0" y="0"/>
+          <a:chExt cx="0" cy="0"/>
+        </a:xfrm>
+      </p:grpSpPr>
+      <p:sp>
+        <p:nvSpPr>
+          <p:cNvPr id="2" name="标题 1"/>
+          <p:cNvSpPr>
+            <a:spLocks noGrp="1"/>
+          </p:cNvSpPr>
+          <p:nvPr>
+            <p:ph type="title"/>
+          </p:nvPr>
+        </p:nvSpPr>
+        <p:spPr/>
+        <p:txBody>
+          <a:bodyPr/>
+          <a:lstStyle/>
+          <a:p>
+            <a:r>
+              <a:rPr lang="zh-CN" altLang="en-US"/>
+              <a:t>单击此处编辑母版标题样式</a:t>
+            </a:r>
+            <a:endParaRPr lang="zh-CN" altLang="en-US"/>
+          </a:p>
+        </p:txBody>
+      </p:sp>
+      <p:sp>
+        <p:nvSpPr>
+          <p:cNvPr id="3" name="内容占位符 2"/>
+          <p:cNvSpPr>
+            <a:spLocks noGrp="1"/>
+          </p:cNvSpPr>
+          <p:nvPr>
+            <p:ph idx="1"/>
+          </p:nvPr>
+        </p:nvSpPr>
+        <p:spPr/>
+        <p:txBody>
+          <a:bodyPr/>
+          <a:lstStyle/>
+          <a:p>
+            <a:pPr lvl="0"/>
+            <a:r>
+              <a:rPr lang="zh-CN" altLang="en-US"/>
+              <a:t>单击此处编辑母版文本样式</a:t>
+            </a:r>
+            <a:endParaRPr lang="zh-CN" altLang="en-US"/>
+          </a:p>
+          <a:p>
+            <a:pPr lvl="1"/>
+            <a:r>
+              <a:rPr lang="zh-CN" altLang="en-US"/>
+              <a:t>二级</a:t>
+            </a:r>
+            <a:endParaRPr lang="zh-CN" altLang="en-US"/>
+          </a:p>
+          <a:p>
+            <a:pPr lvl="2"/>
+            <a:r>
+              <a:rPr lang="zh-CN" altLang="en-US"/>
+              <a:t>三级</a:t>
+            </a:r>
+            <a:endParaRPr lang="zh-CN" altLang="en-US"/>
+          </a:p>
+          <a:p>
+            <a:pPr lvl="3"/>
+            <a:r>
+              <a:rPr lang="zh-CN" altLang="en-US"/>
+              <a:t>四级</a:t>
+            </a:r>
+            <a:endParaRPr lang="zh-CN" altLang="en-US"/>
+          </a:p>
+          <a:p>
+            <a:pPr lvl="4"/>
+            <a:r>
+              <a:rPr lang="zh-CN" altLang="en-US"/>
+              <a:t>五级</a:t>
+            </a:r>
+            <a:endParaRPr lang="zh-CN" altLang="en-US"/>
+          </a:p>
+        </p:txBody>
+      </p:sp>
+      <p:sp>
+        <p:nvSpPr>
+          <p:cNvPr id="4" name="日期占位符 3"/>
+          <p:cNvSpPr>
+            <a:spLocks noGrp="1"/>
+          </p:cNvSpPr>
+          <p:nvPr>
+            <p:ph type="dt" sz="half" idx="10"/>
+          </p:nvPr>
+        </p:nvSpPr>
+        <p:spPr/>
+        <p:txBody>
+          <a:bodyPr/>
+          <a:lstStyle/>
+          <a:p>
+            <a:fld id="{1DCFACBB-E66A-42EF-8F6A-77DBE898C298}" type="datetimeFigureOut">
+              <a:rPr lang="zh-CN" altLang="en-US" smtClean="0"/>
+            </a:fld>
+            <a:endParaRPr lang="zh-CN" altLang="en-US"/>
+          </a:p>
+        </p:txBody>
+      </p:sp>
+      <p:sp>
+        <p:nvSpPr>
+          <p:cNvPr id="5" name="页脚占位符 4"/>
+          <p:cNvSpPr>
+            <a:spLocks noGrp="1"/>
+          </p:cNvSpPr>
+          <p:nvPr>
+            <p:ph type="ftr" sz="quarter" idx="11"/>
+          </p:nvPr>
+        </p:nvSpPr>
+        <p:spPr/>
+        <p:txBody>
+          <a:bodyPr/>
+          <a:lstStyle/>
+          <a:p>
+            <a:endParaRPr lang="zh-CN" altLang="en-US"/>
+          </a:p>
+        </p:txBody>
+      </p:sp>
+      <p:sp>
+        <p:nvSpPr>
+          <p:cNvPr id="6" name="灯片编号占位符 5"/>
+          <p:cNvSpPr>
+            <a:spLocks noGrp="1"/>
+          </p:cNvSpPr>
+          <p:nvPr>
+            <p:ph type="sldNum" sz="quarter" idx="12"/>
+          </p:nvPr>
+        </p:nvSpPr>
+        <p:spPr/>
+        <p:txBody>
+          <a:bodyPr/>
+          <a:lstStyle/>
+          <a:p>
+            <a:fld id="{265DE8D4-0978-4613-9E9F-712DF247FDE0}" type="slidenum">
+              <a:rPr lang="zh-CN" altLang="en-US" smtClean="0"/>
+            </a:fld>
+            <a:endParaRPr lang="zh-CN" altLang="en-US"/>
+          </a:p>
+        </p:txBody>
+      </p:sp>
+    </p:spTree>
+  </p:cSld>
+  <p:clrMapOvr>
+    <a:masterClrMapping/>
+  </p:clrMapOvr>
+</p:sldLayout>
+</file>
+
+<file path=ppt/slideLayouts/slideLayout20.xml><?xml version="1.0" encoding="utf-8"?>
+<p:sldLayout xmlns:a="http://schemas.openxmlformats.org/drawingml/2006/main" xmlns:r="http://schemas.openxmlformats.org/officeDocument/2006/relationships" xmlns:p="http://schemas.openxmlformats.org/presentationml/2006/main" type="picTx" preserve="1">
+  <p:cSld name="图片与标题">
+    <p:spTree>
+      <p:nvGrpSpPr>
+        <p:cNvPr id="1" name=""/>
+        <p:cNvGrpSpPr/>
+        <p:nvPr/>
+      </p:nvGrpSpPr>
+      <p:grpSpPr>
+        <a:xfrm>
+          <a:off x="0" y="0"/>
+          <a:ext cx="0" cy="0"/>
+          <a:chOff x="0" y="0"/>
+          <a:chExt cx="0" cy="0"/>
+        </a:xfrm>
+      </p:grpSpPr>
+      <p:sp>
+        <p:nvSpPr>
+          <p:cNvPr id="2" name="标题 1"/>
+          <p:cNvSpPr>
+            <a:spLocks noGrp="1"/>
+          </p:cNvSpPr>
+          <p:nvPr>
+            <p:ph type="title"/>
+          </p:nvPr>
+        </p:nvSpPr>
+        <p:spPr>
+          <a:xfrm>
+            <a:off x="839788" y="457200"/>
+            <a:ext cx="3932237" cy="1600200"/>
+          </a:xfrm>
+        </p:spPr>
+        <p:txBody>
+          <a:bodyPr anchor="b"/>
+          <a:lstStyle>
+            <a:lvl1pPr>
+              <a:defRPr sz="3200"/>
+            </a:lvl1pPr>
+          </a:lstStyle>
+          <a:p>
+            <a:r>
+              <a:rPr lang="zh-CN" altLang="en-US"/>
+              <a:t>单击此处编辑母版标题样式</a:t>
+            </a:r>
+            <a:endParaRPr lang="zh-CN" altLang="en-US"/>
+          </a:p>
+        </p:txBody>
+      </p:sp>
+      <p:sp>
+        <p:nvSpPr>
+          <p:cNvPr id="3" name="图片占位符 2"/>
+          <p:cNvSpPr>
+            <a:spLocks noGrp="1"/>
+          </p:cNvSpPr>
+          <p:nvPr>
+            <p:ph type="pic" idx="1"/>
+          </p:nvPr>
+        </p:nvSpPr>
+        <p:spPr>
+          <a:xfrm>
+            <a:off x="5183188" y="987425"/>
+            <a:ext cx="6172200" cy="4873625"/>
+          </a:xfrm>
+        </p:spPr>
+        <p:txBody>
+          <a:bodyPr/>
+          <a:lstStyle>
+            <a:lvl1pPr marL="0" indent="0">
+              <a:buNone/>
+              <a:defRPr sz="3200"/>
+            </a:lvl1pPr>
+            <a:lvl2pPr marL="457200" indent="0">
+              <a:buNone/>
+              <a:defRPr sz="2800"/>
+            </a:lvl2pPr>
+            <a:lvl3pPr marL="914400" indent="0">
+              <a:buNone/>
+              <a:defRPr sz="2400"/>
+            </a:lvl3pPr>
+            <a:lvl4pPr marL="1371600" indent="0">
+              <a:buNone/>
+              <a:defRPr sz="2000"/>
+            </a:lvl4pPr>
+            <a:lvl5pPr marL="1828800" indent="0">
+              <a:buNone/>
+              <a:defRPr sz="2000"/>
+            </a:lvl5pPr>
+            <a:lvl6pPr marL="2286000" indent="0">
+              <a:buNone/>
+              <a:defRPr sz="2000"/>
+            </a:lvl6pPr>
+            <a:lvl7pPr marL="2743200" indent="0">
+              <a:buNone/>
+              <a:defRPr sz="2000"/>
+            </a:lvl7pPr>
+            <a:lvl8pPr marL="3200400" indent="0">
+              <a:buNone/>
+              <a:defRPr sz="2000"/>
+            </a:lvl8pPr>
+            <a:lvl9pPr marL="3657600" indent="0">
+              <a:buNone/>
+              <a:defRPr sz="2000"/>
+            </a:lvl9pPr>
+          </a:lstStyle>
+          <a:p>
+            <a:endParaRPr lang="zh-CN" altLang="en-US"/>
+          </a:p>
+        </p:txBody>
+      </p:sp>
+      <p:sp>
+        <p:nvSpPr>
+          <p:cNvPr id="4" name="文本占位符 3"/>
+          <p:cNvSpPr>
+            <a:spLocks noGrp="1"/>
+          </p:cNvSpPr>
+          <p:nvPr>
+            <p:ph type="body" sz="half" idx="2"/>
+          </p:nvPr>
+        </p:nvSpPr>
+        <p:spPr>
+          <a:xfrm>
+            <a:off x="839788" y="2057400"/>
+            <a:ext cx="3932237" cy="3811588"/>
+          </a:xfrm>
+        </p:spPr>
+        <p:txBody>
+          <a:bodyPr/>
+          <a:lstStyle>
+            <a:lvl1pPr marL="0" indent="0">
+              <a:buNone/>
+              <a:defRPr sz="1600"/>
+            </a:lvl1pPr>
+            <a:lvl2pPr marL="457200" indent="0">
+              <a:buNone/>
+              <a:defRPr sz="1400"/>
+            </a:lvl2pPr>
+            <a:lvl3pPr marL="914400" indent="0">
+              <a:buNone/>
+              <a:defRPr sz="1200"/>
+            </a:lvl3pPr>
+            <a:lvl4pPr marL="1371600" indent="0">
+              <a:buNone/>
+              <a:defRPr sz="1000"/>
+            </a:lvl4pPr>
+            <a:lvl5pPr marL="1828800" indent="0">
+              <a:buNone/>
+              <a:defRPr sz="1000"/>
+            </a:lvl5pPr>
+            <a:lvl6pPr marL="2286000" indent="0">
+              <a:buNone/>
+              <a:defRPr sz="1000"/>
+            </a:lvl6pPr>
+            <a:lvl7pPr marL="2743200" indent="0">
+              <a:buNone/>
+              <a:defRPr sz="1000"/>
+            </a:lvl7pPr>
+            <a:lvl8pPr marL="3200400" indent="0">
+              <a:buNone/>
+              <a:defRPr sz="1000"/>
+            </a:lvl8pPr>
+            <a:lvl9pPr marL="3657600" indent="0">
+              <a:buNone/>
+              <a:defRPr sz="1000"/>
+            </a:lvl9pPr>
+          </a:lstStyle>
+          <a:p>
+            <a:pPr lvl="0"/>
+            <a:r>
+              <a:rPr lang="zh-CN" altLang="en-US"/>
+              <a:t>单击此处编辑母版文本样式</a:t>
+            </a:r>
+            <a:endParaRPr lang="zh-CN" altLang="en-US"/>
+          </a:p>
+        </p:txBody>
+      </p:sp>
+      <p:sp>
+        <p:nvSpPr>
+          <p:cNvPr id="5" name="日期占位符 4"/>
+          <p:cNvSpPr>
+            <a:spLocks noGrp="1"/>
+          </p:cNvSpPr>
+          <p:nvPr>
+            <p:ph type="dt" sz="half" idx="10"/>
+          </p:nvPr>
+        </p:nvSpPr>
+        <p:spPr/>
+        <p:txBody>
+          <a:bodyPr/>
+          <a:lstStyle/>
+          <a:p>
+            <a:fld id="{1DCFACBB-E66A-42EF-8F6A-77DBE898C298}" type="datetimeFigureOut">
+              <a:rPr lang="zh-CN" altLang="en-US" smtClean="0"/>
+            </a:fld>
+            <a:endParaRPr lang="zh-CN" altLang="en-US"/>
+          </a:p>
+        </p:txBody>
+      </p:sp>
+      <p:sp>
+        <p:nvSpPr>
+          <p:cNvPr id="6" name="页脚占位符 5"/>
+          <p:cNvSpPr>
+            <a:spLocks noGrp="1"/>
+          </p:cNvSpPr>
+          <p:nvPr>
+            <p:ph type="ftr" sz="quarter" idx="11"/>
+          </p:nvPr>
+        </p:nvSpPr>
+        <p:spPr/>
+        <p:txBody>
+          <a:bodyPr/>
+          <a:lstStyle/>
+          <a:p>
+            <a:endParaRPr lang="zh-CN" altLang="en-US"/>
+          </a:p>
+        </p:txBody>
+      </p:sp>
+      <p:sp>
+        <p:nvSpPr>
+          <p:cNvPr id="7" name="灯片编号占位符 6"/>
+          <p:cNvSpPr>
+            <a:spLocks noGrp="1"/>
+          </p:cNvSpPr>
+          <p:nvPr>
+            <p:ph type="sldNum" sz="quarter" idx="12"/>
+          </p:nvPr>
+        </p:nvSpPr>
+        <p:spPr/>
+        <p:txBody>
+          <a:bodyPr/>
+          <a:lstStyle/>
+          <a:p>
+            <a:fld id="{265DE8D4-0978-4613-9E9F-712DF247FDE0}" type="slidenum">
+              <a:rPr lang="zh-CN" altLang="en-US" smtClean="0"/>
+            </a:fld>
+            <a:endParaRPr lang="zh-CN" altLang="en-US"/>
+          </a:p>
+        </p:txBody>
+      </p:sp>
+    </p:spTree>
+  </p:cSld>
+  <p:clrMapOvr>
+    <a:masterClrMapping/>
+  </p:clrMapOvr>
+</p:sldLayout>
+</file>
+
+<file path=ppt/slideLayouts/slideLayout21.xml><?xml version="1.0" encoding="utf-8"?>
+<p:sldLayout xmlns:a="http://schemas.openxmlformats.org/drawingml/2006/main" xmlns:r="http://schemas.openxmlformats.org/officeDocument/2006/relationships" xmlns:p="http://schemas.openxmlformats.org/presentationml/2006/main" type="vertTx" preserve="1">
+  <p:cSld name="标题和竖排文字">
+    <p:spTree>
+      <p:nvGrpSpPr>
+        <p:cNvPr id="1" name=""/>
+        <p:cNvGrpSpPr/>
+        <p:nvPr/>
+      </p:nvGrpSpPr>
+      <p:grpSpPr>
+        <a:xfrm>
+          <a:off x="0" y="0"/>
+          <a:ext cx="0" cy="0"/>
+          <a:chOff x="0" y="0"/>
+          <a:chExt cx="0" cy="0"/>
+        </a:xfrm>
+      </p:grpSpPr>
+      <p:sp>
+        <p:nvSpPr>
+          <p:cNvPr id="2" name="标题 1"/>
+          <p:cNvSpPr>
+            <a:spLocks noGrp="1"/>
+          </p:cNvSpPr>
+          <p:nvPr>
+            <p:ph type="title"/>
+          </p:nvPr>
+        </p:nvSpPr>
+        <p:spPr/>
+        <p:txBody>
+          <a:bodyPr/>
+          <a:lstStyle/>
+          <a:p>
+            <a:r>
+              <a:rPr lang="zh-CN" altLang="en-US"/>
+              <a:t>单击此处编辑母版标题样式</a:t>
+            </a:r>
+            <a:endParaRPr lang="zh-CN" altLang="en-US"/>
+          </a:p>
+        </p:txBody>
+      </p:sp>
+      <p:sp>
+        <p:nvSpPr>
+          <p:cNvPr id="3" name="竖排文字占位符 2"/>
+          <p:cNvSpPr>
+            <a:spLocks noGrp="1"/>
+          </p:cNvSpPr>
+          <p:nvPr>
+            <p:ph type="body" orient="vert" idx="1"/>
+          </p:nvPr>
+        </p:nvSpPr>
+        <p:spPr/>
+        <p:txBody>
+          <a:bodyPr vert="eaVert"/>
+          <a:lstStyle/>
+          <a:p>
+            <a:pPr lvl="0"/>
+            <a:r>
+              <a:rPr lang="zh-CN" altLang="en-US"/>
+              <a:t>单击此处编辑母版文本样式</a:t>
+            </a:r>
+            <a:endParaRPr lang="zh-CN" altLang="en-US"/>
+          </a:p>
+          <a:p>
+            <a:pPr lvl="1"/>
+            <a:r>
+              <a:rPr lang="zh-CN" altLang="en-US"/>
+              <a:t>二级</a:t>
+            </a:r>
+            <a:endParaRPr lang="zh-CN" altLang="en-US"/>
+          </a:p>
+          <a:p>
+            <a:pPr lvl="2"/>
+            <a:r>
+              <a:rPr lang="zh-CN" altLang="en-US"/>
+              <a:t>三级</a:t>
+            </a:r>
+            <a:endParaRPr lang="zh-CN" altLang="en-US"/>
+          </a:p>
+          <a:p>
+            <a:pPr lvl="3"/>
+            <a:r>
+              <a:rPr lang="zh-CN" altLang="en-US"/>
+              <a:t>四级</a:t>
+            </a:r>
+            <a:endParaRPr lang="zh-CN" altLang="en-US"/>
+          </a:p>
+          <a:p>
+            <a:pPr lvl="4"/>
+            <a:r>
+              <a:rPr lang="zh-CN" altLang="en-US"/>
+              <a:t>五级</a:t>
+            </a:r>
+            <a:endParaRPr lang="zh-CN" altLang="en-US"/>
+          </a:p>
+        </p:txBody>
+      </p:sp>
+      <p:sp>
+        <p:nvSpPr>
+          <p:cNvPr id="4" name="日期占位符 3"/>
+          <p:cNvSpPr>
+            <a:spLocks noGrp="1"/>
+          </p:cNvSpPr>
+          <p:nvPr>
+            <p:ph type="dt" sz="half" idx="10"/>
+          </p:nvPr>
+        </p:nvSpPr>
+        <p:spPr/>
+        <p:txBody>
+          <a:bodyPr/>
+          <a:lstStyle/>
+          <a:p>
+            <a:fld id="{1DCFACBB-E66A-42EF-8F6A-77DBE898C298}" type="datetimeFigureOut">
+              <a:rPr lang="zh-CN" altLang="en-US" smtClean="0"/>
+            </a:fld>
+            <a:endParaRPr lang="zh-CN" altLang="en-US"/>
+          </a:p>
+        </p:txBody>
+      </p:sp>
+      <p:sp>
+        <p:nvSpPr>
+          <p:cNvPr id="5" name="页脚占位符 4"/>
+          <p:cNvSpPr>
+            <a:spLocks noGrp="1"/>
+          </p:cNvSpPr>
+          <p:nvPr>
+            <p:ph type="ftr" sz="quarter" idx="11"/>
+          </p:nvPr>
+        </p:nvSpPr>
+        <p:spPr/>
+        <p:txBody>
+          <a:bodyPr/>
+          <a:lstStyle/>
+          <a:p>
+            <a:endParaRPr lang="zh-CN" altLang="en-US"/>
+          </a:p>
+        </p:txBody>
+      </p:sp>
+      <p:sp>
+        <p:nvSpPr>
+          <p:cNvPr id="6" name="灯片编号占位符 5"/>
+          <p:cNvSpPr>
+            <a:spLocks noGrp="1"/>
+          </p:cNvSpPr>
+          <p:nvPr>
+            <p:ph type="sldNum" sz="quarter" idx="12"/>
+          </p:nvPr>
+        </p:nvSpPr>
+        <p:spPr/>
+        <p:txBody>
+          <a:bodyPr/>
+          <a:lstStyle/>
+          <a:p>
+            <a:fld id="{265DE8D4-0978-4613-9E9F-712DF247FDE0}" type="slidenum">
+              <a:rPr lang="zh-CN" altLang="en-US" smtClean="0"/>
+            </a:fld>
+            <a:endParaRPr lang="zh-CN" altLang="en-US"/>
+          </a:p>
+        </p:txBody>
+      </p:sp>
+    </p:spTree>
+  </p:cSld>
+  <p:clrMapOvr>
+    <a:masterClrMapping/>
+  </p:clrMapOvr>
+</p:sldLayout>
+</file>
+
+<file path=ppt/slideLayouts/slideLayout22.xml><?xml version="1.0" encoding="utf-8"?>
+<p:sldLayout xmlns:a="http://schemas.openxmlformats.org/drawingml/2006/main" xmlns:r="http://schemas.openxmlformats.org/officeDocument/2006/relationships" xmlns:p="http://schemas.openxmlformats.org/presentationml/2006/main" type="vertTitleAndTx" preserve="1">
+  <p:cSld name="竖排标题与文本">
+    <p:spTree>
+      <p:nvGrpSpPr>
+        <p:cNvPr id="1" name=""/>
+        <p:cNvGrpSpPr/>
+        <p:nvPr/>
+      </p:nvGrpSpPr>
+      <p:grpSpPr>
+        <a:xfrm>
+          <a:off x="0" y="0"/>
+          <a:ext cx="0" cy="0"/>
+          <a:chOff x="0" y="0"/>
+          <a:chExt cx="0" cy="0"/>
+        </a:xfrm>
+      </p:grpSpPr>
+      <p:sp>
+        <p:nvSpPr>
+          <p:cNvPr id="2" name="竖排标题 1"/>
+          <p:cNvSpPr>
+            <a:spLocks noGrp="1"/>
+          </p:cNvSpPr>
+          <p:nvPr>
+            <p:ph type="title" orient="vert"/>
+          </p:nvPr>
+        </p:nvSpPr>
+        <p:spPr>
+          <a:xfrm>
+            <a:off x="8724900" y="365125"/>
+            <a:ext cx="2628900" cy="5811838"/>
+          </a:xfrm>
+        </p:spPr>
+        <p:txBody>
+          <a:bodyPr vert="eaVert"/>
+          <a:lstStyle/>
+          <a:p>
+            <a:r>
+              <a:rPr lang="zh-CN" altLang="en-US"/>
+              <a:t>单击此处编辑母版标题样式</a:t>
+            </a:r>
+            <a:endParaRPr lang="zh-CN" altLang="en-US"/>
+          </a:p>
+        </p:txBody>
+      </p:sp>
+      <p:sp>
+        <p:nvSpPr>
+          <p:cNvPr id="3" name="竖排文字占位符 2"/>
+          <p:cNvSpPr>
+            <a:spLocks noGrp="1"/>
+          </p:cNvSpPr>
+          <p:nvPr>
+            <p:ph type="body" orient="vert" idx="1"/>
+          </p:nvPr>
+        </p:nvSpPr>
+        <p:spPr>
+          <a:xfrm>
+            <a:off x="838200" y="365125"/>
+            <a:ext cx="7734300" cy="5811838"/>
+          </a:xfrm>
+        </p:spPr>
+        <p:txBody>
+          <a:bodyPr vert="eaVert"/>
+          <a:lstStyle/>
+          <a:p>
+            <a:pPr lvl="0"/>
+            <a:r>
+              <a:rPr lang="zh-CN" altLang="en-US"/>
+              <a:t>单击此处编辑母版文本样式</a:t>
+            </a:r>
+            <a:endParaRPr lang="zh-CN" altLang="en-US"/>
+          </a:p>
+          <a:p>
+            <a:pPr lvl="1"/>
+            <a:r>
+              <a:rPr lang="zh-CN" altLang="en-US"/>
+              <a:t>二级</a:t>
+            </a:r>
+            <a:endParaRPr lang="zh-CN" altLang="en-US"/>
+          </a:p>
+          <a:p>
+            <a:pPr lvl="2"/>
+            <a:r>
+              <a:rPr lang="zh-CN" altLang="en-US"/>
+              <a:t>三级</a:t>
+            </a:r>
+            <a:endParaRPr lang="zh-CN" altLang="en-US"/>
+          </a:p>
+          <a:p>
+            <a:pPr lvl="3"/>
+            <a:r>
+              <a:rPr lang="zh-CN" altLang="en-US"/>
+              <a:t>四级</a:t>
+            </a:r>
+            <a:endParaRPr lang="zh-CN" altLang="en-US"/>
+          </a:p>
+          <a:p>
+            <a:pPr lvl="4"/>
+            <a:r>
+              <a:rPr lang="zh-CN" altLang="en-US"/>
+              <a:t>五级</a:t>
+            </a:r>
+            <a:endParaRPr lang="zh-CN" altLang="en-US"/>
+          </a:p>
+        </p:txBody>
+      </p:sp>
+      <p:sp>
+        <p:nvSpPr>
+          <p:cNvPr id="4" name="日期占位符 3"/>
+          <p:cNvSpPr>
+            <a:spLocks noGrp="1"/>
+          </p:cNvSpPr>
+          <p:nvPr>
+            <p:ph type="dt" sz="half" idx="10"/>
+          </p:nvPr>
+        </p:nvSpPr>
+        <p:spPr/>
+        <p:txBody>
+          <a:bodyPr/>
+          <a:lstStyle/>
+          <a:p>
+            <a:fld id="{1DCFACBB-E66A-42EF-8F6A-77DBE898C298}" type="datetimeFigureOut">
+              <a:rPr lang="zh-CN" altLang="en-US" smtClean="0"/>
+            </a:fld>
+            <a:endParaRPr lang="zh-CN" altLang="en-US"/>
+          </a:p>
+        </p:txBody>
+      </p:sp>
+      <p:sp>
+        <p:nvSpPr>
+          <p:cNvPr id="5" name="页脚占位符 4"/>
+          <p:cNvSpPr>
+            <a:spLocks noGrp="1"/>
+          </p:cNvSpPr>
+          <p:nvPr>
+            <p:ph type="ftr" sz="quarter" idx="11"/>
+          </p:nvPr>
+        </p:nvSpPr>
+        <p:spPr/>
+        <p:txBody>
+          <a:bodyPr/>
+          <a:lstStyle/>
+          <a:p>
+            <a:endParaRPr lang="zh-CN" altLang="en-US"/>
+          </a:p>
+        </p:txBody>
+      </p:sp>
+      <p:sp>
+        <p:nvSpPr>
+          <p:cNvPr id="6" name="灯片编号占位符 5"/>
+          <p:cNvSpPr>
+            <a:spLocks noGrp="1"/>
+          </p:cNvSpPr>
+          <p:nvPr>
+            <p:ph type="sldNum" sz="quarter" idx="12"/>
+          </p:nvPr>
+        </p:nvSpPr>
+        <p:spPr/>
+        <p:txBody>
+          <a:bodyPr/>
+          <a:lstStyle/>
+          <a:p>
+            <a:fld id="{265DE8D4-0978-4613-9E9F-712DF247FDE0}" type="slidenum">
+              <a:rPr lang="zh-CN" altLang="en-US" smtClean="0"/>
+            </a:fld>
+            <a:endParaRPr lang="zh-CN" altLang="en-US"/>
+          </a:p>
+        </p:txBody>
+      </p:sp>
+    </p:spTree>
+  </p:cSld>
+  <p:clrMapOvr>
+    <a:masterClrMapping/>
+  </p:clrMapOvr>
+</p:sldLayout>
+</file>
+
+<file path=ppt/slideLayouts/slideLayout3.xml><?xml version="1.0" encoding="utf-8"?>
+<p:sldLayout xmlns:a="http://schemas.openxmlformats.org/drawingml/2006/main" xmlns:r="http://schemas.openxmlformats.org/officeDocument/2006/relationships" xmlns:p="http://schemas.openxmlformats.org/presentationml/2006/main" type="secHead" preserve="1">
+  <p:cSld name="节标题">
+    <p:spTree>
+      <p:nvGrpSpPr>
+        <p:cNvPr id="1" name=""/>
+        <p:cNvGrpSpPr/>
+        <p:nvPr/>
+      </p:nvGrpSpPr>
+      <p:grpSpPr>
+        <a:xfrm>
+          <a:off x="0" y="0"/>
+          <a:ext cx="0" cy="0"/>
+          <a:chOff x="0" y="0"/>
+          <a:chExt cx="0" cy="0"/>
+        </a:xfrm>
+      </p:grpSpPr>
+      <p:sp>
+        <p:nvSpPr>
+          <p:cNvPr id="2" name="标题 1"/>
+          <p:cNvSpPr>
+            <a:spLocks noGrp="1"/>
+          </p:cNvSpPr>
+          <p:nvPr>
+            <p:ph type="title"/>
+          </p:nvPr>
+        </p:nvSpPr>
+        <p:spPr>
+          <a:xfrm>
+            <a:off x="831850" y="1709738"/>
+            <a:ext cx="10515600" cy="2852737"/>
+          </a:xfrm>
+        </p:spPr>
+        <p:txBody>
+          <a:bodyPr anchor="b"/>
+          <a:lstStyle>
+            <a:lvl1pPr>
+              <a:defRPr sz="6000"/>
+            </a:lvl1pPr>
+          </a:lstStyle>
+          <a:p>
+            <a:r>
+              <a:rPr lang="zh-CN" altLang="en-US"/>
+              <a:t>单击此处编辑母版标题样式</a:t>
+            </a:r>
+            <a:endParaRPr lang="zh-CN" altLang="en-US"/>
+          </a:p>
+        </p:txBody>
+      </p:sp>
+      <p:sp>
+        <p:nvSpPr>
+          <p:cNvPr id="3" name="文本占位符 2"/>
+          <p:cNvSpPr>
+            <a:spLocks noGrp="1"/>
+          </p:cNvSpPr>
+          <p:nvPr>
+            <p:ph type="body" idx="1"/>
+          </p:nvPr>
+        </p:nvSpPr>
+        <p:spPr>
+          <a:xfrm>
+            <a:off x="831850" y="4589463"/>
+            <a:ext cx="10515600" cy="1500187"/>
+          </a:xfrm>
+        </p:spPr>
+        <p:txBody>
+          <a:bodyPr/>
+          <a:lstStyle>
+            <a:lvl1pPr marL="0" indent="0">
+              <a:buNone/>
+              <a:defRPr sz="2400">
+                <a:solidFill>
+                  <a:schemeClr val="tx1">
+                    <a:tint val="75000"/>
+                  </a:schemeClr>
+                </a:solidFill>
+              </a:defRPr>
+            </a:lvl1pPr>
+            <a:lvl2pPr marL="457200" indent="0">
+              <a:buNone/>
+              <a:defRPr sz="2000">
+                <a:solidFill>
+                  <a:schemeClr val="tx1">
+                    <a:tint val="75000"/>
+                  </a:schemeClr>
+                </a:solidFill>
+              </a:defRPr>
+            </a:lvl2pPr>
+            <a:lvl3pPr marL="914400" indent="0">
+              <a:buNone/>
+              <a:defRPr sz="1800">
+                <a:solidFill>
+                  <a:schemeClr val="tx1">
+                    <a:tint val="75000"/>
+                  </a:schemeClr>
+                </a:solidFill>
+              </a:defRPr>
+            </a:lvl3pPr>
+            <a:lvl4pPr marL="1371600" indent="0">
+              <a:buNone/>
+              <a:defRPr sz="1600">
+                <a:solidFill>
+                  <a:schemeClr val="tx1">
+                    <a:tint val="75000"/>
+                  </a:schemeClr>
+                </a:solidFill>
+              </a:defRPr>
+            </a:lvl4pPr>
+            <a:lvl5pPr marL="1828800" indent="0">
+              <a:buNone/>
+              <a:defRPr sz="1600">
+                <a:solidFill>
+                  <a:schemeClr val="tx1">
+                    <a:tint val="75000"/>
+                  </a:schemeClr>
+                </a:solidFill>
+              </a:defRPr>
+            </a:lvl5pPr>
+            <a:lvl6pPr marL="2286000" indent="0">
+              <a:buNone/>
+              <a:defRPr sz="1600">
+                <a:solidFill>
+                  <a:schemeClr val="tx1">
+                    <a:tint val="75000"/>
+                  </a:schemeClr>
+                </a:solidFill>
+              </a:defRPr>
+            </a:lvl6pPr>
+            <a:lvl7pPr marL="2743200" indent="0">
+              <a:buNone/>
+              <a:defRPr sz="1600">
+                <a:solidFill>
+                  <a:schemeClr val="tx1">
+                    <a:tint val="75000"/>
+                  </a:schemeClr>
+                </a:solidFill>
+              </a:defRPr>
+            </a:lvl7pPr>
+            <a:lvl8pPr marL="3200400" indent="0">
+              <a:buNone/>
+              <a:defRPr sz="1600">
+                <a:solidFill>
+                  <a:schemeClr val="tx1">
+                    <a:tint val="75000"/>
+                  </a:schemeClr>
+                </a:solidFill>
+              </a:defRPr>
+            </a:lvl8pPr>
+            <a:lvl9pPr marL="3657600" indent="0">
+              <a:buNone/>
+              <a:defRPr sz="1600">
+                <a:solidFill>
+                  <a:schemeClr val="tx1">
+                    <a:tint val="75000"/>
+                  </a:schemeClr>
+                </a:solidFill>
+              </a:defRPr>
+            </a:lvl9pPr>
+          </a:lstStyle>
+          <a:p>
+            <a:pPr lvl="0"/>
+            <a:r>
+              <a:rPr lang="zh-CN" altLang="en-US"/>
+              <a:t>单击此处编辑母版文本样式</a:t>
+            </a:r>
+            <a:endParaRPr lang="zh-CN" altLang="en-US"/>
+          </a:p>
+        </p:txBody>
+      </p:sp>
+      <p:sp>
+        <p:nvSpPr>
+          <p:cNvPr id="4" name="日期占位符 3"/>
+          <p:cNvSpPr>
+            <a:spLocks noGrp="1"/>
+          </p:cNvSpPr>
+          <p:nvPr>
+            <p:ph type="dt" sz="half" idx="10"/>
+          </p:nvPr>
+        </p:nvSpPr>
+        <p:spPr/>
+        <p:txBody>
+          <a:bodyPr/>
+          <a:lstStyle/>
+          <a:p>
+            <a:fld id="{1DCFACBB-E66A-42EF-8F6A-77DBE898C298}" type="datetimeFigureOut">
+              <a:rPr lang="zh-CN" altLang="en-US" smtClean="0"/>
+            </a:fld>
+            <a:endParaRPr lang="zh-CN" altLang="en-US"/>
+          </a:p>
+        </p:txBody>
+      </p:sp>
+      <p:sp>
+        <p:nvSpPr>
+          <p:cNvPr id="5" name="页脚占位符 4"/>
+          <p:cNvSpPr>
+            <a:spLocks noGrp="1"/>
+          </p:cNvSpPr>
+          <p:nvPr>
+            <p:ph type="ftr" sz="quarter" idx="11"/>
+          </p:nvPr>
+        </p:nvSpPr>
+        <p:spPr/>
+        <p:txBody>
+          <a:bodyPr/>
+          <a:lstStyle/>
+          <a:p>
+            <a:endParaRPr lang="zh-CN" altLang="en-US"/>
+          </a:p>
+        </p:txBody>
+      </p:sp>
+      <p:sp>
+        <p:nvSpPr>
+          <p:cNvPr id="6" name="灯片编号占位符 5"/>
+          <p:cNvSpPr>
+            <a:spLocks noGrp="1"/>
+          </p:cNvSpPr>
+          <p:nvPr>
+            <p:ph type="sldNum" sz="quarter" idx="12"/>
+          </p:nvPr>
+        </p:nvSpPr>
+        <p:spPr/>
+        <p:txBody>
+          <a:bodyPr/>
+          <a:lstStyle/>
+          <a:p>
+            <a:fld id="{265DE8D4-0978-4613-9E9F-712DF247FDE0}" type="slidenum">
+              <a:rPr lang="zh-CN" altLang="en-US" smtClean="0"/>
+            </a:fld>
+            <a:endParaRPr lang="zh-CN" altLang="en-US"/>
+          </a:p>
+        </p:txBody>
+      </p:sp>
+    </p:spTree>
+  </p:cSld>
+  <p:clrMapOvr>
+    <a:masterClrMapping/>
+  </p:clrMapOvr>
+</p:sldLayout>
+</file>
+
+<file path=ppt/slideLayouts/slideLayout4.xml><?xml version="1.0" encoding="utf-8"?>
+<p:sldLayout xmlns:a="http://schemas.openxmlformats.org/drawingml/2006/main" xmlns:r="http://schemas.openxmlformats.org/officeDocument/2006/relationships" xmlns:p="http://schemas.openxmlformats.org/presentationml/2006/main" type="twoObj" preserve="1">
+  <p:cSld name="两栏内容">
+    <p:spTree>
+      <p:nvGrpSpPr>
+        <p:cNvPr id="1" name=""/>
+        <p:cNvGrpSpPr/>
+        <p:nvPr/>
+      </p:nvGrpSpPr>
+      <p:grpSpPr>
+        <a:xfrm>
+          <a:off x="0" y="0"/>
+          <a:ext cx="0" cy="0"/>
+          <a:chOff x="0" y="0"/>
+          <a:chExt cx="0" cy="0"/>
+        </a:xfrm>
+      </p:grpSpPr>
+      <p:sp>
+        <p:nvSpPr>
+          <p:cNvPr id="2" name="标题 1"/>
+          <p:cNvSpPr>
+            <a:spLocks noGrp="1"/>
+          </p:cNvSpPr>
+          <p:nvPr>
+            <p:ph type="title"/>
+          </p:nvPr>
+        </p:nvSpPr>
+        <p:spPr/>
+        <p:txBody>
+          <a:bodyPr/>
+          <a:lstStyle/>
+          <a:p>
+            <a:r>
+              <a:rPr lang="zh-CN" altLang="en-US"/>
+              <a:t>单击此处编辑母版标题样式</a:t>
+            </a:r>
+            <a:endParaRPr lang="zh-CN" altLang="en-US"/>
+          </a:p>
+        </p:txBody>
+      </p:sp>
+      <p:sp>
+        <p:nvSpPr>
+          <p:cNvPr id="3" name="内容占位符 2"/>
+          <p:cNvSpPr>
+            <a:spLocks noGrp="1"/>
+          </p:cNvSpPr>
+          <p:nvPr>
+            <p:ph sz="half" idx="1"/>
+          </p:nvPr>
+        </p:nvSpPr>
+        <p:spPr>
+          <a:xfrm>
+            <a:off x="838200" y="1825625"/>
+            <a:ext cx="5181600" cy="4351338"/>
+          </a:xfrm>
+        </p:spPr>
+        <p:txBody>
+          <a:bodyPr/>
+          <a:lstStyle/>
+          <a:p>
+            <a:pPr lvl="0"/>
+            <a:r>
+              <a:rPr lang="zh-CN" altLang="en-US"/>
+              <a:t>单击此处编辑母版文本样式</a:t>
+            </a:r>
+            <a:endParaRPr lang="zh-CN" altLang="en-US"/>
+          </a:p>
+          <a:p>
+            <a:pPr lvl="1"/>
+            <a:r>
+              <a:rPr lang="zh-CN" altLang="en-US"/>
+              <a:t>二级</a:t>
+            </a:r>
+            <a:endParaRPr lang="zh-CN" altLang="en-US"/>
+          </a:p>
+          <a:p>
+            <a:pPr lvl="2"/>
+            <a:r>
+              <a:rPr lang="zh-CN" altLang="en-US"/>
+              <a:t>三级</a:t>
+            </a:r>
+            <a:endParaRPr lang="zh-CN" altLang="en-US"/>
+          </a:p>
+          <a:p>
+            <a:pPr lvl="3"/>
+            <a:r>
+              <a:rPr lang="zh-CN" altLang="en-US"/>
+              <a:t>四级</a:t>
+            </a:r>
+            <a:endParaRPr lang="zh-CN" altLang="en-US"/>
+          </a:p>
+          <a:p>
+            <a:pPr lvl="4"/>
+            <a:r>
+              <a:rPr lang="zh-CN" altLang="en-US"/>
+              <a:t>五级</a:t>
+            </a:r>
+            <a:endParaRPr lang="zh-CN" altLang="en-US"/>
+          </a:p>
+        </p:txBody>
+      </p:sp>
+      <p:sp>
+        <p:nvSpPr>
+          <p:cNvPr id="4" name="内容占位符 3"/>
+          <p:cNvSpPr>
+            <a:spLocks noGrp="1"/>
+          </p:cNvSpPr>
+          <p:nvPr>
+            <p:ph sz="half" idx="2"/>
+          </p:nvPr>
+        </p:nvSpPr>
+        <p:spPr>
+          <a:xfrm>
+            <a:off x="6172200" y="1825625"/>
+            <a:ext cx="5181600" cy="4351338"/>
+          </a:xfrm>
+        </p:spPr>
+        <p:txBody>
+          <a:bodyPr/>
+          <a:lstStyle/>
+          <a:p>
+            <a:pPr lvl="0"/>
+            <a:r>
+              <a:rPr lang="zh-CN" altLang="en-US"/>
+              <a:t>单击此处编辑母版文本样式</a:t>
+            </a:r>
+            <a:endParaRPr lang="zh-CN" altLang="en-US"/>
+          </a:p>
+          <a:p>
+            <a:pPr lvl="1"/>
+            <a:r>
+              <a:rPr lang="zh-CN" altLang="en-US"/>
+              <a:t>二级</a:t>
+            </a:r>
+            <a:endParaRPr lang="zh-CN" altLang="en-US"/>
+          </a:p>
+          <a:p>
+            <a:pPr lvl="2"/>
+            <a:r>
+              <a:rPr lang="zh-CN" altLang="en-US"/>
+              <a:t>三级</a:t>
+            </a:r>
+            <a:endParaRPr lang="zh-CN" altLang="en-US"/>
+          </a:p>
+          <a:p>
+            <a:pPr lvl="3"/>
+            <a:r>
+              <a:rPr lang="zh-CN" altLang="en-US"/>
+              <a:t>四级</a:t>
+            </a:r>
+            <a:endParaRPr lang="zh-CN" altLang="en-US"/>
+          </a:p>
+          <a:p>
+            <a:pPr lvl="4"/>
+            <a:r>
+              <a:rPr lang="zh-CN" altLang="en-US"/>
+              <a:t>五级</a:t>
+            </a:r>
+            <a:endParaRPr lang="zh-CN" altLang="en-US"/>
+          </a:p>
+        </p:txBody>
+      </p:sp>
+      <p:sp>
+        <p:nvSpPr>
+          <p:cNvPr id="5" name="日期占位符 4"/>
+          <p:cNvSpPr>
+            <a:spLocks noGrp="1"/>
+          </p:cNvSpPr>
+          <p:nvPr>
+            <p:ph type="dt" sz="half" idx="10"/>
+          </p:nvPr>
+        </p:nvSpPr>
+        <p:spPr/>
+        <p:txBody>
+          <a:bodyPr/>
+          <a:lstStyle/>
+          <a:p>
+            <a:fld id="{1DCFACBB-E66A-42EF-8F6A-77DBE898C298}" type="datetimeFigureOut">
+              <a:rPr lang="zh-CN" altLang="en-US" smtClean="0"/>
+            </a:fld>
+            <a:endParaRPr lang="zh-CN" altLang="en-US"/>
+          </a:p>
+        </p:txBody>
+      </p:sp>
+      <p:sp>
+        <p:nvSpPr>
+          <p:cNvPr id="6" name="页脚占位符 5"/>
+          <p:cNvSpPr>
+            <a:spLocks noGrp="1"/>
+          </p:cNvSpPr>
+          <p:nvPr>
+            <p:ph type="ftr" sz="quarter" idx="11"/>
+          </p:nvPr>
+        </p:nvSpPr>
+        <p:spPr/>
+        <p:txBody>
+          <a:bodyPr/>
+          <a:lstStyle/>
+          <a:p>
+            <a:endParaRPr lang="zh-CN" altLang="en-US"/>
+          </a:p>
+        </p:txBody>
+      </p:sp>
+      <p:sp>
+        <p:nvSpPr>
+          <p:cNvPr id="7" name="灯片编号占位符 6"/>
+          <p:cNvSpPr>
+            <a:spLocks noGrp="1"/>
+          </p:cNvSpPr>
+          <p:nvPr>
+            <p:ph type="sldNum" sz="quarter" idx="12"/>
+          </p:nvPr>
+        </p:nvSpPr>
+        <p:spPr/>
+        <p:txBody>
+          <a:bodyPr/>
+          <a:lstStyle/>
+          <a:p>
+            <a:fld id="{265DE8D4-0978-4613-9E9F-712DF247FDE0}" type="slidenum">
+              <a:rPr lang="zh-CN" altLang="en-US" smtClean="0"/>
+            </a:fld>
+            <a:endParaRPr lang="zh-CN" altLang="en-US"/>
+          </a:p>
+        </p:txBody>
+      </p:sp>
+    </p:spTree>
+  </p:cSld>
+  <p:clrMapOvr>
+    <a:masterClrMapping/>
+  </p:clrMapOvr>
+</p:sldLayout>
+</file>
+
+<file path=ppt/slideLayouts/slideLayout5.xml><?xml version="1.0" encoding="utf-8"?>
+<p:sldLayout xmlns:a="http://schemas.openxmlformats.org/drawingml/2006/main" xmlns:r="http://schemas.openxmlformats.org/officeDocument/2006/relationships" xmlns:p="http://schemas.openxmlformats.org/presentationml/2006/main" type="twoTxTwoObj" preserve="1">
+  <p:cSld name="比较">
+    <p:spTree>
+      <p:nvGrpSpPr>
+        <p:cNvPr id="1" name=""/>
+        <p:cNvGrpSpPr/>
+        <p:nvPr/>
+      </p:nvGrpSpPr>
+      <p:grpSpPr>
+        <a:xfrm>
+          <a:off x="0" y="0"/>
+          <a:ext cx="0" cy="0"/>
+          <a:chOff x="0" y="0"/>
+          <a:chExt cx="0" cy="0"/>
+        </a:xfrm>
+      </p:grpSpPr>
+      <p:sp>
+        <p:nvSpPr>
+          <p:cNvPr id="2" name="标题 1"/>
+          <p:cNvSpPr>
+            <a:spLocks noGrp="1"/>
+          </p:cNvSpPr>
+          <p:nvPr>
+            <p:ph type="title"/>
+          </p:nvPr>
+        </p:nvSpPr>
+        <p:spPr>
+          <a:xfrm>
+            <a:off x="839788" y="365125"/>
+            <a:ext cx="10515600" cy="1325563"/>
+          </a:xfrm>
+        </p:spPr>
+        <p:txBody>
+          <a:bodyPr/>
+          <a:lstStyle/>
+          <a:p>
+            <a:r>
+              <a:rPr lang="zh-CN" altLang="en-US"/>
+              <a:t>单击此处编辑母版标题样式</a:t>
+            </a:r>
+            <a:endParaRPr lang="zh-CN" altLang="en-US"/>
+          </a:p>
+        </p:txBody>
+      </p:sp>
+      <p:sp>
+        <p:nvSpPr>
+          <p:cNvPr id="3" name="文本占位符 2"/>
+          <p:cNvSpPr>
+            <a:spLocks noGrp="1"/>
+          </p:cNvSpPr>
+          <p:nvPr>
+            <p:ph type="body" idx="1"/>
+          </p:nvPr>
+        </p:nvSpPr>
+        <p:spPr>
+          <a:xfrm>
+            <a:off x="839788" y="1681163"/>
+            <a:ext cx="5157787" cy="823912"/>
+          </a:xfrm>
+        </p:spPr>
+        <p:txBody>
+          <a:bodyPr anchor="b"/>
+          <a:lstStyle>
+            <a:lvl1pPr marL="0" indent="0">
+              <a:buNone/>
+              <a:defRPr sz="2400" b="1"/>
+            </a:lvl1pPr>
+            <a:lvl2pPr marL="457200" indent="0">
+              <a:buNone/>
+              <a:defRPr sz="2000" b="1"/>
+            </a:lvl2pPr>
+            <a:lvl3pPr marL="914400" indent="0">
+              <a:buNone/>
+              <a:defRPr sz="1800" b="1"/>
+            </a:lvl3pPr>
+            <a:lvl4pPr marL="1371600" indent="0">
+              <a:buNone/>
+              <a:defRPr sz="1600" b="1"/>
+            </a:lvl4pPr>
+            <a:lvl5pPr marL="1828800" indent="0">
+              <a:buNone/>
+              <a:defRPr sz="1600" b="1"/>
+            </a:lvl5pPr>
+            <a:lvl6pPr marL="2286000" indent="0">
+              <a:buNone/>
+              <a:defRPr sz="1600" b="1"/>
+            </a:lvl6pPr>
+            <a:lvl7pPr marL="2743200" indent="0">
+              <a:buNone/>
+              <a:defRPr sz="1600" b="1"/>
+            </a:lvl7pPr>
+            <a:lvl8pPr marL="3200400" indent="0">
+              <a:buNone/>
+              <a:defRPr sz="1600" b="1"/>
+            </a:lvl8pPr>
+            <a:lvl9pPr marL="3657600" indent="0">
+              <a:buNone/>
+              <a:defRPr sz="1600" b="1"/>
+            </a:lvl9pPr>
+          </a:lstStyle>
+          <a:p>
+            <a:pPr lvl="0"/>
+            <a:r>
+              <a:rPr lang="zh-CN" altLang="en-US"/>
+              <a:t>单击此处编辑母版文本样式</a:t>
+            </a:r>
+            <a:endParaRPr lang="zh-CN" altLang="en-US"/>
+          </a:p>
+        </p:txBody>
+      </p:sp>
+      <p:sp>
+        <p:nvSpPr>
+          <p:cNvPr id="4" name="内容占位符 3"/>
+          <p:cNvSpPr>
+            <a:spLocks noGrp="1"/>
+          </p:cNvSpPr>
+          <p:nvPr>
+            <p:ph sz="half" idx="2"/>
+          </p:nvPr>
+        </p:nvSpPr>
+        <p:spPr>
+          <a:xfrm>
+            <a:off x="839788" y="2505075"/>
+            <a:ext cx="5157787" cy="3684588"/>
+          </a:xfrm>
+        </p:spPr>
+        <p:txBody>
+          <a:bodyPr/>
+          <a:lstStyle/>
+          <a:p>
+            <a:pPr lvl="0"/>
+            <a:r>
+              <a:rPr lang="zh-CN" altLang="en-US"/>
+              <a:t>单击此处编辑母版文本样式</a:t>
+            </a:r>
+            <a:endParaRPr lang="zh-CN" altLang="en-US"/>
+          </a:p>
+          <a:p>
+            <a:pPr lvl="1"/>
+            <a:r>
+              <a:rPr lang="zh-CN" altLang="en-US"/>
+              <a:t>二级</a:t>
+            </a:r>
+            <a:endParaRPr lang="zh-CN" altLang="en-US"/>
+          </a:p>
+          <a:p>
+            <a:pPr lvl="2"/>
+            <a:r>
+              <a:rPr lang="zh-CN" altLang="en-US"/>
+              <a:t>三级</a:t>
+            </a:r>
+            <a:endParaRPr lang="zh-CN" altLang="en-US"/>
+          </a:p>
+          <a:p>
+            <a:pPr lvl="3"/>
+            <a:r>
+              <a:rPr lang="zh-CN" altLang="en-US"/>
+              <a:t>四级</a:t>
+            </a:r>
+            <a:endParaRPr lang="zh-CN" altLang="en-US"/>
+          </a:p>
+          <a:p>
+            <a:pPr lvl="4"/>
+            <a:r>
+              <a:rPr lang="zh-CN" altLang="en-US"/>
+              <a:t>五级</a:t>
+            </a:r>
+            <a:endParaRPr lang="zh-CN" altLang="en-US"/>
+          </a:p>
+        </p:txBody>
+      </p:sp>
+      <p:sp>
+        <p:nvSpPr>
+          <p:cNvPr id="5" name="文本占位符 4"/>
+          <p:cNvSpPr>
+            <a:spLocks noGrp="1"/>
+          </p:cNvSpPr>
+          <p:nvPr>
+            <p:ph type="body" sz="quarter" idx="3"/>
+          </p:nvPr>
+        </p:nvSpPr>
+        <p:spPr>
+          <a:xfrm>
+            <a:off x="6172200" y="1681163"/>
+            <a:ext cx="5183188" cy="823912"/>
+          </a:xfrm>
+        </p:spPr>
+        <p:txBody>
+          <a:bodyPr anchor="b"/>
+          <a:lstStyle>
+            <a:lvl1pPr marL="0" indent="0">
+              <a:buNone/>
+              <a:defRPr sz="2400" b="1"/>
+            </a:lvl1pPr>
+            <a:lvl2pPr marL="457200" indent="0">
+              <a:buNone/>
+              <a:defRPr sz="2000" b="1"/>
+            </a:lvl2pPr>
+            <a:lvl3pPr marL="914400" indent="0">
+              <a:buNone/>
+              <a:defRPr sz="1800" b="1"/>
+            </a:lvl3pPr>
+            <a:lvl4pPr marL="1371600" indent="0">
+              <a:buNone/>
+              <a:defRPr sz="1600" b="1"/>
+            </a:lvl4pPr>
+            <a:lvl5pPr marL="1828800" indent="0">
+              <a:buNone/>
+              <a:defRPr sz="1600" b="1"/>
+            </a:lvl5pPr>
+            <a:lvl6pPr marL="2286000" indent="0">
+              <a:buNone/>
+              <a:defRPr sz="1600" b="1"/>
+            </a:lvl6pPr>
+            <a:lvl7pPr marL="2743200" indent="0">
+              <a:buNone/>
+              <a:defRPr sz="1600" b="1"/>
+            </a:lvl7pPr>
+            <a:lvl8pPr marL="3200400" indent="0">
+              <a:buNone/>
+              <a:defRPr sz="1600" b="1"/>
+            </a:lvl8pPr>
+            <a:lvl9pPr marL="3657600" indent="0">
+              <a:buNone/>
+              <a:defRPr sz="1600" b="1"/>
+            </a:lvl9pPr>
+          </a:lstStyle>
+          <a:p>
+            <a:pPr lvl="0"/>
+            <a:r>
+              <a:rPr lang="zh-CN" altLang="en-US"/>
+              <a:t>单击此处编辑母版文本样式</a:t>
+            </a:r>
+            <a:endParaRPr lang="zh-CN" altLang="en-US"/>
+          </a:p>
+        </p:txBody>
+      </p:sp>
+      <p:sp>
+        <p:nvSpPr>
+          <p:cNvPr id="6" name="内容占位符 5"/>
+          <p:cNvSpPr>
+            <a:spLocks noGrp="1"/>
+          </p:cNvSpPr>
+          <p:nvPr>
+            <p:ph sz="quarter" idx="4"/>
+          </p:nvPr>
+        </p:nvSpPr>
+        <p:spPr>
+          <a:xfrm>
+            <a:off x="6172200" y="2505075"/>
+            <a:ext cx="5183188" cy="3684588"/>
+          </a:xfrm>
+        </p:spPr>
+        <p:txBody>
+          <a:bodyPr/>
+          <a:lstStyle/>
+          <a:p>
+            <a:pPr lvl="0"/>
+            <a:r>
+              <a:rPr lang="zh-CN" altLang="en-US"/>
+              <a:t>单击此处编辑母版文本样式</a:t>
+            </a:r>
+            <a:endParaRPr lang="zh-CN" altLang="en-US"/>
+          </a:p>
+          <a:p>
+            <a:pPr lvl="1"/>
+            <a:r>
+              <a:rPr lang="zh-CN" altLang="en-US"/>
+              <a:t>二级</a:t>
+            </a:r>
+            <a:endParaRPr lang="zh-CN" altLang="en-US"/>
+          </a:p>
+          <a:p>
+            <a:pPr lvl="2"/>
+            <a:r>
+              <a:rPr lang="zh-CN" altLang="en-US"/>
+              <a:t>三级</a:t>
+            </a:r>
+            <a:endParaRPr lang="zh-CN" altLang="en-US"/>
+          </a:p>
+          <a:p>
+            <a:pPr lvl="3"/>
+            <a:r>
+              <a:rPr lang="zh-CN" altLang="en-US"/>
+              <a:t>四级</a:t>
+            </a:r>
+            <a:endParaRPr lang="zh-CN" altLang="en-US"/>
+          </a:p>
+          <a:p>
+            <a:pPr lvl="4"/>
+            <a:r>
+              <a:rPr lang="zh-CN" altLang="en-US"/>
+              <a:t>五级</a:t>
+            </a:r>
+            <a:endParaRPr lang="zh-CN" altLang="en-US"/>
+          </a:p>
+        </p:txBody>
+      </p:sp>
+      <p:sp>
+        <p:nvSpPr>
+          <p:cNvPr id="7" name="日期占位符 6"/>
+          <p:cNvSpPr>
+            <a:spLocks noGrp="1"/>
+          </p:cNvSpPr>
+          <p:nvPr>
+            <p:ph type="dt" sz="half" idx="10"/>
+          </p:nvPr>
+        </p:nvSpPr>
+        <p:spPr/>
+        <p:txBody>
+          <a:bodyPr/>
+          <a:lstStyle/>
+          <a:p>
+            <a:fld id="{1DCFACBB-E66A-42EF-8F6A-77DBE898C298}" type="datetimeFigureOut">
+              <a:rPr lang="zh-CN" altLang="en-US" smtClean="0"/>
+            </a:fld>
+            <a:endParaRPr lang="zh-CN" altLang="en-US"/>
+          </a:p>
+        </p:txBody>
+      </p:sp>
+      <p:sp>
+        <p:nvSpPr>
+          <p:cNvPr id="8" name="页脚占位符 7"/>
+          <p:cNvSpPr>
+            <a:spLocks noGrp="1"/>
+          </p:cNvSpPr>
+          <p:nvPr>
+            <p:ph type="ftr" sz="quarter" idx="11"/>
+          </p:nvPr>
+        </p:nvSpPr>
+        <p:spPr/>
+        <p:txBody>
+          <a:bodyPr/>
+          <a:lstStyle/>
+          <a:p>
+            <a:endParaRPr lang="zh-CN" altLang="en-US"/>
+          </a:p>
+        </p:txBody>
+      </p:sp>
+      <p:sp>
+        <p:nvSpPr>
+          <p:cNvPr id="9" name="灯片编号占位符 8"/>
+          <p:cNvSpPr>
+            <a:spLocks noGrp="1"/>
+          </p:cNvSpPr>
+          <p:nvPr>
+            <p:ph type="sldNum" sz="quarter" idx="12"/>
+          </p:nvPr>
+        </p:nvSpPr>
+        <p:spPr/>
+        <p:txBody>
+          <a:bodyPr/>
+          <a:lstStyle/>
+          <a:p>
+            <a:fld id="{265DE8D4-0978-4613-9E9F-712DF247FDE0}" type="slidenum">
+              <a:rPr lang="zh-CN" altLang="en-US" smtClean="0"/>
+            </a:fld>
+            <a:endParaRPr lang="zh-CN" altLang="en-US"/>
+          </a:p>
+        </p:txBody>
+      </p:sp>
+    </p:spTree>
+  </p:cSld>
+  <p:clrMapOvr>
+    <a:masterClrMapping/>
+  </p:clrMapOvr>
+</p:sldLayout>
+</file>
+
+<file path=ppt/slideLayouts/slideLayout6.xml><?xml version="1.0" encoding="utf-8"?>
+<p:sldLayout xmlns:a="http://schemas.openxmlformats.org/drawingml/2006/main" xmlns:r="http://schemas.openxmlformats.org/officeDocument/2006/relationships" xmlns:p="http://schemas.openxmlformats.org/presentationml/2006/main" type="titleOnly" preserve="1">
+  <p:cSld name="仅标题">
+    <p:spTree>
+      <p:nvGrpSpPr>
+        <p:cNvPr id="1" name=""/>
+        <p:cNvGrpSpPr/>
+        <p:nvPr/>
+      </p:nvGrpSpPr>
+      <p:grpSpPr>
+        <a:xfrm>
+          <a:off x="0" y="0"/>
+          <a:ext cx="0" cy="0"/>
+          <a:chOff x="0" y="0"/>
+          <a:chExt cx="0" cy="0"/>
+        </a:xfrm>
+      </p:grpSpPr>
+      <p:sp>
+        <p:nvSpPr>
+          <p:cNvPr id="2" name="标题 1"/>
+          <p:cNvSpPr>
+            <a:spLocks noGrp="1"/>
+          </p:cNvSpPr>
+          <p:nvPr>
+            <p:ph type="title"/>
+          </p:nvPr>
+        </p:nvSpPr>
+        <p:spPr/>
+        <p:txBody>
+          <a:bodyPr/>
+          <a:lstStyle/>
+          <a:p>
+            <a:r>
+              <a:rPr lang="zh-CN" altLang="en-US"/>
+              <a:t>单击此处编辑母版标题样式</a:t>
+            </a:r>
+            <a:endParaRPr lang="zh-CN" altLang="en-US"/>
+          </a:p>
+        </p:txBody>
+      </p:sp>
+      <p:sp>
+        <p:nvSpPr>
+          <p:cNvPr id="3" name="日期占位符 2"/>
+          <p:cNvSpPr>
+            <a:spLocks noGrp="1"/>
+          </p:cNvSpPr>
+          <p:nvPr>
+            <p:ph type="dt" sz="half" idx="10"/>
+          </p:nvPr>
+        </p:nvSpPr>
+        <p:spPr/>
+        <p:txBody>
+          <a:bodyPr/>
+          <a:lstStyle/>
+          <a:p>
+            <a:fld id="{1DCFACBB-E66A-42EF-8F6A-77DBE898C298}" type="datetimeFigureOut">
+              <a:rPr lang="zh-CN" altLang="en-US" smtClean="0"/>
+            </a:fld>
+            <a:endParaRPr lang="zh-CN" altLang="en-US"/>
+          </a:p>
+        </p:txBody>
+      </p:sp>
+      <p:sp>
+        <p:nvSpPr>
+          <p:cNvPr id="4" name="页脚占位符 3"/>
+          <p:cNvSpPr>
+            <a:spLocks noGrp="1"/>
+          </p:cNvSpPr>
+          <p:nvPr>
+            <p:ph type="ftr" sz="quarter" idx="11"/>
+          </p:nvPr>
+        </p:nvSpPr>
+        <p:spPr/>
+        <p:txBody>
+          <a:bodyPr/>
+          <a:lstStyle/>
+          <a:p>
+            <a:endParaRPr lang="zh-CN" altLang="en-US"/>
+          </a:p>
+        </p:txBody>
+      </p:sp>
+      <p:sp>
+        <p:nvSpPr>
+          <p:cNvPr id="5" name="灯片编号占位符 4"/>
+          <p:cNvSpPr>
+            <a:spLocks noGrp="1"/>
+          </p:cNvSpPr>
+          <p:nvPr>
+            <p:ph type="sldNum" sz="quarter" idx="12"/>
+          </p:nvPr>
+        </p:nvSpPr>
+        <p:spPr/>
+        <p:txBody>
+          <a:bodyPr/>
+          <a:lstStyle/>
+          <a:p>
+            <a:fld id="{265DE8D4-0978-4613-9E9F-712DF247FDE0}" type="slidenum">
+              <a:rPr lang="zh-CN" altLang="en-US" smtClean="0"/>
+            </a:fld>
+            <a:endParaRPr lang="zh-CN" altLang="en-US"/>
+          </a:p>
+        </p:txBody>
+      </p:sp>
+    </p:spTree>
+  </p:cSld>
+  <p:clrMapOvr>
+    <a:masterClrMapping/>
+  </p:clrMapOvr>
+</p:sldLayout>
+</file>
+
+<file path=ppt/slideLayouts/slideLayout7.xml><?xml version="1.0" encoding="utf-8"?>
+<p:sldLayout xmlns:a="http://schemas.openxmlformats.org/drawingml/2006/main" xmlns:r="http://schemas.openxmlformats.org/officeDocument/2006/relationships" xmlns:p="http://schemas.openxmlformats.org/presentationml/2006/main" type="blank" preserve="1">
+  <p:cSld name="空白">
+    <p:spTree>
+      <p:nvGrpSpPr>
+        <p:cNvPr id="1" name=""/>
+        <p:cNvGrpSpPr/>
+        <p:nvPr/>
+      </p:nvGrpSpPr>
+      <p:grpSpPr>
+        <a:xfrm>
+          <a:off x="0" y="0"/>
+          <a:ext cx="0" cy="0"/>
+          <a:chOff x="0" y="0"/>
+          <a:chExt cx="0" cy="0"/>
+        </a:xfrm>
+      </p:grpSpPr>
+      <p:sp>
+        <p:nvSpPr>
+          <p:cNvPr id="2" name="日期占位符 1"/>
+          <p:cNvSpPr>
+            <a:spLocks noGrp="1"/>
+          </p:cNvSpPr>
+          <p:nvPr>
+            <p:ph type="dt" sz="half" idx="10"/>
+          </p:nvPr>
+        </p:nvSpPr>
+        <p:spPr/>
+        <p:txBody>
+          <a:bodyPr/>
+          <a:lstStyle/>
+          <a:p>
+            <a:fld id="{1DCFACBB-E66A-42EF-8F6A-77DBE898C298}" type="datetimeFigureOut">
+              <a:rPr lang="zh-CN" altLang="en-US" smtClean="0"/>
+            </a:fld>
+            <a:endParaRPr lang="zh-CN" altLang="en-US"/>
+          </a:p>
+        </p:txBody>
+      </p:sp>
+      <p:sp>
+        <p:nvSpPr>
+          <p:cNvPr id="3" name="页脚占位符 2"/>
+          <p:cNvSpPr>
+            <a:spLocks noGrp="1"/>
+          </p:cNvSpPr>
+          <p:nvPr>
+            <p:ph type="ftr" sz="quarter" idx="11"/>
+          </p:nvPr>
+        </p:nvSpPr>
+        <p:spPr/>
+        <p:txBody>
+          <a:bodyPr/>
+          <a:lstStyle/>
+          <a:p>
+            <a:endParaRPr lang="zh-CN" altLang="en-US"/>
+          </a:p>
+        </p:txBody>
+      </p:sp>
+      <p:sp>
+        <p:nvSpPr>
+          <p:cNvPr id="4" name="灯片编号占位符 3"/>
+          <p:cNvSpPr>
+            <a:spLocks noGrp="1"/>
+          </p:cNvSpPr>
+          <p:nvPr>
+            <p:ph type="sldNum" sz="quarter" idx="12"/>
+          </p:nvPr>
+        </p:nvSpPr>
+        <p:spPr/>
+        <p:txBody>
+          <a:bodyPr/>
+          <a:lstStyle/>
+          <a:p>
+            <a:fld id="{265DE8D4-0978-4613-9E9F-712DF247FDE0}" type="slidenum">
+              <a:rPr lang="zh-CN" altLang="en-US" smtClean="0"/>
+            </a:fld>
+            <a:endParaRPr lang="zh-CN" altLang="en-US"/>
+          </a:p>
+        </p:txBody>
+      </p:sp>
+    </p:spTree>
+  </p:cSld>
+  <p:clrMapOvr>
+    <a:masterClrMapping/>
+  </p:clrMapOvr>
+</p:sldLayout>
+</file>
+
+<file path=ppt/slideLayouts/slideLayout8.xml><?xml version="1.0" encoding="utf-8"?>
+<p:sldLayout xmlns:a="http://schemas.openxmlformats.org/drawingml/2006/main" xmlns:r="http://schemas.openxmlformats.org/officeDocument/2006/relationships" xmlns:p="http://schemas.openxmlformats.org/presentationml/2006/main" type="objTx" preserve="1">
+  <p:cSld name="内容与标题">
+    <p:spTree>
+      <p:nvGrpSpPr>
+        <p:cNvPr id="1" name=""/>
+        <p:cNvGrpSpPr/>
+        <p:nvPr/>
+      </p:nvGrpSpPr>
+      <p:grpSpPr>
+        <a:xfrm>
+          <a:off x="0" y="0"/>
+          <a:ext cx="0" cy="0"/>
+          <a:chOff x="0" y="0"/>
+          <a:chExt cx="0" cy="0"/>
+        </a:xfrm>
+      </p:grpSpPr>
+      <p:sp>
+        <p:nvSpPr>
+          <p:cNvPr id="2" name="标题 1"/>
+          <p:cNvSpPr>
+            <a:spLocks noGrp="1"/>
+          </p:cNvSpPr>
+          <p:nvPr>
+            <p:ph type="title"/>
+          </p:nvPr>
+        </p:nvSpPr>
+        <p:spPr>
+          <a:xfrm>
+            <a:off x="839788" y="457200"/>
+            <a:ext cx="3932237" cy="1600200"/>
+          </a:xfrm>
+        </p:spPr>
+        <p:txBody>
+          <a:bodyPr anchor="b"/>
+          <a:lstStyle>
+            <a:lvl1pPr>
+              <a:defRPr sz="3200"/>
+            </a:lvl1pPr>
+          </a:lstStyle>
+          <a:p>
+            <a:r>
+              <a:rPr lang="zh-CN" altLang="en-US"/>
+              <a:t>单击此处编辑母版标题样式</a:t>
+            </a:r>
+            <a:endParaRPr lang="zh-CN" altLang="en-US"/>
+          </a:p>
+        </p:txBody>
+      </p:sp>
+      <p:sp>
+        <p:nvSpPr>
+          <p:cNvPr id="3" name="内容占位符 2"/>
+          <p:cNvSpPr>
+            <a:spLocks noGrp="1"/>
+          </p:cNvSpPr>
+          <p:nvPr>
+            <p:ph idx="1"/>
+          </p:nvPr>
+        </p:nvSpPr>
+        <p:spPr>
+          <a:xfrm>
+            <a:off x="5183188" y="987425"/>
+            <a:ext cx="6172200" cy="4873625"/>
+          </a:xfrm>
+        </p:spPr>
+        <p:txBody>
+          <a:bodyPr/>
+          <a:lstStyle>
+            <a:lvl1pPr>
+              <a:defRPr sz="3200"/>
+            </a:lvl1pPr>
+            <a:lvl2pPr>
+              <a:defRPr sz="2800"/>
+            </a:lvl2pPr>
+            <a:lvl3pPr>
+              <a:defRPr sz="2400"/>
+            </a:lvl3pPr>
+            <a:lvl4pPr>
+              <a:defRPr sz="2000"/>
+            </a:lvl4pPr>
+            <a:lvl5pPr>
+              <a:defRPr sz="2000"/>
+            </a:lvl5pPr>
+            <a:lvl6pPr>
+              <a:defRPr sz="2000"/>
+            </a:lvl6pPr>
+            <a:lvl7pPr>
+              <a:defRPr sz="2000"/>
+            </a:lvl7pPr>
+            <a:lvl8pPr>
+              <a:defRPr sz="2000"/>
+            </a:lvl8pPr>
+            <a:lvl9pPr>
+              <a:defRPr sz="2000"/>
+            </a:lvl9pPr>
+          </a:lstStyle>
+          <a:p>
+            <a:pPr lvl="0"/>
+            <a:r>
+              <a:rPr lang="zh-CN" altLang="en-US"/>
+              <a:t>单击此处编辑母版文本样式</a:t>
+            </a:r>
+            <a:endParaRPr lang="zh-CN" altLang="en-US"/>
+          </a:p>
+          <a:p>
+            <a:pPr lvl="1"/>
+            <a:r>
+              <a:rPr lang="zh-CN" altLang="en-US"/>
+              <a:t>二级</a:t>
+            </a:r>
+            <a:endParaRPr lang="zh-CN" altLang="en-US"/>
+          </a:p>
+          <a:p>
+            <a:pPr lvl="2"/>
+            <a:r>
+              <a:rPr lang="zh-CN" altLang="en-US"/>
+              <a:t>三级</a:t>
+            </a:r>
+            <a:endParaRPr lang="zh-CN" altLang="en-US"/>
+          </a:p>
+          <a:p>
+            <a:pPr lvl="3"/>
+            <a:r>
+              <a:rPr lang="zh-CN" altLang="en-US"/>
+              <a:t>四级</a:t>
+            </a:r>
+            <a:endParaRPr lang="zh-CN" altLang="en-US"/>
+          </a:p>
+          <a:p>
+            <a:pPr lvl="4"/>
+            <a:r>
+              <a:rPr lang="zh-CN" altLang="en-US"/>
+              <a:t>五级</a:t>
+            </a:r>
+            <a:endParaRPr lang="zh-CN" altLang="en-US"/>
+          </a:p>
+        </p:txBody>
+      </p:sp>
+      <p:sp>
+        <p:nvSpPr>
+          <p:cNvPr id="4" name="文本占位符 3"/>
+          <p:cNvSpPr>
+            <a:spLocks noGrp="1"/>
+          </p:cNvSpPr>
+          <p:nvPr>
+            <p:ph type="body" sz="half" idx="2"/>
+          </p:nvPr>
+        </p:nvSpPr>
+        <p:spPr>
+          <a:xfrm>
+            <a:off x="839788" y="2057400"/>
+            <a:ext cx="3932237" cy="3811588"/>
+          </a:xfrm>
+        </p:spPr>
+        <p:txBody>
+          <a:bodyPr/>
+          <a:lstStyle>
+            <a:lvl1pPr marL="0" indent="0">
+              <a:buNone/>
+              <a:defRPr sz="1600"/>
+            </a:lvl1pPr>
+            <a:lvl2pPr marL="457200" indent="0">
+              <a:buNone/>
+              <a:defRPr sz="1400"/>
+            </a:lvl2pPr>
+            <a:lvl3pPr marL="914400" indent="0">
+              <a:buNone/>
+              <a:defRPr sz="1200"/>
+            </a:lvl3pPr>
+            <a:lvl4pPr marL="1371600" indent="0">
+              <a:buNone/>
+              <a:defRPr sz="1000"/>
+            </a:lvl4pPr>
+            <a:lvl5pPr marL="1828800" indent="0">
+              <a:buNone/>
+              <a:defRPr sz="1000"/>
+            </a:lvl5pPr>
+            <a:lvl6pPr marL="2286000" indent="0">
+              <a:buNone/>
+              <a:defRPr sz="1000"/>
+            </a:lvl6pPr>
+            <a:lvl7pPr marL="2743200" indent="0">
+              <a:buNone/>
+              <a:defRPr sz="1000"/>
+            </a:lvl7pPr>
+            <a:lvl8pPr marL="3200400" indent="0">
+              <a:buNone/>
+              <a:defRPr sz="1000"/>
+            </a:lvl8pPr>
+            <a:lvl9pPr marL="3657600" indent="0">
+              <a:buNone/>
+              <a:defRPr sz="1000"/>
+            </a:lvl9pPr>
+          </a:lstStyle>
+          <a:p>
+            <a:pPr lvl="0"/>
+            <a:r>
+              <a:rPr lang="zh-CN" altLang="en-US"/>
+              <a:t>单击此处编辑母版文本样式</a:t>
+            </a:r>
+            <a:endParaRPr lang="zh-CN" altLang="en-US"/>
+          </a:p>
+        </p:txBody>
+      </p:sp>
+      <p:sp>
+        <p:nvSpPr>
+          <p:cNvPr id="5" name="日期占位符 4"/>
+          <p:cNvSpPr>
+            <a:spLocks noGrp="1"/>
+          </p:cNvSpPr>
+          <p:nvPr>
+            <p:ph type="dt" sz="half" idx="10"/>
+          </p:nvPr>
+        </p:nvSpPr>
+        <p:spPr/>
+        <p:txBody>
+          <a:bodyPr/>
+          <a:lstStyle/>
+          <a:p>
+            <a:fld id="{1DCFACBB-E66A-42EF-8F6A-77DBE898C298}" type="datetimeFigureOut">
+              <a:rPr lang="zh-CN" altLang="en-US" smtClean="0"/>
+            </a:fld>
+            <a:endParaRPr lang="zh-CN" altLang="en-US"/>
+          </a:p>
+        </p:txBody>
+      </p:sp>
+      <p:sp>
+        <p:nvSpPr>
+          <p:cNvPr id="6" name="页脚占位符 5"/>
+          <p:cNvSpPr>
+            <a:spLocks noGrp="1"/>
+          </p:cNvSpPr>
+          <p:nvPr>
+            <p:ph type="ftr" sz="quarter" idx="11"/>
+          </p:nvPr>
+        </p:nvSpPr>
+        <p:spPr/>
+        <p:txBody>
+          <a:bodyPr/>
+          <a:lstStyle/>
+          <a:p>
+            <a:endParaRPr lang="zh-CN" altLang="en-US"/>
+          </a:p>
+        </p:txBody>
+      </p:sp>
+      <p:sp>
+        <p:nvSpPr>
+          <p:cNvPr id="7" name="灯片编号占位符 6"/>
+          <p:cNvSpPr>
+            <a:spLocks noGrp="1"/>
+          </p:cNvSpPr>
+          <p:nvPr>
+            <p:ph type="sldNum" sz="quarter" idx="12"/>
+          </p:nvPr>
+        </p:nvSpPr>
+        <p:spPr/>
+        <p:txBody>
+          <a:bodyPr/>
+          <a:lstStyle/>
+          <a:p>
+            <a:fld id="{265DE8D4-0978-4613-9E9F-712DF247FDE0}" type="slidenum">
+              <a:rPr lang="zh-CN" altLang="en-US" smtClean="0"/>
+            </a:fld>
+            <a:endParaRPr lang="zh-CN" altLang="en-US"/>
+          </a:p>
+        </p:txBody>
+      </p:sp>
+    </p:spTree>
   </p:cSld>
   <p:clrMapOvr>
     <a:masterClrMapping/>
@@ -2477,13 +4409,7 @@
       </p:grpSpPr>
       <p:sp>
         <p:nvSpPr>
-          <p:cNvPr id="2" name="标题 1">
-            <a:extLst>
-              <a:ext uri="{FF2B5EF4-FFF2-40B4-BE49-F238E27FC236}">
-                <a16:creationId xmlns:a16="http://schemas.microsoft.com/office/drawing/2014/main" id="{CA032C31-13DD-E73E-66BD-E0125190F1D5}"/>
-              </a:ext>
-            </a:extLst>
-          </p:cNvPr>
+          <p:cNvPr id="2" name="标题 1"/>
           <p:cNvSpPr>
             <a:spLocks noGrp="1"/>
           </p:cNvSpPr>
@@ -2509,18 +4435,13 @@
               <a:rPr lang="zh-CN" altLang="en-US"/>
               <a:t>单击此处编辑母版标题样式</a:t>
             </a:r>
-          </a:p>
-        </p:txBody>
-      </p:sp>
-      <p:sp>
-        <p:nvSpPr>
-          <p:cNvPr id="3" name="图片占位符 2">
-            <a:extLst>
-              <a:ext uri="{FF2B5EF4-FFF2-40B4-BE49-F238E27FC236}">
-                <a16:creationId xmlns:a16="http://schemas.microsoft.com/office/drawing/2014/main" id="{7172CBDB-E653-1142-6627-3D348474B8E6}"/>
-              </a:ext>
-            </a:extLst>
-          </p:cNvPr>
+            <a:endParaRPr lang="zh-CN" altLang="en-US"/>
+          </a:p>
+        </p:txBody>
+      </p:sp>
+      <p:sp>
+        <p:nvSpPr>
+          <p:cNvPr id="3" name="图片占位符 2"/>
           <p:cNvSpPr>
             <a:spLocks noGrp="1"/>
           </p:cNvSpPr>
@@ -2581,13 +4502,7 @@
       </p:sp>
       <p:sp>
         <p:nvSpPr>
-          <p:cNvPr id="4" name="文本占位符 3">
-            <a:extLst>
-              <a:ext uri="{FF2B5EF4-FFF2-40B4-BE49-F238E27FC236}">
-                <a16:creationId xmlns:a16="http://schemas.microsoft.com/office/drawing/2014/main" id="{A271D5EB-902D-B2CF-C4DB-54B6D8A605D7}"/>
-              </a:ext>
-            </a:extLst>
-          </p:cNvPr>
+          <p:cNvPr id="4" name="文本占位符 3"/>
           <p:cNvSpPr>
             <a:spLocks noGrp="1"/>
           </p:cNvSpPr>
@@ -2647,18 +4562,13 @@
               <a:rPr lang="zh-CN" altLang="en-US"/>
               <a:t>单击此处编辑母版文本样式</a:t>
             </a:r>
-          </a:p>
-        </p:txBody>
-      </p:sp>
-      <p:sp>
-        <p:nvSpPr>
-          <p:cNvPr id="5" name="日期占位符 4">
-            <a:extLst>
-              <a:ext uri="{FF2B5EF4-FFF2-40B4-BE49-F238E27FC236}">
-                <a16:creationId xmlns:a16="http://schemas.microsoft.com/office/drawing/2014/main" id="{3A18CFDC-330B-245D-F66E-536A0A8A441A}"/>
-              </a:ext>
-            </a:extLst>
-          </p:cNvPr>
+            <a:endParaRPr lang="zh-CN" altLang="en-US"/>
+          </a:p>
+        </p:txBody>
+      </p:sp>
+      <p:sp>
+        <p:nvSpPr>
+          <p:cNvPr id="5" name="日期占位符 4"/>
           <p:cNvSpPr>
             <a:spLocks noGrp="1"/>
           </p:cNvSpPr>
@@ -2673,7 +4583,6 @@
           <a:p>
             <a:fld id="{1DCFACBB-E66A-42EF-8F6A-77DBE898C298}" type="datetimeFigureOut">
               <a:rPr lang="zh-CN" altLang="en-US" smtClean="0"/>
-              <a:t>2024/11/5</a:t>
             </a:fld>
             <a:endParaRPr lang="zh-CN" altLang="en-US"/>
           </a:p>
@@ -2681,13 +4590,7 @@
       </p:sp>
       <p:sp>
         <p:nvSpPr>
-          <p:cNvPr id="6" name="页脚占位符 5">
-            <a:extLst>
-              <a:ext uri="{FF2B5EF4-FFF2-40B4-BE49-F238E27FC236}">
-                <a16:creationId xmlns:a16="http://schemas.microsoft.com/office/drawing/2014/main" id="{433CAE35-2AC3-6A93-D58A-5413BBF087DF}"/>
-              </a:ext>
-            </a:extLst>
-          </p:cNvPr>
+          <p:cNvPr id="6" name="页脚占位符 5"/>
           <p:cNvSpPr>
             <a:spLocks noGrp="1"/>
           </p:cNvSpPr>
@@ -2706,13 +4609,7 @@
       </p:sp>
       <p:sp>
         <p:nvSpPr>
-          <p:cNvPr id="7" name="灯片编号占位符 6">
-            <a:extLst>
-              <a:ext uri="{FF2B5EF4-FFF2-40B4-BE49-F238E27FC236}">
-                <a16:creationId xmlns:a16="http://schemas.microsoft.com/office/drawing/2014/main" id="{3814327F-2715-FEBE-8806-D722C611A068}"/>
-              </a:ext>
-            </a:extLst>
-          </p:cNvPr>
+          <p:cNvPr id="7" name="灯片编号占位符 6"/>
           <p:cNvSpPr>
             <a:spLocks noGrp="1"/>
           </p:cNvSpPr>
@@ -2727,18 +4624,12 @@
           <a:p>
             <a:fld id="{265DE8D4-0978-4613-9E9F-712DF247FDE0}" type="slidenum">
               <a:rPr lang="zh-CN" altLang="en-US" smtClean="0"/>
-              <a:t>‹#›</a:t>
             </a:fld>
             <a:endParaRPr lang="zh-CN" altLang="en-US"/>
           </a:p>
         </p:txBody>
       </p:sp>
     </p:spTree>
-    <p:extLst>
-      <p:ext uri="{BB962C8B-B14F-4D97-AF65-F5344CB8AC3E}">
-        <p14:creationId xmlns:p14="http://schemas.microsoft.com/office/powerpoint/2010/main" val="3035547716"/>
-      </p:ext>
-    </p:extLst>
   </p:cSld>
   <p:clrMapOvr>
     <a:masterClrMapping/>
@@ -2770,13 +4661,7 @@
       </p:grpSpPr>
       <p:sp>
         <p:nvSpPr>
-          <p:cNvPr id="2" name="标题占位符 1">
-            <a:extLst>
-              <a:ext uri="{FF2B5EF4-FFF2-40B4-BE49-F238E27FC236}">
-                <a16:creationId xmlns:a16="http://schemas.microsoft.com/office/drawing/2014/main" id="{C9117126-E9D4-0334-638F-9EF5763FFD25}"/>
-              </a:ext>
-            </a:extLst>
-          </p:cNvPr>
+          <p:cNvPr id="2" name="标题占位符 1"/>
           <p:cNvSpPr>
             <a:spLocks noGrp="1"/>
           </p:cNvSpPr>
@@ -2803,18 +4688,13 @@
               <a:rPr lang="zh-CN" altLang="en-US"/>
               <a:t>单击此处编辑母版标题样式</a:t>
             </a:r>
-          </a:p>
-        </p:txBody>
-      </p:sp>
-      <p:sp>
-        <p:nvSpPr>
-          <p:cNvPr id="3" name="文本占位符 2">
-            <a:extLst>
-              <a:ext uri="{FF2B5EF4-FFF2-40B4-BE49-F238E27FC236}">
-                <a16:creationId xmlns:a16="http://schemas.microsoft.com/office/drawing/2014/main" id="{E940ABC0-4E73-EE1B-9FEE-67337427ABF2}"/>
-              </a:ext>
-            </a:extLst>
-          </p:cNvPr>
+            <a:endParaRPr lang="zh-CN" altLang="en-US"/>
+          </a:p>
+        </p:txBody>
+      </p:sp>
+      <p:sp>
+        <p:nvSpPr>
+          <p:cNvPr id="3" name="文本占位符 2"/>
           <p:cNvSpPr>
             <a:spLocks noGrp="1"/>
           </p:cNvSpPr>
@@ -2842,6 +4722,7 @@
               <a:rPr lang="zh-CN" altLang="en-US"/>
               <a:t>单击此处编辑母版文本样式</a:t>
             </a:r>
+            <a:endParaRPr lang="zh-CN" altLang="en-US"/>
           </a:p>
           <a:p>
             <a:pPr lvl="1"/>
@@ -2849,6 +4730,7 @@
               <a:rPr lang="zh-CN" altLang="en-US"/>
               <a:t>二级</a:t>
             </a:r>
+            <a:endParaRPr lang="zh-CN" altLang="en-US"/>
           </a:p>
           <a:p>
             <a:pPr lvl="2"/>
@@ -2856,6 +4738,7 @@
               <a:rPr lang="zh-CN" altLang="en-US"/>
               <a:t>三级</a:t>
             </a:r>
+            <a:endParaRPr lang="zh-CN" altLang="en-US"/>
           </a:p>
           <a:p>
             <a:pPr lvl="3"/>
@@ -2863,6 +4746,7 @@
               <a:rPr lang="zh-CN" altLang="en-US"/>
               <a:t>四级</a:t>
             </a:r>
+            <a:endParaRPr lang="zh-CN" altLang="en-US"/>
           </a:p>
           <a:p>
             <a:pPr lvl="4"/>
@@ -2870,18 +4754,13 @@
               <a:rPr lang="zh-CN" altLang="en-US"/>
               <a:t>五级</a:t>
             </a:r>
-          </a:p>
-        </p:txBody>
-      </p:sp>
-      <p:sp>
-        <p:nvSpPr>
-          <p:cNvPr id="4" name="日期占位符 3">
-            <a:extLst>
-              <a:ext uri="{FF2B5EF4-FFF2-40B4-BE49-F238E27FC236}">
-                <a16:creationId xmlns:a16="http://schemas.microsoft.com/office/drawing/2014/main" id="{0B31541F-5009-4534-B9D7-3A5EB0990C5A}"/>
-              </a:ext>
-            </a:extLst>
-          </p:cNvPr>
+            <a:endParaRPr lang="zh-CN" altLang="en-US"/>
+          </a:p>
+        </p:txBody>
+      </p:sp>
+      <p:sp>
+        <p:nvSpPr>
+          <p:cNvPr id="4" name="日期占位符 3"/>
           <p:cNvSpPr>
             <a:spLocks noGrp="1"/>
           </p:cNvSpPr>
@@ -2914,7 +4793,6 @@
           <a:p>
             <a:fld id="{1DCFACBB-E66A-42EF-8F6A-77DBE898C298}" type="datetimeFigureOut">
               <a:rPr lang="zh-CN" altLang="en-US" smtClean="0"/>
-              <a:t>2024/11/5</a:t>
             </a:fld>
             <a:endParaRPr lang="zh-CN" altLang="en-US"/>
           </a:p>
@@ -2922,13 +4800,7 @@
       </p:sp>
       <p:sp>
         <p:nvSpPr>
-          <p:cNvPr id="5" name="页脚占位符 4">
-            <a:extLst>
-              <a:ext uri="{FF2B5EF4-FFF2-40B4-BE49-F238E27FC236}">
-                <a16:creationId xmlns:a16="http://schemas.microsoft.com/office/drawing/2014/main" id="{C71BA6DE-343D-4DFD-2D2F-E7702FBA4D50}"/>
-              </a:ext>
-            </a:extLst>
-          </p:cNvPr>
+          <p:cNvPr id="5" name="页脚占位符 4"/>
           <p:cNvSpPr>
             <a:spLocks noGrp="1"/>
           </p:cNvSpPr>
@@ -2965,13 +4837,7 @@
       </p:sp>
       <p:sp>
         <p:nvSpPr>
-          <p:cNvPr id="6" name="灯片编号占位符 5">
-            <a:extLst>
-              <a:ext uri="{FF2B5EF4-FFF2-40B4-BE49-F238E27FC236}">
-                <a16:creationId xmlns:a16="http://schemas.microsoft.com/office/drawing/2014/main" id="{A573DFB9-3FF5-56F6-E33F-6DAFB25CE366}"/>
-              </a:ext>
-            </a:extLst>
-          </p:cNvPr>
+          <p:cNvPr id="6" name="灯片编号占位符 5"/>
           <p:cNvSpPr>
             <a:spLocks noGrp="1"/>
           </p:cNvSpPr>
@@ -3004,18 +4870,12 @@
           <a:p>
             <a:fld id="{265DE8D4-0978-4613-9E9F-712DF247FDE0}" type="slidenum">
               <a:rPr lang="zh-CN" altLang="en-US" smtClean="0"/>
-              <a:t>‹#›</a:t>
             </a:fld>
             <a:endParaRPr lang="zh-CN" altLang="en-US"/>
           </a:p>
         </p:txBody>
       </p:sp>
     </p:spTree>
-    <p:extLst>
-      <p:ext uri="{BB962C8B-B14F-4D97-AF65-F5344CB8AC3E}">
-        <p14:creationId xmlns:p14="http://schemas.microsoft.com/office/powerpoint/2010/main" val="3521846946"/>
-      </p:ext>
-    </p:extLst>
   </p:cSld>
   <p:clrMap bg1="lt1" tx1="dk1" bg2="lt2" tx2="dk2" accent1="accent1" accent2="accent2" accent3="accent3" accent4="accent4" accent5="accent5" accent6="accent6" hlink="hlink" folHlink="folHlink"/>
   <p:sldLayoutIdLst>
@@ -3030,6 +4890,543 @@
     <p:sldLayoutId id="2147483657" r:id="rId9"/>
     <p:sldLayoutId id="2147483658" r:id="rId10"/>
     <p:sldLayoutId id="2147483659" r:id="rId11"/>
+  </p:sldLayoutIdLst>
+  <p:txStyles>
+    <p:titleStyle>
+      <a:lvl1pPr algn="l" defTabSz="914400" rtl="0" eaLnBrk="1" latinLnBrk="0" hangingPunct="1">
+        <a:lnSpc>
+          <a:spcPct val="90000"/>
+        </a:lnSpc>
+        <a:spcBef>
+          <a:spcPct val="0"/>
+        </a:spcBef>
+        <a:buNone/>
+        <a:defRPr sz="4400" kern="1200">
+          <a:solidFill>
+            <a:schemeClr val="tx1"/>
+          </a:solidFill>
+          <a:latin typeface="+mj-lt"/>
+          <a:ea typeface="+mj-ea"/>
+          <a:cs typeface="+mj-cs"/>
+        </a:defRPr>
+      </a:lvl1pPr>
+    </p:titleStyle>
+    <p:bodyStyle>
+      <a:lvl1pPr marL="228600" indent="-228600" algn="l" defTabSz="914400" rtl="0" eaLnBrk="1" latinLnBrk="0" hangingPunct="1">
+        <a:lnSpc>
+          <a:spcPct val="90000"/>
+        </a:lnSpc>
+        <a:spcBef>
+          <a:spcPts val="1000"/>
+        </a:spcBef>
+        <a:buFont typeface="Arial" panose="020B0604020202020204" pitchFamily="34" charset="0"/>
+        <a:buChar char="•"/>
+        <a:defRPr sz="2800" kern="1200">
+          <a:solidFill>
+            <a:schemeClr val="tx1"/>
+          </a:solidFill>
+          <a:latin typeface="+mn-lt"/>
+          <a:ea typeface="+mn-ea"/>
+          <a:cs typeface="+mn-cs"/>
+        </a:defRPr>
+      </a:lvl1pPr>
+      <a:lvl2pPr marL="685800" indent="-228600" algn="l" defTabSz="914400" rtl="0" eaLnBrk="1" latinLnBrk="0" hangingPunct="1">
+        <a:lnSpc>
+          <a:spcPct val="90000"/>
+        </a:lnSpc>
+        <a:spcBef>
+          <a:spcPts val="500"/>
+        </a:spcBef>
+        <a:buFont typeface="Arial" panose="020B0604020202020204" pitchFamily="34" charset="0"/>
+        <a:buChar char="•"/>
+        <a:defRPr sz="2400" kern="1200">
+          <a:solidFill>
+            <a:schemeClr val="tx1"/>
+          </a:solidFill>
+          <a:latin typeface="+mn-lt"/>
+          <a:ea typeface="+mn-ea"/>
+          <a:cs typeface="+mn-cs"/>
+        </a:defRPr>
+      </a:lvl2pPr>
+      <a:lvl3pPr marL="1143000" indent="-228600" algn="l" defTabSz="914400" rtl="0" eaLnBrk="1" latinLnBrk="0" hangingPunct="1">
+        <a:lnSpc>
+          <a:spcPct val="90000"/>
+        </a:lnSpc>
+        <a:spcBef>
+          <a:spcPts val="500"/>
+        </a:spcBef>
+        <a:buFont typeface="Arial" panose="020B0604020202020204" pitchFamily="34" charset="0"/>
+        <a:buChar char="•"/>
+        <a:defRPr sz="2000" kern="1200">
+          <a:solidFill>
+            <a:schemeClr val="tx1"/>
+          </a:solidFill>
+          <a:latin typeface="+mn-lt"/>
+          <a:ea typeface="+mn-ea"/>
+          <a:cs typeface="+mn-cs"/>
+        </a:defRPr>
+      </a:lvl3pPr>
+      <a:lvl4pPr marL="1600200" indent="-228600" algn="l" defTabSz="914400" rtl="0" eaLnBrk="1" latinLnBrk="0" hangingPunct="1">
+        <a:lnSpc>
+          <a:spcPct val="90000"/>
+        </a:lnSpc>
+        <a:spcBef>
+          <a:spcPts val="500"/>
+        </a:spcBef>
+        <a:buFont typeface="Arial" panose="020B0604020202020204" pitchFamily="34" charset="0"/>
+        <a:buChar char="•"/>
+        <a:defRPr sz="1800" kern="1200">
+          <a:solidFill>
+            <a:schemeClr val="tx1"/>
+          </a:solidFill>
+          <a:latin typeface="+mn-lt"/>
+          <a:ea typeface="+mn-ea"/>
+          <a:cs typeface="+mn-cs"/>
+        </a:defRPr>
+      </a:lvl4pPr>
+      <a:lvl5pPr marL="2057400" indent="-228600" algn="l" defTabSz="914400" rtl="0" eaLnBrk="1" latinLnBrk="0" hangingPunct="1">
+        <a:lnSpc>
+          <a:spcPct val="90000"/>
+        </a:lnSpc>
+        <a:spcBef>
+          <a:spcPts val="500"/>
+        </a:spcBef>
+        <a:buFont typeface="Arial" panose="020B0604020202020204" pitchFamily="34" charset="0"/>
+        <a:buChar char="•"/>
+        <a:defRPr sz="1800" kern="1200">
+          <a:solidFill>
+            <a:schemeClr val="tx1"/>
+          </a:solidFill>
+          <a:latin typeface="+mn-lt"/>
+          <a:ea typeface="+mn-ea"/>
+          <a:cs typeface="+mn-cs"/>
+        </a:defRPr>
+      </a:lvl5pPr>
+      <a:lvl6pPr marL="2514600" indent="-228600" algn="l" defTabSz="914400" rtl="0" eaLnBrk="1" latinLnBrk="0" hangingPunct="1">
+        <a:lnSpc>
+          <a:spcPct val="90000"/>
+        </a:lnSpc>
+        <a:spcBef>
+          <a:spcPts val="500"/>
+        </a:spcBef>
+        <a:buFont typeface="Arial" panose="020B0604020202020204" pitchFamily="34" charset="0"/>
+        <a:buChar char="•"/>
+        <a:defRPr sz="1800" kern="1200">
+          <a:solidFill>
+            <a:schemeClr val="tx1"/>
+          </a:solidFill>
+          <a:latin typeface="+mn-lt"/>
+          <a:ea typeface="+mn-ea"/>
+          <a:cs typeface="+mn-cs"/>
+        </a:defRPr>
+      </a:lvl6pPr>
+      <a:lvl7pPr marL="2971800" indent="-228600" algn="l" defTabSz="914400" rtl="0" eaLnBrk="1" latinLnBrk="0" hangingPunct="1">
+        <a:lnSpc>
+          <a:spcPct val="90000"/>
+        </a:lnSpc>
+        <a:spcBef>
+          <a:spcPts val="500"/>
+        </a:spcBef>
+        <a:buFont typeface="Arial" panose="020B0604020202020204" pitchFamily="34" charset="0"/>
+        <a:buChar char="•"/>
+        <a:defRPr sz="1800" kern="1200">
+          <a:solidFill>
+            <a:schemeClr val="tx1"/>
+          </a:solidFill>
+          <a:latin typeface="+mn-lt"/>
+          <a:ea typeface="+mn-ea"/>
+          <a:cs typeface="+mn-cs"/>
+        </a:defRPr>
+      </a:lvl7pPr>
+      <a:lvl8pPr marL="3429000" indent="-228600" algn="l" defTabSz="914400" rtl="0" eaLnBrk="1" latinLnBrk="0" hangingPunct="1">
+        <a:lnSpc>
+          <a:spcPct val="90000"/>
+        </a:lnSpc>
+        <a:spcBef>
+          <a:spcPts val="500"/>
+        </a:spcBef>
+        <a:buFont typeface="Arial" panose="020B0604020202020204" pitchFamily="34" charset="0"/>
+        <a:buChar char="•"/>
+        <a:defRPr sz="1800" kern="1200">
+          <a:solidFill>
+            <a:schemeClr val="tx1"/>
+          </a:solidFill>
+          <a:latin typeface="+mn-lt"/>
+          <a:ea typeface="+mn-ea"/>
+          <a:cs typeface="+mn-cs"/>
+        </a:defRPr>
+      </a:lvl8pPr>
+      <a:lvl9pPr marL="3886200" indent="-228600" algn="l" defTabSz="914400" rtl="0" eaLnBrk="1" latinLnBrk="0" hangingPunct="1">
+        <a:lnSpc>
+          <a:spcPct val="90000"/>
+        </a:lnSpc>
+        <a:spcBef>
+          <a:spcPts val="500"/>
+        </a:spcBef>
+        <a:buFont typeface="Arial" panose="020B0604020202020204" pitchFamily="34" charset="0"/>
+        <a:buChar char="•"/>
+        <a:defRPr sz="1800" kern="1200">
+          <a:solidFill>
+            <a:schemeClr val="tx1"/>
+          </a:solidFill>
+          <a:latin typeface="+mn-lt"/>
+          <a:ea typeface="+mn-ea"/>
+          <a:cs typeface="+mn-cs"/>
+        </a:defRPr>
+      </a:lvl9pPr>
+    </p:bodyStyle>
+    <p:otherStyle>
+      <a:defPPr>
+        <a:defRPr lang="zh-CN"/>
+      </a:defPPr>
+      <a:lvl1pPr marL="0" algn="l" defTabSz="914400" rtl="0" eaLnBrk="1" latinLnBrk="0" hangingPunct="1">
+        <a:defRPr sz="1800" kern="1200">
+          <a:solidFill>
+            <a:schemeClr val="tx1"/>
+          </a:solidFill>
+          <a:latin typeface="+mn-lt"/>
+          <a:ea typeface="+mn-ea"/>
+          <a:cs typeface="+mn-cs"/>
+        </a:defRPr>
+      </a:lvl1pPr>
+      <a:lvl2pPr marL="457200" algn="l" defTabSz="914400" rtl="0" eaLnBrk="1" latinLnBrk="0" hangingPunct="1">
+        <a:defRPr sz="1800" kern="1200">
+          <a:solidFill>
+            <a:schemeClr val="tx1"/>
+          </a:solidFill>
+          <a:latin typeface="+mn-lt"/>
+          <a:ea typeface="+mn-ea"/>
+          <a:cs typeface="+mn-cs"/>
+        </a:defRPr>
+      </a:lvl2pPr>
+      <a:lvl3pPr marL="914400" algn="l" defTabSz="914400" rtl="0" eaLnBrk="1" latinLnBrk="0" hangingPunct="1">
+        <a:defRPr sz="1800" kern="1200">
+          <a:solidFill>
+            <a:schemeClr val="tx1"/>
+          </a:solidFill>
+          <a:latin typeface="+mn-lt"/>
+          <a:ea typeface="+mn-ea"/>
+          <a:cs typeface="+mn-cs"/>
+        </a:defRPr>
+      </a:lvl3pPr>
+      <a:lvl4pPr marL="1371600" algn="l" defTabSz="914400" rtl="0" eaLnBrk="1" latinLnBrk="0" hangingPunct="1">
+        <a:defRPr sz="1800" kern="1200">
+          <a:solidFill>
+            <a:schemeClr val="tx1"/>
+          </a:solidFill>
+          <a:latin typeface="+mn-lt"/>
+          <a:ea typeface="+mn-ea"/>
+          <a:cs typeface="+mn-cs"/>
+        </a:defRPr>
+      </a:lvl4pPr>
+      <a:lvl5pPr marL="1828800" algn="l" defTabSz="914400" rtl="0" eaLnBrk="1" latinLnBrk="0" hangingPunct="1">
+        <a:defRPr sz="1800" kern="1200">
+          <a:solidFill>
+            <a:schemeClr val="tx1"/>
+          </a:solidFill>
+          <a:latin typeface="+mn-lt"/>
+          <a:ea typeface="+mn-ea"/>
+          <a:cs typeface="+mn-cs"/>
+        </a:defRPr>
+      </a:lvl5pPr>
+      <a:lvl6pPr marL="2286000" algn="l" defTabSz="914400" rtl="0" eaLnBrk="1" latinLnBrk="0" hangingPunct="1">
+        <a:defRPr sz="1800" kern="1200">
+          <a:solidFill>
+            <a:schemeClr val="tx1"/>
+          </a:solidFill>
+          <a:latin typeface="+mn-lt"/>
+          <a:ea typeface="+mn-ea"/>
+          <a:cs typeface="+mn-cs"/>
+        </a:defRPr>
+      </a:lvl6pPr>
+      <a:lvl7pPr marL="2743200" algn="l" defTabSz="914400" rtl="0" eaLnBrk="1" latinLnBrk="0" hangingPunct="1">
+        <a:defRPr sz="1800" kern="1200">
+          <a:solidFill>
+            <a:schemeClr val="tx1"/>
+          </a:solidFill>
+          <a:latin typeface="+mn-lt"/>
+          <a:ea typeface="+mn-ea"/>
+          <a:cs typeface="+mn-cs"/>
+        </a:defRPr>
+      </a:lvl7pPr>
+      <a:lvl8pPr marL="3200400" algn="l" defTabSz="914400" rtl="0" eaLnBrk="1" latinLnBrk="0" hangingPunct="1">
+        <a:defRPr sz="1800" kern="1200">
+          <a:solidFill>
+            <a:schemeClr val="tx1"/>
+          </a:solidFill>
+          <a:latin typeface="+mn-lt"/>
+          <a:ea typeface="+mn-ea"/>
+          <a:cs typeface="+mn-cs"/>
+        </a:defRPr>
+      </a:lvl8pPr>
+      <a:lvl9pPr marL="3657600" algn="l" defTabSz="914400" rtl="0" eaLnBrk="1" latinLnBrk="0" hangingPunct="1">
+        <a:defRPr sz="1800" kern="1200">
+          <a:solidFill>
+            <a:schemeClr val="tx1"/>
+          </a:solidFill>
+          <a:latin typeface="+mn-lt"/>
+          <a:ea typeface="+mn-ea"/>
+          <a:cs typeface="+mn-cs"/>
+        </a:defRPr>
+      </a:lvl9pPr>
+    </p:otherStyle>
+  </p:txStyles>
+</p:sldMaster>
+</file>
+
+<file path=ppt/slideMasters/slideMaster2.xml><?xml version="1.0" encoding="utf-8"?>
+<p:sldMaster xmlns:a="http://schemas.openxmlformats.org/drawingml/2006/main" xmlns:r="http://schemas.openxmlformats.org/officeDocument/2006/relationships" xmlns:p="http://schemas.openxmlformats.org/presentationml/2006/main">
+  <p:cSld>
+    <p:bg>
+      <p:bgRef idx="1001">
+        <a:schemeClr val="bg1"/>
+      </p:bgRef>
+    </p:bg>
+    <p:spTree>
+      <p:nvGrpSpPr>
+        <p:cNvPr id="1" name=""/>
+        <p:cNvGrpSpPr/>
+        <p:nvPr/>
+      </p:nvGrpSpPr>
+      <p:grpSpPr>
+        <a:xfrm>
+          <a:off x="0" y="0"/>
+          <a:ext cx="0" cy="0"/>
+          <a:chOff x="0" y="0"/>
+          <a:chExt cx="0" cy="0"/>
+        </a:xfrm>
+      </p:grpSpPr>
+      <p:sp>
+        <p:nvSpPr>
+          <p:cNvPr id="2" name="标题占位符 1"/>
+          <p:cNvSpPr>
+            <a:spLocks noGrp="1"/>
+          </p:cNvSpPr>
+          <p:nvPr>
+            <p:ph type="title"/>
+          </p:nvPr>
+        </p:nvSpPr>
+        <p:spPr>
+          <a:xfrm>
+            <a:off x="838200" y="365125"/>
+            <a:ext cx="10515600" cy="1325563"/>
+          </a:xfrm>
+          <a:prstGeom prst="rect">
+            <a:avLst/>
+          </a:prstGeom>
+        </p:spPr>
+        <p:txBody>
+          <a:bodyPr vert="horz" lIns="91440" tIns="45720" rIns="91440" bIns="45720" rtlCol="0" anchor="ctr">
+            <a:normAutofit/>
+          </a:bodyPr>
+          <a:lstStyle/>
+          <a:p>
+            <a:r>
+              <a:rPr lang="zh-CN" altLang="en-US"/>
+              <a:t>单击此处编辑母版标题样式</a:t>
+            </a:r>
+            <a:endParaRPr lang="zh-CN" altLang="en-US"/>
+          </a:p>
+        </p:txBody>
+      </p:sp>
+      <p:sp>
+        <p:nvSpPr>
+          <p:cNvPr id="3" name="文本占位符 2"/>
+          <p:cNvSpPr>
+            <a:spLocks noGrp="1"/>
+          </p:cNvSpPr>
+          <p:nvPr>
+            <p:ph type="body" idx="1"/>
+          </p:nvPr>
+        </p:nvSpPr>
+        <p:spPr>
+          <a:xfrm>
+            <a:off x="838200" y="1825625"/>
+            <a:ext cx="10515600" cy="4351338"/>
+          </a:xfrm>
+          <a:prstGeom prst="rect">
+            <a:avLst/>
+          </a:prstGeom>
+        </p:spPr>
+        <p:txBody>
+          <a:bodyPr vert="horz" lIns="91440" tIns="45720" rIns="91440" bIns="45720" rtlCol="0">
+            <a:normAutofit/>
+          </a:bodyPr>
+          <a:lstStyle/>
+          <a:p>
+            <a:pPr lvl="0"/>
+            <a:r>
+              <a:rPr lang="zh-CN" altLang="en-US"/>
+              <a:t>单击此处编辑母版文本样式</a:t>
+            </a:r>
+            <a:endParaRPr lang="zh-CN" altLang="en-US"/>
+          </a:p>
+          <a:p>
+            <a:pPr lvl="1"/>
+            <a:r>
+              <a:rPr lang="zh-CN" altLang="en-US"/>
+              <a:t>二级</a:t>
+            </a:r>
+            <a:endParaRPr lang="zh-CN" altLang="en-US"/>
+          </a:p>
+          <a:p>
+            <a:pPr lvl="2"/>
+            <a:r>
+              <a:rPr lang="zh-CN" altLang="en-US"/>
+              <a:t>三级</a:t>
+            </a:r>
+            <a:endParaRPr lang="zh-CN" altLang="en-US"/>
+          </a:p>
+          <a:p>
+            <a:pPr lvl="3"/>
+            <a:r>
+              <a:rPr lang="zh-CN" altLang="en-US"/>
+              <a:t>四级</a:t>
+            </a:r>
+            <a:endParaRPr lang="zh-CN" altLang="en-US"/>
+          </a:p>
+          <a:p>
+            <a:pPr lvl="4"/>
+            <a:r>
+              <a:rPr lang="zh-CN" altLang="en-US"/>
+              <a:t>五级</a:t>
+            </a:r>
+            <a:endParaRPr lang="zh-CN" altLang="en-US"/>
+          </a:p>
+        </p:txBody>
+      </p:sp>
+      <p:sp>
+        <p:nvSpPr>
+          <p:cNvPr id="4" name="日期占位符 3"/>
+          <p:cNvSpPr>
+            <a:spLocks noGrp="1"/>
+          </p:cNvSpPr>
+          <p:nvPr>
+            <p:ph type="dt" sz="half" idx="2"/>
+          </p:nvPr>
+        </p:nvSpPr>
+        <p:spPr>
+          <a:xfrm>
+            <a:off x="838200" y="6356350"/>
+            <a:ext cx="2743200" cy="365125"/>
+          </a:xfrm>
+          <a:prstGeom prst="rect">
+            <a:avLst/>
+          </a:prstGeom>
+        </p:spPr>
+        <p:txBody>
+          <a:bodyPr vert="horz" lIns="91440" tIns="45720" rIns="91440" bIns="45720" rtlCol="0" anchor="ctr"/>
+          <a:lstStyle>
+            <a:lvl1pPr algn="l">
+              <a:defRPr sz="1200">
+                <a:solidFill>
+                  <a:schemeClr val="tx1">
+                    <a:tint val="75000"/>
+                  </a:schemeClr>
+                </a:solidFill>
+              </a:defRPr>
+            </a:lvl1pPr>
+          </a:lstStyle>
+          <a:p>
+            <a:fld id="{1DCFACBB-E66A-42EF-8F6A-77DBE898C298}" type="datetimeFigureOut">
+              <a:rPr lang="zh-CN" altLang="en-US" smtClean="0"/>
+            </a:fld>
+            <a:endParaRPr lang="zh-CN" altLang="en-US"/>
+          </a:p>
+        </p:txBody>
+      </p:sp>
+      <p:sp>
+        <p:nvSpPr>
+          <p:cNvPr id="5" name="页脚占位符 4"/>
+          <p:cNvSpPr>
+            <a:spLocks noGrp="1"/>
+          </p:cNvSpPr>
+          <p:nvPr>
+            <p:ph type="ftr" sz="quarter" idx="3"/>
+          </p:nvPr>
+        </p:nvSpPr>
+        <p:spPr>
+          <a:xfrm>
+            <a:off x="4038600" y="6356350"/>
+            <a:ext cx="4114800" cy="365125"/>
+          </a:xfrm>
+          <a:prstGeom prst="rect">
+            <a:avLst/>
+          </a:prstGeom>
+        </p:spPr>
+        <p:txBody>
+          <a:bodyPr vert="horz" lIns="91440" tIns="45720" rIns="91440" bIns="45720" rtlCol="0" anchor="ctr"/>
+          <a:lstStyle>
+            <a:lvl1pPr algn="ctr">
+              <a:defRPr sz="1200">
+                <a:solidFill>
+                  <a:schemeClr val="tx1">
+                    <a:tint val="75000"/>
+                  </a:schemeClr>
+                </a:solidFill>
+              </a:defRPr>
+            </a:lvl1pPr>
+          </a:lstStyle>
+          <a:p>
+            <a:endParaRPr lang="zh-CN" altLang="en-US"/>
+          </a:p>
+        </p:txBody>
+      </p:sp>
+      <p:sp>
+        <p:nvSpPr>
+          <p:cNvPr id="6" name="灯片编号占位符 5"/>
+          <p:cNvSpPr>
+            <a:spLocks noGrp="1"/>
+          </p:cNvSpPr>
+          <p:nvPr>
+            <p:ph type="sldNum" sz="quarter" idx="4"/>
+          </p:nvPr>
+        </p:nvSpPr>
+        <p:spPr>
+          <a:xfrm>
+            <a:off x="8610600" y="6356350"/>
+            <a:ext cx="2743200" cy="365125"/>
+          </a:xfrm>
+          <a:prstGeom prst="rect">
+            <a:avLst/>
+          </a:prstGeom>
+        </p:spPr>
+        <p:txBody>
+          <a:bodyPr vert="horz" lIns="91440" tIns="45720" rIns="91440" bIns="45720" rtlCol="0" anchor="ctr"/>
+          <a:lstStyle>
+            <a:lvl1pPr algn="r">
+              <a:defRPr sz="1200">
+                <a:solidFill>
+                  <a:schemeClr val="tx1">
+                    <a:tint val="75000"/>
+                  </a:schemeClr>
+                </a:solidFill>
+              </a:defRPr>
+            </a:lvl1pPr>
+          </a:lstStyle>
+          <a:p>
+            <a:fld id="{265DE8D4-0978-4613-9E9F-712DF247FDE0}" type="slidenum">
+              <a:rPr lang="zh-CN" altLang="en-US" smtClean="0"/>
+            </a:fld>
+            <a:endParaRPr lang="zh-CN" altLang="en-US"/>
+          </a:p>
+        </p:txBody>
+      </p:sp>
+    </p:spTree>
+  </p:cSld>
+  <p:clrMap bg1="lt1" tx1="dk1" bg2="lt2" tx2="dk2" accent1="accent1" accent2="accent2" accent3="accent3" accent4="accent4" accent5="accent5" accent6="accent6" hlink="hlink" folHlink="folHlink"/>
+  <p:sldLayoutIdLst>
+    <p:sldLayoutId id="2147483661" r:id="rId1"/>
+    <p:sldLayoutId id="2147483662" r:id="rId2"/>
+    <p:sldLayoutId id="2147483663" r:id="rId3"/>
+    <p:sldLayoutId id="2147483664" r:id="rId4"/>
+    <p:sldLayoutId id="2147483665" r:id="rId5"/>
+    <p:sldLayoutId id="2147483666" r:id="rId6"/>
+    <p:sldLayoutId id="2147483667" r:id="rId7"/>
+    <p:sldLayoutId id="2147483668" r:id="rId8"/>
+    <p:sldLayoutId id="2147483669" r:id="rId9"/>
+    <p:sldLayoutId id="2147483670" r:id="rId10"/>
+    <p:sldLayoutId id="2147483671" r:id="rId11"/>
   </p:sldLayoutIdLst>
   <p:txStyles>
     <p:titleStyle>
@@ -3333,13 +5730,7 @@
       </p:grpSpPr>
       <p:sp>
         <p:nvSpPr>
-          <p:cNvPr id="2" name="标题 1">
-            <a:extLst>
-              <a:ext uri="{FF2B5EF4-FFF2-40B4-BE49-F238E27FC236}">
-                <a16:creationId xmlns:a16="http://schemas.microsoft.com/office/drawing/2014/main" id="{2F6D6B8C-B50A-998D-CDD1-36D0AE540886}"/>
-              </a:ext>
-            </a:extLst>
-          </p:cNvPr>
+          <p:cNvPr id="2" name="标题 1"/>
           <p:cNvSpPr>
             <a:spLocks noGrp="1"/>
           </p:cNvSpPr>
@@ -3362,13 +5753,7 @@
       </p:sp>
       <p:sp>
         <p:nvSpPr>
-          <p:cNvPr id="3" name="副标题 2">
-            <a:extLst>
-              <a:ext uri="{FF2B5EF4-FFF2-40B4-BE49-F238E27FC236}">
-                <a16:creationId xmlns:a16="http://schemas.microsoft.com/office/drawing/2014/main" id="{0076E23B-F689-31A4-E9E0-5AFD7B18973B}"/>
-              </a:ext>
-            </a:extLst>
-          </p:cNvPr>
+          <p:cNvPr id="3" name="副标题 2"/>
           <p:cNvSpPr>
             <a:spLocks noGrp="1"/>
           </p:cNvSpPr>
@@ -3386,11 +5771,6 @@
         </p:txBody>
       </p:sp>
     </p:spTree>
-    <p:extLst>
-      <p:ext uri="{BB962C8B-B14F-4D97-AF65-F5344CB8AC3E}">
-        <p14:creationId xmlns:p14="http://schemas.microsoft.com/office/powerpoint/2010/main" val="3670918550"/>
-      </p:ext>
-    </p:extLst>
   </p:cSld>
   <p:clrMapOvr>
     <a:masterClrMapping/>
@@ -3417,23 +5797,11 @@
       </p:grpSpPr>
       <p:graphicFrame>
         <p:nvGraphicFramePr>
-          <p:cNvPr id="4" name="表格 3">
-            <a:extLst>
-              <a:ext uri="{FF2B5EF4-FFF2-40B4-BE49-F238E27FC236}">
-                <a16:creationId xmlns:a16="http://schemas.microsoft.com/office/drawing/2014/main" id="{BB92AF36-529C-5A29-7E62-C260C42D079D}"/>
-              </a:ext>
-            </a:extLst>
-          </p:cNvPr>
+          <p:cNvPr id="4" name="表格 3"/>
           <p:cNvGraphicFramePr>
             <a:graphicFrameLocks noGrp="1"/>
           </p:cNvGraphicFramePr>
-          <p:nvPr>
-            <p:extLst>
-              <p:ext uri="{D42A27DB-BD31-4B8C-83A1-F6EECF244321}">
-                <p14:modId xmlns:p14="http://schemas.microsoft.com/office/powerpoint/2010/main" val="2164934392"/>
-              </p:ext>
-            </p:extLst>
-          </p:nvPr>
+          <p:nvPr/>
         </p:nvGraphicFramePr>
         <p:xfrm>
           <a:off x="5828589" y="1977881"/>
@@ -3446,34 +5814,10 @@
                 <a:tableStyleId>{5C22544A-7EE6-4342-B048-85BDC9FD1C3A}</a:tableStyleId>
               </a:tblPr>
               <a:tblGrid>
-                <a:gridCol w="1525626">
-                  <a:extLst>
-                    <a:ext uri="{9D8B030D-6E8A-4147-A177-3AD203B41FA5}">
-                      <a16:colId xmlns:a16="http://schemas.microsoft.com/office/drawing/2014/main" val="4250443956"/>
-                    </a:ext>
-                  </a:extLst>
-                </a:gridCol>
-                <a:gridCol w="1525626">
-                  <a:extLst>
-                    <a:ext uri="{9D8B030D-6E8A-4147-A177-3AD203B41FA5}">
-                      <a16:colId xmlns:a16="http://schemas.microsoft.com/office/drawing/2014/main" val="2021430136"/>
-                    </a:ext>
-                  </a:extLst>
-                </a:gridCol>
-                <a:gridCol w="1525626">
-                  <a:extLst>
-                    <a:ext uri="{9D8B030D-6E8A-4147-A177-3AD203B41FA5}">
-                      <a16:colId xmlns:a16="http://schemas.microsoft.com/office/drawing/2014/main" val="2511825486"/>
-                    </a:ext>
-                  </a:extLst>
-                </a:gridCol>
-                <a:gridCol w="1525626">
-                  <a:extLst>
-                    <a:ext uri="{9D8B030D-6E8A-4147-A177-3AD203B41FA5}">
-                      <a16:colId xmlns:a16="http://schemas.microsoft.com/office/drawing/2014/main" val="3321634790"/>
-                    </a:ext>
-                  </a:extLst>
-                </a:gridCol>
+                <a:gridCol w="1525626"/>
+                <a:gridCol w="1525626"/>
+                <a:gridCol w="1525626"/>
+                <a:gridCol w="1525626"/>
               </a:tblGrid>
               <a:tr h="437470">
                 <a:tc>
@@ -3499,6 +5843,7 @@
                         <a:rPr lang="zh-CN" altLang="en-US" dirty="0"/>
                         <a:t>张三</a:t>
                       </a:r>
+                      <a:endParaRPr lang="zh-CN" altLang="en-US" dirty="0"/>
                     </a:p>
                   </a:txBody>
                   <a:tcPr/>
@@ -3512,6 +5857,7 @@
                         <a:rPr lang="zh-CN" altLang="en-US" dirty="0"/>
                         <a:t>上海</a:t>
                       </a:r>
+                      <a:endParaRPr lang="zh-CN" altLang="en-US" dirty="0"/>
                     </a:p>
                   </a:txBody>
                   <a:tcPr/>
@@ -3530,11 +5876,6 @@
                   </a:txBody>
                   <a:tcPr/>
                 </a:tc>
-                <a:extLst>
-                  <a:ext uri="{0D108BD9-81ED-4DB2-BD59-A6C34878D82A}">
-                    <a16:rowId xmlns:a16="http://schemas.microsoft.com/office/drawing/2014/main" val="2566566637"/>
-                  </a:ext>
-                </a:extLst>
               </a:tr>
               <a:tr h="437470">
                 <a:tc>
@@ -3560,6 +5901,7 @@
                         <a:rPr lang="zh-CN" altLang="en-US" dirty="0"/>
                         <a:t>李四</a:t>
                       </a:r>
+                      <a:endParaRPr lang="zh-CN" altLang="en-US" dirty="0"/>
                     </a:p>
                   </a:txBody>
                   <a:tcPr/>
@@ -3573,6 +5915,7 @@
                         <a:rPr lang="zh-CN" altLang="en-US" dirty="0"/>
                         <a:t>北京</a:t>
                       </a:r>
+                      <a:endParaRPr lang="zh-CN" altLang="en-US" dirty="0"/>
                     </a:p>
                   </a:txBody>
                   <a:tcPr/>
@@ -3591,11 +5934,6 @@
                   </a:txBody>
                   <a:tcPr/>
                 </a:tc>
-                <a:extLst>
-                  <a:ext uri="{0D108BD9-81ED-4DB2-BD59-A6C34878D82A}">
-                    <a16:rowId xmlns:a16="http://schemas.microsoft.com/office/drawing/2014/main" val="23015869"/>
-                  </a:ext>
-                </a:extLst>
               </a:tr>
               <a:tr h="437470">
                 <a:tc>
@@ -3621,6 +5959,7 @@
                         <a:rPr lang="zh-CN" altLang="en-US" dirty="0"/>
                         <a:t>王五</a:t>
                       </a:r>
+                      <a:endParaRPr lang="zh-CN" altLang="en-US" dirty="0"/>
                     </a:p>
                   </a:txBody>
                   <a:tcPr/>
@@ -3634,6 +5973,7 @@
                         <a:rPr lang="zh-CN" altLang="en-US" dirty="0"/>
                         <a:t>深圳</a:t>
                       </a:r>
+                      <a:endParaRPr lang="zh-CN" altLang="en-US" dirty="0"/>
                     </a:p>
                   </a:txBody>
                   <a:tcPr/>
@@ -3652,11 +5992,6 @@
                   </a:txBody>
                   <a:tcPr/>
                 </a:tc>
-                <a:extLst>
-                  <a:ext uri="{0D108BD9-81ED-4DB2-BD59-A6C34878D82A}">
-                    <a16:rowId xmlns:a16="http://schemas.microsoft.com/office/drawing/2014/main" val="4102847388"/>
-                  </a:ext>
-                </a:extLst>
               </a:tr>
               <a:tr h="437470">
                 <a:tc>
@@ -3682,6 +6017,7 @@
                         <a:rPr lang="zh-CN" altLang="en-US" dirty="0"/>
                         <a:t>赵六</a:t>
                       </a:r>
+                      <a:endParaRPr lang="zh-CN" altLang="en-US" dirty="0"/>
                     </a:p>
                   </a:txBody>
                   <a:tcPr/>
@@ -3695,6 +6031,7 @@
                         <a:rPr lang="zh-CN" altLang="en-US" dirty="0"/>
                         <a:t>广州</a:t>
                       </a:r>
+                      <a:endParaRPr lang="zh-CN" altLang="en-US" dirty="0"/>
                     </a:p>
                   </a:txBody>
                   <a:tcPr/>
@@ -3713,11 +6050,6 @@
                   </a:txBody>
                   <a:tcPr/>
                 </a:tc>
-                <a:extLst>
-                  <a:ext uri="{0D108BD9-81ED-4DB2-BD59-A6C34878D82A}">
-                    <a16:rowId xmlns:a16="http://schemas.microsoft.com/office/drawing/2014/main" val="2693352922"/>
-                  </a:ext>
-                </a:extLst>
               </a:tr>
               <a:tr h="437470">
                 <a:tc>
@@ -3743,6 +6075,7 @@
                         <a:rPr lang="zh-CN" altLang="en-US" dirty="0"/>
                         <a:t>孙七</a:t>
                       </a:r>
+                      <a:endParaRPr lang="zh-CN" altLang="en-US" dirty="0"/>
                     </a:p>
                   </a:txBody>
                   <a:tcPr/>
@@ -3766,13 +6099,13 @@
                         <a:buSzTx/>
                         <a:buFontTx/>
                         <a:buNone/>
-                        <a:tabLst/>
                         <a:defRPr/>
                       </a:pPr>
                       <a:r>
                         <a:rPr lang="zh-CN" altLang="en-US" dirty="0"/>
                         <a:t>武汉</a:t>
                       </a:r>
+                      <a:endParaRPr lang="zh-CN" altLang="en-US" dirty="0"/>
                     </a:p>
                   </a:txBody>
                   <a:tcPr/>
@@ -3791,11 +6124,6 @@
                   </a:txBody>
                   <a:tcPr/>
                 </a:tc>
-                <a:extLst>
-                  <a:ext uri="{0D108BD9-81ED-4DB2-BD59-A6C34878D82A}">
-                    <a16:rowId xmlns:a16="http://schemas.microsoft.com/office/drawing/2014/main" val="1628420599"/>
-                  </a:ext>
-                </a:extLst>
               </a:tr>
               <a:tr h="437470">
                 <a:tc>
@@ -3821,6 +6149,7 @@
                         <a:rPr lang="zh-CN" altLang="en-US" dirty="0"/>
                         <a:t>周八</a:t>
                       </a:r>
+                      <a:endParaRPr lang="zh-CN" altLang="en-US" dirty="0"/>
                     </a:p>
                   </a:txBody>
                   <a:tcPr/>
@@ -3844,13 +6173,13 @@
                         <a:buSzTx/>
                         <a:buFontTx/>
                         <a:buNone/>
-                        <a:tabLst/>
                         <a:defRPr/>
                       </a:pPr>
                       <a:r>
                         <a:rPr lang="zh-CN" altLang="en-US" dirty="0"/>
                         <a:t>重庆</a:t>
                       </a:r>
+                      <a:endParaRPr lang="zh-CN" altLang="en-US" dirty="0"/>
                     </a:p>
                   </a:txBody>
                   <a:tcPr/>
@@ -3869,11 +6198,6 @@
                   </a:txBody>
                   <a:tcPr/>
                 </a:tc>
-                <a:extLst>
-                  <a:ext uri="{0D108BD9-81ED-4DB2-BD59-A6C34878D82A}">
-                    <a16:rowId xmlns:a16="http://schemas.microsoft.com/office/drawing/2014/main" val="3272691049"/>
-                  </a:ext>
-                </a:extLst>
               </a:tr>
               <a:tr h="437470">
                 <a:tc>
@@ -3899,6 +6223,7 @@
                         <a:rPr lang="zh-CN" altLang="en-US" dirty="0"/>
                         <a:t>吴九</a:t>
                       </a:r>
+                      <a:endParaRPr lang="zh-CN" altLang="en-US" dirty="0"/>
                     </a:p>
                   </a:txBody>
                   <a:tcPr/>
@@ -3922,13 +6247,13 @@
                         <a:buSzTx/>
                         <a:buFontTx/>
                         <a:buNone/>
-                        <a:tabLst/>
                         <a:defRPr/>
                       </a:pPr>
                       <a:r>
                         <a:rPr lang="zh-CN" altLang="en-US" dirty="0"/>
                         <a:t>宜昌</a:t>
                       </a:r>
+                      <a:endParaRPr lang="zh-CN" altLang="en-US" dirty="0"/>
                     </a:p>
                   </a:txBody>
                   <a:tcPr/>
@@ -3947,11 +6272,6 @@
                   </a:txBody>
                   <a:tcPr/>
                 </a:tc>
-                <a:extLst>
-                  <a:ext uri="{0D108BD9-81ED-4DB2-BD59-A6C34878D82A}">
-                    <a16:rowId xmlns:a16="http://schemas.microsoft.com/office/drawing/2014/main" val="3390082891"/>
-                  </a:ext>
-                </a:extLst>
               </a:tr>
               <a:tr h="437470">
                 <a:tc>
@@ -3977,6 +6297,7 @@
                         <a:rPr lang="zh-CN" altLang="en-US" dirty="0"/>
                         <a:t>郑十</a:t>
                       </a:r>
+                      <a:endParaRPr lang="zh-CN" altLang="en-US" dirty="0"/>
                     </a:p>
                   </a:txBody>
                   <a:tcPr/>
@@ -4000,13 +6321,13 @@
                         <a:buSzTx/>
                         <a:buFontTx/>
                         <a:buNone/>
-                        <a:tabLst/>
                         <a:defRPr/>
                       </a:pPr>
                       <a:r>
                         <a:rPr lang="zh-CN" altLang="en-US" dirty="0"/>
                         <a:t>长沙</a:t>
                       </a:r>
+                      <a:endParaRPr lang="zh-CN" altLang="en-US" dirty="0"/>
                     </a:p>
                   </a:txBody>
                   <a:tcPr/>
@@ -4025,11 +6346,6 @@
                   </a:txBody>
                   <a:tcPr/>
                 </a:tc>
-                <a:extLst>
-                  <a:ext uri="{0D108BD9-81ED-4DB2-BD59-A6C34878D82A}">
-                    <a16:rowId xmlns:a16="http://schemas.microsoft.com/office/drawing/2014/main" val="2198301323"/>
-                  </a:ext>
-                </a:extLst>
               </a:tr>
               <a:tr h="437470">
                 <a:tc>
@@ -4055,6 +6371,7 @@
                         <a:rPr lang="zh-CN" altLang="en-US" dirty="0"/>
                         <a:t>二麻子</a:t>
                       </a:r>
+                      <a:endParaRPr lang="zh-CN" altLang="en-US" dirty="0"/>
                     </a:p>
                   </a:txBody>
                   <a:tcPr/>
@@ -4078,13 +6395,13 @@
                         <a:buSzTx/>
                         <a:buFontTx/>
                         <a:buNone/>
-                        <a:tabLst/>
                         <a:defRPr/>
                       </a:pPr>
                       <a:r>
                         <a:rPr lang="zh-CN" altLang="en-US" dirty="0"/>
                         <a:t>天津</a:t>
                       </a:r>
+                      <a:endParaRPr lang="zh-CN" altLang="en-US" dirty="0"/>
                     </a:p>
                   </a:txBody>
                   <a:tcPr/>
@@ -4103,11 +6420,6 @@
                   </a:txBody>
                   <a:tcPr/>
                 </a:tc>
-                <a:extLst>
-                  <a:ext uri="{0D108BD9-81ED-4DB2-BD59-A6C34878D82A}">
-                    <a16:rowId xmlns:a16="http://schemas.microsoft.com/office/drawing/2014/main" val="2670050959"/>
-                  </a:ext>
-                </a:extLst>
               </a:tr>
             </a:tbl>
           </a:graphicData>
@@ -4115,23 +6427,11 @@
       </p:graphicFrame>
       <p:graphicFrame>
         <p:nvGraphicFramePr>
-          <p:cNvPr id="5" name="表格 4">
-            <a:extLst>
-              <a:ext uri="{FF2B5EF4-FFF2-40B4-BE49-F238E27FC236}">
-                <a16:creationId xmlns:a16="http://schemas.microsoft.com/office/drawing/2014/main" id="{2707998E-9993-C209-AB12-F63F27565D42}"/>
-              </a:ext>
-            </a:extLst>
-          </p:cNvPr>
+          <p:cNvPr id="5" name="表格 4"/>
           <p:cNvGraphicFramePr>
             <a:graphicFrameLocks noGrp="1"/>
           </p:cNvGraphicFramePr>
-          <p:nvPr>
-            <p:extLst>
-              <p:ext uri="{D42A27DB-BD31-4B8C-83A1-F6EECF244321}">
-                <p14:modId xmlns:p14="http://schemas.microsoft.com/office/powerpoint/2010/main" val="3319954050"/>
-              </p:ext>
-            </p:extLst>
-          </p:nvPr>
+          <p:nvPr/>
         </p:nvGraphicFramePr>
         <p:xfrm>
           <a:off x="817678" y="1977881"/>
@@ -4144,20 +6444,8 @@
                 <a:tableStyleId>{5C22544A-7EE6-4342-B048-85BDC9FD1C3A}</a:tableStyleId>
               </a:tblPr>
               <a:tblGrid>
-                <a:gridCol w="959916">
-                  <a:extLst>
-                    <a:ext uri="{9D8B030D-6E8A-4147-A177-3AD203B41FA5}">
-                      <a16:colId xmlns:a16="http://schemas.microsoft.com/office/drawing/2014/main" val="1050977726"/>
-                    </a:ext>
-                  </a:extLst>
-                </a:gridCol>
-                <a:gridCol w="526696">
-                  <a:extLst>
-                    <a:ext uri="{9D8B030D-6E8A-4147-A177-3AD203B41FA5}">
-                      <a16:colId xmlns:a16="http://schemas.microsoft.com/office/drawing/2014/main" val="4030045703"/>
-                    </a:ext>
-                  </a:extLst>
-                </a:gridCol>
+                <a:gridCol w="959916"/>
+                <a:gridCol w="526696"/>
               </a:tblGrid>
               <a:tr h="445911">
                 <a:tc>
@@ -4184,11 +6472,6 @@
                   </a:txBody>
                   <a:tcPr/>
                 </a:tc>
-                <a:extLst>
-                  <a:ext uri="{0D108BD9-81ED-4DB2-BD59-A6C34878D82A}">
-                    <a16:rowId xmlns:a16="http://schemas.microsoft.com/office/drawing/2014/main" val="3015713606"/>
-                  </a:ext>
-                </a:extLst>
               </a:tr>
               <a:tr h="445911">
                 <a:tc>
@@ -4215,11 +6498,6 @@
                   </a:txBody>
                   <a:tcPr/>
                 </a:tc>
-                <a:extLst>
-                  <a:ext uri="{0D108BD9-81ED-4DB2-BD59-A6C34878D82A}">
-                    <a16:rowId xmlns:a16="http://schemas.microsoft.com/office/drawing/2014/main" val="2462554107"/>
-                  </a:ext>
-                </a:extLst>
               </a:tr>
               <a:tr h="445911">
                 <a:tc>
@@ -4246,11 +6524,6 @@
                   </a:txBody>
                   <a:tcPr/>
                 </a:tc>
-                <a:extLst>
-                  <a:ext uri="{0D108BD9-81ED-4DB2-BD59-A6C34878D82A}">
-                    <a16:rowId xmlns:a16="http://schemas.microsoft.com/office/drawing/2014/main" val="1174009743"/>
-                  </a:ext>
-                </a:extLst>
               </a:tr>
             </a:tbl>
           </a:graphicData>
@@ -4258,13 +6531,7 @@
       </p:graphicFrame>
       <p:cxnSp>
         <p:nvCxnSpPr>
-          <p:cNvPr id="7" name="直接箭头连接符 6">
-            <a:extLst>
-              <a:ext uri="{FF2B5EF4-FFF2-40B4-BE49-F238E27FC236}">
-                <a16:creationId xmlns:a16="http://schemas.microsoft.com/office/drawing/2014/main" id="{CBE3850E-B6AF-51E0-76D0-84B819138CEE}"/>
-              </a:ext>
-            </a:extLst>
-          </p:cNvPr>
+          <p:cNvPr id="7" name="直接箭头连接符 6"/>
           <p:cNvCxnSpPr/>
           <p:nvPr/>
         </p:nvCxnSpPr>
@@ -4297,16 +6564,8 @@
       </p:cxnSp>
       <p:cxnSp>
         <p:nvCxnSpPr>
-          <p:cNvPr id="8" name="直接箭头连接符 7">
-            <a:extLst>
-              <a:ext uri="{FF2B5EF4-FFF2-40B4-BE49-F238E27FC236}">
-                <a16:creationId xmlns:a16="http://schemas.microsoft.com/office/drawing/2014/main" id="{22517DF2-1157-1039-3C73-163780102363}"/>
-              </a:ext>
-            </a:extLst>
-          </p:cNvPr>
-          <p:cNvCxnSpPr>
-            <a:cxnSpLocks/>
-          </p:cNvCxnSpPr>
+          <p:cNvPr id="8" name="直接箭头连接符 7"/>
+          <p:cNvCxnSpPr/>
           <p:nvPr/>
         </p:nvCxnSpPr>
         <p:spPr>
@@ -4338,16 +6597,8 @@
       </p:cxnSp>
       <p:cxnSp>
         <p:nvCxnSpPr>
-          <p:cNvPr id="10" name="直接箭头连接符 9">
-            <a:extLst>
-              <a:ext uri="{FF2B5EF4-FFF2-40B4-BE49-F238E27FC236}">
-                <a16:creationId xmlns:a16="http://schemas.microsoft.com/office/drawing/2014/main" id="{D7DAA329-B166-9EF6-C88B-6C27879B546A}"/>
-              </a:ext>
-            </a:extLst>
-          </p:cNvPr>
-          <p:cNvCxnSpPr>
-            <a:cxnSpLocks/>
-          </p:cNvCxnSpPr>
+          <p:cNvPr id="10" name="直接箭头连接符 9"/>
+          <p:cNvCxnSpPr/>
           <p:nvPr/>
         </p:nvCxnSpPr>
         <p:spPr>
@@ -4378,11 +6629,6 @@
         </p:style>
       </p:cxnSp>
     </p:spTree>
-    <p:extLst>
-      <p:ext uri="{BB962C8B-B14F-4D97-AF65-F5344CB8AC3E}">
-        <p14:creationId xmlns:p14="http://schemas.microsoft.com/office/powerpoint/2010/main" val="2694428530"/>
-      </p:ext>
-    </p:extLst>
   </p:cSld>
   <p:clrMapOvr>
     <a:masterClrMapping/>
@@ -4409,13 +6655,7 @@
       </p:grpSpPr>
       <p:sp>
         <p:nvSpPr>
-          <p:cNvPr id="4" name="矩形 3">
-            <a:extLst>
-              <a:ext uri="{FF2B5EF4-FFF2-40B4-BE49-F238E27FC236}">
-                <a16:creationId xmlns:a16="http://schemas.microsoft.com/office/drawing/2014/main" id="{12D4737F-0413-885C-7047-A3C2815F1AB2}"/>
-              </a:ext>
-            </a:extLst>
-          </p:cNvPr>
+          <p:cNvPr id="4" name="矩形 3"/>
           <p:cNvSpPr/>
           <p:nvPr/>
         </p:nvSpPr>
@@ -4459,13 +6699,7 @@
       </p:sp>
       <p:sp>
         <p:nvSpPr>
-          <p:cNvPr id="5" name="圆柱体 4">
-            <a:extLst>
-              <a:ext uri="{FF2B5EF4-FFF2-40B4-BE49-F238E27FC236}">
-                <a16:creationId xmlns:a16="http://schemas.microsoft.com/office/drawing/2014/main" id="{71BECA1D-6BD9-0973-5A8C-0ED7EB72BC8E}"/>
-              </a:ext>
-            </a:extLst>
-          </p:cNvPr>
+          <p:cNvPr id="5" name="圆柱体 4"/>
           <p:cNvSpPr/>
           <p:nvPr/>
         </p:nvSpPr>
@@ -4513,13 +6747,7 @@
       </p:sp>
       <p:sp>
         <p:nvSpPr>
-          <p:cNvPr id="6" name="矩形: 圆角 5">
-            <a:extLst>
-              <a:ext uri="{FF2B5EF4-FFF2-40B4-BE49-F238E27FC236}">
-                <a16:creationId xmlns:a16="http://schemas.microsoft.com/office/drawing/2014/main" id="{6BF647AD-C9EE-772A-42A2-DFBDF6FAB860}"/>
-              </a:ext>
-            </a:extLst>
-          </p:cNvPr>
+          <p:cNvPr id="6" name="矩形: 圆角 5"/>
           <p:cNvSpPr/>
           <p:nvPr/>
         </p:nvSpPr>
@@ -4563,13 +6791,7 @@
       </p:sp>
       <p:sp>
         <p:nvSpPr>
-          <p:cNvPr id="7" name="圆柱体 6">
-            <a:extLst>
-              <a:ext uri="{FF2B5EF4-FFF2-40B4-BE49-F238E27FC236}">
-                <a16:creationId xmlns:a16="http://schemas.microsoft.com/office/drawing/2014/main" id="{4F52102A-E6F6-37BD-0549-ED04863B916D}"/>
-              </a:ext>
-            </a:extLst>
-          </p:cNvPr>
+          <p:cNvPr id="7" name="圆柱体 6"/>
           <p:cNvSpPr/>
           <p:nvPr/>
         </p:nvSpPr>
@@ -4617,15 +6839,8 @@
       </p:sp>
       <p:cxnSp>
         <p:nvCxnSpPr>
-          <p:cNvPr id="9" name="直接箭头连接符 8">
-            <a:extLst>
-              <a:ext uri="{FF2B5EF4-FFF2-40B4-BE49-F238E27FC236}">
-                <a16:creationId xmlns:a16="http://schemas.microsoft.com/office/drawing/2014/main" id="{C1165D0A-0B12-5E35-8D0F-1B632D73D2E3}"/>
-              </a:ext>
-            </a:extLst>
-          </p:cNvPr>
+          <p:cNvPr id="9" name="直接箭头连接符 8"/>
           <p:cNvCxnSpPr>
-            <a:cxnSpLocks/>
             <a:stCxn id="4" idx="3"/>
             <a:endCxn id="5" idx="2"/>
           </p:cNvCxnSpPr>
@@ -4660,13 +6875,7 @@
       </p:cxnSp>
       <p:sp>
         <p:nvSpPr>
-          <p:cNvPr id="13" name="文本框 12">
-            <a:extLst>
-              <a:ext uri="{FF2B5EF4-FFF2-40B4-BE49-F238E27FC236}">
-                <a16:creationId xmlns:a16="http://schemas.microsoft.com/office/drawing/2014/main" id="{408E76C6-86F9-97B9-A9AE-4B1FE92D47E9}"/>
-              </a:ext>
-            </a:extLst>
-          </p:cNvPr>
+          <p:cNvPr id="13" name="文本框 12"/>
           <p:cNvSpPr txBox="1"/>
           <p:nvPr/>
         </p:nvSpPr>
@@ -4694,20 +6903,14 @@
               <a:rPr lang="zh-CN" altLang="en-US" sz="1400" dirty="0"/>
               <a:t>，写入数据</a:t>
             </a:r>
+            <a:endParaRPr lang="zh-CN" altLang="en-US" sz="1400" dirty="0"/>
           </a:p>
         </p:txBody>
       </p:sp>
       <p:cxnSp>
         <p:nvCxnSpPr>
-          <p:cNvPr id="14" name="直接箭头连接符 13">
-            <a:extLst>
-              <a:ext uri="{FF2B5EF4-FFF2-40B4-BE49-F238E27FC236}">
-                <a16:creationId xmlns:a16="http://schemas.microsoft.com/office/drawing/2014/main" id="{7C60820E-B602-68F9-46E6-22B17B9AA013}"/>
-              </a:ext>
-            </a:extLst>
-          </p:cNvPr>
+          <p:cNvPr id="14" name="直接箭头连接符 13"/>
           <p:cNvCxnSpPr>
-            <a:cxnSpLocks/>
             <a:stCxn id="5" idx="4"/>
             <a:endCxn id="6" idx="1"/>
           </p:cNvCxnSpPr>
@@ -4742,13 +6945,7 @@
       </p:cxnSp>
       <p:sp>
         <p:nvSpPr>
-          <p:cNvPr id="19" name="文本框 18">
-            <a:extLst>
-              <a:ext uri="{FF2B5EF4-FFF2-40B4-BE49-F238E27FC236}">
-                <a16:creationId xmlns:a16="http://schemas.microsoft.com/office/drawing/2014/main" id="{7A1B65F2-5EDD-1695-CF32-951EA8E137E3}"/>
-              </a:ext>
-            </a:extLst>
-          </p:cNvPr>
+          <p:cNvPr id="19" name="文本框 18"/>
           <p:cNvSpPr txBox="1"/>
           <p:nvPr/>
         </p:nvSpPr>
@@ -4776,20 +6973,14 @@
               <a:rPr lang="zh-CN" altLang="en-US" sz="1400" dirty="0"/>
               <a:t>，提交写入日志</a:t>
             </a:r>
+            <a:endParaRPr lang="zh-CN" altLang="en-US" sz="1400" dirty="0"/>
           </a:p>
         </p:txBody>
       </p:sp>
       <p:cxnSp>
         <p:nvCxnSpPr>
-          <p:cNvPr id="20" name="直接箭头连接符 19">
-            <a:extLst>
-              <a:ext uri="{FF2B5EF4-FFF2-40B4-BE49-F238E27FC236}">
-                <a16:creationId xmlns:a16="http://schemas.microsoft.com/office/drawing/2014/main" id="{7A19260C-65C2-D40E-5508-4A92FF310FA4}"/>
-              </a:ext>
-            </a:extLst>
-          </p:cNvPr>
+          <p:cNvPr id="20" name="直接箭头连接符 19"/>
           <p:cNvCxnSpPr>
-            <a:cxnSpLocks/>
             <a:stCxn id="6" idx="3"/>
             <a:endCxn id="7" idx="1"/>
           </p:cNvCxnSpPr>
@@ -4824,15 +7015,8 @@
       </p:cxnSp>
       <p:cxnSp>
         <p:nvCxnSpPr>
-          <p:cNvPr id="23" name="直接箭头连接符 22">
-            <a:extLst>
-              <a:ext uri="{FF2B5EF4-FFF2-40B4-BE49-F238E27FC236}">
-                <a16:creationId xmlns:a16="http://schemas.microsoft.com/office/drawing/2014/main" id="{A6FAFB73-C2F2-CCFB-87DA-6B11337200B8}"/>
-              </a:ext>
-            </a:extLst>
-          </p:cNvPr>
+          <p:cNvPr id="23" name="直接箭头连接符 22"/>
           <p:cNvCxnSpPr>
-            <a:cxnSpLocks/>
             <a:stCxn id="5" idx="4"/>
             <a:endCxn id="7" idx="2"/>
           </p:cNvCxnSpPr>
@@ -4867,13 +7051,7 @@
       </p:cxnSp>
       <p:sp>
         <p:nvSpPr>
-          <p:cNvPr id="27" name="文本框 26">
-            <a:extLst>
-              <a:ext uri="{FF2B5EF4-FFF2-40B4-BE49-F238E27FC236}">
-                <a16:creationId xmlns:a16="http://schemas.microsoft.com/office/drawing/2014/main" id="{FA7AA61D-5754-701B-686D-1279178F67A9}"/>
-              </a:ext>
-            </a:extLst>
-          </p:cNvPr>
+          <p:cNvPr id="27" name="文本框 26"/>
           <p:cNvSpPr txBox="1"/>
           <p:nvPr/>
         </p:nvSpPr>
@@ -4901,18 +7079,13 @@
               <a:rPr lang="zh-CN" altLang="en-US" sz="1400" dirty="0"/>
               <a:t>，收到写入日志</a:t>
             </a:r>
-          </a:p>
-        </p:txBody>
-      </p:sp>
-      <p:sp>
-        <p:nvSpPr>
-          <p:cNvPr id="28" name="文本框 27">
-            <a:extLst>
-              <a:ext uri="{FF2B5EF4-FFF2-40B4-BE49-F238E27FC236}">
-                <a16:creationId xmlns:a16="http://schemas.microsoft.com/office/drawing/2014/main" id="{94EC168A-3572-6221-ED20-810F81FA9C5E}"/>
-              </a:ext>
-            </a:extLst>
-          </p:cNvPr>
+            <a:endParaRPr lang="zh-CN" altLang="en-US" sz="1400" dirty="0"/>
+          </a:p>
+        </p:txBody>
+      </p:sp>
+      <p:sp>
+        <p:nvSpPr>
+          <p:cNvPr id="28" name="文本框 27"/>
           <p:cNvSpPr txBox="1"/>
           <p:nvPr/>
         </p:nvSpPr>
@@ -4940,15 +7113,11 @@
               <a:rPr lang="zh-CN" altLang="en-US" sz="1400" dirty="0"/>
               <a:t>，从目录副本下载新数据</a:t>
             </a:r>
+            <a:endParaRPr lang="zh-CN" altLang="en-US" sz="1400" dirty="0"/>
           </a:p>
         </p:txBody>
       </p:sp>
     </p:spTree>
-    <p:extLst>
-      <p:ext uri="{BB962C8B-B14F-4D97-AF65-F5344CB8AC3E}">
-        <p14:creationId xmlns:p14="http://schemas.microsoft.com/office/powerpoint/2010/main" val="947246089"/>
-      </p:ext>
-    </p:extLst>
   </p:cSld>
   <p:clrMapOvr>
     <a:masterClrMapping/>
@@ -4975,13 +7144,7 @@
       </p:grpSpPr>
       <p:sp>
         <p:nvSpPr>
-          <p:cNvPr id="4" name="矩形: 圆角 3">
-            <a:extLst>
-              <a:ext uri="{FF2B5EF4-FFF2-40B4-BE49-F238E27FC236}">
-                <a16:creationId xmlns:a16="http://schemas.microsoft.com/office/drawing/2014/main" id="{718B4064-7C1D-07B3-30C5-ADFD56A25455}"/>
-              </a:ext>
-            </a:extLst>
-          </p:cNvPr>
+          <p:cNvPr id="4" name="矩形: 圆角 3"/>
           <p:cNvSpPr/>
           <p:nvPr/>
         </p:nvSpPr>
@@ -5017,6 +7180,7 @@
               <a:rPr lang="en-US" altLang="zh-CN" dirty="0"/>
               <a:t>distribute</a:t>
             </a:r>
+            <a:endParaRPr lang="en-US" altLang="zh-CN" dirty="0"/>
           </a:p>
           <a:p>
             <a:pPr algn="ctr"/>
@@ -5030,13 +7194,7 @@
       </p:sp>
       <p:sp>
         <p:nvSpPr>
-          <p:cNvPr id="5" name="矩形 4">
-            <a:extLst>
-              <a:ext uri="{FF2B5EF4-FFF2-40B4-BE49-F238E27FC236}">
-                <a16:creationId xmlns:a16="http://schemas.microsoft.com/office/drawing/2014/main" id="{EDDD0F0B-D68E-6353-19D4-5F414B64918B}"/>
-              </a:ext>
-            </a:extLst>
-          </p:cNvPr>
+          <p:cNvPr id="5" name="矩形 4"/>
           <p:cNvSpPr/>
           <p:nvPr/>
         </p:nvSpPr>
@@ -5072,6 +7230,7 @@
               <a:rPr lang="en-US" altLang="zh-CN" dirty="0"/>
               <a:t>os01</a:t>
             </a:r>
+            <a:endParaRPr lang="en-US" altLang="zh-CN" dirty="0"/>
           </a:p>
           <a:p>
             <a:pPr algn="ctr"/>
@@ -5085,13 +7244,7 @@
       </p:sp>
       <p:sp>
         <p:nvSpPr>
-          <p:cNvPr id="6" name="矩形 5">
-            <a:extLst>
-              <a:ext uri="{FF2B5EF4-FFF2-40B4-BE49-F238E27FC236}">
-                <a16:creationId xmlns:a16="http://schemas.microsoft.com/office/drawing/2014/main" id="{3AD652FD-8122-1ECD-11FE-8C05BA74DFA8}"/>
-              </a:ext>
-            </a:extLst>
-          </p:cNvPr>
+          <p:cNvPr id="6" name="矩形 5"/>
           <p:cNvSpPr/>
           <p:nvPr/>
         </p:nvSpPr>
@@ -5127,6 +7280,7 @@
               <a:rPr lang="en-US" altLang="zh-CN" dirty="0"/>
               <a:t>os02</a:t>
             </a:r>
+            <a:endParaRPr lang="en-US" altLang="zh-CN" dirty="0"/>
           </a:p>
           <a:p>
             <a:pPr algn="ctr"/>
@@ -5140,13 +7294,7 @@
       </p:sp>
       <p:sp>
         <p:nvSpPr>
-          <p:cNvPr id="7" name="矩形 6">
-            <a:extLst>
-              <a:ext uri="{FF2B5EF4-FFF2-40B4-BE49-F238E27FC236}">
-                <a16:creationId xmlns:a16="http://schemas.microsoft.com/office/drawing/2014/main" id="{F77824E2-48FD-2C5A-1CB2-15CE2C170ACC}"/>
-              </a:ext>
-            </a:extLst>
-          </p:cNvPr>
+          <p:cNvPr id="7" name="矩形 6"/>
           <p:cNvSpPr/>
           <p:nvPr/>
         </p:nvSpPr>
@@ -5182,6 +7330,7 @@
               <a:rPr lang="en-US" altLang="zh-CN" dirty="0"/>
               <a:t>os03</a:t>
             </a:r>
+            <a:endParaRPr lang="en-US" altLang="zh-CN" dirty="0"/>
           </a:p>
           <a:p>
             <a:pPr algn="ctr"/>
@@ -5195,13 +7344,7 @@
       </p:sp>
       <p:sp>
         <p:nvSpPr>
-          <p:cNvPr id="8" name="矩形 7">
-            <a:extLst>
-              <a:ext uri="{FF2B5EF4-FFF2-40B4-BE49-F238E27FC236}">
-                <a16:creationId xmlns:a16="http://schemas.microsoft.com/office/drawing/2014/main" id="{B4ADC647-8631-076B-936A-6A9239BD6654}"/>
-              </a:ext>
-            </a:extLst>
-          </p:cNvPr>
+          <p:cNvPr id="8" name="矩形 7"/>
           <p:cNvSpPr/>
           <p:nvPr/>
         </p:nvSpPr>
@@ -5237,6 +7380,7 @@
               <a:rPr lang="en-US" altLang="zh-CN" dirty="0"/>
               <a:t>os05</a:t>
             </a:r>
+            <a:endParaRPr lang="en-US" altLang="zh-CN" dirty="0"/>
           </a:p>
           <a:p>
             <a:pPr algn="ctr"/>
@@ -5250,13 +7394,7 @@
       </p:sp>
       <p:sp>
         <p:nvSpPr>
-          <p:cNvPr id="9" name="矩形 8">
-            <a:extLst>
-              <a:ext uri="{FF2B5EF4-FFF2-40B4-BE49-F238E27FC236}">
-                <a16:creationId xmlns:a16="http://schemas.microsoft.com/office/drawing/2014/main" id="{00BED8B4-1B52-7994-6CD8-49E0B177E7C4}"/>
-              </a:ext>
-            </a:extLst>
-          </p:cNvPr>
+          <p:cNvPr id="9" name="矩形 8"/>
           <p:cNvSpPr/>
           <p:nvPr/>
         </p:nvSpPr>
@@ -5292,6 +7430,7 @@
               <a:rPr lang="en-US" altLang="zh-CN" dirty="0"/>
               <a:t>os04</a:t>
             </a:r>
+            <a:endParaRPr lang="en-US" altLang="zh-CN" dirty="0"/>
           </a:p>
           <a:p>
             <a:pPr algn="ctr"/>
@@ -5305,13 +7444,7 @@
       </p:sp>
       <p:sp>
         <p:nvSpPr>
-          <p:cNvPr id="10" name="矩形 9">
-            <a:extLst>
-              <a:ext uri="{FF2B5EF4-FFF2-40B4-BE49-F238E27FC236}">
-                <a16:creationId xmlns:a16="http://schemas.microsoft.com/office/drawing/2014/main" id="{A7AD4521-FA99-B200-670E-94708410BA5F}"/>
-              </a:ext>
-            </a:extLst>
-          </p:cNvPr>
+          <p:cNvPr id="10" name="矩形 9"/>
           <p:cNvSpPr/>
           <p:nvPr/>
         </p:nvSpPr>
@@ -5347,6 +7480,7 @@
               <a:rPr lang="en-US" altLang="zh-CN" dirty="0"/>
               <a:t>os06</a:t>
             </a:r>
+            <a:endParaRPr lang="en-US" altLang="zh-CN" dirty="0"/>
           </a:p>
           <a:p>
             <a:pPr algn="ctr"/>
@@ -5360,13 +7494,7 @@
       </p:sp>
       <p:sp>
         <p:nvSpPr>
-          <p:cNvPr id="11" name="文本框 10">
-            <a:extLst>
-              <a:ext uri="{FF2B5EF4-FFF2-40B4-BE49-F238E27FC236}">
-                <a16:creationId xmlns:a16="http://schemas.microsoft.com/office/drawing/2014/main" id="{3BA2E647-5D36-F09A-CEA5-A39C4D3CFB51}"/>
-              </a:ext>
-            </a:extLst>
-          </p:cNvPr>
+          <p:cNvPr id="11" name="文本框 10"/>
           <p:cNvSpPr txBox="1"/>
           <p:nvPr/>
         </p:nvSpPr>
@@ -5423,18 +7551,13 @@
               <a:rPr lang="zh-CN" altLang="en-US" dirty="0"/>
               <a:t>个节点</a:t>
             </a:r>
-          </a:p>
-        </p:txBody>
-      </p:sp>
-      <p:sp>
-        <p:nvSpPr>
-          <p:cNvPr id="13" name="文本框 12">
-            <a:extLst>
-              <a:ext uri="{FF2B5EF4-FFF2-40B4-BE49-F238E27FC236}">
-                <a16:creationId xmlns:a16="http://schemas.microsoft.com/office/drawing/2014/main" id="{5580DE6B-3F77-25DA-5A99-79586AB8321A}"/>
-              </a:ext>
-            </a:extLst>
-          </p:cNvPr>
+            <a:endParaRPr lang="zh-CN" altLang="en-US" dirty="0"/>
+          </a:p>
+        </p:txBody>
+      </p:sp>
+      <p:sp>
+        <p:nvSpPr>
+          <p:cNvPr id="13" name="文本框 12"/>
           <p:cNvSpPr txBox="1"/>
           <p:nvPr/>
         </p:nvSpPr>
@@ -5464,15 +7587,8 @@
       </p:sp>
       <p:cxnSp>
         <p:nvCxnSpPr>
-          <p:cNvPr id="15" name="直接箭头连接符 14">
-            <a:extLst>
-              <a:ext uri="{FF2B5EF4-FFF2-40B4-BE49-F238E27FC236}">
-                <a16:creationId xmlns:a16="http://schemas.microsoft.com/office/drawing/2014/main" id="{4BCF18C8-B5EC-CD5C-5C0F-E85BE91DBADD}"/>
-              </a:ext>
-            </a:extLst>
-          </p:cNvPr>
+          <p:cNvPr id="15" name="直接箭头连接符 14"/>
           <p:cNvCxnSpPr>
-            <a:cxnSpLocks/>
             <a:stCxn id="16" idx="1"/>
           </p:cNvCxnSpPr>
           <p:nvPr/>
@@ -5508,13 +7624,7 @@
       </p:cxnSp>
       <p:sp>
         <p:nvSpPr>
-          <p:cNvPr id="16" name="文本框 15">
-            <a:extLst>
-              <a:ext uri="{FF2B5EF4-FFF2-40B4-BE49-F238E27FC236}">
-                <a16:creationId xmlns:a16="http://schemas.microsoft.com/office/drawing/2014/main" id="{3C6377F8-1D03-FE95-2ACA-576519EAD3BB}"/>
-              </a:ext>
-            </a:extLst>
-          </p:cNvPr>
+          <p:cNvPr id="16" name="文本框 15"/>
           <p:cNvSpPr txBox="1"/>
           <p:nvPr/>
         </p:nvSpPr>
@@ -5544,16 +7654,8 @@
       </p:sp>
       <p:cxnSp>
         <p:nvCxnSpPr>
-          <p:cNvPr id="17" name="直接箭头连接符 16">
-            <a:extLst>
-              <a:ext uri="{FF2B5EF4-FFF2-40B4-BE49-F238E27FC236}">
-                <a16:creationId xmlns:a16="http://schemas.microsoft.com/office/drawing/2014/main" id="{6B5D8566-2166-43BB-54F0-7975D7C1C0F8}"/>
-              </a:ext>
-            </a:extLst>
-          </p:cNvPr>
-          <p:cNvCxnSpPr>
-            <a:cxnSpLocks/>
-          </p:cNvCxnSpPr>
+          <p:cNvPr id="17" name="直接箭头连接符 16"/>
+          <p:cNvCxnSpPr/>
           <p:nvPr/>
         </p:nvCxnSpPr>
         <p:spPr>
@@ -5590,15 +7692,8 @@
       </p:cxnSp>
       <p:cxnSp>
         <p:nvCxnSpPr>
-          <p:cNvPr id="19" name="直接箭头连接符 18">
-            <a:extLst>
-              <a:ext uri="{FF2B5EF4-FFF2-40B4-BE49-F238E27FC236}">
-                <a16:creationId xmlns:a16="http://schemas.microsoft.com/office/drawing/2014/main" id="{A47F000B-2223-648F-4CF3-783BB2249F79}"/>
-              </a:ext>
-            </a:extLst>
-          </p:cNvPr>
+          <p:cNvPr id="19" name="直接箭头连接符 18"/>
           <p:cNvCxnSpPr>
-            <a:cxnSpLocks/>
             <a:stCxn id="4" idx="2"/>
             <a:endCxn id="5" idx="3"/>
           </p:cNvCxnSpPr>
@@ -5635,15 +7730,8 @@
       </p:cxnSp>
       <p:cxnSp>
         <p:nvCxnSpPr>
-          <p:cNvPr id="21" name="直接箭头连接符 20">
-            <a:extLst>
-              <a:ext uri="{FF2B5EF4-FFF2-40B4-BE49-F238E27FC236}">
-                <a16:creationId xmlns:a16="http://schemas.microsoft.com/office/drawing/2014/main" id="{98399BBF-4407-27D4-D5C8-0259DD64694F}"/>
-              </a:ext>
-            </a:extLst>
-          </p:cNvPr>
+          <p:cNvPr id="21" name="直接箭头连接符 20"/>
           <p:cNvCxnSpPr>
-            <a:cxnSpLocks/>
             <a:stCxn id="4" idx="2"/>
             <a:endCxn id="6" idx="3"/>
           </p:cNvCxnSpPr>
@@ -5680,15 +7768,8 @@
       </p:cxnSp>
       <p:cxnSp>
         <p:nvCxnSpPr>
-          <p:cNvPr id="25" name="直接箭头连接符 24">
-            <a:extLst>
-              <a:ext uri="{FF2B5EF4-FFF2-40B4-BE49-F238E27FC236}">
-                <a16:creationId xmlns:a16="http://schemas.microsoft.com/office/drawing/2014/main" id="{D077FFE7-1153-E244-9FD0-AD5F5A4E2151}"/>
-              </a:ext>
-            </a:extLst>
-          </p:cNvPr>
+          <p:cNvPr id="25" name="直接箭头连接符 24"/>
           <p:cNvCxnSpPr>
-            <a:cxnSpLocks/>
             <a:stCxn id="28" idx="2"/>
             <a:endCxn id="8" idx="1"/>
           </p:cNvCxnSpPr>
@@ -5725,13 +7806,7 @@
       </p:cxnSp>
       <p:sp>
         <p:nvSpPr>
-          <p:cNvPr id="28" name="矩形 27">
-            <a:extLst>
-              <a:ext uri="{FF2B5EF4-FFF2-40B4-BE49-F238E27FC236}">
-                <a16:creationId xmlns:a16="http://schemas.microsoft.com/office/drawing/2014/main" id="{14EE69C7-1B96-615B-E2AD-A0D304861C78}"/>
-              </a:ext>
-            </a:extLst>
-          </p:cNvPr>
+          <p:cNvPr id="28" name="矩形 27"/>
           <p:cNvSpPr/>
           <p:nvPr/>
         </p:nvSpPr>
@@ -5773,13 +7848,7 @@
       </p:sp>
       <p:sp>
         <p:nvSpPr>
-          <p:cNvPr id="31" name="矩形 30">
-            <a:extLst>
-              <a:ext uri="{FF2B5EF4-FFF2-40B4-BE49-F238E27FC236}">
-                <a16:creationId xmlns:a16="http://schemas.microsoft.com/office/drawing/2014/main" id="{BEFB2753-4BED-FD16-397A-777B8D9590CD}"/>
-              </a:ext>
-            </a:extLst>
-          </p:cNvPr>
+          <p:cNvPr id="31" name="矩形 30"/>
           <p:cNvSpPr/>
           <p:nvPr/>
         </p:nvSpPr>
@@ -5821,15 +7890,8 @@
       </p:sp>
       <p:cxnSp>
         <p:nvCxnSpPr>
-          <p:cNvPr id="32" name="直接箭头连接符 31">
-            <a:extLst>
-              <a:ext uri="{FF2B5EF4-FFF2-40B4-BE49-F238E27FC236}">
-                <a16:creationId xmlns:a16="http://schemas.microsoft.com/office/drawing/2014/main" id="{F85F471F-E102-E40A-E32A-522E20262FEA}"/>
-              </a:ext>
-            </a:extLst>
-          </p:cNvPr>
+          <p:cNvPr id="32" name="直接箭头连接符 31"/>
           <p:cNvCxnSpPr>
-            <a:cxnSpLocks/>
             <a:stCxn id="28" idx="2"/>
             <a:endCxn id="7" idx="3"/>
           </p:cNvCxnSpPr>
@@ -5866,15 +7928,8 @@
       </p:cxnSp>
       <p:cxnSp>
         <p:nvCxnSpPr>
-          <p:cNvPr id="35" name="直接箭头连接符 34">
-            <a:extLst>
-              <a:ext uri="{FF2B5EF4-FFF2-40B4-BE49-F238E27FC236}">
-                <a16:creationId xmlns:a16="http://schemas.microsoft.com/office/drawing/2014/main" id="{22A0571D-427C-545F-FC8F-00B00FC9D62D}"/>
-              </a:ext>
-            </a:extLst>
-          </p:cNvPr>
+          <p:cNvPr id="35" name="直接箭头连接符 34"/>
           <p:cNvCxnSpPr>
-            <a:cxnSpLocks/>
             <a:stCxn id="28" idx="2"/>
             <a:endCxn id="9" idx="3"/>
           </p:cNvCxnSpPr>
@@ -5911,15 +7966,8 @@
       </p:cxnSp>
       <p:cxnSp>
         <p:nvCxnSpPr>
-          <p:cNvPr id="38" name="直接箭头连接符 37">
-            <a:extLst>
-              <a:ext uri="{FF2B5EF4-FFF2-40B4-BE49-F238E27FC236}">
-                <a16:creationId xmlns:a16="http://schemas.microsoft.com/office/drawing/2014/main" id="{11173D0F-8CF8-B86E-CAD1-1711725A6692}"/>
-              </a:ext>
-            </a:extLst>
-          </p:cNvPr>
+          <p:cNvPr id="38" name="直接箭头连接符 37"/>
           <p:cNvCxnSpPr>
-            <a:cxnSpLocks/>
             <a:stCxn id="28" idx="2"/>
             <a:endCxn id="10" idx="1"/>
           </p:cNvCxnSpPr>
@@ -5956,16 +8004,8 @@
       </p:cxnSp>
       <p:cxnSp>
         <p:nvCxnSpPr>
-          <p:cNvPr id="42" name="直接箭头连接符 41">
-            <a:extLst>
-              <a:ext uri="{FF2B5EF4-FFF2-40B4-BE49-F238E27FC236}">
-                <a16:creationId xmlns:a16="http://schemas.microsoft.com/office/drawing/2014/main" id="{9BEEBFA1-07FB-6E24-7978-1468A34E2A42}"/>
-              </a:ext>
-            </a:extLst>
-          </p:cNvPr>
-          <p:cNvCxnSpPr>
-            <a:cxnSpLocks/>
-          </p:cNvCxnSpPr>
+          <p:cNvPr id="42" name="直接箭头连接符 41"/>
+          <p:cNvCxnSpPr/>
           <p:nvPr/>
         </p:nvCxnSpPr>
         <p:spPr>
@@ -6002,13 +8042,7 @@
       </p:cxnSp>
       <p:sp>
         <p:nvSpPr>
-          <p:cNvPr id="43" name="文本框 42">
-            <a:extLst>
-              <a:ext uri="{FF2B5EF4-FFF2-40B4-BE49-F238E27FC236}">
-                <a16:creationId xmlns:a16="http://schemas.microsoft.com/office/drawing/2014/main" id="{A54F62CB-FBCE-8A3E-9672-138727FB220C}"/>
-              </a:ext>
-            </a:extLst>
-          </p:cNvPr>
+          <p:cNvPr id="43" name="文本框 42"/>
           <p:cNvSpPr txBox="1"/>
           <p:nvPr/>
         </p:nvSpPr>
@@ -6038,15 +8072,8 @@
       </p:sp>
       <p:cxnSp>
         <p:nvCxnSpPr>
-          <p:cNvPr id="44" name="直接箭头连接符 43">
-            <a:extLst>
-              <a:ext uri="{FF2B5EF4-FFF2-40B4-BE49-F238E27FC236}">
-                <a16:creationId xmlns:a16="http://schemas.microsoft.com/office/drawing/2014/main" id="{2B287E5D-A109-FA62-FB35-3019AF301576}"/>
-              </a:ext>
-            </a:extLst>
-          </p:cNvPr>
+          <p:cNvPr id="44" name="直接箭头连接符 43"/>
           <p:cNvCxnSpPr>
-            <a:cxnSpLocks/>
             <a:stCxn id="4" idx="2"/>
             <a:endCxn id="5" idx="0"/>
           </p:cNvCxnSpPr>
@@ -6086,15 +8113,8 @@
       </p:cxnSp>
       <p:cxnSp>
         <p:nvCxnSpPr>
-          <p:cNvPr id="48" name="直接箭头连接符 47">
-            <a:extLst>
-              <a:ext uri="{FF2B5EF4-FFF2-40B4-BE49-F238E27FC236}">
-                <a16:creationId xmlns:a16="http://schemas.microsoft.com/office/drawing/2014/main" id="{CE6704EA-C7DA-D503-9A7C-E676176E9D5F}"/>
-              </a:ext>
-            </a:extLst>
-          </p:cNvPr>
+          <p:cNvPr id="48" name="直接箭头连接符 47"/>
           <p:cNvCxnSpPr>
-            <a:cxnSpLocks/>
             <a:stCxn id="28" idx="2"/>
           </p:cNvCxnSpPr>
           <p:nvPr/>
@@ -6133,15 +8153,8 @@
       </p:cxnSp>
       <p:cxnSp>
         <p:nvCxnSpPr>
-          <p:cNvPr id="51" name="直接箭头连接符 50">
-            <a:extLst>
-              <a:ext uri="{FF2B5EF4-FFF2-40B4-BE49-F238E27FC236}">
-                <a16:creationId xmlns:a16="http://schemas.microsoft.com/office/drawing/2014/main" id="{3B115C29-9F5A-E3C6-6854-DE033ADF9EE5}"/>
-              </a:ext>
-            </a:extLst>
-          </p:cNvPr>
+          <p:cNvPr id="51" name="直接箭头连接符 50"/>
           <p:cNvCxnSpPr>
-            <a:cxnSpLocks/>
             <a:stCxn id="5" idx="2"/>
           </p:cNvCxnSpPr>
           <p:nvPr/>
@@ -6180,15 +8193,8 @@
       </p:cxnSp>
       <p:cxnSp>
         <p:nvCxnSpPr>
-          <p:cNvPr id="53" name="直接箭头连接符 52">
-            <a:extLst>
-              <a:ext uri="{FF2B5EF4-FFF2-40B4-BE49-F238E27FC236}">
-                <a16:creationId xmlns:a16="http://schemas.microsoft.com/office/drawing/2014/main" id="{D708D6C8-32B5-B2A3-5CC0-E2EE24F71382}"/>
-              </a:ext>
-            </a:extLst>
-          </p:cNvPr>
+          <p:cNvPr id="53" name="直接箭头连接符 52"/>
           <p:cNvCxnSpPr>
-            <a:cxnSpLocks/>
             <a:stCxn id="7" idx="2"/>
             <a:endCxn id="9" idx="0"/>
           </p:cNvCxnSpPr>
@@ -6228,15 +8234,8 @@
       </p:cxnSp>
       <p:cxnSp>
         <p:nvCxnSpPr>
-          <p:cNvPr id="56" name="直接箭头连接符 55">
-            <a:extLst>
-              <a:ext uri="{FF2B5EF4-FFF2-40B4-BE49-F238E27FC236}">
-                <a16:creationId xmlns:a16="http://schemas.microsoft.com/office/drawing/2014/main" id="{0D85B570-802E-9794-470E-871D462F0C83}"/>
-              </a:ext>
-            </a:extLst>
-          </p:cNvPr>
+          <p:cNvPr id="56" name="直接箭头连接符 55"/>
           <p:cNvCxnSpPr>
-            <a:cxnSpLocks/>
             <a:stCxn id="8" idx="2"/>
           </p:cNvCxnSpPr>
           <p:nvPr/>
@@ -6275,15 +8274,8 @@
       </p:cxnSp>
       <p:cxnSp>
         <p:nvCxnSpPr>
-          <p:cNvPr id="60" name="直接箭头连接符 59">
-            <a:extLst>
-              <a:ext uri="{FF2B5EF4-FFF2-40B4-BE49-F238E27FC236}">
-                <a16:creationId xmlns:a16="http://schemas.microsoft.com/office/drawing/2014/main" id="{DE8466BC-A9E0-605F-B6C3-397DD021BC0A}"/>
-              </a:ext>
-            </a:extLst>
-          </p:cNvPr>
+          <p:cNvPr id="60" name="直接箭头连接符 59"/>
           <p:cNvCxnSpPr>
-            <a:cxnSpLocks/>
             <a:stCxn id="28" idx="2"/>
             <a:endCxn id="8" idx="0"/>
           </p:cNvCxnSpPr>
@@ -6322,11 +8314,6 @@
         </p:style>
       </p:cxnSp>
     </p:spTree>
-    <p:extLst>
-      <p:ext uri="{BB962C8B-B14F-4D97-AF65-F5344CB8AC3E}">
-        <p14:creationId xmlns:p14="http://schemas.microsoft.com/office/powerpoint/2010/main" val="2620622343"/>
-      </p:ext>
-    </p:extLst>
   </p:cSld>
   <p:clrMapOvr>
     <a:masterClrMapping/>
@@ -6339,13 +8326,7 @@
   <p:cSld>
     <p:spTree>
       <p:nvGrpSpPr>
-        <p:cNvPr id="1" name="">
-          <a:extLst>
-            <a:ext uri="{FF2B5EF4-FFF2-40B4-BE49-F238E27FC236}">
-              <a16:creationId xmlns:a16="http://schemas.microsoft.com/office/drawing/2014/main" id="{4F5CC661-744E-8FC7-B5A9-547CFF042AF6}"/>
-            </a:ext>
-          </a:extLst>
-        </p:cNvPr>
+        <p:cNvPr id="1" name=""/>
         <p:cNvGrpSpPr/>
         <p:nvPr/>
       </p:nvGrpSpPr>
@@ -6359,13 +8340,7 @@
       </p:grpSpPr>
       <p:sp>
         <p:nvSpPr>
-          <p:cNvPr id="4" name="矩形: 圆角 3">
-            <a:extLst>
-              <a:ext uri="{FF2B5EF4-FFF2-40B4-BE49-F238E27FC236}">
-                <a16:creationId xmlns:a16="http://schemas.microsoft.com/office/drawing/2014/main" id="{3A7A2FA0-1144-E7C1-9567-8E5013991D6E}"/>
-              </a:ext>
-            </a:extLst>
-          </p:cNvPr>
+          <p:cNvPr id="4" name="矩形: 圆角 3"/>
           <p:cNvSpPr/>
           <p:nvPr/>
         </p:nvSpPr>
@@ -6401,6 +8376,7 @@
               <a:rPr lang="en-US" altLang="zh-CN" dirty="0"/>
               <a:t>distribute</a:t>
             </a:r>
+            <a:endParaRPr lang="en-US" altLang="zh-CN" dirty="0"/>
           </a:p>
           <a:p>
             <a:pPr algn="ctr"/>
@@ -6414,13 +8390,7 @@
       </p:sp>
       <p:sp>
         <p:nvSpPr>
-          <p:cNvPr id="5" name="矩形 4">
-            <a:extLst>
-              <a:ext uri="{FF2B5EF4-FFF2-40B4-BE49-F238E27FC236}">
-                <a16:creationId xmlns:a16="http://schemas.microsoft.com/office/drawing/2014/main" id="{9873580A-2CA0-AA12-DECA-ED5496CF8B65}"/>
-              </a:ext>
-            </a:extLst>
-          </p:cNvPr>
+          <p:cNvPr id="5" name="矩形 4"/>
           <p:cNvSpPr/>
           <p:nvPr/>
         </p:nvSpPr>
@@ -6456,6 +8426,7 @@
               <a:rPr lang="en-US" altLang="zh-CN" dirty="0"/>
               <a:t>os01</a:t>
             </a:r>
+            <a:endParaRPr lang="en-US" altLang="zh-CN" dirty="0"/>
           </a:p>
           <a:p>
             <a:pPr algn="ctr"/>
@@ -6469,13 +8440,7 @@
       </p:sp>
       <p:sp>
         <p:nvSpPr>
-          <p:cNvPr id="6" name="矩形 5">
-            <a:extLst>
-              <a:ext uri="{FF2B5EF4-FFF2-40B4-BE49-F238E27FC236}">
-                <a16:creationId xmlns:a16="http://schemas.microsoft.com/office/drawing/2014/main" id="{311F0F7E-5A4B-1F4F-5923-C50D9568CBC6}"/>
-              </a:ext>
-            </a:extLst>
-          </p:cNvPr>
+          <p:cNvPr id="6" name="矩形 5"/>
           <p:cNvSpPr/>
           <p:nvPr/>
         </p:nvSpPr>
@@ -6511,6 +8476,7 @@
               <a:rPr lang="en-US" altLang="zh-CN" dirty="0"/>
               <a:t>os02</a:t>
             </a:r>
+            <a:endParaRPr lang="en-US" altLang="zh-CN" dirty="0"/>
           </a:p>
           <a:p>
             <a:pPr algn="ctr"/>
@@ -6524,13 +8490,7 @@
       </p:sp>
       <p:sp>
         <p:nvSpPr>
-          <p:cNvPr id="7" name="矩形 6">
-            <a:extLst>
-              <a:ext uri="{FF2B5EF4-FFF2-40B4-BE49-F238E27FC236}">
-                <a16:creationId xmlns:a16="http://schemas.microsoft.com/office/drawing/2014/main" id="{A63DE8C0-E203-55F9-9FEF-4E57D95B4649}"/>
-              </a:ext>
-            </a:extLst>
-          </p:cNvPr>
+          <p:cNvPr id="7" name="矩形 6"/>
           <p:cNvSpPr/>
           <p:nvPr/>
         </p:nvSpPr>
@@ -6566,6 +8526,7 @@
               <a:rPr lang="en-US" altLang="zh-CN" dirty="0"/>
               <a:t>os03</a:t>
             </a:r>
+            <a:endParaRPr lang="en-US" altLang="zh-CN" dirty="0"/>
           </a:p>
           <a:p>
             <a:pPr algn="ctr"/>
@@ -6579,13 +8540,7 @@
       </p:sp>
       <p:sp>
         <p:nvSpPr>
-          <p:cNvPr id="8" name="矩形 7">
-            <a:extLst>
-              <a:ext uri="{FF2B5EF4-FFF2-40B4-BE49-F238E27FC236}">
-                <a16:creationId xmlns:a16="http://schemas.microsoft.com/office/drawing/2014/main" id="{7E83B184-18CA-C605-CF20-E0F8A0500785}"/>
-              </a:ext>
-            </a:extLst>
-          </p:cNvPr>
+          <p:cNvPr id="8" name="矩形 7"/>
           <p:cNvSpPr/>
           <p:nvPr/>
         </p:nvSpPr>
@@ -6621,6 +8576,7 @@
               <a:rPr lang="en-US" altLang="zh-CN" dirty="0"/>
               <a:t>os05</a:t>
             </a:r>
+            <a:endParaRPr lang="en-US" altLang="zh-CN" dirty="0"/>
           </a:p>
           <a:p>
             <a:pPr algn="ctr"/>
@@ -6634,13 +8590,7 @@
       </p:sp>
       <p:sp>
         <p:nvSpPr>
-          <p:cNvPr id="9" name="矩形 8">
-            <a:extLst>
-              <a:ext uri="{FF2B5EF4-FFF2-40B4-BE49-F238E27FC236}">
-                <a16:creationId xmlns:a16="http://schemas.microsoft.com/office/drawing/2014/main" id="{4BD1FA4B-8AA2-5B52-89C8-9DE98DDC32C4}"/>
-              </a:ext>
-            </a:extLst>
-          </p:cNvPr>
+          <p:cNvPr id="9" name="矩形 8"/>
           <p:cNvSpPr/>
           <p:nvPr/>
         </p:nvSpPr>
@@ -6676,6 +8626,7 @@
               <a:rPr lang="en-US" altLang="zh-CN" dirty="0"/>
               <a:t>os04</a:t>
             </a:r>
+            <a:endParaRPr lang="en-US" altLang="zh-CN" dirty="0"/>
           </a:p>
           <a:p>
             <a:pPr algn="ctr"/>
@@ -6689,13 +8640,7 @@
       </p:sp>
       <p:sp>
         <p:nvSpPr>
-          <p:cNvPr id="10" name="矩形 9">
-            <a:extLst>
-              <a:ext uri="{FF2B5EF4-FFF2-40B4-BE49-F238E27FC236}">
-                <a16:creationId xmlns:a16="http://schemas.microsoft.com/office/drawing/2014/main" id="{D6F56E9A-1DCC-A603-1BE3-6CFA64D9FDA4}"/>
-              </a:ext>
-            </a:extLst>
-          </p:cNvPr>
+          <p:cNvPr id="10" name="矩形 9"/>
           <p:cNvSpPr/>
           <p:nvPr/>
         </p:nvSpPr>
@@ -6731,6 +8676,7 @@
               <a:rPr lang="en-US" altLang="zh-CN" dirty="0"/>
               <a:t>os06</a:t>
             </a:r>
+            <a:endParaRPr lang="en-US" altLang="zh-CN" dirty="0"/>
           </a:p>
           <a:p>
             <a:pPr algn="ctr"/>
@@ -6744,13 +8690,7 @@
       </p:sp>
       <p:sp>
         <p:nvSpPr>
-          <p:cNvPr id="11" name="文本框 10">
-            <a:extLst>
-              <a:ext uri="{FF2B5EF4-FFF2-40B4-BE49-F238E27FC236}">
-                <a16:creationId xmlns:a16="http://schemas.microsoft.com/office/drawing/2014/main" id="{38E05054-00FD-0B92-A646-97FCC48F64DD}"/>
-              </a:ext>
-            </a:extLst>
-          </p:cNvPr>
+          <p:cNvPr id="11" name="文本框 10"/>
           <p:cNvSpPr txBox="1"/>
           <p:nvPr/>
         </p:nvSpPr>
@@ -6807,18 +8747,13 @@
               <a:rPr lang="zh-CN" altLang="en-US" dirty="0"/>
               <a:t>个节点</a:t>
             </a:r>
-          </a:p>
-        </p:txBody>
-      </p:sp>
-      <p:sp>
-        <p:nvSpPr>
-          <p:cNvPr id="13" name="文本框 12">
-            <a:extLst>
-              <a:ext uri="{FF2B5EF4-FFF2-40B4-BE49-F238E27FC236}">
-                <a16:creationId xmlns:a16="http://schemas.microsoft.com/office/drawing/2014/main" id="{0B42AAFC-0979-9749-5357-2CB0F27B0927}"/>
-              </a:ext>
-            </a:extLst>
-          </p:cNvPr>
+            <a:endParaRPr lang="zh-CN" altLang="en-US" dirty="0"/>
+          </a:p>
+        </p:txBody>
+      </p:sp>
+      <p:sp>
+        <p:nvSpPr>
+          <p:cNvPr id="13" name="文本框 12"/>
           <p:cNvSpPr txBox="1"/>
           <p:nvPr/>
         </p:nvSpPr>
@@ -6901,21 +8836,14 @@
               <a:rPr lang="zh-CN" altLang="en-US" sz="1200" dirty="0"/>
               <a:t>名称近似等四种选择方式</a:t>
             </a:r>
+            <a:endParaRPr lang="zh-CN" altLang="en-US" sz="1200" dirty="0"/>
           </a:p>
         </p:txBody>
       </p:sp>
       <p:cxnSp>
         <p:nvCxnSpPr>
-          <p:cNvPr id="17" name="直接箭头连接符 16">
-            <a:extLst>
-              <a:ext uri="{FF2B5EF4-FFF2-40B4-BE49-F238E27FC236}">
-                <a16:creationId xmlns:a16="http://schemas.microsoft.com/office/drawing/2014/main" id="{07A0F379-C6C9-CDEF-82C2-8D6653680BFD}"/>
-              </a:ext>
-            </a:extLst>
-          </p:cNvPr>
-          <p:cNvCxnSpPr>
-            <a:cxnSpLocks/>
-          </p:cNvCxnSpPr>
+          <p:cNvPr id="17" name="直接箭头连接符 16"/>
+          <p:cNvCxnSpPr/>
           <p:nvPr/>
         </p:nvCxnSpPr>
         <p:spPr>
@@ -6952,13 +8880,7 @@
       </p:cxnSp>
       <p:sp>
         <p:nvSpPr>
-          <p:cNvPr id="2" name="文本框 1">
-            <a:extLst>
-              <a:ext uri="{FF2B5EF4-FFF2-40B4-BE49-F238E27FC236}">
-                <a16:creationId xmlns:a16="http://schemas.microsoft.com/office/drawing/2014/main" id="{B95C2CDF-EBBE-5415-7849-A765E4B3AE3A}"/>
-              </a:ext>
-            </a:extLst>
-          </p:cNvPr>
+          <p:cNvPr id="2" name="文本框 1"/>
           <p:cNvSpPr txBox="1"/>
           <p:nvPr/>
         </p:nvSpPr>
@@ -6992,13 +8914,7 @@
       </p:sp>
       <p:sp>
         <p:nvSpPr>
-          <p:cNvPr id="3" name="文本框 2">
-            <a:extLst>
-              <a:ext uri="{FF2B5EF4-FFF2-40B4-BE49-F238E27FC236}">
-                <a16:creationId xmlns:a16="http://schemas.microsoft.com/office/drawing/2014/main" id="{CC4F02AC-A69A-CF93-CE01-4BB77A482001}"/>
-              </a:ext>
-            </a:extLst>
-          </p:cNvPr>
+          <p:cNvPr id="3" name="文本框 2"/>
           <p:cNvSpPr txBox="1"/>
           <p:nvPr/>
         </p:nvSpPr>
@@ -7032,13 +8948,7 @@
       </p:sp>
       <p:sp>
         <p:nvSpPr>
-          <p:cNvPr id="12" name="文本框 11">
-            <a:extLst>
-              <a:ext uri="{FF2B5EF4-FFF2-40B4-BE49-F238E27FC236}">
-                <a16:creationId xmlns:a16="http://schemas.microsoft.com/office/drawing/2014/main" id="{7AF35ED6-9E9B-A17E-A511-5E342FFAA30A}"/>
-              </a:ext>
-            </a:extLst>
-          </p:cNvPr>
+          <p:cNvPr id="12" name="文本框 11"/>
           <p:cNvSpPr txBox="1"/>
           <p:nvPr/>
         </p:nvSpPr>
@@ -7072,13 +8982,7 @@
       </p:sp>
       <p:sp>
         <p:nvSpPr>
-          <p:cNvPr id="14" name="文本框 13">
-            <a:extLst>
-              <a:ext uri="{FF2B5EF4-FFF2-40B4-BE49-F238E27FC236}">
-                <a16:creationId xmlns:a16="http://schemas.microsoft.com/office/drawing/2014/main" id="{63E4FC04-33C1-D2E1-10F7-E543E8DCBB5A}"/>
-              </a:ext>
-            </a:extLst>
-          </p:cNvPr>
+          <p:cNvPr id="14" name="文本框 13"/>
           <p:cNvSpPr txBox="1"/>
           <p:nvPr/>
         </p:nvSpPr>
@@ -7112,13 +9016,7 @@
       </p:sp>
       <p:sp>
         <p:nvSpPr>
-          <p:cNvPr id="18" name="文本框 17">
-            <a:extLst>
-              <a:ext uri="{FF2B5EF4-FFF2-40B4-BE49-F238E27FC236}">
-                <a16:creationId xmlns:a16="http://schemas.microsoft.com/office/drawing/2014/main" id="{7FF86714-EDD0-E843-E3F6-D23F614E958E}"/>
-              </a:ext>
-            </a:extLst>
-          </p:cNvPr>
+          <p:cNvPr id="18" name="文本框 17"/>
           <p:cNvSpPr txBox="1"/>
           <p:nvPr/>
         </p:nvSpPr>
@@ -7152,13 +9050,7 @@
       </p:sp>
       <p:sp>
         <p:nvSpPr>
-          <p:cNvPr id="20" name="文本框 19">
-            <a:extLst>
-              <a:ext uri="{FF2B5EF4-FFF2-40B4-BE49-F238E27FC236}">
-                <a16:creationId xmlns:a16="http://schemas.microsoft.com/office/drawing/2014/main" id="{7194568C-1D3D-609C-E10A-4515AEBD0EE7}"/>
-              </a:ext>
-            </a:extLst>
-          </p:cNvPr>
+          <p:cNvPr id="20" name="文本框 19"/>
           <p:cNvSpPr txBox="1"/>
           <p:nvPr/>
         </p:nvSpPr>
@@ -7192,16 +9084,8 @@
       </p:sp>
       <p:cxnSp>
         <p:nvCxnSpPr>
-          <p:cNvPr id="22" name="直接箭头连接符 21">
-            <a:extLst>
-              <a:ext uri="{FF2B5EF4-FFF2-40B4-BE49-F238E27FC236}">
-                <a16:creationId xmlns:a16="http://schemas.microsoft.com/office/drawing/2014/main" id="{C1C585F9-E2F8-750B-C7EE-131D9B523FB8}"/>
-              </a:ext>
-            </a:extLst>
-          </p:cNvPr>
-          <p:cNvCxnSpPr>
-            <a:cxnSpLocks/>
-          </p:cNvCxnSpPr>
+          <p:cNvPr id="22" name="直接箭头连接符 21"/>
+          <p:cNvCxnSpPr/>
           <p:nvPr/>
         </p:nvCxnSpPr>
         <p:spPr>
@@ -7238,15 +9122,8 @@
       </p:cxnSp>
       <p:cxnSp>
         <p:nvCxnSpPr>
-          <p:cNvPr id="23" name="直接箭头连接符 22">
-            <a:extLst>
-              <a:ext uri="{FF2B5EF4-FFF2-40B4-BE49-F238E27FC236}">
-                <a16:creationId xmlns:a16="http://schemas.microsoft.com/office/drawing/2014/main" id="{215FCACE-C418-1E28-0C8C-233191A34F1C}"/>
-              </a:ext>
-            </a:extLst>
-          </p:cNvPr>
+          <p:cNvPr id="23" name="直接箭头连接符 22"/>
           <p:cNvCxnSpPr>
-            <a:cxnSpLocks/>
             <a:stCxn id="4" idx="2"/>
             <a:endCxn id="9" idx="0"/>
           </p:cNvCxnSpPr>
@@ -7286,15 +9163,8 @@
       </p:cxnSp>
       <p:cxnSp>
         <p:nvCxnSpPr>
-          <p:cNvPr id="27" name="直接箭头连接符 26">
-            <a:extLst>
-              <a:ext uri="{FF2B5EF4-FFF2-40B4-BE49-F238E27FC236}">
-                <a16:creationId xmlns:a16="http://schemas.microsoft.com/office/drawing/2014/main" id="{3294CEEF-DCE4-D3CC-4546-438ABBB17167}"/>
-              </a:ext>
-            </a:extLst>
-          </p:cNvPr>
+          <p:cNvPr id="27" name="直接箭头连接符 26"/>
           <p:cNvCxnSpPr>
-            <a:cxnSpLocks/>
             <a:stCxn id="4" idx="2"/>
             <a:endCxn id="8" idx="0"/>
           </p:cNvCxnSpPr>
@@ -7333,11 +9203,6 @@
         </p:style>
       </p:cxnSp>
     </p:spTree>
-    <p:extLst>
-      <p:ext uri="{BB962C8B-B14F-4D97-AF65-F5344CB8AC3E}">
-        <p14:creationId xmlns:p14="http://schemas.microsoft.com/office/powerpoint/2010/main" val="2077854990"/>
-      </p:ext>
-    </p:extLst>
   </p:cSld>
   <p:clrMapOvr>
     <a:masterClrMapping/>
@@ -7350,13 +9215,7 @@
   <p:cSld>
     <p:spTree>
       <p:nvGrpSpPr>
-        <p:cNvPr id="1" name="">
-          <a:extLst>
-            <a:ext uri="{FF2B5EF4-FFF2-40B4-BE49-F238E27FC236}">
-              <a16:creationId xmlns:a16="http://schemas.microsoft.com/office/drawing/2014/main" id="{1DE6E577-C093-E129-331B-F42873022526}"/>
-            </a:ext>
-          </a:extLst>
-        </p:cNvPr>
+        <p:cNvPr id="1" name=""/>
         <p:cNvGrpSpPr/>
         <p:nvPr/>
       </p:nvGrpSpPr>
@@ -7370,13 +9229,7 @@
       </p:grpSpPr>
       <p:sp>
         <p:nvSpPr>
-          <p:cNvPr id="38" name="矩形: 圆角 37">
-            <a:extLst>
-              <a:ext uri="{FF2B5EF4-FFF2-40B4-BE49-F238E27FC236}">
-                <a16:creationId xmlns:a16="http://schemas.microsoft.com/office/drawing/2014/main" id="{16930A1E-BB25-5BC2-9726-DE736D94496D}"/>
-              </a:ext>
-            </a:extLst>
-          </p:cNvPr>
+          <p:cNvPr id="38" name="矩形: 圆角 37"/>
           <p:cNvSpPr/>
           <p:nvPr/>
         </p:nvSpPr>
@@ -7417,13 +9270,7 @@
       </p:sp>
       <p:sp>
         <p:nvSpPr>
-          <p:cNvPr id="37" name="矩形: 圆角 36">
-            <a:extLst>
-              <a:ext uri="{FF2B5EF4-FFF2-40B4-BE49-F238E27FC236}">
-                <a16:creationId xmlns:a16="http://schemas.microsoft.com/office/drawing/2014/main" id="{E6DFF30F-45AF-06E5-0F20-A808489669E1}"/>
-              </a:ext>
-            </a:extLst>
-          </p:cNvPr>
+          <p:cNvPr id="37" name="矩形: 圆角 36"/>
           <p:cNvSpPr/>
           <p:nvPr/>
         </p:nvSpPr>
@@ -7464,13 +9311,7 @@
       </p:sp>
       <p:sp>
         <p:nvSpPr>
-          <p:cNvPr id="36" name="矩形: 圆角 35">
-            <a:extLst>
-              <a:ext uri="{FF2B5EF4-FFF2-40B4-BE49-F238E27FC236}">
-                <a16:creationId xmlns:a16="http://schemas.microsoft.com/office/drawing/2014/main" id="{17ABF4DC-A420-402D-7021-D440427B7ABD}"/>
-              </a:ext>
-            </a:extLst>
-          </p:cNvPr>
+          <p:cNvPr id="36" name="矩形: 圆角 35"/>
           <p:cNvSpPr/>
           <p:nvPr/>
         </p:nvSpPr>
@@ -7511,13 +9352,7 @@
       </p:sp>
       <p:sp>
         <p:nvSpPr>
-          <p:cNvPr id="4" name="矩形: 圆角 3">
-            <a:extLst>
-              <a:ext uri="{FF2B5EF4-FFF2-40B4-BE49-F238E27FC236}">
-                <a16:creationId xmlns:a16="http://schemas.microsoft.com/office/drawing/2014/main" id="{1146CABB-4770-ECE5-026B-6F4A6A8A00AF}"/>
-              </a:ext>
-            </a:extLst>
-          </p:cNvPr>
+          <p:cNvPr id="4" name="矩形: 圆角 3"/>
           <p:cNvSpPr/>
           <p:nvPr/>
         </p:nvSpPr>
@@ -7553,6 +9388,7 @@
               <a:rPr lang="en-US" altLang="zh-CN" dirty="0"/>
               <a:t>distribute</a:t>
             </a:r>
+            <a:endParaRPr lang="en-US" altLang="zh-CN" dirty="0"/>
           </a:p>
           <a:p>
             <a:pPr algn="ctr"/>
@@ -7566,13 +9402,7 @@
       </p:sp>
       <p:sp>
         <p:nvSpPr>
-          <p:cNvPr id="5" name="矩形 4">
-            <a:extLst>
-              <a:ext uri="{FF2B5EF4-FFF2-40B4-BE49-F238E27FC236}">
-                <a16:creationId xmlns:a16="http://schemas.microsoft.com/office/drawing/2014/main" id="{62A73BAB-BE1B-DC4E-0B01-0BA2CBDBEF78}"/>
-              </a:ext>
-            </a:extLst>
-          </p:cNvPr>
+          <p:cNvPr id="5" name="矩形 4"/>
           <p:cNvSpPr/>
           <p:nvPr/>
         </p:nvSpPr>
@@ -7608,6 +9438,7 @@
               <a:rPr lang="en-US" altLang="zh-CN" dirty="0"/>
               <a:t>os11</a:t>
             </a:r>
+            <a:endParaRPr lang="en-US" altLang="zh-CN" dirty="0"/>
           </a:p>
           <a:p>
             <a:pPr algn="ctr"/>
@@ -7615,18 +9446,13 @@
               <a:rPr lang="en-US" altLang="zh-CN" dirty="0"/>
               <a:t>share1 replica1</a:t>
             </a:r>
-          </a:p>
-        </p:txBody>
-      </p:sp>
-      <p:sp>
-        <p:nvSpPr>
-          <p:cNvPr id="6" name="矩形 5">
-            <a:extLst>
-              <a:ext uri="{FF2B5EF4-FFF2-40B4-BE49-F238E27FC236}">
-                <a16:creationId xmlns:a16="http://schemas.microsoft.com/office/drawing/2014/main" id="{9ECFC95B-D856-2E1C-8AC5-80C1B6942088}"/>
-              </a:ext>
-            </a:extLst>
-          </p:cNvPr>
+            <a:endParaRPr lang="en-US" altLang="zh-CN" dirty="0"/>
+          </a:p>
+        </p:txBody>
+      </p:sp>
+      <p:sp>
+        <p:nvSpPr>
+          <p:cNvPr id="6" name="矩形 5"/>
           <p:cNvSpPr/>
           <p:nvPr/>
         </p:nvSpPr>
@@ -7662,18 +9488,13 @@
               <a:rPr lang="en-US" altLang="zh-CN" dirty="0"/>
               <a:t>share1 replica2</a:t>
             </a:r>
-          </a:p>
-        </p:txBody>
-      </p:sp>
-      <p:sp>
-        <p:nvSpPr>
-          <p:cNvPr id="7" name="矩形 6">
-            <a:extLst>
-              <a:ext uri="{FF2B5EF4-FFF2-40B4-BE49-F238E27FC236}">
-                <a16:creationId xmlns:a16="http://schemas.microsoft.com/office/drawing/2014/main" id="{0FEA4411-CBDC-A909-1ADC-EBBB96A675C9}"/>
-              </a:ext>
-            </a:extLst>
-          </p:cNvPr>
+            <a:endParaRPr lang="en-US" altLang="zh-CN" dirty="0"/>
+          </a:p>
+        </p:txBody>
+      </p:sp>
+      <p:sp>
+        <p:nvSpPr>
+          <p:cNvPr id="7" name="矩形 6"/>
           <p:cNvSpPr/>
           <p:nvPr/>
         </p:nvSpPr>
@@ -7713,6 +9534,7 @@
               <a:rPr lang="en-US" altLang="zh-CN" dirty="0"/>
               <a:t>2</a:t>
             </a:r>
+            <a:endParaRPr lang="en-US" altLang="zh-CN" dirty="0"/>
           </a:p>
           <a:p>
             <a:pPr algn="ctr"/>
@@ -7720,18 +9542,13 @@
               <a:rPr lang="en-US" altLang="zh-CN" dirty="0"/>
               <a:t>share2 replica1</a:t>
             </a:r>
-          </a:p>
-        </p:txBody>
-      </p:sp>
-      <p:sp>
-        <p:nvSpPr>
-          <p:cNvPr id="9" name="矩形 8">
-            <a:extLst>
-              <a:ext uri="{FF2B5EF4-FFF2-40B4-BE49-F238E27FC236}">
-                <a16:creationId xmlns:a16="http://schemas.microsoft.com/office/drawing/2014/main" id="{4CF9A806-0E71-7F64-AED5-5A81CE708BEE}"/>
-              </a:ext>
-            </a:extLst>
-          </p:cNvPr>
+            <a:endParaRPr lang="en-US" altLang="zh-CN" dirty="0"/>
+          </a:p>
+        </p:txBody>
+      </p:sp>
+      <p:sp>
+        <p:nvSpPr>
+          <p:cNvPr id="9" name="矩形 8"/>
           <p:cNvSpPr/>
           <p:nvPr/>
         </p:nvSpPr>
@@ -7767,18 +9584,13 @@
               <a:rPr lang="en-US" altLang="zh-CN" dirty="0"/>
               <a:t>share2 replica2</a:t>
             </a:r>
-          </a:p>
-        </p:txBody>
-      </p:sp>
-      <p:sp>
-        <p:nvSpPr>
-          <p:cNvPr id="11" name="文本框 10">
-            <a:extLst>
-              <a:ext uri="{FF2B5EF4-FFF2-40B4-BE49-F238E27FC236}">
-                <a16:creationId xmlns:a16="http://schemas.microsoft.com/office/drawing/2014/main" id="{A6C4C215-393B-9370-F8C5-BFAF6929DB4A}"/>
-              </a:ext>
-            </a:extLst>
-          </p:cNvPr>
+            <a:endParaRPr lang="en-US" altLang="zh-CN" dirty="0"/>
+          </a:p>
+        </p:txBody>
+      </p:sp>
+      <p:sp>
+        <p:nvSpPr>
+          <p:cNvPr id="11" name="文本框 10"/>
           <p:cNvSpPr txBox="1"/>
           <p:nvPr/>
         </p:nvSpPr>
@@ -7835,21 +9647,14 @@
               <a:rPr lang="zh-CN" altLang="en-US" dirty="0"/>
               <a:t>个节点</a:t>
             </a:r>
+            <a:endParaRPr lang="zh-CN" altLang="en-US" dirty="0"/>
           </a:p>
         </p:txBody>
       </p:sp>
       <p:cxnSp>
         <p:nvCxnSpPr>
-          <p:cNvPr id="17" name="直接箭头连接符 16">
-            <a:extLst>
-              <a:ext uri="{FF2B5EF4-FFF2-40B4-BE49-F238E27FC236}">
-                <a16:creationId xmlns:a16="http://schemas.microsoft.com/office/drawing/2014/main" id="{D8AAA17B-5725-2651-C0AE-2FD43636A919}"/>
-              </a:ext>
-            </a:extLst>
-          </p:cNvPr>
-          <p:cNvCxnSpPr>
-            <a:cxnSpLocks/>
-          </p:cNvCxnSpPr>
+          <p:cNvPr id="17" name="直接箭头连接符 16"/>
+          <p:cNvCxnSpPr/>
           <p:nvPr/>
         </p:nvCxnSpPr>
         <p:spPr>
@@ -7886,15 +9691,8 @@
       </p:cxnSp>
       <p:cxnSp>
         <p:nvCxnSpPr>
-          <p:cNvPr id="22" name="直接箭头连接符 21">
-            <a:extLst>
-              <a:ext uri="{FF2B5EF4-FFF2-40B4-BE49-F238E27FC236}">
-                <a16:creationId xmlns:a16="http://schemas.microsoft.com/office/drawing/2014/main" id="{362D2014-D23D-FF4A-F47E-C7BE4B57BB9D}"/>
-              </a:ext>
-            </a:extLst>
-          </p:cNvPr>
+          <p:cNvPr id="22" name="直接箭头连接符 21"/>
           <p:cNvCxnSpPr>
-            <a:cxnSpLocks/>
             <a:stCxn id="4" idx="2"/>
             <a:endCxn id="5" idx="0"/>
           </p:cNvCxnSpPr>
@@ -7934,15 +9732,8 @@
       </p:cxnSp>
       <p:cxnSp>
         <p:nvCxnSpPr>
-          <p:cNvPr id="15" name="直接箭头连接符 14">
-            <a:extLst>
-              <a:ext uri="{FF2B5EF4-FFF2-40B4-BE49-F238E27FC236}">
-                <a16:creationId xmlns:a16="http://schemas.microsoft.com/office/drawing/2014/main" id="{BEAC9674-A433-B6C8-8DB9-434AA91E2FE2}"/>
-              </a:ext>
-            </a:extLst>
-          </p:cNvPr>
+          <p:cNvPr id="15" name="直接箭头连接符 14"/>
           <p:cNvCxnSpPr>
-            <a:cxnSpLocks/>
             <a:endCxn id="9" idx="0"/>
           </p:cNvCxnSpPr>
           <p:nvPr/>
@@ -7981,15 +9772,8 @@
       </p:cxnSp>
       <p:cxnSp>
         <p:nvCxnSpPr>
-          <p:cNvPr id="16" name="直接箭头连接符 15">
-            <a:extLst>
-              <a:ext uri="{FF2B5EF4-FFF2-40B4-BE49-F238E27FC236}">
-                <a16:creationId xmlns:a16="http://schemas.microsoft.com/office/drawing/2014/main" id="{9F8826BF-9708-9F9D-93DF-258D166CA435}"/>
-              </a:ext>
-            </a:extLst>
-          </p:cNvPr>
+          <p:cNvPr id="16" name="直接箭头连接符 15"/>
           <p:cNvCxnSpPr>
-            <a:cxnSpLocks/>
             <a:stCxn id="7" idx="2"/>
             <a:endCxn id="29" idx="0"/>
           </p:cNvCxnSpPr>
@@ -8029,15 +9813,8 @@
       </p:cxnSp>
       <p:cxnSp>
         <p:nvCxnSpPr>
-          <p:cNvPr id="19" name="直接箭头连接符 18">
-            <a:extLst>
-              <a:ext uri="{FF2B5EF4-FFF2-40B4-BE49-F238E27FC236}">
-                <a16:creationId xmlns:a16="http://schemas.microsoft.com/office/drawing/2014/main" id="{DD1EB2EC-C29D-2367-8CFE-1636FF9C88DB}"/>
-              </a:ext>
-            </a:extLst>
-          </p:cNvPr>
+          <p:cNvPr id="19" name="直接箭头连接符 18"/>
           <p:cNvCxnSpPr>
-            <a:cxnSpLocks/>
             <a:stCxn id="4" idx="2"/>
             <a:endCxn id="7" idx="0"/>
           </p:cNvCxnSpPr>
@@ -8077,13 +9854,7 @@
       </p:cxnSp>
       <p:sp>
         <p:nvSpPr>
-          <p:cNvPr id="28" name="矩形 27">
-            <a:extLst>
-              <a:ext uri="{FF2B5EF4-FFF2-40B4-BE49-F238E27FC236}">
-                <a16:creationId xmlns:a16="http://schemas.microsoft.com/office/drawing/2014/main" id="{DFE8BECD-7BD5-372D-0757-724F13A08C37}"/>
-              </a:ext>
-            </a:extLst>
-          </p:cNvPr>
+          <p:cNvPr id="28" name="矩形 27"/>
           <p:cNvSpPr/>
           <p:nvPr/>
         </p:nvSpPr>
@@ -8119,6 +9890,7 @@
               <a:rPr lang="en-US" altLang="zh-CN" dirty="0"/>
               <a:t>os13</a:t>
             </a:r>
+            <a:endParaRPr lang="en-US" altLang="zh-CN" dirty="0"/>
           </a:p>
           <a:p>
             <a:pPr algn="ctr"/>
@@ -8126,18 +9898,13 @@
               <a:rPr lang="en-US" altLang="zh-CN" dirty="0"/>
               <a:t>share2 replica1</a:t>
             </a:r>
-          </a:p>
-        </p:txBody>
-      </p:sp>
-      <p:sp>
-        <p:nvSpPr>
-          <p:cNvPr id="29" name="矩形 28">
-            <a:extLst>
-              <a:ext uri="{FF2B5EF4-FFF2-40B4-BE49-F238E27FC236}">
-                <a16:creationId xmlns:a16="http://schemas.microsoft.com/office/drawing/2014/main" id="{7AC8E21C-C94B-06BC-4F30-AEF6A6DA8CA9}"/>
-              </a:ext>
-            </a:extLst>
-          </p:cNvPr>
+            <a:endParaRPr lang="en-US" altLang="zh-CN" dirty="0"/>
+          </a:p>
+        </p:txBody>
+      </p:sp>
+      <p:sp>
+        <p:nvSpPr>
+          <p:cNvPr id="29" name="矩形 28"/>
           <p:cNvSpPr/>
           <p:nvPr/>
         </p:nvSpPr>
@@ -8173,20 +9940,14 @@
               <a:rPr lang="en-US" altLang="zh-CN" dirty="0"/>
               <a:t>share2 replica2</a:t>
             </a:r>
+            <a:endParaRPr lang="en-US" altLang="zh-CN" dirty="0"/>
           </a:p>
         </p:txBody>
       </p:sp>
       <p:cxnSp>
         <p:nvCxnSpPr>
-          <p:cNvPr id="30" name="直接箭头连接符 29">
-            <a:extLst>
-              <a:ext uri="{FF2B5EF4-FFF2-40B4-BE49-F238E27FC236}">
-                <a16:creationId xmlns:a16="http://schemas.microsoft.com/office/drawing/2014/main" id="{6ABD2D6B-8853-8E3A-6097-B50B2730C1E5}"/>
-              </a:ext>
-            </a:extLst>
-          </p:cNvPr>
+          <p:cNvPr id="30" name="直接箭头连接符 29"/>
           <p:cNvCxnSpPr>
-            <a:cxnSpLocks/>
             <a:endCxn id="6" idx="0"/>
           </p:cNvCxnSpPr>
           <p:nvPr/>
@@ -8225,15 +9986,8 @@
       </p:cxnSp>
       <p:cxnSp>
         <p:nvCxnSpPr>
-          <p:cNvPr id="39" name="直接箭头连接符 38">
-            <a:extLst>
-              <a:ext uri="{FF2B5EF4-FFF2-40B4-BE49-F238E27FC236}">
-                <a16:creationId xmlns:a16="http://schemas.microsoft.com/office/drawing/2014/main" id="{EC2321B3-EE93-0923-9875-B8280223B287}"/>
-              </a:ext>
-            </a:extLst>
-          </p:cNvPr>
+          <p:cNvPr id="39" name="直接箭头连接符 38"/>
           <p:cNvCxnSpPr>
-            <a:cxnSpLocks/>
             <a:stCxn id="4" idx="2"/>
           </p:cNvCxnSpPr>
           <p:nvPr/>
@@ -8271,16 +10025,873 @@
         </p:style>
       </p:cxnSp>
     </p:spTree>
-    <p:extLst>
-      <p:ext uri="{BB962C8B-B14F-4D97-AF65-F5344CB8AC3E}">
-        <p14:creationId xmlns:p14="http://schemas.microsoft.com/office/powerpoint/2010/main" val="3599653581"/>
-      </p:ext>
-    </p:extLst>
   </p:cSld>
   <p:clrMapOvr>
     <a:masterClrMapping/>
   </p:clrMapOvr>
 </p:sld>
+</file>
+
+<file path=ppt/slides/slide7.xml><?xml version="1.0" encoding="utf-8"?>
+<p:sld xmlns:a="http://schemas.openxmlformats.org/drawingml/2006/main" xmlns:r="http://schemas.openxmlformats.org/officeDocument/2006/relationships" xmlns:p="http://schemas.openxmlformats.org/presentationml/2006/main">
+  <p:cSld>
+    <p:spTree>
+      <p:nvGrpSpPr>
+        <p:cNvPr id="1" name=""/>
+        <p:cNvGrpSpPr/>
+        <p:nvPr/>
+      </p:nvGrpSpPr>
+      <p:grpSpPr>
+        <a:xfrm>
+          <a:off x="0" y="0"/>
+          <a:ext cx="0" cy="0"/>
+          <a:chOff x="0" y="0"/>
+          <a:chExt cx="0" cy="0"/>
+        </a:xfrm>
+      </p:grpSpPr>
+      <p:sp>
+        <p:nvSpPr>
+          <p:cNvPr id="37" name="矩形: 圆角 36"/>
+          <p:cNvSpPr/>
+          <p:nvPr/>
+        </p:nvSpPr>
+        <p:spPr>
+          <a:xfrm>
+            <a:off x="3487421" y="3429000"/>
+            <a:ext cx="2341880" cy="3119120"/>
+          </a:xfrm>
+          <a:prstGeom prst="roundRect">
+            <a:avLst/>
+          </a:prstGeom>
+          <a:ln>
+            <a:prstDash val="dash"/>
+          </a:ln>
+        </p:spPr>
+        <p:style>
+          <a:lnRef idx="2">
+            <a:schemeClr val="accent1"/>
+          </a:lnRef>
+          <a:fillRef idx="1">
+            <a:schemeClr val="lt1"/>
+          </a:fillRef>
+          <a:effectRef idx="0">
+            <a:schemeClr val="accent1"/>
+          </a:effectRef>
+          <a:fontRef idx="minor">
+            <a:schemeClr val="dk1"/>
+          </a:fontRef>
+        </p:style>
+        <p:txBody>
+          <a:bodyPr rtlCol="0" anchor="ctr"/>
+          <a:lstStyle/>
+          <a:p>
+            <a:pPr algn="ctr"/>
+            <a:endParaRPr lang="zh-CN" altLang="en-US"/>
+          </a:p>
+        </p:txBody>
+      </p:sp>
+      <p:sp>
+        <p:nvSpPr>
+          <p:cNvPr id="36" name="矩形: 圆角 35"/>
+          <p:cNvSpPr/>
+          <p:nvPr/>
+        </p:nvSpPr>
+        <p:spPr>
+          <a:xfrm>
+            <a:off x="342392" y="3429001"/>
+            <a:ext cx="2341880" cy="3119120"/>
+          </a:xfrm>
+          <a:prstGeom prst="roundRect">
+            <a:avLst/>
+          </a:prstGeom>
+          <a:ln>
+            <a:prstDash val="dash"/>
+          </a:ln>
+        </p:spPr>
+        <p:style>
+          <a:lnRef idx="2">
+            <a:schemeClr val="accent1"/>
+          </a:lnRef>
+          <a:fillRef idx="1">
+            <a:schemeClr val="lt1"/>
+          </a:fillRef>
+          <a:effectRef idx="0">
+            <a:schemeClr val="accent1"/>
+          </a:effectRef>
+          <a:fontRef idx="minor">
+            <a:schemeClr val="dk1"/>
+          </a:fontRef>
+        </p:style>
+        <p:txBody>
+          <a:bodyPr rtlCol="0" anchor="ctr"/>
+          <a:lstStyle/>
+          <a:p>
+            <a:pPr algn="ctr"/>
+            <a:endParaRPr lang="zh-CN" altLang="en-US"/>
+          </a:p>
+        </p:txBody>
+      </p:sp>
+      <p:sp>
+        <p:nvSpPr>
+          <p:cNvPr id="4" name="矩形: 圆角 3"/>
+          <p:cNvSpPr/>
+          <p:nvPr/>
+        </p:nvSpPr>
+        <p:spPr>
+          <a:xfrm>
+            <a:off x="4434251" y="1471748"/>
+            <a:ext cx="2779939" cy="783771"/>
+          </a:xfrm>
+          <a:prstGeom prst="roundRect">
+            <a:avLst/>
+          </a:prstGeom>
+        </p:spPr>
+        <p:style>
+          <a:lnRef idx="1">
+            <a:schemeClr val="accent2"/>
+          </a:lnRef>
+          <a:fillRef idx="2">
+            <a:schemeClr val="accent2"/>
+          </a:fillRef>
+          <a:effectRef idx="1">
+            <a:schemeClr val="accent2"/>
+          </a:effectRef>
+          <a:fontRef idx="minor">
+            <a:schemeClr val="dk1"/>
+          </a:fontRef>
+        </p:style>
+        <p:txBody>
+          <a:bodyPr rtlCol="0" anchor="ctr"/>
+          <a:lstStyle/>
+          <a:p>
+            <a:pPr algn="ctr"/>
+            <a:r>
+              <a:rPr lang="en-US" altLang="zh-CN" dirty="0"/>
+              <a:t>distribute</a:t>
+            </a:r>
+            <a:endParaRPr lang="en-US" altLang="zh-CN" dirty="0"/>
+          </a:p>
+          <a:p>
+            <a:pPr algn="ctr"/>
+            <a:r>
+              <a:rPr lang="en-US" altLang="zh-CN" dirty="0"/>
+              <a:t>os11</a:t>
+            </a:r>
+            <a:endParaRPr lang="zh-CN" altLang="en-US" dirty="0"/>
+          </a:p>
+        </p:txBody>
+      </p:sp>
+      <p:sp>
+        <p:nvSpPr>
+          <p:cNvPr id="5" name="矩形 4"/>
+          <p:cNvSpPr/>
+          <p:nvPr/>
+        </p:nvSpPr>
+        <p:spPr>
+          <a:xfrm>
+            <a:off x="513116" y="4668523"/>
+            <a:ext cx="2000250" cy="640897"/>
+          </a:xfrm>
+          <a:prstGeom prst="rect">
+            <a:avLst/>
+          </a:prstGeom>
+        </p:spPr>
+        <p:style>
+          <a:lnRef idx="1">
+            <a:schemeClr val="accent5"/>
+          </a:lnRef>
+          <a:fillRef idx="2">
+            <a:schemeClr val="accent5"/>
+          </a:fillRef>
+          <a:effectRef idx="1">
+            <a:schemeClr val="accent5"/>
+          </a:effectRef>
+          <a:fontRef idx="minor">
+            <a:schemeClr val="dk1"/>
+          </a:fontRef>
+        </p:style>
+        <p:txBody>
+          <a:bodyPr rtlCol="0" anchor="ctr"/>
+          <a:lstStyle/>
+          <a:p>
+            <a:pPr algn="ctr"/>
+            <a:r>
+              <a:rPr lang="en-US" altLang="zh-CN" dirty="0"/>
+              <a:t>os11</a:t>
+            </a:r>
+            <a:endParaRPr lang="en-US" altLang="zh-CN" dirty="0"/>
+          </a:p>
+          <a:p>
+            <a:pPr algn="ctr"/>
+            <a:r>
+              <a:rPr lang="en-US" altLang="zh-CN" dirty="0"/>
+              <a:t>share1 replica1</a:t>
+            </a:r>
+            <a:endParaRPr lang="en-US" altLang="zh-CN" dirty="0"/>
+          </a:p>
+        </p:txBody>
+      </p:sp>
+      <p:sp>
+        <p:nvSpPr>
+          <p:cNvPr id="7" name="矩形 6"/>
+          <p:cNvSpPr/>
+          <p:nvPr/>
+        </p:nvSpPr>
+        <p:spPr>
+          <a:xfrm>
+            <a:off x="3703956" y="4668520"/>
+            <a:ext cx="2000250" cy="640897"/>
+          </a:xfrm>
+          <a:prstGeom prst="rect">
+            <a:avLst/>
+          </a:prstGeom>
+        </p:spPr>
+        <p:style>
+          <a:lnRef idx="1">
+            <a:schemeClr val="accent5"/>
+          </a:lnRef>
+          <a:fillRef idx="2">
+            <a:schemeClr val="accent5"/>
+          </a:fillRef>
+          <a:effectRef idx="1">
+            <a:schemeClr val="accent5"/>
+          </a:effectRef>
+          <a:fontRef idx="minor">
+            <a:schemeClr val="dk1"/>
+          </a:fontRef>
+        </p:style>
+        <p:txBody>
+          <a:bodyPr rtlCol="0" anchor="ctr"/>
+          <a:lstStyle/>
+          <a:p>
+            <a:pPr algn="ctr"/>
+            <a:r>
+              <a:rPr lang="en-US" altLang="zh-CN"/>
+              <a:t>os1</a:t>
+            </a:r>
+            <a:r>
+              <a:rPr lang="en-US" altLang="zh-CN" dirty="0"/>
+              <a:t>2</a:t>
+            </a:r>
+            <a:endParaRPr lang="en-US" altLang="zh-CN" dirty="0"/>
+          </a:p>
+          <a:p>
+            <a:pPr algn="ctr"/>
+            <a:r>
+              <a:rPr lang="en-US" altLang="zh-CN" dirty="0"/>
+              <a:t>share1 replica1</a:t>
+            </a:r>
+            <a:endParaRPr lang="en-US" altLang="zh-CN" dirty="0"/>
+          </a:p>
+        </p:txBody>
+      </p:sp>
+      <p:sp>
+        <p:nvSpPr>
+          <p:cNvPr id="11" name="文本框 10"/>
+          <p:cNvSpPr txBox="1"/>
+          <p:nvPr/>
+        </p:nvSpPr>
+        <p:spPr>
+          <a:xfrm>
+            <a:off x="4473416" y="385898"/>
+            <a:ext cx="2373630" cy="368300"/>
+          </a:xfrm>
+          <a:prstGeom prst="rect">
+            <a:avLst/>
+          </a:prstGeom>
+        </p:spPr>
+        <p:style>
+          <a:lnRef idx="2">
+            <a:schemeClr val="accent1"/>
+          </a:lnRef>
+          <a:fillRef idx="1">
+            <a:schemeClr val="lt1"/>
+          </a:fillRef>
+          <a:effectRef idx="0">
+            <a:schemeClr val="accent1"/>
+          </a:effectRef>
+          <a:fontRef idx="minor">
+            <a:schemeClr val="dk1"/>
+          </a:fontRef>
+        </p:style>
+        <p:txBody>
+          <a:bodyPr wrap="none" rtlCol="0">
+            <a:spAutoFit/>
+          </a:bodyPr>
+          <a:lstStyle/>
+          <a:p>
+            <a:r>
+              <a:rPr lang="en-US" altLang="zh-CN" dirty="0"/>
+              <a:t>4</a:t>
+            </a:r>
+            <a:r>
+              <a:rPr lang="zh-CN" altLang="en-US" dirty="0"/>
+              <a:t>分片</a:t>
+            </a:r>
+            <a:r>
+              <a:rPr lang="en-US" altLang="zh-CN" dirty="0"/>
+              <a:t>2</a:t>
+            </a:r>
+            <a:r>
+              <a:rPr lang="zh-CN" altLang="en-US" dirty="0"/>
+              <a:t>副本共</a:t>
+            </a:r>
+            <a:r>
+              <a:rPr lang="en-US" altLang="zh-CN" dirty="0"/>
+              <a:t>4</a:t>
+            </a:r>
+            <a:r>
+              <a:rPr lang="zh-CN" altLang="en-US" dirty="0"/>
+              <a:t>个节点</a:t>
+            </a:r>
+            <a:endParaRPr lang="zh-CN" altLang="en-US" dirty="0"/>
+          </a:p>
+        </p:txBody>
+      </p:sp>
+      <p:cxnSp>
+        <p:nvCxnSpPr>
+          <p:cNvPr id="17" name="直接箭头连接符 16"/>
+          <p:cNvCxnSpPr/>
+          <p:nvPr/>
+        </p:nvCxnSpPr>
+        <p:spPr>
+          <a:xfrm flipH="1">
+            <a:off x="5725171" y="923052"/>
+            <a:ext cx="1391909" cy="548696"/>
+          </a:xfrm>
+          <a:prstGeom prst="straightConnector1">
+            <a:avLst/>
+          </a:prstGeom>
+          <a:ln w="38100" cmpd="sng">
+            <a:solidFill>
+              <a:schemeClr val="accent5"/>
+            </a:solidFill>
+            <a:prstDash val="solid"/>
+            <a:round/>
+            <a:tailEnd type="triangle"/>
+          </a:ln>
+        </p:spPr>
+        <p:style>
+          <a:lnRef idx="3">
+            <a:schemeClr val="accent1"/>
+          </a:lnRef>
+          <a:fillRef idx="0">
+            <a:schemeClr val="accent1"/>
+          </a:fillRef>
+          <a:effectRef idx="2">
+            <a:schemeClr val="accent1"/>
+          </a:effectRef>
+          <a:fontRef idx="minor">
+            <a:schemeClr val="tx1"/>
+          </a:fontRef>
+        </p:style>
+      </p:cxnSp>
+      <p:cxnSp>
+        <p:nvCxnSpPr>
+          <p:cNvPr id="22" name="直接箭头连接符 21"/>
+          <p:cNvCxnSpPr>
+            <a:stCxn id="4" idx="2"/>
+            <a:endCxn id="5" idx="0"/>
+          </p:cNvCxnSpPr>
+          <p:nvPr/>
+        </p:nvCxnSpPr>
+        <p:spPr>
+          <a:xfrm flipH="1">
+            <a:off x="1513206" y="2255519"/>
+            <a:ext cx="4311015" cy="2413000"/>
+          </a:xfrm>
+          <a:prstGeom prst="straightConnector1">
+            <a:avLst/>
+          </a:prstGeom>
+          <a:ln w="25400" cmpd="sng">
+            <a:solidFill>
+              <a:srgbClr val="92D050"/>
+            </a:solidFill>
+            <a:prstDash val="solid"/>
+            <a:round/>
+            <a:tailEnd type="triangle"/>
+          </a:ln>
+        </p:spPr>
+        <p:style>
+          <a:lnRef idx="3">
+            <a:schemeClr val="accent1"/>
+          </a:lnRef>
+          <a:fillRef idx="0">
+            <a:schemeClr val="accent1"/>
+          </a:fillRef>
+          <a:effectRef idx="2">
+            <a:schemeClr val="accent1"/>
+          </a:effectRef>
+          <a:fontRef idx="minor">
+            <a:schemeClr val="tx1"/>
+          </a:fontRef>
+        </p:style>
+      </p:cxnSp>
+      <p:cxnSp>
+        <p:nvCxnSpPr>
+          <p:cNvPr id="15" name="直接箭头连接符 14"/>
+          <p:cNvCxnSpPr>
+            <a:stCxn id="5" idx="3"/>
+            <a:endCxn id="7" idx="1"/>
+          </p:cNvCxnSpPr>
+          <p:nvPr/>
+        </p:nvCxnSpPr>
+        <p:spPr>
+          <a:xfrm>
+            <a:off x="2513239" y="4989379"/>
+            <a:ext cx="1190625" cy="0"/>
+          </a:xfrm>
+          <a:prstGeom prst="straightConnector1">
+            <a:avLst/>
+          </a:prstGeom>
+          <a:ln w="25400" cmpd="sng">
+            <a:solidFill>
+              <a:srgbClr val="00B0F0"/>
+            </a:solidFill>
+            <a:prstDash val="solid"/>
+            <a:round/>
+            <a:tailEnd type="triangle"/>
+          </a:ln>
+        </p:spPr>
+        <p:style>
+          <a:lnRef idx="3">
+            <a:schemeClr val="accent1"/>
+          </a:lnRef>
+          <a:fillRef idx="0">
+            <a:schemeClr val="accent1"/>
+          </a:fillRef>
+          <a:effectRef idx="2">
+            <a:schemeClr val="accent1"/>
+          </a:effectRef>
+          <a:fontRef idx="minor">
+            <a:schemeClr val="tx1"/>
+          </a:fontRef>
+        </p:style>
+      </p:cxnSp>
+      <p:cxnSp>
+        <p:nvCxnSpPr>
+          <p:cNvPr id="19" name="直接箭头连接符 18"/>
+          <p:cNvCxnSpPr>
+            <a:stCxn id="4" idx="2"/>
+            <a:endCxn id="7" idx="0"/>
+          </p:cNvCxnSpPr>
+          <p:nvPr/>
+        </p:nvCxnSpPr>
+        <p:spPr>
+          <a:xfrm flipH="1">
+            <a:off x="4704081" y="2255519"/>
+            <a:ext cx="1120140" cy="2413000"/>
+          </a:xfrm>
+          <a:prstGeom prst="straightConnector1">
+            <a:avLst/>
+          </a:prstGeom>
+          <a:ln w="25400" cmpd="sng">
+            <a:solidFill>
+              <a:srgbClr val="92D050"/>
+            </a:solidFill>
+            <a:prstDash val="solid"/>
+            <a:round/>
+            <a:tailEnd type="triangle"/>
+          </a:ln>
+        </p:spPr>
+        <p:style>
+          <a:lnRef idx="3">
+            <a:schemeClr val="accent1"/>
+          </a:lnRef>
+          <a:fillRef idx="0">
+            <a:schemeClr val="accent1"/>
+          </a:fillRef>
+          <a:effectRef idx="2">
+            <a:schemeClr val="accent1"/>
+          </a:effectRef>
+          <a:fontRef idx="minor">
+            <a:schemeClr val="tx1"/>
+          </a:fontRef>
+        </p:style>
+      </p:cxnSp>
+      <p:sp>
+        <p:nvSpPr>
+          <p:cNvPr id="8" name="矩形: 圆角 36"/>
+          <p:cNvSpPr/>
+          <p:nvPr>
+            <p:custDataLst>
+              <p:tags r:id="rId1"/>
+            </p:custDataLst>
+          </p:nvPr>
+        </p:nvSpPr>
+        <p:spPr>
+          <a:xfrm>
+            <a:off x="9519921" y="3429000"/>
+            <a:ext cx="2341880" cy="3119120"/>
+          </a:xfrm>
+          <a:prstGeom prst="roundRect">
+            <a:avLst/>
+          </a:prstGeom>
+          <a:ln>
+            <a:prstDash val="dash"/>
+          </a:ln>
+        </p:spPr>
+        <p:style>
+          <a:lnRef idx="2">
+            <a:schemeClr val="accent1"/>
+          </a:lnRef>
+          <a:fillRef idx="1">
+            <a:schemeClr val="lt1"/>
+          </a:fillRef>
+          <a:effectRef idx="0">
+            <a:schemeClr val="accent1"/>
+          </a:effectRef>
+          <a:fontRef idx="minor">
+            <a:schemeClr val="dk1"/>
+          </a:fontRef>
+        </p:style>
+        <p:txBody>
+          <a:bodyPr rtlCol="0" anchor="ctr"/>
+          <a:p>
+            <a:pPr algn="ctr"/>
+            <a:endParaRPr lang="zh-CN" altLang="en-US"/>
+          </a:p>
+        </p:txBody>
+      </p:sp>
+      <p:sp>
+        <p:nvSpPr>
+          <p:cNvPr id="10" name="矩形: 圆角 35"/>
+          <p:cNvSpPr/>
+          <p:nvPr>
+            <p:custDataLst>
+              <p:tags r:id="rId2"/>
+            </p:custDataLst>
+          </p:nvPr>
+        </p:nvSpPr>
+        <p:spPr>
+          <a:xfrm>
+            <a:off x="6374892" y="3429001"/>
+            <a:ext cx="2341880" cy="3119120"/>
+          </a:xfrm>
+          <a:prstGeom prst="roundRect">
+            <a:avLst/>
+          </a:prstGeom>
+          <a:ln>
+            <a:prstDash val="dash"/>
+          </a:ln>
+        </p:spPr>
+        <p:style>
+          <a:lnRef idx="2">
+            <a:schemeClr val="accent1"/>
+          </a:lnRef>
+          <a:fillRef idx="1">
+            <a:schemeClr val="lt1"/>
+          </a:fillRef>
+          <a:effectRef idx="0">
+            <a:schemeClr val="accent1"/>
+          </a:effectRef>
+          <a:fontRef idx="minor">
+            <a:schemeClr val="dk1"/>
+          </a:fontRef>
+        </p:style>
+        <p:txBody>
+          <a:bodyPr rtlCol="0" anchor="ctr"/>
+          <a:p>
+            <a:pPr algn="ctr"/>
+            <a:endParaRPr lang="zh-CN" altLang="en-US"/>
+          </a:p>
+        </p:txBody>
+      </p:sp>
+      <p:sp>
+        <p:nvSpPr>
+          <p:cNvPr id="12" name="矩形 11"/>
+          <p:cNvSpPr/>
+          <p:nvPr>
+            <p:custDataLst>
+              <p:tags r:id="rId3"/>
+            </p:custDataLst>
+          </p:nvPr>
+        </p:nvSpPr>
+        <p:spPr>
+          <a:xfrm>
+            <a:off x="6545616" y="4668523"/>
+            <a:ext cx="2000250" cy="640897"/>
+          </a:xfrm>
+          <a:prstGeom prst="rect">
+            <a:avLst/>
+          </a:prstGeom>
+        </p:spPr>
+        <p:style>
+          <a:lnRef idx="1">
+            <a:schemeClr val="accent5"/>
+          </a:lnRef>
+          <a:fillRef idx="2">
+            <a:schemeClr val="accent5"/>
+          </a:fillRef>
+          <a:effectRef idx="1">
+            <a:schemeClr val="accent5"/>
+          </a:effectRef>
+          <a:fontRef idx="minor">
+            <a:schemeClr val="dk1"/>
+          </a:fontRef>
+        </p:style>
+        <p:txBody>
+          <a:bodyPr rtlCol="0" anchor="ctr"/>
+          <a:p>
+            <a:pPr algn="ctr"/>
+            <a:r>
+              <a:rPr lang="en-US" altLang="zh-CN" dirty="0"/>
+              <a:t>os13</a:t>
+            </a:r>
+            <a:endParaRPr lang="en-US" altLang="zh-CN" dirty="0"/>
+          </a:p>
+          <a:p>
+            <a:pPr algn="ctr"/>
+            <a:r>
+              <a:rPr lang="en-US" altLang="zh-CN" dirty="0"/>
+              <a:t>share3 replica1</a:t>
+            </a:r>
+            <a:endParaRPr lang="en-US" altLang="zh-CN" dirty="0"/>
+          </a:p>
+        </p:txBody>
+      </p:sp>
+      <p:sp>
+        <p:nvSpPr>
+          <p:cNvPr id="14" name="矩形 13"/>
+          <p:cNvSpPr/>
+          <p:nvPr>
+            <p:custDataLst>
+              <p:tags r:id="rId4"/>
+            </p:custDataLst>
+          </p:nvPr>
+        </p:nvSpPr>
+        <p:spPr>
+          <a:xfrm>
+            <a:off x="9693276" y="4668520"/>
+            <a:ext cx="2000250" cy="640897"/>
+          </a:xfrm>
+          <a:prstGeom prst="rect">
+            <a:avLst/>
+          </a:prstGeom>
+        </p:spPr>
+        <p:style>
+          <a:lnRef idx="1">
+            <a:schemeClr val="accent5"/>
+          </a:lnRef>
+          <a:fillRef idx="2">
+            <a:schemeClr val="accent5"/>
+          </a:fillRef>
+          <a:effectRef idx="1">
+            <a:schemeClr val="accent5"/>
+          </a:effectRef>
+          <a:fontRef idx="minor">
+            <a:schemeClr val="dk1"/>
+          </a:fontRef>
+        </p:style>
+        <p:txBody>
+          <a:bodyPr rtlCol="0" anchor="ctr"/>
+          <a:p>
+            <a:pPr algn="ctr"/>
+            <a:r>
+              <a:rPr lang="en-US" altLang="zh-CN"/>
+              <a:t>os14</a:t>
+            </a:r>
+            <a:endParaRPr lang="en-US" altLang="zh-CN" dirty="0"/>
+          </a:p>
+          <a:p>
+            <a:pPr algn="ctr"/>
+            <a:r>
+              <a:rPr lang="en-US" altLang="zh-CN" dirty="0"/>
+              <a:t>share3 replica1</a:t>
+            </a:r>
+            <a:endParaRPr lang="en-US" altLang="zh-CN" dirty="0"/>
+          </a:p>
+        </p:txBody>
+      </p:sp>
+      <p:cxnSp>
+        <p:nvCxnSpPr>
+          <p:cNvPr id="20" name="直接箭头连接符 19"/>
+          <p:cNvCxnSpPr>
+            <a:stCxn id="12" idx="3"/>
+            <a:endCxn id="14" idx="1"/>
+          </p:cNvCxnSpPr>
+          <p:nvPr>
+            <p:custDataLst>
+              <p:tags r:id="rId5"/>
+            </p:custDataLst>
+          </p:nvPr>
+        </p:nvCxnSpPr>
+        <p:spPr>
+          <a:xfrm>
+            <a:off x="8545739" y="4989379"/>
+            <a:ext cx="1147445" cy="0"/>
+          </a:xfrm>
+          <a:prstGeom prst="straightConnector1">
+            <a:avLst/>
+          </a:prstGeom>
+          <a:ln w="25400" cmpd="sng">
+            <a:solidFill>
+              <a:srgbClr val="00B0F0"/>
+            </a:solidFill>
+            <a:prstDash val="solid"/>
+            <a:round/>
+            <a:tailEnd type="triangle"/>
+          </a:ln>
+        </p:spPr>
+        <p:style>
+          <a:lnRef idx="3">
+            <a:schemeClr val="accent1"/>
+          </a:lnRef>
+          <a:fillRef idx="0">
+            <a:schemeClr val="accent1"/>
+          </a:fillRef>
+          <a:effectRef idx="2">
+            <a:schemeClr val="accent1"/>
+          </a:effectRef>
+          <a:fontRef idx="minor">
+            <a:schemeClr val="tx1"/>
+          </a:fontRef>
+        </p:style>
+      </p:cxnSp>
+      <p:cxnSp>
+        <p:nvCxnSpPr>
+          <p:cNvPr id="23" name="直接箭头连接符 22"/>
+          <p:cNvCxnSpPr>
+            <a:stCxn id="4" idx="2"/>
+            <a:endCxn id="12" idx="0"/>
+          </p:cNvCxnSpPr>
+          <p:nvPr>
+            <p:custDataLst>
+              <p:tags r:id="rId6"/>
+            </p:custDataLst>
+          </p:nvPr>
+        </p:nvCxnSpPr>
+        <p:spPr>
+          <a:xfrm>
+            <a:off x="5824221" y="2255519"/>
+            <a:ext cx="1721485" cy="2413000"/>
+          </a:xfrm>
+          <a:prstGeom prst="straightConnector1">
+            <a:avLst/>
+          </a:prstGeom>
+          <a:ln w="25400" cmpd="sng">
+            <a:solidFill>
+              <a:srgbClr val="92D050"/>
+            </a:solidFill>
+            <a:prstDash val="solid"/>
+            <a:round/>
+            <a:tailEnd type="triangle"/>
+          </a:ln>
+        </p:spPr>
+        <p:style>
+          <a:lnRef idx="3">
+            <a:schemeClr val="accent1"/>
+          </a:lnRef>
+          <a:fillRef idx="0">
+            <a:schemeClr val="accent1"/>
+          </a:fillRef>
+          <a:effectRef idx="2">
+            <a:schemeClr val="accent1"/>
+          </a:effectRef>
+          <a:fontRef idx="minor">
+            <a:schemeClr val="tx1"/>
+          </a:fontRef>
+        </p:style>
+      </p:cxnSp>
+      <p:cxnSp>
+        <p:nvCxnSpPr>
+          <p:cNvPr id="24" name="直接箭头连接符 23"/>
+          <p:cNvCxnSpPr>
+            <a:stCxn id="4" idx="2"/>
+            <a:endCxn id="14" idx="0"/>
+          </p:cNvCxnSpPr>
+          <p:nvPr>
+            <p:custDataLst>
+              <p:tags r:id="rId7"/>
+            </p:custDataLst>
+          </p:nvPr>
+        </p:nvCxnSpPr>
+        <p:spPr>
+          <a:xfrm>
+            <a:off x="5824221" y="2255519"/>
+            <a:ext cx="4869180" cy="2413000"/>
+          </a:xfrm>
+          <a:prstGeom prst="straightConnector1">
+            <a:avLst/>
+          </a:prstGeom>
+          <a:ln w="25400" cmpd="sng">
+            <a:solidFill>
+              <a:srgbClr val="92D050"/>
+            </a:solidFill>
+            <a:prstDash val="solid"/>
+            <a:round/>
+            <a:tailEnd type="triangle"/>
+          </a:ln>
+        </p:spPr>
+        <p:style>
+          <a:lnRef idx="3">
+            <a:schemeClr val="accent1"/>
+          </a:lnRef>
+          <a:fillRef idx="0">
+            <a:schemeClr val="accent1"/>
+          </a:fillRef>
+          <a:effectRef idx="2">
+            <a:schemeClr val="accent1"/>
+          </a:effectRef>
+          <a:fontRef idx="minor">
+            <a:schemeClr val="tx1"/>
+          </a:fontRef>
+        </p:style>
+      </p:cxnSp>
+    </p:spTree>
+  </p:cSld>
+  <p:clrMapOvr>
+    <a:masterClrMapping/>
+  </p:clrMapOvr>
+</p:sld>
+</file>
+
+<file path=ppt/tags/tag1.xml><?xml version="1.0" encoding="utf-8"?>
+<p:tagLst xmlns:p="http://schemas.openxmlformats.org/presentationml/2006/main">
+  <p:tag name="KSO_WM_BEAUTIFY_FLAG" val=""/>
+</p:tagLst>
+</file>
+
+<file path=ppt/tags/tag2.xml><?xml version="1.0" encoding="utf-8"?>
+<p:tagLst xmlns:p="http://schemas.openxmlformats.org/presentationml/2006/main">
+  <p:tag name="KSO_WM_BEAUTIFY_FLAG" val=""/>
+</p:tagLst>
+</file>
+
+<file path=ppt/tags/tag3.xml><?xml version="1.0" encoding="utf-8"?>
+<p:tagLst xmlns:p="http://schemas.openxmlformats.org/presentationml/2006/main">
+  <p:tag name="KSO_WM_BEAUTIFY_FLAG" val=""/>
+</p:tagLst>
+</file>
+
+<file path=ppt/tags/tag4.xml><?xml version="1.0" encoding="utf-8"?>
+<p:tagLst xmlns:p="http://schemas.openxmlformats.org/presentationml/2006/main">
+  <p:tag name="KSO_WM_BEAUTIFY_FLAG" val=""/>
+</p:tagLst>
+</file>
+
+<file path=ppt/tags/tag5.xml><?xml version="1.0" encoding="utf-8"?>
+<p:tagLst xmlns:p="http://schemas.openxmlformats.org/presentationml/2006/main">
+  <p:tag name="KSO_WM_BEAUTIFY_FLAG" val=""/>
+</p:tagLst>
+</file>
+
+<file path=ppt/tags/tag6.xml><?xml version="1.0" encoding="utf-8"?>
+<p:tagLst xmlns:p="http://schemas.openxmlformats.org/presentationml/2006/main">
+  <p:tag name="KSO_WM_BEAUTIFY_FLAG" val=""/>
+</p:tagLst>
+</file>
+
+<file path=ppt/tags/tag7.xml><?xml version="1.0" encoding="utf-8"?>
+<p:tagLst xmlns:p="http://schemas.openxmlformats.org/presentationml/2006/main">
+  <p:tag name="KSO_WM_BEAUTIFY_FLAG" val=""/>
+</p:tagLst>
+</file>
+
+<file path=ppt/tags/tag8.xml><?xml version="1.0" encoding="utf-8"?>
+<p:tagLst xmlns:p="http://schemas.openxmlformats.org/presentationml/2006/main">
+  <p:tag name="commondata" val="eyJoZGlkIjoiMjdjYzBiM2JmMDdiNmE0MzdmZGUxMTJkZmU5Yzk1NGMifQ=="/>
+</p:tagLst>
 </file>
 
 <file path=ppt/theme/theme1.xml><?xml version="1.0" encoding="utf-8"?>
@@ -8326,7 +10937,7 @@
     </a:clrScheme>
     <a:fontScheme name="Office">
       <a:majorFont>
-        <a:latin typeface="等线 Light" panose="020F0302020204030204"/>
+        <a:latin typeface="等线 Light"/>
         <a:ea typeface=""/>
         <a:cs typeface=""/>
         <a:font script="Jpan" typeface="游ゴシック Light"/>
@@ -8359,26 +10970,9 @@
         <a:font script="Viet" typeface="Times New Roman"/>
         <a:font script="Uigh" typeface="Microsoft Uighur"/>
         <a:font script="Geor" typeface="Sylfaen"/>
-        <a:font script="Armn" typeface="Arial"/>
-        <a:font script="Bugi" typeface="Leelawadee UI"/>
-        <a:font script="Bopo" typeface="Microsoft JhengHei"/>
-        <a:font script="Java" typeface="Javanese Text"/>
-        <a:font script="Lisu" typeface="Segoe UI"/>
-        <a:font script="Mymr" typeface="Myanmar Text"/>
-        <a:font script="Nkoo" typeface="Ebrima"/>
-        <a:font script="Olck" typeface="Nirmala UI"/>
-        <a:font script="Osma" typeface="Ebrima"/>
-        <a:font script="Phag" typeface="Phagspa"/>
-        <a:font script="Syrn" typeface="Estrangelo Edessa"/>
-        <a:font script="Syrj" typeface="Estrangelo Edessa"/>
-        <a:font script="Syre" typeface="Estrangelo Edessa"/>
-        <a:font script="Sora" typeface="Nirmala UI"/>
-        <a:font script="Tale" typeface="Microsoft Tai Le"/>
-        <a:font script="Talu" typeface="Microsoft New Tai Lue"/>
-        <a:font script="Tfng" typeface="Ebrima"/>
       </a:majorFont>
       <a:minorFont>
-        <a:latin typeface="等线" panose="020F0502020204030204"/>
+        <a:latin typeface="等线"/>
         <a:ea typeface=""/>
         <a:cs typeface=""/>
         <a:font script="Jpan" typeface="游ゴシック"/>
@@ -8411,23 +11005,6 @@
         <a:font script="Viet" typeface="Arial"/>
         <a:font script="Uigh" typeface="Microsoft Uighur"/>
         <a:font script="Geor" typeface="Sylfaen"/>
-        <a:font script="Armn" typeface="Arial"/>
-        <a:font script="Bugi" typeface="Leelawadee UI"/>
-        <a:font script="Bopo" typeface="Microsoft JhengHei"/>
-        <a:font script="Java" typeface="Javanese Text"/>
-        <a:font script="Lisu" typeface="Segoe UI"/>
-        <a:font script="Mymr" typeface="Myanmar Text"/>
-        <a:font script="Nkoo" typeface="Ebrima"/>
-        <a:font script="Olck" typeface="Nirmala UI"/>
-        <a:font script="Osma" typeface="Ebrima"/>
-        <a:font script="Phag" typeface="Phagspa"/>
-        <a:font script="Syrn" typeface="Estrangelo Edessa"/>
-        <a:font script="Syrj" typeface="Estrangelo Edessa"/>
-        <a:font script="Syre" typeface="Estrangelo Edessa"/>
-        <a:font script="Sora" typeface="Nirmala UI"/>
-        <a:font script="Tale" typeface="Microsoft Tai Le"/>
-        <a:font script="Talu" typeface="Microsoft New Tai Lue"/>
-        <a:font script="Tfng" typeface="Ebrima"/>
       </a:minorFont>
     </a:fontScheme>
     <a:fmtScheme name="Office">
@@ -8568,8 +11145,265 @@
       </a:bgFillStyleLst>
     </a:fmtScheme>
   </a:themeElements>
-  <a:objectDefaults/>
-  <a:extraClrSchemeLst/>
+  <a:extLst>
+    <a:ext uri="{05A4C25C-085E-4340-85A3-A5531E510DB2}">
+      <thm15:themeFamily xmlns:thm15="http://schemas.microsoft.com/office/thememl/2012/main" name="Office Theme" id="{62F939B6-93AF-4DB8-9C6B-D6C7DFDC589F}" vid="{4A3C46E8-61CC-4603-A589-7422A47A8E4A}"/>
+    </a:ext>
+  </a:extLst>
+</a:theme>
+</file>
+
+<file path=ppt/theme/theme2.xml><?xml version="1.0" encoding="utf-8"?>
+<a:theme xmlns:a="http://schemas.openxmlformats.org/drawingml/2006/main" name="1_Office 主题​​">
+  <a:themeElements>
+    <a:clrScheme name="Office">
+      <a:dk1>
+        <a:sysClr val="windowText" lastClr="000000"/>
+      </a:dk1>
+      <a:lt1>
+        <a:sysClr val="window" lastClr="FFFFFF"/>
+      </a:lt1>
+      <a:dk2>
+        <a:srgbClr val="44546A"/>
+      </a:dk2>
+      <a:lt2>
+        <a:srgbClr val="E7E6E6"/>
+      </a:lt2>
+      <a:accent1>
+        <a:srgbClr val="4472C4"/>
+      </a:accent1>
+      <a:accent2>
+        <a:srgbClr val="ED7D31"/>
+      </a:accent2>
+      <a:accent3>
+        <a:srgbClr val="A5A5A5"/>
+      </a:accent3>
+      <a:accent4>
+        <a:srgbClr val="FFC000"/>
+      </a:accent4>
+      <a:accent5>
+        <a:srgbClr val="5B9BD5"/>
+      </a:accent5>
+      <a:accent6>
+        <a:srgbClr val="70AD47"/>
+      </a:accent6>
+      <a:hlink>
+        <a:srgbClr val="0563C1"/>
+      </a:hlink>
+      <a:folHlink>
+        <a:srgbClr val="954F72"/>
+      </a:folHlink>
+    </a:clrScheme>
+    <a:fontScheme name="Office">
+      <a:majorFont>
+        <a:latin typeface="等线 Light"/>
+        <a:ea typeface=""/>
+        <a:cs typeface=""/>
+        <a:font script="Jpan" typeface="游ゴシック Light"/>
+        <a:font script="Hang" typeface="맑은 고딕"/>
+        <a:font script="Hans" typeface="等线 Light"/>
+        <a:font script="Hant" typeface="新細明體"/>
+        <a:font script="Arab" typeface="Times New Roman"/>
+        <a:font script="Hebr" typeface="Times New Roman"/>
+        <a:font script="Thai" typeface="Angsana New"/>
+        <a:font script="Ethi" typeface="Nyala"/>
+        <a:font script="Beng" typeface="Vrinda"/>
+        <a:font script="Gujr" typeface="Shruti"/>
+        <a:font script="Khmr" typeface="MoolBoran"/>
+        <a:font script="Knda" typeface="Tunga"/>
+        <a:font script="Guru" typeface="Raavi"/>
+        <a:font script="Cans" typeface="Euphemia"/>
+        <a:font script="Cher" typeface="Plantagenet Cherokee"/>
+        <a:font script="Yiii" typeface="Microsoft Yi Baiti"/>
+        <a:font script="Tibt" typeface="Microsoft Himalaya"/>
+        <a:font script="Thaa" typeface="MV Boli"/>
+        <a:font script="Deva" typeface="Mangal"/>
+        <a:font script="Telu" typeface="Gautami"/>
+        <a:font script="Taml" typeface="Latha"/>
+        <a:font script="Syrc" typeface="Estrangelo Edessa"/>
+        <a:font script="Orya" typeface="Kalinga"/>
+        <a:font script="Mlym" typeface="Kartika"/>
+        <a:font script="Laoo" typeface="DokChampa"/>
+        <a:font script="Sinh" typeface="Iskoola Pota"/>
+        <a:font script="Mong" typeface="Mongolian Baiti"/>
+        <a:font script="Viet" typeface="Times New Roman"/>
+        <a:font script="Uigh" typeface="Microsoft Uighur"/>
+        <a:font script="Geor" typeface="Sylfaen"/>
+      </a:majorFont>
+      <a:minorFont>
+        <a:latin typeface="等线"/>
+        <a:ea typeface=""/>
+        <a:cs typeface=""/>
+        <a:font script="Jpan" typeface="游ゴシック"/>
+        <a:font script="Hang" typeface="맑은 고딕"/>
+        <a:font script="Hans" typeface="等线"/>
+        <a:font script="Hant" typeface="新細明體"/>
+        <a:font script="Arab" typeface="Arial"/>
+        <a:font script="Hebr" typeface="Arial"/>
+        <a:font script="Thai" typeface="Cordia New"/>
+        <a:font script="Ethi" typeface="Nyala"/>
+        <a:font script="Beng" typeface="Vrinda"/>
+        <a:font script="Gujr" typeface="Shruti"/>
+        <a:font script="Khmr" typeface="DaunPenh"/>
+        <a:font script="Knda" typeface="Tunga"/>
+        <a:font script="Guru" typeface="Raavi"/>
+        <a:font script="Cans" typeface="Euphemia"/>
+        <a:font script="Cher" typeface="Plantagenet Cherokee"/>
+        <a:font script="Yiii" typeface="Microsoft Yi Baiti"/>
+        <a:font script="Tibt" typeface="Microsoft Himalaya"/>
+        <a:font script="Thaa" typeface="MV Boli"/>
+        <a:font script="Deva" typeface="Mangal"/>
+        <a:font script="Telu" typeface="Gautami"/>
+        <a:font script="Taml" typeface="Latha"/>
+        <a:font script="Syrc" typeface="Estrangelo Edessa"/>
+        <a:font script="Orya" typeface="Kalinga"/>
+        <a:font script="Mlym" typeface="Kartika"/>
+        <a:font script="Laoo" typeface="DokChampa"/>
+        <a:font script="Sinh" typeface="Iskoola Pota"/>
+        <a:font script="Mong" typeface="Mongolian Baiti"/>
+        <a:font script="Viet" typeface="Arial"/>
+        <a:font script="Uigh" typeface="Microsoft Uighur"/>
+        <a:font script="Geor" typeface="Sylfaen"/>
+      </a:minorFont>
+    </a:fontScheme>
+    <a:fmtScheme name="Office">
+      <a:fillStyleLst>
+        <a:solidFill>
+          <a:schemeClr val="phClr"/>
+        </a:solidFill>
+        <a:gradFill rotWithShape="1">
+          <a:gsLst>
+            <a:gs pos="0">
+              <a:schemeClr val="phClr">
+                <a:lumMod val="110000"/>
+                <a:satMod val="105000"/>
+                <a:tint val="67000"/>
+              </a:schemeClr>
+            </a:gs>
+            <a:gs pos="50000">
+              <a:schemeClr val="phClr">
+                <a:lumMod val="105000"/>
+                <a:satMod val="103000"/>
+                <a:tint val="73000"/>
+              </a:schemeClr>
+            </a:gs>
+            <a:gs pos="100000">
+              <a:schemeClr val="phClr">
+                <a:lumMod val="105000"/>
+                <a:satMod val="109000"/>
+                <a:tint val="81000"/>
+              </a:schemeClr>
+            </a:gs>
+          </a:gsLst>
+          <a:lin ang="5400000" scaled="0"/>
+        </a:gradFill>
+        <a:gradFill rotWithShape="1">
+          <a:gsLst>
+            <a:gs pos="0">
+              <a:schemeClr val="phClr">
+                <a:satMod val="103000"/>
+                <a:lumMod val="102000"/>
+                <a:tint val="94000"/>
+              </a:schemeClr>
+            </a:gs>
+            <a:gs pos="50000">
+              <a:schemeClr val="phClr">
+                <a:satMod val="110000"/>
+                <a:lumMod val="100000"/>
+                <a:shade val="100000"/>
+              </a:schemeClr>
+            </a:gs>
+            <a:gs pos="100000">
+              <a:schemeClr val="phClr">
+                <a:lumMod val="99000"/>
+                <a:satMod val="120000"/>
+                <a:shade val="78000"/>
+              </a:schemeClr>
+            </a:gs>
+          </a:gsLst>
+          <a:lin ang="5400000" scaled="0"/>
+        </a:gradFill>
+      </a:fillStyleLst>
+      <a:lnStyleLst>
+        <a:ln w="6350" cap="flat" cmpd="sng" algn="ctr">
+          <a:solidFill>
+            <a:schemeClr val="phClr"/>
+          </a:solidFill>
+          <a:prstDash val="solid"/>
+          <a:miter lim="800000"/>
+        </a:ln>
+        <a:ln w="12700" cap="flat" cmpd="sng" algn="ctr">
+          <a:solidFill>
+            <a:schemeClr val="phClr"/>
+          </a:solidFill>
+          <a:prstDash val="solid"/>
+          <a:miter lim="800000"/>
+        </a:ln>
+        <a:ln w="19050" cap="flat" cmpd="sng" algn="ctr">
+          <a:solidFill>
+            <a:schemeClr val="phClr"/>
+          </a:solidFill>
+          <a:prstDash val="solid"/>
+          <a:miter lim="800000"/>
+        </a:ln>
+      </a:lnStyleLst>
+      <a:effectStyleLst>
+        <a:effectStyle>
+          <a:effectLst/>
+        </a:effectStyle>
+        <a:effectStyle>
+          <a:effectLst/>
+        </a:effectStyle>
+        <a:effectStyle>
+          <a:effectLst>
+            <a:outerShdw blurRad="57150" dist="19050" dir="5400000" algn="ctr" rotWithShape="0">
+              <a:srgbClr val="000000">
+                <a:alpha val="63000"/>
+              </a:srgbClr>
+            </a:outerShdw>
+          </a:effectLst>
+        </a:effectStyle>
+      </a:effectStyleLst>
+      <a:bgFillStyleLst>
+        <a:solidFill>
+          <a:schemeClr val="phClr"/>
+        </a:solidFill>
+        <a:solidFill>
+          <a:schemeClr val="phClr">
+            <a:tint val="95000"/>
+            <a:satMod val="170000"/>
+          </a:schemeClr>
+        </a:solidFill>
+        <a:gradFill rotWithShape="1">
+          <a:gsLst>
+            <a:gs pos="0">
+              <a:schemeClr val="phClr">
+                <a:tint val="93000"/>
+                <a:satMod val="150000"/>
+                <a:shade val="98000"/>
+                <a:lumMod val="102000"/>
+              </a:schemeClr>
+            </a:gs>
+            <a:gs pos="50000">
+              <a:schemeClr val="phClr">
+                <a:tint val="98000"/>
+                <a:satMod val="130000"/>
+                <a:shade val="90000"/>
+                <a:lumMod val="103000"/>
+              </a:schemeClr>
+            </a:gs>
+            <a:gs pos="100000">
+              <a:schemeClr val="phClr">
+                <a:shade val="63000"/>
+                <a:satMod val="120000"/>
+              </a:schemeClr>
+            </a:gs>
+          </a:gsLst>
+          <a:lin ang="5400000" scaled="0"/>
+        </a:gradFill>
+      </a:bgFillStyleLst>
+    </a:fmtScheme>
+  </a:themeElements>
   <a:extLst>
     <a:ext uri="{05A4C25C-085E-4340-85A3-A5531E510DB2}">
       <thm15:themeFamily xmlns:thm15="http://schemas.microsoft.com/office/thememl/2012/main" name="Office Theme" id="{62F939B6-93AF-4DB8-9C6B-D6C7DFDC589F}" vid="{4A3C46E8-61CC-4603-A589-7422A47A8E4A}"/>

--- a/clickhouse/Clickhouse.pptx
+++ b/clickhouse/Clickhouse.pptx
@@ -3,12 +3,13 @@
 <p:presentation xmlns:a="http://schemas.openxmlformats.org/drawingml/2006/main" xmlns:r="http://schemas.openxmlformats.org/officeDocument/2006/relationships" xmlns:p="http://schemas.openxmlformats.org/presentationml/2006/main">
   <p:sldMasterIdLst>
     <p:sldMasterId id="2147483648" r:id="rId1"/>
-    <p:sldMasterId id="2147483660" r:id="rId3"/>
+    <p:sldMasterId id="2147483660" r:id="rId2"/>
   </p:sldMasterIdLst>
   <p:sldIdLst>
-    <p:sldId id="256" r:id="rId4"/>
-    <p:sldId id="257" r:id="rId5"/>
-    <p:sldId id="258" r:id="rId6"/>
+    <p:sldId id="256" r:id="rId3"/>
+    <p:sldId id="257" r:id="rId4"/>
+    <p:sldId id="258" r:id="rId5"/>
+    <p:sldId id="263" r:id="rId6"/>
     <p:sldId id="259" r:id="rId7"/>
     <p:sldId id="260" r:id="rId8"/>
     <p:sldId id="261" r:id="rId9"/>
@@ -17,7 +18,7 @@
   <p:sldSz cx="12192000" cy="6858000"/>
   <p:notesSz cx="6858000" cy="9144000"/>
   <p:custDataLst>
-    <p:tags r:id="rId14"/>
+    <p:tags r:id="rId11"/>
   </p:custDataLst>
   <p:defaultTextStyle>
     <a:defPPr>
@@ -114,6 +115,11 @@
       </a:defRPr>
     </a:lvl9pPr>
   </p:defaultTextStyle>
+  <p:extLst>
+    <p:ext uri="{EFAFB233-063F-42B5-8137-9DF3F51BA10A}">
+      <p15:sldGuideLst xmlns:p15="http://schemas.microsoft.com/office/powerpoint/2012/main"/>
+    </p:ext>
+  </p:extLst>
 </p:presentation>
 </file>
 
@@ -162,7 +168,6 @@
               <a:rPr lang="zh-CN" altLang="en-US"/>
               <a:t>单击此处编辑母版标题样式</a:t>
             </a:r>
-            <a:endParaRPr lang="zh-CN" altLang="en-US"/>
           </a:p>
         </p:txBody>
       </p:sp>
@@ -227,7 +232,6 @@
               <a:rPr lang="zh-CN" altLang="en-US"/>
               <a:t>单击此处编辑母版副标题样式</a:t>
             </a:r>
-            <a:endParaRPr lang="zh-CN" altLang="en-US"/>
           </a:p>
         </p:txBody>
       </p:sp>
@@ -248,6 +252,7 @@
           <a:p>
             <a:fld id="{1DCFACBB-E66A-42EF-8F6A-77DBE898C298}" type="datetimeFigureOut">
               <a:rPr lang="zh-CN" altLang="en-US" smtClean="0"/>
+              <a:t>2024/11/19</a:t>
             </a:fld>
             <a:endParaRPr lang="zh-CN" altLang="en-US"/>
           </a:p>
@@ -289,6 +294,7 @@
           <a:p>
             <a:fld id="{265DE8D4-0978-4613-9E9F-712DF247FDE0}" type="slidenum">
               <a:rPr lang="zh-CN" altLang="en-US" smtClean="0"/>
+              <a:t>‹#›</a:t>
             </a:fld>
             <a:endParaRPr lang="zh-CN" altLang="en-US"/>
           </a:p>
@@ -338,7 +344,6 @@
               <a:rPr lang="zh-CN" altLang="en-US"/>
               <a:t>单击此处编辑母版标题样式</a:t>
             </a:r>
-            <a:endParaRPr lang="zh-CN" altLang="en-US"/>
           </a:p>
         </p:txBody>
       </p:sp>
@@ -362,7 +367,6 @@
               <a:rPr lang="zh-CN" altLang="en-US"/>
               <a:t>单击此处编辑母版文本样式</a:t>
             </a:r>
-            <a:endParaRPr lang="zh-CN" altLang="en-US"/>
           </a:p>
           <a:p>
             <a:pPr lvl="1"/>
@@ -370,7 +374,6 @@
               <a:rPr lang="zh-CN" altLang="en-US"/>
               <a:t>二级</a:t>
             </a:r>
-            <a:endParaRPr lang="zh-CN" altLang="en-US"/>
           </a:p>
           <a:p>
             <a:pPr lvl="2"/>
@@ -378,7 +381,6 @@
               <a:rPr lang="zh-CN" altLang="en-US"/>
               <a:t>三级</a:t>
             </a:r>
-            <a:endParaRPr lang="zh-CN" altLang="en-US"/>
           </a:p>
           <a:p>
             <a:pPr lvl="3"/>
@@ -386,7 +388,6 @@
               <a:rPr lang="zh-CN" altLang="en-US"/>
               <a:t>四级</a:t>
             </a:r>
-            <a:endParaRPr lang="zh-CN" altLang="en-US"/>
           </a:p>
           <a:p>
             <a:pPr lvl="4"/>
@@ -394,7 +395,6 @@
               <a:rPr lang="zh-CN" altLang="en-US"/>
               <a:t>五级</a:t>
             </a:r>
-            <a:endParaRPr lang="zh-CN" altLang="en-US"/>
           </a:p>
         </p:txBody>
       </p:sp>
@@ -415,6 +415,7 @@
           <a:p>
             <a:fld id="{1DCFACBB-E66A-42EF-8F6A-77DBE898C298}" type="datetimeFigureOut">
               <a:rPr lang="zh-CN" altLang="en-US" smtClean="0"/>
+              <a:t>2024/11/19</a:t>
             </a:fld>
             <a:endParaRPr lang="zh-CN" altLang="en-US"/>
           </a:p>
@@ -456,6 +457,7 @@
           <a:p>
             <a:fld id="{265DE8D4-0978-4613-9E9F-712DF247FDE0}" type="slidenum">
               <a:rPr lang="zh-CN" altLang="en-US" smtClean="0"/>
+              <a:t>‹#›</a:t>
             </a:fld>
             <a:endParaRPr lang="zh-CN" altLang="en-US"/>
           </a:p>
@@ -510,7 +512,6 @@
               <a:rPr lang="zh-CN" altLang="en-US"/>
               <a:t>单击此处编辑母版标题样式</a:t>
             </a:r>
-            <a:endParaRPr lang="zh-CN" altLang="en-US"/>
           </a:p>
         </p:txBody>
       </p:sp>
@@ -539,7 +540,6 @@
               <a:rPr lang="zh-CN" altLang="en-US"/>
               <a:t>单击此处编辑母版文本样式</a:t>
             </a:r>
-            <a:endParaRPr lang="zh-CN" altLang="en-US"/>
           </a:p>
           <a:p>
             <a:pPr lvl="1"/>
@@ -547,7 +547,6 @@
               <a:rPr lang="zh-CN" altLang="en-US"/>
               <a:t>二级</a:t>
             </a:r>
-            <a:endParaRPr lang="zh-CN" altLang="en-US"/>
           </a:p>
           <a:p>
             <a:pPr lvl="2"/>
@@ -555,7 +554,6 @@
               <a:rPr lang="zh-CN" altLang="en-US"/>
               <a:t>三级</a:t>
             </a:r>
-            <a:endParaRPr lang="zh-CN" altLang="en-US"/>
           </a:p>
           <a:p>
             <a:pPr lvl="3"/>
@@ -563,7 +561,6 @@
               <a:rPr lang="zh-CN" altLang="en-US"/>
               <a:t>四级</a:t>
             </a:r>
-            <a:endParaRPr lang="zh-CN" altLang="en-US"/>
           </a:p>
           <a:p>
             <a:pPr lvl="4"/>
@@ -571,7 +568,6 @@
               <a:rPr lang="zh-CN" altLang="en-US"/>
               <a:t>五级</a:t>
             </a:r>
-            <a:endParaRPr lang="zh-CN" altLang="en-US"/>
           </a:p>
         </p:txBody>
       </p:sp>
@@ -592,6 +588,7 @@
           <a:p>
             <a:fld id="{1DCFACBB-E66A-42EF-8F6A-77DBE898C298}" type="datetimeFigureOut">
               <a:rPr lang="zh-CN" altLang="en-US" smtClean="0"/>
+              <a:t>2024/11/19</a:t>
             </a:fld>
             <a:endParaRPr lang="zh-CN" altLang="en-US"/>
           </a:p>
@@ -633,6 +630,7 @@
           <a:p>
             <a:fld id="{265DE8D4-0978-4613-9E9F-712DF247FDE0}" type="slidenum">
               <a:rPr lang="zh-CN" altLang="en-US" smtClean="0"/>
+              <a:t>‹#›</a:t>
             </a:fld>
             <a:endParaRPr lang="zh-CN" altLang="en-US"/>
           </a:p>
@@ -691,7 +689,6 @@
               <a:rPr lang="zh-CN" altLang="en-US"/>
               <a:t>单击此处编辑母版标题样式</a:t>
             </a:r>
-            <a:endParaRPr lang="zh-CN" altLang="en-US"/>
           </a:p>
         </p:txBody>
       </p:sp>
@@ -756,7 +753,6 @@
               <a:rPr lang="zh-CN" altLang="en-US"/>
               <a:t>单击此处编辑母版副标题样式</a:t>
             </a:r>
-            <a:endParaRPr lang="zh-CN" altLang="en-US"/>
           </a:p>
         </p:txBody>
       </p:sp>
@@ -777,6 +773,7 @@
           <a:p>
             <a:fld id="{1DCFACBB-E66A-42EF-8F6A-77DBE898C298}" type="datetimeFigureOut">
               <a:rPr lang="zh-CN" altLang="en-US" smtClean="0"/>
+              <a:t>2024/11/19</a:t>
             </a:fld>
             <a:endParaRPr lang="zh-CN" altLang="en-US"/>
           </a:p>
@@ -818,6 +815,7 @@
           <a:p>
             <a:fld id="{265DE8D4-0978-4613-9E9F-712DF247FDE0}" type="slidenum">
               <a:rPr lang="zh-CN" altLang="en-US" smtClean="0"/>
+              <a:t>‹#›</a:t>
             </a:fld>
             <a:endParaRPr lang="zh-CN" altLang="en-US"/>
           </a:p>
@@ -867,7 +865,6 @@
               <a:rPr lang="zh-CN" altLang="en-US"/>
               <a:t>单击此处编辑母版标题样式</a:t>
             </a:r>
-            <a:endParaRPr lang="zh-CN" altLang="en-US"/>
           </a:p>
         </p:txBody>
       </p:sp>
@@ -891,7 +888,6 @@
               <a:rPr lang="zh-CN" altLang="en-US"/>
               <a:t>单击此处编辑母版文本样式</a:t>
             </a:r>
-            <a:endParaRPr lang="zh-CN" altLang="en-US"/>
           </a:p>
           <a:p>
             <a:pPr lvl="1"/>
@@ -899,7 +895,6 @@
               <a:rPr lang="zh-CN" altLang="en-US"/>
               <a:t>二级</a:t>
             </a:r>
-            <a:endParaRPr lang="zh-CN" altLang="en-US"/>
           </a:p>
           <a:p>
             <a:pPr lvl="2"/>
@@ -907,7 +902,6 @@
               <a:rPr lang="zh-CN" altLang="en-US"/>
               <a:t>三级</a:t>
             </a:r>
-            <a:endParaRPr lang="zh-CN" altLang="en-US"/>
           </a:p>
           <a:p>
             <a:pPr lvl="3"/>
@@ -915,7 +909,6 @@
               <a:rPr lang="zh-CN" altLang="en-US"/>
               <a:t>四级</a:t>
             </a:r>
-            <a:endParaRPr lang="zh-CN" altLang="en-US"/>
           </a:p>
           <a:p>
             <a:pPr lvl="4"/>
@@ -923,7 +916,6 @@
               <a:rPr lang="zh-CN" altLang="en-US"/>
               <a:t>五级</a:t>
             </a:r>
-            <a:endParaRPr lang="zh-CN" altLang="en-US"/>
           </a:p>
         </p:txBody>
       </p:sp>
@@ -944,6 +936,7 @@
           <a:p>
             <a:fld id="{1DCFACBB-E66A-42EF-8F6A-77DBE898C298}" type="datetimeFigureOut">
               <a:rPr lang="zh-CN" altLang="en-US" smtClean="0"/>
+              <a:t>2024/11/19</a:t>
             </a:fld>
             <a:endParaRPr lang="zh-CN" altLang="en-US"/>
           </a:p>
@@ -985,6 +978,7 @@
           <a:p>
             <a:fld id="{265DE8D4-0978-4613-9E9F-712DF247FDE0}" type="slidenum">
               <a:rPr lang="zh-CN" altLang="en-US" smtClean="0"/>
+              <a:t>‹#›</a:t>
             </a:fld>
             <a:endParaRPr lang="zh-CN" altLang="en-US"/>
           </a:p>
@@ -1043,7 +1037,6 @@
               <a:rPr lang="zh-CN" altLang="en-US"/>
               <a:t>单击此处编辑母版标题样式</a:t>
             </a:r>
-            <a:endParaRPr lang="zh-CN" altLang="en-US"/>
           </a:p>
         </p:txBody>
       </p:sp>
@@ -1163,7 +1156,6 @@
               <a:rPr lang="zh-CN" altLang="en-US"/>
               <a:t>单击此处编辑母版文本样式</a:t>
             </a:r>
-            <a:endParaRPr lang="zh-CN" altLang="en-US"/>
           </a:p>
         </p:txBody>
       </p:sp>
@@ -1184,6 +1176,7 @@
           <a:p>
             <a:fld id="{1DCFACBB-E66A-42EF-8F6A-77DBE898C298}" type="datetimeFigureOut">
               <a:rPr lang="zh-CN" altLang="en-US" smtClean="0"/>
+              <a:t>2024/11/19</a:t>
             </a:fld>
             <a:endParaRPr lang="zh-CN" altLang="en-US"/>
           </a:p>
@@ -1225,6 +1218,7 @@
           <a:p>
             <a:fld id="{265DE8D4-0978-4613-9E9F-712DF247FDE0}" type="slidenum">
               <a:rPr lang="zh-CN" altLang="en-US" smtClean="0"/>
+              <a:t>‹#›</a:t>
             </a:fld>
             <a:endParaRPr lang="zh-CN" altLang="en-US"/>
           </a:p>
@@ -1274,7 +1268,6 @@
               <a:rPr lang="zh-CN" altLang="en-US"/>
               <a:t>单击此处编辑母版标题样式</a:t>
             </a:r>
-            <a:endParaRPr lang="zh-CN" altLang="en-US"/>
           </a:p>
         </p:txBody>
       </p:sp>
@@ -1303,7 +1296,6 @@
               <a:rPr lang="zh-CN" altLang="en-US"/>
               <a:t>单击此处编辑母版文本样式</a:t>
             </a:r>
-            <a:endParaRPr lang="zh-CN" altLang="en-US"/>
           </a:p>
           <a:p>
             <a:pPr lvl="1"/>
@@ -1311,7 +1303,6 @@
               <a:rPr lang="zh-CN" altLang="en-US"/>
               <a:t>二级</a:t>
             </a:r>
-            <a:endParaRPr lang="zh-CN" altLang="en-US"/>
           </a:p>
           <a:p>
             <a:pPr lvl="2"/>
@@ -1319,7 +1310,6 @@
               <a:rPr lang="zh-CN" altLang="en-US"/>
               <a:t>三级</a:t>
             </a:r>
-            <a:endParaRPr lang="zh-CN" altLang="en-US"/>
           </a:p>
           <a:p>
             <a:pPr lvl="3"/>
@@ -1327,7 +1317,6 @@
               <a:rPr lang="zh-CN" altLang="en-US"/>
               <a:t>四级</a:t>
             </a:r>
-            <a:endParaRPr lang="zh-CN" altLang="en-US"/>
           </a:p>
           <a:p>
             <a:pPr lvl="4"/>
@@ -1335,7 +1324,6 @@
               <a:rPr lang="zh-CN" altLang="en-US"/>
               <a:t>五级</a:t>
             </a:r>
-            <a:endParaRPr lang="zh-CN" altLang="en-US"/>
           </a:p>
         </p:txBody>
       </p:sp>
@@ -1364,7 +1352,6 @@
               <a:rPr lang="zh-CN" altLang="en-US"/>
               <a:t>单击此处编辑母版文本样式</a:t>
             </a:r>
-            <a:endParaRPr lang="zh-CN" altLang="en-US"/>
           </a:p>
           <a:p>
             <a:pPr lvl="1"/>
@@ -1372,7 +1359,6 @@
               <a:rPr lang="zh-CN" altLang="en-US"/>
               <a:t>二级</a:t>
             </a:r>
-            <a:endParaRPr lang="zh-CN" altLang="en-US"/>
           </a:p>
           <a:p>
             <a:pPr lvl="2"/>
@@ -1380,7 +1366,6 @@
               <a:rPr lang="zh-CN" altLang="en-US"/>
               <a:t>三级</a:t>
             </a:r>
-            <a:endParaRPr lang="zh-CN" altLang="en-US"/>
           </a:p>
           <a:p>
             <a:pPr lvl="3"/>
@@ -1388,7 +1373,6 @@
               <a:rPr lang="zh-CN" altLang="en-US"/>
               <a:t>四级</a:t>
             </a:r>
-            <a:endParaRPr lang="zh-CN" altLang="en-US"/>
           </a:p>
           <a:p>
             <a:pPr lvl="4"/>
@@ -1396,7 +1380,6 @@
               <a:rPr lang="zh-CN" altLang="en-US"/>
               <a:t>五级</a:t>
             </a:r>
-            <a:endParaRPr lang="zh-CN" altLang="en-US"/>
           </a:p>
         </p:txBody>
       </p:sp>
@@ -1417,6 +1400,7 @@
           <a:p>
             <a:fld id="{1DCFACBB-E66A-42EF-8F6A-77DBE898C298}" type="datetimeFigureOut">
               <a:rPr lang="zh-CN" altLang="en-US" smtClean="0"/>
+              <a:t>2024/11/19</a:t>
             </a:fld>
             <a:endParaRPr lang="zh-CN" altLang="en-US"/>
           </a:p>
@@ -1458,6 +1442,7 @@
           <a:p>
             <a:fld id="{265DE8D4-0978-4613-9E9F-712DF247FDE0}" type="slidenum">
               <a:rPr lang="zh-CN" altLang="en-US" smtClean="0"/>
+              <a:t>‹#›</a:t>
             </a:fld>
             <a:endParaRPr lang="zh-CN" altLang="en-US"/>
           </a:p>
@@ -1512,7 +1497,6 @@
               <a:rPr lang="zh-CN" altLang="en-US"/>
               <a:t>单击此处编辑母版标题样式</a:t>
             </a:r>
-            <a:endParaRPr lang="zh-CN" altLang="en-US"/>
           </a:p>
         </p:txBody>
       </p:sp>
@@ -1578,7 +1562,6 @@
               <a:rPr lang="zh-CN" altLang="en-US"/>
               <a:t>单击此处编辑母版文本样式</a:t>
             </a:r>
-            <a:endParaRPr lang="zh-CN" altLang="en-US"/>
           </a:p>
         </p:txBody>
       </p:sp>
@@ -1607,7 +1590,6 @@
               <a:rPr lang="zh-CN" altLang="en-US"/>
               <a:t>单击此处编辑母版文本样式</a:t>
             </a:r>
-            <a:endParaRPr lang="zh-CN" altLang="en-US"/>
           </a:p>
           <a:p>
             <a:pPr lvl="1"/>
@@ -1615,7 +1597,6 @@
               <a:rPr lang="zh-CN" altLang="en-US"/>
               <a:t>二级</a:t>
             </a:r>
-            <a:endParaRPr lang="zh-CN" altLang="en-US"/>
           </a:p>
           <a:p>
             <a:pPr lvl="2"/>
@@ -1623,7 +1604,6 @@
               <a:rPr lang="zh-CN" altLang="en-US"/>
               <a:t>三级</a:t>
             </a:r>
-            <a:endParaRPr lang="zh-CN" altLang="en-US"/>
           </a:p>
           <a:p>
             <a:pPr lvl="3"/>
@@ -1631,7 +1611,6 @@
               <a:rPr lang="zh-CN" altLang="en-US"/>
               <a:t>四级</a:t>
             </a:r>
-            <a:endParaRPr lang="zh-CN" altLang="en-US"/>
           </a:p>
           <a:p>
             <a:pPr lvl="4"/>
@@ -1639,7 +1618,6 @@
               <a:rPr lang="zh-CN" altLang="en-US"/>
               <a:t>五级</a:t>
             </a:r>
-            <a:endParaRPr lang="zh-CN" altLang="en-US"/>
           </a:p>
         </p:txBody>
       </p:sp>
@@ -1705,7 +1683,6 @@
               <a:rPr lang="zh-CN" altLang="en-US"/>
               <a:t>单击此处编辑母版文本样式</a:t>
             </a:r>
-            <a:endParaRPr lang="zh-CN" altLang="en-US"/>
           </a:p>
         </p:txBody>
       </p:sp>
@@ -1734,7 +1711,6 @@
               <a:rPr lang="zh-CN" altLang="en-US"/>
               <a:t>单击此处编辑母版文本样式</a:t>
             </a:r>
-            <a:endParaRPr lang="zh-CN" altLang="en-US"/>
           </a:p>
           <a:p>
             <a:pPr lvl="1"/>
@@ -1742,7 +1718,6 @@
               <a:rPr lang="zh-CN" altLang="en-US"/>
               <a:t>二级</a:t>
             </a:r>
-            <a:endParaRPr lang="zh-CN" altLang="en-US"/>
           </a:p>
           <a:p>
             <a:pPr lvl="2"/>
@@ -1750,7 +1725,6 @@
               <a:rPr lang="zh-CN" altLang="en-US"/>
               <a:t>三级</a:t>
             </a:r>
-            <a:endParaRPr lang="zh-CN" altLang="en-US"/>
           </a:p>
           <a:p>
             <a:pPr lvl="3"/>
@@ -1758,7 +1732,6 @@
               <a:rPr lang="zh-CN" altLang="en-US"/>
               <a:t>四级</a:t>
             </a:r>
-            <a:endParaRPr lang="zh-CN" altLang="en-US"/>
           </a:p>
           <a:p>
             <a:pPr lvl="4"/>
@@ -1766,7 +1739,6 @@
               <a:rPr lang="zh-CN" altLang="en-US"/>
               <a:t>五级</a:t>
             </a:r>
-            <a:endParaRPr lang="zh-CN" altLang="en-US"/>
           </a:p>
         </p:txBody>
       </p:sp>
@@ -1787,6 +1759,7 @@
           <a:p>
             <a:fld id="{1DCFACBB-E66A-42EF-8F6A-77DBE898C298}" type="datetimeFigureOut">
               <a:rPr lang="zh-CN" altLang="en-US" smtClean="0"/>
+              <a:t>2024/11/19</a:t>
             </a:fld>
             <a:endParaRPr lang="zh-CN" altLang="en-US"/>
           </a:p>
@@ -1828,6 +1801,7 @@
           <a:p>
             <a:fld id="{265DE8D4-0978-4613-9E9F-712DF247FDE0}" type="slidenum">
               <a:rPr lang="zh-CN" altLang="en-US" smtClean="0"/>
+              <a:t>‹#›</a:t>
             </a:fld>
             <a:endParaRPr lang="zh-CN" altLang="en-US"/>
           </a:p>
@@ -1877,7 +1851,6 @@
               <a:rPr lang="zh-CN" altLang="en-US"/>
               <a:t>单击此处编辑母版标题样式</a:t>
             </a:r>
-            <a:endParaRPr lang="zh-CN" altLang="en-US"/>
           </a:p>
         </p:txBody>
       </p:sp>
@@ -1898,6 +1871,7 @@
           <a:p>
             <a:fld id="{1DCFACBB-E66A-42EF-8F6A-77DBE898C298}" type="datetimeFigureOut">
               <a:rPr lang="zh-CN" altLang="en-US" smtClean="0"/>
+              <a:t>2024/11/19</a:t>
             </a:fld>
             <a:endParaRPr lang="zh-CN" altLang="en-US"/>
           </a:p>
@@ -1939,6 +1913,7 @@
           <a:p>
             <a:fld id="{265DE8D4-0978-4613-9E9F-712DF247FDE0}" type="slidenum">
               <a:rPr lang="zh-CN" altLang="en-US" smtClean="0"/>
+              <a:t>‹#›</a:t>
             </a:fld>
             <a:endParaRPr lang="zh-CN" altLang="en-US"/>
           </a:p>
@@ -1986,6 +1961,7 @@
           <a:p>
             <a:fld id="{1DCFACBB-E66A-42EF-8F6A-77DBE898C298}" type="datetimeFigureOut">
               <a:rPr lang="zh-CN" altLang="en-US" smtClean="0"/>
+              <a:t>2024/11/19</a:t>
             </a:fld>
             <a:endParaRPr lang="zh-CN" altLang="en-US"/>
           </a:p>
@@ -2027,6 +2003,7 @@
           <a:p>
             <a:fld id="{265DE8D4-0978-4613-9E9F-712DF247FDE0}" type="slidenum">
               <a:rPr lang="zh-CN" altLang="en-US" smtClean="0"/>
+              <a:t>‹#›</a:t>
             </a:fld>
             <a:endParaRPr lang="zh-CN" altLang="en-US"/>
           </a:p>
@@ -2085,7 +2062,6 @@
               <a:rPr lang="zh-CN" altLang="en-US"/>
               <a:t>单击此处编辑母版标题样式</a:t>
             </a:r>
-            <a:endParaRPr lang="zh-CN" altLang="en-US"/>
           </a:p>
         </p:txBody>
       </p:sp>
@@ -2142,7 +2118,6 @@
               <a:rPr lang="zh-CN" altLang="en-US"/>
               <a:t>单击此处编辑母版文本样式</a:t>
             </a:r>
-            <a:endParaRPr lang="zh-CN" altLang="en-US"/>
           </a:p>
           <a:p>
             <a:pPr lvl="1"/>
@@ -2150,7 +2125,6 @@
               <a:rPr lang="zh-CN" altLang="en-US"/>
               <a:t>二级</a:t>
             </a:r>
-            <a:endParaRPr lang="zh-CN" altLang="en-US"/>
           </a:p>
           <a:p>
             <a:pPr lvl="2"/>
@@ -2158,7 +2132,6 @@
               <a:rPr lang="zh-CN" altLang="en-US"/>
               <a:t>三级</a:t>
             </a:r>
-            <a:endParaRPr lang="zh-CN" altLang="en-US"/>
           </a:p>
           <a:p>
             <a:pPr lvl="3"/>
@@ -2166,7 +2139,6 @@
               <a:rPr lang="zh-CN" altLang="en-US"/>
               <a:t>四级</a:t>
             </a:r>
-            <a:endParaRPr lang="zh-CN" altLang="en-US"/>
           </a:p>
           <a:p>
             <a:pPr lvl="4"/>
@@ -2174,7 +2146,6 @@
               <a:rPr lang="zh-CN" altLang="en-US"/>
               <a:t>五级</a:t>
             </a:r>
-            <a:endParaRPr lang="zh-CN" altLang="en-US"/>
           </a:p>
         </p:txBody>
       </p:sp>
@@ -2240,7 +2211,6 @@
               <a:rPr lang="zh-CN" altLang="en-US"/>
               <a:t>单击此处编辑母版文本样式</a:t>
             </a:r>
-            <a:endParaRPr lang="zh-CN" altLang="en-US"/>
           </a:p>
         </p:txBody>
       </p:sp>
@@ -2261,6 +2231,7 @@
           <a:p>
             <a:fld id="{1DCFACBB-E66A-42EF-8F6A-77DBE898C298}" type="datetimeFigureOut">
               <a:rPr lang="zh-CN" altLang="en-US" smtClean="0"/>
+              <a:t>2024/11/19</a:t>
             </a:fld>
             <a:endParaRPr lang="zh-CN" altLang="en-US"/>
           </a:p>
@@ -2302,6 +2273,7 @@
           <a:p>
             <a:fld id="{265DE8D4-0978-4613-9E9F-712DF247FDE0}" type="slidenum">
               <a:rPr lang="zh-CN" altLang="en-US" smtClean="0"/>
+              <a:t>‹#›</a:t>
             </a:fld>
             <a:endParaRPr lang="zh-CN" altLang="en-US"/>
           </a:p>
@@ -2351,7 +2323,6 @@
               <a:rPr lang="zh-CN" altLang="en-US"/>
               <a:t>单击此处编辑母版标题样式</a:t>
             </a:r>
-            <a:endParaRPr lang="zh-CN" altLang="en-US"/>
           </a:p>
         </p:txBody>
       </p:sp>
@@ -2375,7 +2346,6 @@
               <a:rPr lang="zh-CN" altLang="en-US"/>
               <a:t>单击此处编辑母版文本样式</a:t>
             </a:r>
-            <a:endParaRPr lang="zh-CN" altLang="en-US"/>
           </a:p>
           <a:p>
             <a:pPr lvl="1"/>
@@ -2383,7 +2353,6 @@
               <a:rPr lang="zh-CN" altLang="en-US"/>
               <a:t>二级</a:t>
             </a:r>
-            <a:endParaRPr lang="zh-CN" altLang="en-US"/>
           </a:p>
           <a:p>
             <a:pPr lvl="2"/>
@@ -2391,7 +2360,6 @@
               <a:rPr lang="zh-CN" altLang="en-US"/>
               <a:t>三级</a:t>
             </a:r>
-            <a:endParaRPr lang="zh-CN" altLang="en-US"/>
           </a:p>
           <a:p>
             <a:pPr lvl="3"/>
@@ -2399,7 +2367,6 @@
               <a:rPr lang="zh-CN" altLang="en-US"/>
               <a:t>四级</a:t>
             </a:r>
-            <a:endParaRPr lang="zh-CN" altLang="en-US"/>
           </a:p>
           <a:p>
             <a:pPr lvl="4"/>
@@ -2407,7 +2374,6 @@
               <a:rPr lang="zh-CN" altLang="en-US"/>
               <a:t>五级</a:t>
             </a:r>
-            <a:endParaRPr lang="zh-CN" altLang="en-US"/>
           </a:p>
         </p:txBody>
       </p:sp>
@@ -2428,6 +2394,7 @@
           <a:p>
             <a:fld id="{1DCFACBB-E66A-42EF-8F6A-77DBE898C298}" type="datetimeFigureOut">
               <a:rPr lang="zh-CN" altLang="en-US" smtClean="0"/>
+              <a:t>2024/11/19</a:t>
             </a:fld>
             <a:endParaRPr lang="zh-CN" altLang="en-US"/>
           </a:p>
@@ -2469,6 +2436,7 @@
           <a:p>
             <a:fld id="{265DE8D4-0978-4613-9E9F-712DF247FDE0}" type="slidenum">
               <a:rPr lang="zh-CN" altLang="en-US" smtClean="0"/>
+              <a:t>‹#›</a:t>
             </a:fld>
             <a:endParaRPr lang="zh-CN" altLang="en-US"/>
           </a:p>
@@ -2527,7 +2495,6 @@
               <a:rPr lang="zh-CN" altLang="en-US"/>
               <a:t>单击此处编辑母版标题样式</a:t>
             </a:r>
-            <a:endParaRPr lang="zh-CN" altLang="en-US"/>
           </a:p>
         </p:txBody>
       </p:sp>
@@ -2654,7 +2621,6 @@
               <a:rPr lang="zh-CN" altLang="en-US"/>
               <a:t>单击此处编辑母版文本样式</a:t>
             </a:r>
-            <a:endParaRPr lang="zh-CN" altLang="en-US"/>
           </a:p>
         </p:txBody>
       </p:sp>
@@ -2675,6 +2641,7 @@
           <a:p>
             <a:fld id="{1DCFACBB-E66A-42EF-8F6A-77DBE898C298}" type="datetimeFigureOut">
               <a:rPr lang="zh-CN" altLang="en-US" smtClean="0"/>
+              <a:t>2024/11/19</a:t>
             </a:fld>
             <a:endParaRPr lang="zh-CN" altLang="en-US"/>
           </a:p>
@@ -2716,6 +2683,7 @@
           <a:p>
             <a:fld id="{265DE8D4-0978-4613-9E9F-712DF247FDE0}" type="slidenum">
               <a:rPr lang="zh-CN" altLang="en-US" smtClean="0"/>
+              <a:t>‹#›</a:t>
             </a:fld>
             <a:endParaRPr lang="zh-CN" altLang="en-US"/>
           </a:p>
@@ -2765,7 +2733,6 @@
               <a:rPr lang="zh-CN" altLang="en-US"/>
               <a:t>单击此处编辑母版标题样式</a:t>
             </a:r>
-            <a:endParaRPr lang="zh-CN" altLang="en-US"/>
           </a:p>
         </p:txBody>
       </p:sp>
@@ -2789,7 +2756,6 @@
               <a:rPr lang="zh-CN" altLang="en-US"/>
               <a:t>单击此处编辑母版文本样式</a:t>
             </a:r>
-            <a:endParaRPr lang="zh-CN" altLang="en-US"/>
           </a:p>
           <a:p>
             <a:pPr lvl="1"/>
@@ -2797,7 +2763,6 @@
               <a:rPr lang="zh-CN" altLang="en-US"/>
               <a:t>二级</a:t>
             </a:r>
-            <a:endParaRPr lang="zh-CN" altLang="en-US"/>
           </a:p>
           <a:p>
             <a:pPr lvl="2"/>
@@ -2805,7 +2770,6 @@
               <a:rPr lang="zh-CN" altLang="en-US"/>
               <a:t>三级</a:t>
             </a:r>
-            <a:endParaRPr lang="zh-CN" altLang="en-US"/>
           </a:p>
           <a:p>
             <a:pPr lvl="3"/>
@@ -2813,7 +2777,6 @@
               <a:rPr lang="zh-CN" altLang="en-US"/>
               <a:t>四级</a:t>
             </a:r>
-            <a:endParaRPr lang="zh-CN" altLang="en-US"/>
           </a:p>
           <a:p>
             <a:pPr lvl="4"/>
@@ -2821,7 +2784,6 @@
               <a:rPr lang="zh-CN" altLang="en-US"/>
               <a:t>五级</a:t>
             </a:r>
-            <a:endParaRPr lang="zh-CN" altLang="en-US"/>
           </a:p>
         </p:txBody>
       </p:sp>
@@ -2842,6 +2804,7 @@
           <a:p>
             <a:fld id="{1DCFACBB-E66A-42EF-8F6A-77DBE898C298}" type="datetimeFigureOut">
               <a:rPr lang="zh-CN" altLang="en-US" smtClean="0"/>
+              <a:t>2024/11/19</a:t>
             </a:fld>
             <a:endParaRPr lang="zh-CN" altLang="en-US"/>
           </a:p>
@@ -2883,6 +2846,7 @@
           <a:p>
             <a:fld id="{265DE8D4-0978-4613-9E9F-712DF247FDE0}" type="slidenum">
               <a:rPr lang="zh-CN" altLang="en-US" smtClean="0"/>
+              <a:t>‹#›</a:t>
             </a:fld>
             <a:endParaRPr lang="zh-CN" altLang="en-US"/>
           </a:p>
@@ -2937,7 +2901,6 @@
               <a:rPr lang="zh-CN" altLang="en-US"/>
               <a:t>单击此处编辑母版标题样式</a:t>
             </a:r>
-            <a:endParaRPr lang="zh-CN" altLang="en-US"/>
           </a:p>
         </p:txBody>
       </p:sp>
@@ -2966,7 +2929,6 @@
               <a:rPr lang="zh-CN" altLang="en-US"/>
               <a:t>单击此处编辑母版文本样式</a:t>
             </a:r>
-            <a:endParaRPr lang="zh-CN" altLang="en-US"/>
           </a:p>
           <a:p>
             <a:pPr lvl="1"/>
@@ -2974,7 +2936,6 @@
               <a:rPr lang="zh-CN" altLang="en-US"/>
               <a:t>二级</a:t>
             </a:r>
-            <a:endParaRPr lang="zh-CN" altLang="en-US"/>
           </a:p>
           <a:p>
             <a:pPr lvl="2"/>
@@ -2982,7 +2943,6 @@
               <a:rPr lang="zh-CN" altLang="en-US"/>
               <a:t>三级</a:t>
             </a:r>
-            <a:endParaRPr lang="zh-CN" altLang="en-US"/>
           </a:p>
           <a:p>
             <a:pPr lvl="3"/>
@@ -2990,7 +2950,6 @@
               <a:rPr lang="zh-CN" altLang="en-US"/>
               <a:t>四级</a:t>
             </a:r>
-            <a:endParaRPr lang="zh-CN" altLang="en-US"/>
           </a:p>
           <a:p>
             <a:pPr lvl="4"/>
@@ -2998,7 +2957,6 @@
               <a:rPr lang="zh-CN" altLang="en-US"/>
               <a:t>五级</a:t>
             </a:r>
-            <a:endParaRPr lang="zh-CN" altLang="en-US"/>
           </a:p>
         </p:txBody>
       </p:sp>
@@ -3019,6 +2977,7 @@
           <a:p>
             <a:fld id="{1DCFACBB-E66A-42EF-8F6A-77DBE898C298}" type="datetimeFigureOut">
               <a:rPr lang="zh-CN" altLang="en-US" smtClean="0"/>
+              <a:t>2024/11/19</a:t>
             </a:fld>
             <a:endParaRPr lang="zh-CN" altLang="en-US"/>
           </a:p>
@@ -3060,6 +3019,7 @@
           <a:p>
             <a:fld id="{265DE8D4-0978-4613-9E9F-712DF247FDE0}" type="slidenum">
               <a:rPr lang="zh-CN" altLang="en-US" smtClean="0"/>
+              <a:t>‹#›</a:t>
             </a:fld>
             <a:endParaRPr lang="zh-CN" altLang="en-US"/>
           </a:p>
@@ -3118,7 +3078,6 @@
               <a:rPr lang="zh-CN" altLang="en-US"/>
               <a:t>单击此处编辑母版标题样式</a:t>
             </a:r>
-            <a:endParaRPr lang="zh-CN" altLang="en-US"/>
           </a:p>
         </p:txBody>
       </p:sp>
@@ -3238,7 +3197,6 @@
               <a:rPr lang="zh-CN" altLang="en-US"/>
               <a:t>单击此处编辑母版文本样式</a:t>
             </a:r>
-            <a:endParaRPr lang="zh-CN" altLang="en-US"/>
           </a:p>
         </p:txBody>
       </p:sp>
@@ -3259,6 +3217,7 @@
           <a:p>
             <a:fld id="{1DCFACBB-E66A-42EF-8F6A-77DBE898C298}" type="datetimeFigureOut">
               <a:rPr lang="zh-CN" altLang="en-US" smtClean="0"/>
+              <a:t>2024/11/19</a:t>
             </a:fld>
             <a:endParaRPr lang="zh-CN" altLang="en-US"/>
           </a:p>
@@ -3300,6 +3259,7 @@
           <a:p>
             <a:fld id="{265DE8D4-0978-4613-9E9F-712DF247FDE0}" type="slidenum">
               <a:rPr lang="zh-CN" altLang="en-US" smtClean="0"/>
+              <a:t>‹#›</a:t>
             </a:fld>
             <a:endParaRPr lang="zh-CN" altLang="en-US"/>
           </a:p>
@@ -3349,7 +3309,6 @@
               <a:rPr lang="zh-CN" altLang="en-US"/>
               <a:t>单击此处编辑母版标题样式</a:t>
             </a:r>
-            <a:endParaRPr lang="zh-CN" altLang="en-US"/>
           </a:p>
         </p:txBody>
       </p:sp>
@@ -3378,7 +3337,6 @@
               <a:rPr lang="zh-CN" altLang="en-US"/>
               <a:t>单击此处编辑母版文本样式</a:t>
             </a:r>
-            <a:endParaRPr lang="zh-CN" altLang="en-US"/>
           </a:p>
           <a:p>
             <a:pPr lvl="1"/>
@@ -3386,7 +3344,6 @@
               <a:rPr lang="zh-CN" altLang="en-US"/>
               <a:t>二级</a:t>
             </a:r>
-            <a:endParaRPr lang="zh-CN" altLang="en-US"/>
           </a:p>
           <a:p>
             <a:pPr lvl="2"/>
@@ -3394,7 +3351,6 @@
               <a:rPr lang="zh-CN" altLang="en-US"/>
               <a:t>三级</a:t>
             </a:r>
-            <a:endParaRPr lang="zh-CN" altLang="en-US"/>
           </a:p>
           <a:p>
             <a:pPr lvl="3"/>
@@ -3402,7 +3358,6 @@
               <a:rPr lang="zh-CN" altLang="en-US"/>
               <a:t>四级</a:t>
             </a:r>
-            <a:endParaRPr lang="zh-CN" altLang="en-US"/>
           </a:p>
           <a:p>
             <a:pPr lvl="4"/>
@@ -3410,7 +3365,6 @@
               <a:rPr lang="zh-CN" altLang="en-US"/>
               <a:t>五级</a:t>
             </a:r>
-            <a:endParaRPr lang="zh-CN" altLang="en-US"/>
           </a:p>
         </p:txBody>
       </p:sp>
@@ -3439,7 +3393,6 @@
               <a:rPr lang="zh-CN" altLang="en-US"/>
               <a:t>单击此处编辑母版文本样式</a:t>
             </a:r>
-            <a:endParaRPr lang="zh-CN" altLang="en-US"/>
           </a:p>
           <a:p>
             <a:pPr lvl="1"/>
@@ -3447,7 +3400,6 @@
               <a:rPr lang="zh-CN" altLang="en-US"/>
               <a:t>二级</a:t>
             </a:r>
-            <a:endParaRPr lang="zh-CN" altLang="en-US"/>
           </a:p>
           <a:p>
             <a:pPr lvl="2"/>
@@ -3455,7 +3407,6 @@
               <a:rPr lang="zh-CN" altLang="en-US"/>
               <a:t>三级</a:t>
             </a:r>
-            <a:endParaRPr lang="zh-CN" altLang="en-US"/>
           </a:p>
           <a:p>
             <a:pPr lvl="3"/>
@@ -3463,7 +3414,6 @@
               <a:rPr lang="zh-CN" altLang="en-US"/>
               <a:t>四级</a:t>
             </a:r>
-            <a:endParaRPr lang="zh-CN" altLang="en-US"/>
           </a:p>
           <a:p>
             <a:pPr lvl="4"/>
@@ -3471,7 +3421,6 @@
               <a:rPr lang="zh-CN" altLang="en-US"/>
               <a:t>五级</a:t>
             </a:r>
-            <a:endParaRPr lang="zh-CN" altLang="en-US"/>
           </a:p>
         </p:txBody>
       </p:sp>
@@ -3492,6 +3441,7 @@
           <a:p>
             <a:fld id="{1DCFACBB-E66A-42EF-8F6A-77DBE898C298}" type="datetimeFigureOut">
               <a:rPr lang="zh-CN" altLang="en-US" smtClean="0"/>
+              <a:t>2024/11/19</a:t>
             </a:fld>
             <a:endParaRPr lang="zh-CN" altLang="en-US"/>
           </a:p>
@@ -3533,6 +3483,7 @@
           <a:p>
             <a:fld id="{265DE8D4-0978-4613-9E9F-712DF247FDE0}" type="slidenum">
               <a:rPr lang="zh-CN" altLang="en-US" smtClean="0"/>
+              <a:t>‹#›</a:t>
             </a:fld>
             <a:endParaRPr lang="zh-CN" altLang="en-US"/>
           </a:p>
@@ -3587,7 +3538,6 @@
               <a:rPr lang="zh-CN" altLang="en-US"/>
               <a:t>单击此处编辑母版标题样式</a:t>
             </a:r>
-            <a:endParaRPr lang="zh-CN" altLang="en-US"/>
           </a:p>
         </p:txBody>
       </p:sp>
@@ -3653,7 +3603,6 @@
               <a:rPr lang="zh-CN" altLang="en-US"/>
               <a:t>单击此处编辑母版文本样式</a:t>
             </a:r>
-            <a:endParaRPr lang="zh-CN" altLang="en-US"/>
           </a:p>
         </p:txBody>
       </p:sp>
@@ -3682,7 +3631,6 @@
               <a:rPr lang="zh-CN" altLang="en-US"/>
               <a:t>单击此处编辑母版文本样式</a:t>
             </a:r>
-            <a:endParaRPr lang="zh-CN" altLang="en-US"/>
           </a:p>
           <a:p>
             <a:pPr lvl="1"/>
@@ -3690,7 +3638,6 @@
               <a:rPr lang="zh-CN" altLang="en-US"/>
               <a:t>二级</a:t>
             </a:r>
-            <a:endParaRPr lang="zh-CN" altLang="en-US"/>
           </a:p>
           <a:p>
             <a:pPr lvl="2"/>
@@ -3698,7 +3645,6 @@
               <a:rPr lang="zh-CN" altLang="en-US"/>
               <a:t>三级</a:t>
             </a:r>
-            <a:endParaRPr lang="zh-CN" altLang="en-US"/>
           </a:p>
           <a:p>
             <a:pPr lvl="3"/>
@@ -3706,7 +3652,6 @@
               <a:rPr lang="zh-CN" altLang="en-US"/>
               <a:t>四级</a:t>
             </a:r>
-            <a:endParaRPr lang="zh-CN" altLang="en-US"/>
           </a:p>
           <a:p>
             <a:pPr lvl="4"/>
@@ -3714,7 +3659,6 @@
               <a:rPr lang="zh-CN" altLang="en-US"/>
               <a:t>五级</a:t>
             </a:r>
-            <a:endParaRPr lang="zh-CN" altLang="en-US"/>
           </a:p>
         </p:txBody>
       </p:sp>
@@ -3780,7 +3724,6 @@
               <a:rPr lang="zh-CN" altLang="en-US"/>
               <a:t>单击此处编辑母版文本样式</a:t>
             </a:r>
-            <a:endParaRPr lang="zh-CN" altLang="en-US"/>
           </a:p>
         </p:txBody>
       </p:sp>
@@ -3809,7 +3752,6 @@
               <a:rPr lang="zh-CN" altLang="en-US"/>
               <a:t>单击此处编辑母版文本样式</a:t>
             </a:r>
-            <a:endParaRPr lang="zh-CN" altLang="en-US"/>
           </a:p>
           <a:p>
             <a:pPr lvl="1"/>
@@ -3817,7 +3759,6 @@
               <a:rPr lang="zh-CN" altLang="en-US"/>
               <a:t>二级</a:t>
             </a:r>
-            <a:endParaRPr lang="zh-CN" altLang="en-US"/>
           </a:p>
           <a:p>
             <a:pPr lvl="2"/>
@@ -3825,7 +3766,6 @@
               <a:rPr lang="zh-CN" altLang="en-US"/>
               <a:t>三级</a:t>
             </a:r>
-            <a:endParaRPr lang="zh-CN" altLang="en-US"/>
           </a:p>
           <a:p>
             <a:pPr lvl="3"/>
@@ -3833,7 +3773,6 @@
               <a:rPr lang="zh-CN" altLang="en-US"/>
               <a:t>四级</a:t>
             </a:r>
-            <a:endParaRPr lang="zh-CN" altLang="en-US"/>
           </a:p>
           <a:p>
             <a:pPr lvl="4"/>
@@ -3841,7 +3780,6 @@
               <a:rPr lang="zh-CN" altLang="en-US"/>
               <a:t>五级</a:t>
             </a:r>
-            <a:endParaRPr lang="zh-CN" altLang="en-US"/>
           </a:p>
         </p:txBody>
       </p:sp>
@@ -3862,6 +3800,7 @@
           <a:p>
             <a:fld id="{1DCFACBB-E66A-42EF-8F6A-77DBE898C298}" type="datetimeFigureOut">
               <a:rPr lang="zh-CN" altLang="en-US" smtClean="0"/>
+              <a:t>2024/11/19</a:t>
             </a:fld>
             <a:endParaRPr lang="zh-CN" altLang="en-US"/>
           </a:p>
@@ -3903,6 +3842,7 @@
           <a:p>
             <a:fld id="{265DE8D4-0978-4613-9E9F-712DF247FDE0}" type="slidenum">
               <a:rPr lang="zh-CN" altLang="en-US" smtClean="0"/>
+              <a:t>‹#›</a:t>
             </a:fld>
             <a:endParaRPr lang="zh-CN" altLang="en-US"/>
           </a:p>
@@ -3952,7 +3892,6 @@
               <a:rPr lang="zh-CN" altLang="en-US"/>
               <a:t>单击此处编辑母版标题样式</a:t>
             </a:r>
-            <a:endParaRPr lang="zh-CN" altLang="en-US"/>
           </a:p>
         </p:txBody>
       </p:sp>
@@ -3973,6 +3912,7 @@
           <a:p>
             <a:fld id="{1DCFACBB-E66A-42EF-8F6A-77DBE898C298}" type="datetimeFigureOut">
               <a:rPr lang="zh-CN" altLang="en-US" smtClean="0"/>
+              <a:t>2024/11/19</a:t>
             </a:fld>
             <a:endParaRPr lang="zh-CN" altLang="en-US"/>
           </a:p>
@@ -4014,6 +3954,7 @@
           <a:p>
             <a:fld id="{265DE8D4-0978-4613-9E9F-712DF247FDE0}" type="slidenum">
               <a:rPr lang="zh-CN" altLang="en-US" smtClean="0"/>
+              <a:t>‹#›</a:t>
             </a:fld>
             <a:endParaRPr lang="zh-CN" altLang="en-US"/>
           </a:p>
@@ -4061,6 +4002,7 @@
           <a:p>
             <a:fld id="{1DCFACBB-E66A-42EF-8F6A-77DBE898C298}" type="datetimeFigureOut">
               <a:rPr lang="zh-CN" altLang="en-US" smtClean="0"/>
+              <a:t>2024/11/19</a:t>
             </a:fld>
             <a:endParaRPr lang="zh-CN" altLang="en-US"/>
           </a:p>
@@ -4102,6 +4044,7 @@
           <a:p>
             <a:fld id="{265DE8D4-0978-4613-9E9F-712DF247FDE0}" type="slidenum">
               <a:rPr lang="zh-CN" altLang="en-US" smtClean="0"/>
+              <a:t>‹#›</a:t>
             </a:fld>
             <a:endParaRPr lang="zh-CN" altLang="en-US"/>
           </a:p>
@@ -4160,7 +4103,6 @@
               <a:rPr lang="zh-CN" altLang="en-US"/>
               <a:t>单击此处编辑母版标题样式</a:t>
             </a:r>
-            <a:endParaRPr lang="zh-CN" altLang="en-US"/>
           </a:p>
         </p:txBody>
       </p:sp>
@@ -4217,7 +4159,6 @@
               <a:rPr lang="zh-CN" altLang="en-US"/>
               <a:t>单击此处编辑母版文本样式</a:t>
             </a:r>
-            <a:endParaRPr lang="zh-CN" altLang="en-US"/>
           </a:p>
           <a:p>
             <a:pPr lvl="1"/>
@@ -4225,7 +4166,6 @@
               <a:rPr lang="zh-CN" altLang="en-US"/>
               <a:t>二级</a:t>
             </a:r>
-            <a:endParaRPr lang="zh-CN" altLang="en-US"/>
           </a:p>
           <a:p>
             <a:pPr lvl="2"/>
@@ -4233,7 +4173,6 @@
               <a:rPr lang="zh-CN" altLang="en-US"/>
               <a:t>三级</a:t>
             </a:r>
-            <a:endParaRPr lang="zh-CN" altLang="en-US"/>
           </a:p>
           <a:p>
             <a:pPr lvl="3"/>
@@ -4241,7 +4180,6 @@
               <a:rPr lang="zh-CN" altLang="en-US"/>
               <a:t>四级</a:t>
             </a:r>
-            <a:endParaRPr lang="zh-CN" altLang="en-US"/>
           </a:p>
           <a:p>
             <a:pPr lvl="4"/>
@@ -4249,7 +4187,6 @@
               <a:rPr lang="zh-CN" altLang="en-US"/>
               <a:t>五级</a:t>
             </a:r>
-            <a:endParaRPr lang="zh-CN" altLang="en-US"/>
           </a:p>
         </p:txBody>
       </p:sp>
@@ -4315,7 +4252,6 @@
               <a:rPr lang="zh-CN" altLang="en-US"/>
               <a:t>单击此处编辑母版文本样式</a:t>
             </a:r>
-            <a:endParaRPr lang="zh-CN" altLang="en-US"/>
           </a:p>
         </p:txBody>
       </p:sp>
@@ -4336,6 +4272,7 @@
           <a:p>
             <a:fld id="{1DCFACBB-E66A-42EF-8F6A-77DBE898C298}" type="datetimeFigureOut">
               <a:rPr lang="zh-CN" altLang="en-US" smtClean="0"/>
+              <a:t>2024/11/19</a:t>
             </a:fld>
             <a:endParaRPr lang="zh-CN" altLang="en-US"/>
           </a:p>
@@ -4377,6 +4314,7 @@
           <a:p>
             <a:fld id="{265DE8D4-0978-4613-9E9F-712DF247FDE0}" type="slidenum">
               <a:rPr lang="zh-CN" altLang="en-US" smtClean="0"/>
+              <a:t>‹#›</a:t>
             </a:fld>
             <a:endParaRPr lang="zh-CN" altLang="en-US"/>
           </a:p>
@@ -4435,7 +4373,6 @@
               <a:rPr lang="zh-CN" altLang="en-US"/>
               <a:t>单击此处编辑母版标题样式</a:t>
             </a:r>
-            <a:endParaRPr lang="zh-CN" altLang="en-US"/>
           </a:p>
         </p:txBody>
       </p:sp>
@@ -4562,7 +4499,6 @@
               <a:rPr lang="zh-CN" altLang="en-US"/>
               <a:t>单击此处编辑母版文本样式</a:t>
             </a:r>
-            <a:endParaRPr lang="zh-CN" altLang="en-US"/>
           </a:p>
         </p:txBody>
       </p:sp>
@@ -4583,6 +4519,7 @@
           <a:p>
             <a:fld id="{1DCFACBB-E66A-42EF-8F6A-77DBE898C298}" type="datetimeFigureOut">
               <a:rPr lang="zh-CN" altLang="en-US" smtClean="0"/>
+              <a:t>2024/11/19</a:t>
             </a:fld>
             <a:endParaRPr lang="zh-CN" altLang="en-US"/>
           </a:p>
@@ -4624,6 +4561,7 @@
           <a:p>
             <a:fld id="{265DE8D4-0978-4613-9E9F-712DF247FDE0}" type="slidenum">
               <a:rPr lang="zh-CN" altLang="en-US" smtClean="0"/>
+              <a:t>‹#›</a:t>
             </a:fld>
             <a:endParaRPr lang="zh-CN" altLang="en-US"/>
           </a:p>
@@ -4688,7 +4626,6 @@
               <a:rPr lang="zh-CN" altLang="en-US"/>
               <a:t>单击此处编辑母版标题样式</a:t>
             </a:r>
-            <a:endParaRPr lang="zh-CN" altLang="en-US"/>
           </a:p>
         </p:txBody>
       </p:sp>
@@ -4722,7 +4659,6 @@
               <a:rPr lang="zh-CN" altLang="en-US"/>
               <a:t>单击此处编辑母版文本样式</a:t>
             </a:r>
-            <a:endParaRPr lang="zh-CN" altLang="en-US"/>
           </a:p>
           <a:p>
             <a:pPr lvl="1"/>
@@ -4730,7 +4666,6 @@
               <a:rPr lang="zh-CN" altLang="en-US"/>
               <a:t>二级</a:t>
             </a:r>
-            <a:endParaRPr lang="zh-CN" altLang="en-US"/>
           </a:p>
           <a:p>
             <a:pPr lvl="2"/>
@@ -4738,7 +4673,6 @@
               <a:rPr lang="zh-CN" altLang="en-US"/>
               <a:t>三级</a:t>
             </a:r>
-            <a:endParaRPr lang="zh-CN" altLang="en-US"/>
           </a:p>
           <a:p>
             <a:pPr lvl="3"/>
@@ -4746,7 +4680,6 @@
               <a:rPr lang="zh-CN" altLang="en-US"/>
               <a:t>四级</a:t>
             </a:r>
-            <a:endParaRPr lang="zh-CN" altLang="en-US"/>
           </a:p>
           <a:p>
             <a:pPr lvl="4"/>
@@ -4754,7 +4687,6 @@
               <a:rPr lang="zh-CN" altLang="en-US"/>
               <a:t>五级</a:t>
             </a:r>
-            <a:endParaRPr lang="zh-CN" altLang="en-US"/>
           </a:p>
         </p:txBody>
       </p:sp>
@@ -4793,6 +4725,7 @@
           <a:p>
             <a:fld id="{1DCFACBB-E66A-42EF-8F6A-77DBE898C298}" type="datetimeFigureOut">
               <a:rPr lang="zh-CN" altLang="en-US" smtClean="0"/>
+              <a:t>2024/11/19</a:t>
             </a:fld>
             <a:endParaRPr lang="zh-CN" altLang="en-US"/>
           </a:p>
@@ -4870,6 +4803,7 @@
           <a:p>
             <a:fld id="{265DE8D4-0978-4613-9E9F-712DF247FDE0}" type="slidenum">
               <a:rPr lang="zh-CN" altLang="en-US" smtClean="0"/>
+              <a:t>‹#›</a:t>
             </a:fld>
             <a:endParaRPr lang="zh-CN" altLang="en-US"/>
           </a:p>
@@ -5225,7 +5159,6 @@
               <a:rPr lang="zh-CN" altLang="en-US"/>
               <a:t>单击此处编辑母版标题样式</a:t>
             </a:r>
-            <a:endParaRPr lang="zh-CN" altLang="en-US"/>
           </a:p>
         </p:txBody>
       </p:sp>
@@ -5259,7 +5192,6 @@
               <a:rPr lang="zh-CN" altLang="en-US"/>
               <a:t>单击此处编辑母版文本样式</a:t>
             </a:r>
-            <a:endParaRPr lang="zh-CN" altLang="en-US"/>
           </a:p>
           <a:p>
             <a:pPr lvl="1"/>
@@ -5267,7 +5199,6 @@
               <a:rPr lang="zh-CN" altLang="en-US"/>
               <a:t>二级</a:t>
             </a:r>
-            <a:endParaRPr lang="zh-CN" altLang="en-US"/>
           </a:p>
           <a:p>
             <a:pPr lvl="2"/>
@@ -5275,7 +5206,6 @@
               <a:rPr lang="zh-CN" altLang="en-US"/>
               <a:t>三级</a:t>
             </a:r>
-            <a:endParaRPr lang="zh-CN" altLang="en-US"/>
           </a:p>
           <a:p>
             <a:pPr lvl="3"/>
@@ -5283,7 +5213,6 @@
               <a:rPr lang="zh-CN" altLang="en-US"/>
               <a:t>四级</a:t>
             </a:r>
-            <a:endParaRPr lang="zh-CN" altLang="en-US"/>
           </a:p>
           <a:p>
             <a:pPr lvl="4"/>
@@ -5291,7 +5220,6 @@
               <a:rPr lang="zh-CN" altLang="en-US"/>
               <a:t>五级</a:t>
             </a:r>
-            <a:endParaRPr lang="zh-CN" altLang="en-US"/>
           </a:p>
         </p:txBody>
       </p:sp>
@@ -5330,6 +5258,7 @@
           <a:p>
             <a:fld id="{1DCFACBB-E66A-42EF-8F6A-77DBE898C298}" type="datetimeFigureOut">
               <a:rPr lang="zh-CN" altLang="en-US" smtClean="0"/>
+              <a:t>2024/11/19</a:t>
             </a:fld>
             <a:endParaRPr lang="zh-CN" altLang="en-US"/>
           </a:p>
@@ -5407,6 +5336,7 @@
           <a:p>
             <a:fld id="{265DE8D4-0978-4613-9E9F-712DF247FDE0}" type="slidenum">
               <a:rPr lang="zh-CN" altLang="en-US" smtClean="0"/>
+              <a:t>‹#›</a:t>
             </a:fld>
             <a:endParaRPr lang="zh-CN" altLang="en-US"/>
           </a:p>
@@ -5814,10 +5744,34 @@
                 <a:tableStyleId>{5C22544A-7EE6-4342-B048-85BDC9FD1C3A}</a:tableStyleId>
               </a:tblPr>
               <a:tblGrid>
-                <a:gridCol w="1525626"/>
-                <a:gridCol w="1525626"/>
-                <a:gridCol w="1525626"/>
-                <a:gridCol w="1525626"/>
+                <a:gridCol w="1525626">
+                  <a:extLst>
+                    <a:ext uri="{9D8B030D-6E8A-4147-A177-3AD203B41FA5}">
+                      <a16:colId xmlns:a16="http://schemas.microsoft.com/office/drawing/2014/main" val="20000"/>
+                    </a:ext>
+                  </a:extLst>
+                </a:gridCol>
+                <a:gridCol w="1525626">
+                  <a:extLst>
+                    <a:ext uri="{9D8B030D-6E8A-4147-A177-3AD203B41FA5}">
+                      <a16:colId xmlns:a16="http://schemas.microsoft.com/office/drawing/2014/main" val="20001"/>
+                    </a:ext>
+                  </a:extLst>
+                </a:gridCol>
+                <a:gridCol w="1525626">
+                  <a:extLst>
+                    <a:ext uri="{9D8B030D-6E8A-4147-A177-3AD203B41FA5}">
+                      <a16:colId xmlns:a16="http://schemas.microsoft.com/office/drawing/2014/main" val="20002"/>
+                    </a:ext>
+                  </a:extLst>
+                </a:gridCol>
+                <a:gridCol w="1525626">
+                  <a:extLst>
+                    <a:ext uri="{9D8B030D-6E8A-4147-A177-3AD203B41FA5}">
+                      <a16:colId xmlns:a16="http://schemas.microsoft.com/office/drawing/2014/main" val="20003"/>
+                    </a:ext>
+                  </a:extLst>
+                </a:gridCol>
               </a:tblGrid>
               <a:tr h="437470">
                 <a:tc>
@@ -5843,7 +5797,6 @@
                         <a:rPr lang="zh-CN" altLang="en-US" dirty="0"/>
                         <a:t>张三</a:t>
                       </a:r>
-                      <a:endParaRPr lang="zh-CN" altLang="en-US" dirty="0"/>
                     </a:p>
                   </a:txBody>
                   <a:tcPr/>
@@ -5857,7 +5810,6 @@
                         <a:rPr lang="zh-CN" altLang="en-US" dirty="0"/>
                         <a:t>上海</a:t>
                       </a:r>
-                      <a:endParaRPr lang="zh-CN" altLang="en-US" dirty="0"/>
                     </a:p>
                   </a:txBody>
                   <a:tcPr/>
@@ -5876,6 +5828,11 @@
                   </a:txBody>
                   <a:tcPr/>
                 </a:tc>
+                <a:extLst>
+                  <a:ext uri="{0D108BD9-81ED-4DB2-BD59-A6C34878D82A}">
+                    <a16:rowId xmlns:a16="http://schemas.microsoft.com/office/drawing/2014/main" val="10000"/>
+                  </a:ext>
+                </a:extLst>
               </a:tr>
               <a:tr h="437470">
                 <a:tc>
@@ -5901,7 +5858,6 @@
                         <a:rPr lang="zh-CN" altLang="en-US" dirty="0"/>
                         <a:t>李四</a:t>
                       </a:r>
-                      <a:endParaRPr lang="zh-CN" altLang="en-US" dirty="0"/>
                     </a:p>
                   </a:txBody>
                   <a:tcPr/>
@@ -5915,7 +5871,6 @@
                         <a:rPr lang="zh-CN" altLang="en-US" dirty="0"/>
                         <a:t>北京</a:t>
                       </a:r>
-                      <a:endParaRPr lang="zh-CN" altLang="en-US" dirty="0"/>
                     </a:p>
                   </a:txBody>
                   <a:tcPr/>
@@ -5934,6 +5889,11 @@
                   </a:txBody>
                   <a:tcPr/>
                 </a:tc>
+                <a:extLst>
+                  <a:ext uri="{0D108BD9-81ED-4DB2-BD59-A6C34878D82A}">
+                    <a16:rowId xmlns:a16="http://schemas.microsoft.com/office/drawing/2014/main" val="10001"/>
+                  </a:ext>
+                </a:extLst>
               </a:tr>
               <a:tr h="437470">
                 <a:tc>
@@ -5959,7 +5919,6 @@
                         <a:rPr lang="zh-CN" altLang="en-US" dirty="0"/>
                         <a:t>王五</a:t>
                       </a:r>
-                      <a:endParaRPr lang="zh-CN" altLang="en-US" dirty="0"/>
                     </a:p>
                   </a:txBody>
                   <a:tcPr/>
@@ -5973,7 +5932,6 @@
                         <a:rPr lang="zh-CN" altLang="en-US" dirty="0"/>
                         <a:t>深圳</a:t>
                       </a:r>
-                      <a:endParaRPr lang="zh-CN" altLang="en-US" dirty="0"/>
                     </a:p>
                   </a:txBody>
                   <a:tcPr/>
@@ -5992,6 +5950,11 @@
                   </a:txBody>
                   <a:tcPr/>
                 </a:tc>
+                <a:extLst>
+                  <a:ext uri="{0D108BD9-81ED-4DB2-BD59-A6C34878D82A}">
+                    <a16:rowId xmlns:a16="http://schemas.microsoft.com/office/drawing/2014/main" val="10002"/>
+                  </a:ext>
+                </a:extLst>
               </a:tr>
               <a:tr h="437470">
                 <a:tc>
@@ -6017,7 +5980,6 @@
                         <a:rPr lang="zh-CN" altLang="en-US" dirty="0"/>
                         <a:t>赵六</a:t>
                       </a:r>
-                      <a:endParaRPr lang="zh-CN" altLang="en-US" dirty="0"/>
                     </a:p>
                   </a:txBody>
                   <a:tcPr/>
@@ -6031,7 +5993,6 @@
                         <a:rPr lang="zh-CN" altLang="en-US" dirty="0"/>
                         <a:t>广州</a:t>
                       </a:r>
-                      <a:endParaRPr lang="zh-CN" altLang="en-US" dirty="0"/>
                     </a:p>
                   </a:txBody>
                   <a:tcPr/>
@@ -6050,6 +6011,11 @@
                   </a:txBody>
                   <a:tcPr/>
                 </a:tc>
+                <a:extLst>
+                  <a:ext uri="{0D108BD9-81ED-4DB2-BD59-A6C34878D82A}">
+                    <a16:rowId xmlns:a16="http://schemas.microsoft.com/office/drawing/2014/main" val="10003"/>
+                  </a:ext>
+                </a:extLst>
               </a:tr>
               <a:tr h="437470">
                 <a:tc>
@@ -6075,7 +6041,6 @@
                         <a:rPr lang="zh-CN" altLang="en-US" dirty="0"/>
                         <a:t>孙七</a:t>
                       </a:r>
-                      <a:endParaRPr lang="zh-CN" altLang="en-US" dirty="0"/>
                     </a:p>
                   </a:txBody>
                   <a:tcPr/>
@@ -6105,7 +6070,6 @@
                         <a:rPr lang="zh-CN" altLang="en-US" dirty="0"/>
                         <a:t>武汉</a:t>
                       </a:r>
-                      <a:endParaRPr lang="zh-CN" altLang="en-US" dirty="0"/>
                     </a:p>
                   </a:txBody>
                   <a:tcPr/>
@@ -6124,6 +6088,11 @@
                   </a:txBody>
                   <a:tcPr/>
                 </a:tc>
+                <a:extLst>
+                  <a:ext uri="{0D108BD9-81ED-4DB2-BD59-A6C34878D82A}">
+                    <a16:rowId xmlns:a16="http://schemas.microsoft.com/office/drawing/2014/main" val="10004"/>
+                  </a:ext>
+                </a:extLst>
               </a:tr>
               <a:tr h="437470">
                 <a:tc>
@@ -6149,7 +6118,6 @@
                         <a:rPr lang="zh-CN" altLang="en-US" dirty="0"/>
                         <a:t>周八</a:t>
                       </a:r>
-                      <a:endParaRPr lang="zh-CN" altLang="en-US" dirty="0"/>
                     </a:p>
                   </a:txBody>
                   <a:tcPr/>
@@ -6179,7 +6147,6 @@
                         <a:rPr lang="zh-CN" altLang="en-US" dirty="0"/>
                         <a:t>重庆</a:t>
                       </a:r>
-                      <a:endParaRPr lang="zh-CN" altLang="en-US" dirty="0"/>
                     </a:p>
                   </a:txBody>
                   <a:tcPr/>
@@ -6198,6 +6165,11 @@
                   </a:txBody>
                   <a:tcPr/>
                 </a:tc>
+                <a:extLst>
+                  <a:ext uri="{0D108BD9-81ED-4DB2-BD59-A6C34878D82A}">
+                    <a16:rowId xmlns:a16="http://schemas.microsoft.com/office/drawing/2014/main" val="10005"/>
+                  </a:ext>
+                </a:extLst>
               </a:tr>
               <a:tr h="437470">
                 <a:tc>
@@ -6223,7 +6195,6 @@
                         <a:rPr lang="zh-CN" altLang="en-US" dirty="0"/>
                         <a:t>吴九</a:t>
                       </a:r>
-                      <a:endParaRPr lang="zh-CN" altLang="en-US" dirty="0"/>
                     </a:p>
                   </a:txBody>
                   <a:tcPr/>
@@ -6253,7 +6224,6 @@
                         <a:rPr lang="zh-CN" altLang="en-US" dirty="0"/>
                         <a:t>宜昌</a:t>
                       </a:r>
-                      <a:endParaRPr lang="zh-CN" altLang="en-US" dirty="0"/>
                     </a:p>
                   </a:txBody>
                   <a:tcPr/>
@@ -6272,6 +6242,11 @@
                   </a:txBody>
                   <a:tcPr/>
                 </a:tc>
+                <a:extLst>
+                  <a:ext uri="{0D108BD9-81ED-4DB2-BD59-A6C34878D82A}">
+                    <a16:rowId xmlns:a16="http://schemas.microsoft.com/office/drawing/2014/main" val="10006"/>
+                  </a:ext>
+                </a:extLst>
               </a:tr>
               <a:tr h="437470">
                 <a:tc>
@@ -6297,7 +6272,6 @@
                         <a:rPr lang="zh-CN" altLang="en-US" dirty="0"/>
                         <a:t>郑十</a:t>
                       </a:r>
-                      <a:endParaRPr lang="zh-CN" altLang="en-US" dirty="0"/>
                     </a:p>
                   </a:txBody>
                   <a:tcPr/>
@@ -6327,7 +6301,6 @@
                         <a:rPr lang="zh-CN" altLang="en-US" dirty="0"/>
                         <a:t>长沙</a:t>
                       </a:r>
-                      <a:endParaRPr lang="zh-CN" altLang="en-US" dirty="0"/>
                     </a:p>
                   </a:txBody>
                   <a:tcPr/>
@@ -6346,6 +6319,11 @@
                   </a:txBody>
                   <a:tcPr/>
                 </a:tc>
+                <a:extLst>
+                  <a:ext uri="{0D108BD9-81ED-4DB2-BD59-A6C34878D82A}">
+                    <a16:rowId xmlns:a16="http://schemas.microsoft.com/office/drawing/2014/main" val="10007"/>
+                  </a:ext>
+                </a:extLst>
               </a:tr>
               <a:tr h="437470">
                 <a:tc>
@@ -6371,7 +6349,6 @@
                         <a:rPr lang="zh-CN" altLang="en-US" dirty="0"/>
                         <a:t>二麻子</a:t>
                       </a:r>
-                      <a:endParaRPr lang="zh-CN" altLang="en-US" dirty="0"/>
                     </a:p>
                   </a:txBody>
                   <a:tcPr/>
@@ -6401,7 +6378,6 @@
                         <a:rPr lang="zh-CN" altLang="en-US" dirty="0"/>
                         <a:t>天津</a:t>
                       </a:r>
-                      <a:endParaRPr lang="zh-CN" altLang="en-US" dirty="0"/>
                     </a:p>
                   </a:txBody>
                   <a:tcPr/>
@@ -6420,6 +6396,11 @@
                   </a:txBody>
                   <a:tcPr/>
                 </a:tc>
+                <a:extLst>
+                  <a:ext uri="{0D108BD9-81ED-4DB2-BD59-A6C34878D82A}">
+                    <a16:rowId xmlns:a16="http://schemas.microsoft.com/office/drawing/2014/main" val="10008"/>
+                  </a:ext>
+                </a:extLst>
               </a:tr>
             </a:tbl>
           </a:graphicData>
@@ -6444,8 +6425,20 @@
                 <a:tableStyleId>{5C22544A-7EE6-4342-B048-85BDC9FD1C3A}</a:tableStyleId>
               </a:tblPr>
               <a:tblGrid>
-                <a:gridCol w="959916"/>
-                <a:gridCol w="526696"/>
+                <a:gridCol w="959916">
+                  <a:extLst>
+                    <a:ext uri="{9D8B030D-6E8A-4147-A177-3AD203B41FA5}">
+                      <a16:colId xmlns:a16="http://schemas.microsoft.com/office/drawing/2014/main" val="20000"/>
+                    </a:ext>
+                  </a:extLst>
+                </a:gridCol>
+                <a:gridCol w="526696">
+                  <a:extLst>
+                    <a:ext uri="{9D8B030D-6E8A-4147-A177-3AD203B41FA5}">
+                      <a16:colId xmlns:a16="http://schemas.microsoft.com/office/drawing/2014/main" val="20001"/>
+                    </a:ext>
+                  </a:extLst>
+                </a:gridCol>
               </a:tblGrid>
               <a:tr h="445911">
                 <a:tc>
@@ -6472,6 +6465,11 @@
                   </a:txBody>
                   <a:tcPr/>
                 </a:tc>
+                <a:extLst>
+                  <a:ext uri="{0D108BD9-81ED-4DB2-BD59-A6C34878D82A}">
+                    <a16:rowId xmlns:a16="http://schemas.microsoft.com/office/drawing/2014/main" val="10000"/>
+                  </a:ext>
+                </a:extLst>
               </a:tr>
               <a:tr h="445911">
                 <a:tc>
@@ -6498,6 +6496,11 @@
                   </a:txBody>
                   <a:tcPr/>
                 </a:tc>
+                <a:extLst>
+                  <a:ext uri="{0D108BD9-81ED-4DB2-BD59-A6C34878D82A}">
+                    <a16:rowId xmlns:a16="http://schemas.microsoft.com/office/drawing/2014/main" val="10001"/>
+                  </a:ext>
+                </a:extLst>
               </a:tr>
               <a:tr h="445911">
                 <a:tc>
@@ -6524,6 +6527,11 @@
                   </a:txBody>
                   <a:tcPr/>
                 </a:tc>
+                <a:extLst>
+                  <a:ext uri="{0D108BD9-81ED-4DB2-BD59-A6C34878D82A}">
+                    <a16:rowId xmlns:a16="http://schemas.microsoft.com/office/drawing/2014/main" val="10002"/>
+                  </a:ext>
+                </a:extLst>
               </a:tr>
             </a:tbl>
           </a:graphicData>
@@ -6903,7 +6911,6 @@
               <a:rPr lang="zh-CN" altLang="en-US" sz="1400" dirty="0"/>
               <a:t>，写入数据</a:t>
             </a:r>
-            <a:endParaRPr lang="zh-CN" altLang="en-US" sz="1400" dirty="0"/>
           </a:p>
         </p:txBody>
       </p:sp>
@@ -6973,7 +6980,6 @@
               <a:rPr lang="zh-CN" altLang="en-US" sz="1400" dirty="0"/>
               <a:t>，提交写入日志</a:t>
             </a:r>
-            <a:endParaRPr lang="zh-CN" altLang="en-US" sz="1400" dirty="0"/>
           </a:p>
         </p:txBody>
       </p:sp>
@@ -7079,7 +7085,6 @@
               <a:rPr lang="zh-CN" altLang="en-US" sz="1400" dirty="0"/>
               <a:t>，收到写入日志</a:t>
             </a:r>
-            <a:endParaRPr lang="zh-CN" altLang="en-US" sz="1400" dirty="0"/>
           </a:p>
         </p:txBody>
       </p:sp>
@@ -7113,7 +7118,6 @@
               <a:rPr lang="zh-CN" altLang="en-US" sz="1400" dirty="0"/>
               <a:t>，从目录副本下载新数据</a:t>
             </a:r>
-            <a:endParaRPr lang="zh-CN" altLang="en-US" sz="1400" dirty="0"/>
           </a:p>
         </p:txBody>
       </p:sp>
@@ -7130,7 +7134,13 @@
   <p:cSld>
     <p:spTree>
       <p:nvGrpSpPr>
-        <p:cNvPr id="1" name=""/>
+        <p:cNvPr id="1" name="">
+          <a:extLst>
+            <a:ext uri="{FF2B5EF4-FFF2-40B4-BE49-F238E27FC236}">
+              <a16:creationId xmlns:a16="http://schemas.microsoft.com/office/drawing/2014/main" id="{2AA0E88D-6BCA-8A34-0A25-F3760FBDAA18}"/>
+            </a:ext>
+          </a:extLst>
+        </p:cNvPr>
         <p:cNvGrpSpPr/>
         <p:nvPr/>
       </p:nvGrpSpPr>
@@ -7144,27 +7154,480 @@
       </p:grpSpPr>
       <p:sp>
         <p:nvSpPr>
-          <p:cNvPr id="4" name="矩形: 圆角 3"/>
+          <p:cNvPr id="3" name="矩形: 圆角 2">
+            <a:extLst>
+              <a:ext uri="{FF2B5EF4-FFF2-40B4-BE49-F238E27FC236}">
+                <a16:creationId xmlns:a16="http://schemas.microsoft.com/office/drawing/2014/main" id="{9DB2D606-A54B-6002-00BE-9CB9BF802F38}"/>
+              </a:ext>
+            </a:extLst>
+          </p:cNvPr>
           <p:cNvSpPr/>
           <p:nvPr/>
         </p:nvSpPr>
         <p:spPr>
           <a:xfrm>
-            <a:off x="4434251" y="1471748"/>
-            <a:ext cx="2779939" cy="783771"/>
+            <a:off x="7343230" y="2632982"/>
+            <a:ext cx="2706460" cy="3179990"/>
           </a:xfrm>
           <a:prstGeom prst="roundRect">
             <a:avLst/>
           </a:prstGeom>
+        </p:spPr>
+        <p:style>
+          <a:lnRef idx="2">
+            <a:schemeClr val="accent3"/>
+          </a:lnRef>
+          <a:fillRef idx="1">
+            <a:schemeClr val="lt1"/>
+          </a:fillRef>
+          <a:effectRef idx="0">
+            <a:schemeClr val="accent3"/>
+          </a:effectRef>
+          <a:fontRef idx="minor">
+            <a:schemeClr val="dk1"/>
+          </a:fontRef>
+        </p:style>
+        <p:txBody>
+          <a:bodyPr rtlCol="0" anchor="b" anchorCtr="1"/>
+          <a:lstStyle/>
+          <a:p>
+            <a:pPr algn="ctr"/>
+            <a:r>
+              <a:rPr lang="en-US" altLang="zh-CN" dirty="0"/>
+              <a:t>Node-2</a:t>
+            </a:r>
+            <a:endParaRPr lang="zh-CN" altLang="en-US" dirty="0"/>
+          </a:p>
+        </p:txBody>
+      </p:sp>
+      <p:sp>
+        <p:nvSpPr>
+          <p:cNvPr id="2" name="矩形: 圆角 1">
+            <a:extLst>
+              <a:ext uri="{FF2B5EF4-FFF2-40B4-BE49-F238E27FC236}">
+                <a16:creationId xmlns:a16="http://schemas.microsoft.com/office/drawing/2014/main" id="{9178BA81-FC5C-AA67-43C9-BE42B6616B08}"/>
+              </a:ext>
+            </a:extLst>
+          </p:cNvPr>
+          <p:cNvSpPr/>
+          <p:nvPr/>
+        </p:nvSpPr>
+        <p:spPr>
+          <a:xfrm>
+            <a:off x="1765659" y="2660887"/>
+            <a:ext cx="2706460" cy="3179990"/>
+          </a:xfrm>
+          <a:prstGeom prst="roundRect">
+            <a:avLst/>
+          </a:prstGeom>
+        </p:spPr>
+        <p:style>
+          <a:lnRef idx="2">
+            <a:schemeClr val="accent3"/>
+          </a:lnRef>
+          <a:fillRef idx="1">
+            <a:schemeClr val="lt1"/>
+          </a:fillRef>
+          <a:effectRef idx="0">
+            <a:schemeClr val="accent3"/>
+          </a:effectRef>
+          <a:fontRef idx="minor">
+            <a:schemeClr val="dk1"/>
+          </a:fontRef>
+        </p:style>
+        <p:txBody>
+          <a:bodyPr rtlCol="0" anchor="b" anchorCtr="1"/>
+          <a:lstStyle/>
+          <a:p>
+            <a:pPr algn="ctr"/>
+            <a:r>
+              <a:rPr lang="en-US" altLang="zh-CN" dirty="0"/>
+              <a:t>Node-1</a:t>
+            </a:r>
+            <a:endParaRPr lang="zh-CN" altLang="en-US" dirty="0"/>
+          </a:p>
+        </p:txBody>
+      </p:sp>
+      <p:sp>
+        <p:nvSpPr>
+          <p:cNvPr id="5" name="圆柱体 4">
+            <a:extLst>
+              <a:ext uri="{FF2B5EF4-FFF2-40B4-BE49-F238E27FC236}">
+                <a16:creationId xmlns:a16="http://schemas.microsoft.com/office/drawing/2014/main" id="{D1CBE30B-FE68-1202-CC3C-60821FDF4BA8}"/>
+              </a:ext>
+            </a:extLst>
+          </p:cNvPr>
+          <p:cNvSpPr/>
+          <p:nvPr/>
+        </p:nvSpPr>
+        <p:spPr>
+          <a:xfrm>
+            <a:off x="2093326" y="4685417"/>
+            <a:ext cx="1953159" cy="673519"/>
+          </a:xfrm>
+          <a:prstGeom prst="can">
+            <a:avLst/>
+          </a:prstGeom>
+        </p:spPr>
+        <p:style>
+          <a:lnRef idx="2">
+            <a:schemeClr val="accent1">
+              <a:shade val="15000"/>
+            </a:schemeClr>
+          </a:lnRef>
+          <a:fillRef idx="1">
+            <a:schemeClr val="accent1"/>
+          </a:fillRef>
+          <a:effectRef idx="0">
+            <a:schemeClr val="accent1"/>
+          </a:effectRef>
+          <a:fontRef idx="minor">
+            <a:schemeClr val="lt1"/>
+          </a:fontRef>
+        </p:style>
+        <p:txBody>
+          <a:bodyPr rtlCol="0" anchor="ctr"/>
+          <a:lstStyle/>
+          <a:p>
+            <a:pPr algn="ctr"/>
+            <a:r>
+              <a:rPr lang="en-US" altLang="zh-CN" dirty="0" err="1"/>
+              <a:t>Clickhouse</a:t>
+            </a:r>
+            <a:r>
+              <a:rPr lang="en-US" altLang="zh-CN" dirty="0"/>
+              <a:t>-a</a:t>
+            </a:r>
+            <a:endParaRPr lang="zh-CN" altLang="en-US" dirty="0"/>
+          </a:p>
+        </p:txBody>
+      </p:sp>
+      <p:sp>
+        <p:nvSpPr>
+          <p:cNvPr id="7" name="圆柱体 6">
+            <a:extLst>
+              <a:ext uri="{FF2B5EF4-FFF2-40B4-BE49-F238E27FC236}">
+                <a16:creationId xmlns:a16="http://schemas.microsoft.com/office/drawing/2014/main" id="{856C239A-76AF-9870-B0AC-FF469675A1E2}"/>
+              </a:ext>
+            </a:extLst>
+          </p:cNvPr>
+          <p:cNvSpPr/>
+          <p:nvPr/>
+        </p:nvSpPr>
+        <p:spPr>
+          <a:xfrm>
+            <a:off x="7817064" y="4685417"/>
+            <a:ext cx="1953159" cy="673519"/>
+          </a:xfrm>
+          <a:prstGeom prst="can">
+            <a:avLst/>
+          </a:prstGeom>
+        </p:spPr>
+        <p:style>
+          <a:lnRef idx="2">
+            <a:schemeClr val="accent1">
+              <a:shade val="15000"/>
+            </a:schemeClr>
+          </a:lnRef>
+          <a:fillRef idx="1">
+            <a:schemeClr val="accent1"/>
+          </a:fillRef>
+          <a:effectRef idx="0">
+            <a:schemeClr val="accent1"/>
+          </a:effectRef>
+          <a:fontRef idx="minor">
+            <a:schemeClr val="lt1"/>
+          </a:fontRef>
+        </p:style>
+        <p:txBody>
+          <a:bodyPr rtlCol="0" anchor="ctr"/>
+          <a:lstStyle/>
+          <a:p>
+            <a:pPr algn="ctr"/>
+            <a:r>
+              <a:rPr lang="en-US" altLang="zh-CN" dirty="0" err="1"/>
+              <a:t>Clickhouse</a:t>
+            </a:r>
+            <a:r>
+              <a:rPr lang="en-US" altLang="zh-CN" dirty="0"/>
+              <a:t>-b</a:t>
+            </a:r>
+            <a:endParaRPr lang="zh-CN" altLang="en-US" dirty="0"/>
+          </a:p>
+        </p:txBody>
+      </p:sp>
+      <p:sp>
+        <p:nvSpPr>
+          <p:cNvPr id="10" name="矩形 9">
+            <a:extLst>
+              <a:ext uri="{FF2B5EF4-FFF2-40B4-BE49-F238E27FC236}">
+                <a16:creationId xmlns:a16="http://schemas.microsoft.com/office/drawing/2014/main" id="{BFB3A99D-241E-4D3A-BAFD-89CBE7D570EE}"/>
+              </a:ext>
+            </a:extLst>
+          </p:cNvPr>
+          <p:cNvSpPr/>
+          <p:nvPr/>
+        </p:nvSpPr>
+        <p:spPr>
+          <a:xfrm>
+            <a:off x="2093327" y="3818093"/>
+            <a:ext cx="1953158" cy="404884"/>
+          </a:xfrm>
+          <a:prstGeom prst="rect">
+            <a:avLst/>
+          </a:prstGeom>
+        </p:spPr>
+        <p:style>
+          <a:lnRef idx="2">
+            <a:schemeClr val="accent2">
+              <a:shade val="15000"/>
+            </a:schemeClr>
+          </a:lnRef>
+          <a:fillRef idx="1">
+            <a:schemeClr val="accent2"/>
+          </a:fillRef>
+          <a:effectRef idx="0">
+            <a:schemeClr val="accent2"/>
+          </a:effectRef>
+          <a:fontRef idx="minor">
+            <a:schemeClr val="lt1"/>
+          </a:fontRef>
+        </p:style>
+        <p:txBody>
+          <a:bodyPr rtlCol="0" anchor="ctr"/>
+          <a:lstStyle/>
+          <a:p>
+            <a:pPr algn="ctr"/>
+            <a:r>
+              <a:rPr lang="en-US" altLang="zh-CN" dirty="0"/>
+              <a:t>Nginx</a:t>
+            </a:r>
+            <a:endParaRPr lang="zh-CN" altLang="en-US" dirty="0"/>
+          </a:p>
+        </p:txBody>
+      </p:sp>
+      <p:sp>
+        <p:nvSpPr>
+          <p:cNvPr id="11" name="矩形 10">
+            <a:extLst>
+              <a:ext uri="{FF2B5EF4-FFF2-40B4-BE49-F238E27FC236}">
+                <a16:creationId xmlns:a16="http://schemas.microsoft.com/office/drawing/2014/main" id="{E6F36961-84FF-E916-79E0-A14C321F31A3}"/>
+              </a:ext>
+            </a:extLst>
+          </p:cNvPr>
+          <p:cNvSpPr/>
+          <p:nvPr/>
+        </p:nvSpPr>
+        <p:spPr>
+          <a:xfrm>
+            <a:off x="7817064" y="3818093"/>
+            <a:ext cx="1953158" cy="404884"/>
+          </a:xfrm>
+          <a:prstGeom prst="rect">
+            <a:avLst/>
+          </a:prstGeom>
+        </p:spPr>
+        <p:style>
+          <a:lnRef idx="2">
+            <a:schemeClr val="accent2">
+              <a:shade val="15000"/>
+            </a:schemeClr>
+          </a:lnRef>
+          <a:fillRef idx="1">
+            <a:schemeClr val="accent2"/>
+          </a:fillRef>
+          <a:effectRef idx="0">
+            <a:schemeClr val="accent2"/>
+          </a:effectRef>
+          <a:fontRef idx="minor">
+            <a:schemeClr val="lt1"/>
+          </a:fontRef>
+        </p:style>
+        <p:txBody>
+          <a:bodyPr rtlCol="0" anchor="ctr"/>
+          <a:lstStyle/>
+          <a:p>
+            <a:pPr algn="ctr"/>
+            <a:r>
+              <a:rPr lang="en-US" altLang="zh-CN" dirty="0"/>
+              <a:t>Nginx</a:t>
+            </a:r>
+            <a:endParaRPr lang="zh-CN" altLang="en-US" dirty="0"/>
+          </a:p>
+        </p:txBody>
+      </p:sp>
+      <p:sp>
+        <p:nvSpPr>
+          <p:cNvPr id="12" name="矩形 11">
+            <a:extLst>
+              <a:ext uri="{FF2B5EF4-FFF2-40B4-BE49-F238E27FC236}">
+                <a16:creationId xmlns:a16="http://schemas.microsoft.com/office/drawing/2014/main" id="{C879CB1A-6F6E-1B85-7D4C-4DC3F4068F4F}"/>
+              </a:ext>
+            </a:extLst>
+          </p:cNvPr>
+          <p:cNvSpPr/>
+          <p:nvPr/>
+        </p:nvSpPr>
+        <p:spPr>
+          <a:xfrm>
+            <a:off x="7817064" y="2837465"/>
+            <a:ext cx="1953158" cy="404884"/>
+          </a:xfrm>
+          <a:prstGeom prst="rect">
+            <a:avLst/>
+          </a:prstGeom>
+        </p:spPr>
+        <p:style>
+          <a:lnRef idx="2">
+            <a:schemeClr val="accent3">
+              <a:shade val="15000"/>
+            </a:schemeClr>
+          </a:lnRef>
+          <a:fillRef idx="1">
+            <a:schemeClr val="accent3"/>
+          </a:fillRef>
+          <a:effectRef idx="0">
+            <a:schemeClr val="accent3"/>
+          </a:effectRef>
+          <a:fontRef idx="minor">
+            <a:schemeClr val="lt1"/>
+          </a:fontRef>
+        </p:style>
+        <p:txBody>
+          <a:bodyPr rtlCol="0" anchor="ctr"/>
+          <a:lstStyle/>
+          <a:p>
+            <a:pPr algn="ctr"/>
+            <a:r>
+              <a:rPr lang="en-US" altLang="zh-CN" dirty="0" err="1"/>
+              <a:t>Keepalived</a:t>
+            </a:r>
+            <a:endParaRPr lang="zh-CN" altLang="en-US" dirty="0"/>
+          </a:p>
+        </p:txBody>
+      </p:sp>
+      <p:sp>
+        <p:nvSpPr>
+          <p:cNvPr id="15" name="矩形 14">
+            <a:extLst>
+              <a:ext uri="{FF2B5EF4-FFF2-40B4-BE49-F238E27FC236}">
+                <a16:creationId xmlns:a16="http://schemas.microsoft.com/office/drawing/2014/main" id="{0B29D397-2605-B82B-E867-170A60E27418}"/>
+              </a:ext>
+            </a:extLst>
+          </p:cNvPr>
+          <p:cNvSpPr/>
+          <p:nvPr/>
+        </p:nvSpPr>
+        <p:spPr>
+          <a:xfrm>
+            <a:off x="2093327" y="2837465"/>
+            <a:ext cx="1953158" cy="404884"/>
+          </a:xfrm>
+          <a:prstGeom prst="rect">
+            <a:avLst/>
+          </a:prstGeom>
+        </p:spPr>
+        <p:style>
+          <a:lnRef idx="2">
+            <a:schemeClr val="accent3">
+              <a:shade val="15000"/>
+            </a:schemeClr>
+          </a:lnRef>
+          <a:fillRef idx="1">
+            <a:schemeClr val="accent3"/>
+          </a:fillRef>
+          <a:effectRef idx="0">
+            <a:schemeClr val="accent3"/>
+          </a:effectRef>
+          <a:fontRef idx="minor">
+            <a:schemeClr val="lt1"/>
+          </a:fontRef>
+        </p:style>
+        <p:txBody>
+          <a:bodyPr rtlCol="0" anchor="ctr"/>
+          <a:lstStyle/>
+          <a:p>
+            <a:pPr algn="ctr"/>
+            <a:r>
+              <a:rPr lang="en-US" altLang="zh-CN" dirty="0" err="1"/>
+              <a:t>Keepalived</a:t>
+            </a:r>
+            <a:endParaRPr lang="zh-CN" altLang="en-US" dirty="0"/>
+          </a:p>
+        </p:txBody>
+      </p:sp>
+      <p:cxnSp>
+        <p:nvCxnSpPr>
+          <p:cNvPr id="17" name="直接箭头连接符 16">
+            <a:extLst>
+              <a:ext uri="{FF2B5EF4-FFF2-40B4-BE49-F238E27FC236}">
+                <a16:creationId xmlns:a16="http://schemas.microsoft.com/office/drawing/2014/main" id="{6019FFF5-B7B5-72B8-DB8D-2ADA72BC41CB}"/>
+              </a:ext>
+            </a:extLst>
+          </p:cNvPr>
+          <p:cNvCxnSpPr>
+            <a:cxnSpLocks/>
+            <a:stCxn id="21" idx="2"/>
+            <a:endCxn id="15" idx="0"/>
+          </p:cNvCxnSpPr>
+          <p:nvPr/>
+        </p:nvCxnSpPr>
+        <p:spPr>
+          <a:xfrm flipH="1">
+            <a:off x="3069906" y="1341031"/>
+            <a:ext cx="2484992" cy="1496434"/>
+          </a:xfrm>
+          <a:prstGeom prst="straightConnector1">
+            <a:avLst/>
+          </a:prstGeom>
+          <a:ln>
+            <a:tailEnd type="triangle"/>
+          </a:ln>
         </p:spPr>
         <p:style>
           <a:lnRef idx="1">
+            <a:schemeClr val="accent1"/>
+          </a:lnRef>
+          <a:fillRef idx="0">
+            <a:schemeClr val="accent1"/>
+          </a:fillRef>
+          <a:effectRef idx="0">
+            <a:schemeClr val="accent1"/>
+          </a:effectRef>
+          <a:fontRef idx="minor">
+            <a:schemeClr val="tx1"/>
+          </a:fontRef>
+        </p:style>
+      </p:cxnSp>
+      <p:sp>
+        <p:nvSpPr>
+          <p:cNvPr id="21" name="矩形 20">
+            <a:extLst>
+              <a:ext uri="{FF2B5EF4-FFF2-40B4-BE49-F238E27FC236}">
+                <a16:creationId xmlns:a16="http://schemas.microsoft.com/office/drawing/2014/main" id="{B691CBAE-F0B4-5360-20D9-F880A657CACE}"/>
+              </a:ext>
+            </a:extLst>
+          </p:cNvPr>
+          <p:cNvSpPr/>
+          <p:nvPr/>
+        </p:nvSpPr>
+        <p:spPr>
+          <a:xfrm>
+            <a:off x="4201668" y="851827"/>
+            <a:ext cx="2706460" cy="489204"/>
+          </a:xfrm>
+          <a:prstGeom prst="rect">
+            <a:avLst/>
+          </a:prstGeom>
+        </p:spPr>
+        <p:style>
+          <a:lnRef idx="2">
             <a:schemeClr val="accent2"/>
           </a:lnRef>
-          <a:fillRef idx="2">
-            <a:schemeClr val="accent2"/>
+          <a:fillRef idx="1">
+            <a:schemeClr val="lt1"/>
           </a:fillRef>
-          <a:effectRef idx="1">
+          <a:effectRef idx="0">
             <a:schemeClr val="accent2"/>
           </a:effectRef>
           <a:fontRef idx="minor">
@@ -7178,408 +7641,7 @@
             <a:pPr algn="ctr"/>
             <a:r>
               <a:rPr lang="en-US" altLang="zh-CN" dirty="0"/>
-              <a:t>distribute</a:t>
-            </a:r>
-            <a:endParaRPr lang="en-US" altLang="zh-CN" dirty="0"/>
-          </a:p>
-          <a:p>
-            <a:pPr algn="ctr"/>
-            <a:r>
-              <a:rPr lang="en-US" altLang="zh-CN" dirty="0"/>
-              <a:t>os01</a:t>
-            </a:r>
-            <a:endParaRPr lang="zh-CN" altLang="en-US" dirty="0"/>
-          </a:p>
-        </p:txBody>
-      </p:sp>
-      <p:sp>
-        <p:nvSpPr>
-          <p:cNvPr id="5" name="矩形 4"/>
-          <p:cNvSpPr/>
-          <p:nvPr/>
-        </p:nvSpPr>
-        <p:spPr>
-          <a:xfrm>
-            <a:off x="1193709" y="3341371"/>
-            <a:ext cx="2000250" cy="640897"/>
-          </a:xfrm>
-          <a:prstGeom prst="rect">
-            <a:avLst/>
-          </a:prstGeom>
-        </p:spPr>
-        <p:style>
-          <a:lnRef idx="1">
-            <a:schemeClr val="accent5"/>
-          </a:lnRef>
-          <a:fillRef idx="2">
-            <a:schemeClr val="accent5"/>
-          </a:fillRef>
-          <a:effectRef idx="1">
-            <a:schemeClr val="accent5"/>
-          </a:effectRef>
-          <a:fontRef idx="minor">
-            <a:schemeClr val="dk1"/>
-          </a:fontRef>
-        </p:style>
-        <p:txBody>
-          <a:bodyPr rtlCol="0" anchor="ctr"/>
-          <a:lstStyle/>
-          <a:p>
-            <a:pPr algn="ctr"/>
-            <a:r>
-              <a:rPr lang="en-US" altLang="zh-CN" dirty="0"/>
-              <a:t>os01</a:t>
-            </a:r>
-            <a:endParaRPr lang="en-US" altLang="zh-CN" dirty="0"/>
-          </a:p>
-          <a:p>
-            <a:pPr algn="ctr"/>
-            <a:r>
-              <a:rPr lang="en-US" altLang="zh-CN" dirty="0"/>
-              <a:t>s1r1</a:t>
-            </a:r>
-            <a:endParaRPr lang="zh-CN" altLang="en-US" dirty="0"/>
-          </a:p>
-        </p:txBody>
-      </p:sp>
-      <p:sp>
-        <p:nvSpPr>
-          <p:cNvPr id="6" name="矩形 5"/>
-          <p:cNvSpPr/>
-          <p:nvPr/>
-        </p:nvSpPr>
-        <p:spPr>
-          <a:xfrm>
-            <a:off x="1193709" y="5179696"/>
-            <a:ext cx="2000250" cy="640897"/>
-          </a:xfrm>
-          <a:prstGeom prst="rect">
-            <a:avLst/>
-          </a:prstGeom>
-        </p:spPr>
-        <p:style>
-          <a:lnRef idx="1">
-            <a:schemeClr val="accent5"/>
-          </a:lnRef>
-          <a:fillRef idx="2">
-            <a:schemeClr val="accent5"/>
-          </a:fillRef>
-          <a:effectRef idx="1">
-            <a:schemeClr val="accent5"/>
-          </a:effectRef>
-          <a:fontRef idx="minor">
-            <a:schemeClr val="dk1"/>
-          </a:fontRef>
-        </p:style>
-        <p:txBody>
-          <a:bodyPr rtlCol="0" anchor="ctr"/>
-          <a:lstStyle/>
-          <a:p>
-            <a:pPr algn="ctr"/>
-            <a:r>
-              <a:rPr lang="en-US" altLang="zh-CN" dirty="0"/>
-              <a:t>os02</a:t>
-            </a:r>
-            <a:endParaRPr lang="en-US" altLang="zh-CN" dirty="0"/>
-          </a:p>
-          <a:p>
-            <a:pPr algn="ctr"/>
-            <a:r>
-              <a:rPr lang="en-US" altLang="zh-CN" dirty="0"/>
-              <a:t>s1r2</a:t>
-            </a:r>
-            <a:endParaRPr lang="zh-CN" altLang="en-US" dirty="0"/>
-          </a:p>
-        </p:txBody>
-      </p:sp>
-      <p:sp>
-        <p:nvSpPr>
-          <p:cNvPr id="7" name="矩形 6"/>
-          <p:cNvSpPr/>
-          <p:nvPr/>
-        </p:nvSpPr>
-        <p:spPr>
-          <a:xfrm>
-            <a:off x="4824096" y="3341369"/>
-            <a:ext cx="2000250" cy="640897"/>
-          </a:xfrm>
-          <a:prstGeom prst="rect">
-            <a:avLst/>
-          </a:prstGeom>
-        </p:spPr>
-        <p:style>
-          <a:lnRef idx="1">
-            <a:schemeClr val="accent5"/>
-          </a:lnRef>
-          <a:fillRef idx="2">
-            <a:schemeClr val="accent5"/>
-          </a:fillRef>
-          <a:effectRef idx="1">
-            <a:schemeClr val="accent5"/>
-          </a:effectRef>
-          <a:fontRef idx="minor">
-            <a:schemeClr val="dk1"/>
-          </a:fontRef>
-        </p:style>
-        <p:txBody>
-          <a:bodyPr rtlCol="0" anchor="ctr"/>
-          <a:lstStyle/>
-          <a:p>
-            <a:pPr algn="ctr"/>
-            <a:r>
-              <a:rPr lang="en-US" altLang="zh-CN" dirty="0"/>
-              <a:t>os03</a:t>
-            </a:r>
-            <a:endParaRPr lang="en-US" altLang="zh-CN" dirty="0"/>
-          </a:p>
-          <a:p>
-            <a:pPr algn="ctr"/>
-            <a:r>
-              <a:rPr lang="en-US" altLang="zh-CN" dirty="0"/>
-              <a:t>s2r3</a:t>
-            </a:r>
-            <a:endParaRPr lang="zh-CN" altLang="en-US" dirty="0"/>
-          </a:p>
-        </p:txBody>
-      </p:sp>
-      <p:sp>
-        <p:nvSpPr>
-          <p:cNvPr id="8" name="矩形 7"/>
-          <p:cNvSpPr/>
-          <p:nvPr/>
-        </p:nvSpPr>
-        <p:spPr>
-          <a:xfrm>
-            <a:off x="8287113" y="3341370"/>
-            <a:ext cx="2000250" cy="640897"/>
-          </a:xfrm>
-          <a:prstGeom prst="rect">
-            <a:avLst/>
-          </a:prstGeom>
-        </p:spPr>
-        <p:style>
-          <a:lnRef idx="1">
-            <a:schemeClr val="accent5"/>
-          </a:lnRef>
-          <a:fillRef idx="2">
-            <a:schemeClr val="accent5"/>
-          </a:fillRef>
-          <a:effectRef idx="1">
-            <a:schemeClr val="accent5"/>
-          </a:effectRef>
-          <a:fontRef idx="minor">
-            <a:schemeClr val="dk1"/>
-          </a:fontRef>
-        </p:style>
-        <p:txBody>
-          <a:bodyPr rtlCol="0" anchor="ctr"/>
-          <a:lstStyle/>
-          <a:p>
-            <a:pPr algn="ctr"/>
-            <a:r>
-              <a:rPr lang="en-US" altLang="zh-CN" dirty="0"/>
-              <a:t>os05</a:t>
-            </a:r>
-            <a:endParaRPr lang="en-US" altLang="zh-CN" dirty="0"/>
-          </a:p>
-          <a:p>
-            <a:pPr algn="ctr"/>
-            <a:r>
-              <a:rPr lang="en-US" altLang="zh-CN" dirty="0"/>
-              <a:t>s3r5</a:t>
-            </a:r>
-            <a:endParaRPr lang="zh-CN" altLang="en-US" dirty="0"/>
-          </a:p>
-        </p:txBody>
-      </p:sp>
-      <p:sp>
-        <p:nvSpPr>
-          <p:cNvPr id="9" name="矩形 8"/>
-          <p:cNvSpPr/>
-          <p:nvPr/>
-        </p:nvSpPr>
-        <p:spPr>
-          <a:xfrm>
-            <a:off x="4824096" y="5179696"/>
-            <a:ext cx="2000250" cy="640897"/>
-          </a:xfrm>
-          <a:prstGeom prst="rect">
-            <a:avLst/>
-          </a:prstGeom>
-        </p:spPr>
-        <p:style>
-          <a:lnRef idx="1">
-            <a:schemeClr val="accent5"/>
-          </a:lnRef>
-          <a:fillRef idx="2">
-            <a:schemeClr val="accent5"/>
-          </a:fillRef>
-          <a:effectRef idx="1">
-            <a:schemeClr val="accent5"/>
-          </a:effectRef>
-          <a:fontRef idx="minor">
-            <a:schemeClr val="dk1"/>
-          </a:fontRef>
-        </p:style>
-        <p:txBody>
-          <a:bodyPr rtlCol="0" anchor="ctr"/>
-          <a:lstStyle/>
-          <a:p>
-            <a:pPr algn="ctr"/>
-            <a:r>
-              <a:rPr lang="en-US" altLang="zh-CN" dirty="0"/>
-              <a:t>os04</a:t>
-            </a:r>
-            <a:endParaRPr lang="en-US" altLang="zh-CN" dirty="0"/>
-          </a:p>
-          <a:p>
-            <a:pPr algn="ctr"/>
-            <a:r>
-              <a:rPr lang="en-US" altLang="zh-CN" dirty="0"/>
-              <a:t>s2r4</a:t>
-            </a:r>
-            <a:endParaRPr lang="zh-CN" altLang="en-US" dirty="0"/>
-          </a:p>
-        </p:txBody>
-      </p:sp>
-      <p:sp>
-        <p:nvSpPr>
-          <p:cNvPr id="10" name="矩形 9"/>
-          <p:cNvSpPr/>
-          <p:nvPr/>
-        </p:nvSpPr>
-        <p:spPr>
-          <a:xfrm>
-            <a:off x="8287113" y="5179695"/>
-            <a:ext cx="2000250" cy="640897"/>
-          </a:xfrm>
-          <a:prstGeom prst="rect">
-            <a:avLst/>
-          </a:prstGeom>
-        </p:spPr>
-        <p:style>
-          <a:lnRef idx="1">
-            <a:schemeClr val="accent5"/>
-          </a:lnRef>
-          <a:fillRef idx="2">
-            <a:schemeClr val="accent5"/>
-          </a:fillRef>
-          <a:effectRef idx="1">
-            <a:schemeClr val="accent5"/>
-          </a:effectRef>
-          <a:fontRef idx="minor">
-            <a:schemeClr val="dk1"/>
-          </a:fontRef>
-        </p:style>
-        <p:txBody>
-          <a:bodyPr rtlCol="0" anchor="ctr"/>
-          <a:lstStyle/>
-          <a:p>
-            <a:pPr algn="ctr"/>
-            <a:r>
-              <a:rPr lang="en-US" altLang="zh-CN" dirty="0"/>
-              <a:t>os06</a:t>
-            </a:r>
-            <a:endParaRPr lang="en-US" altLang="zh-CN" dirty="0"/>
-          </a:p>
-          <a:p>
-            <a:pPr algn="ctr"/>
-            <a:r>
-              <a:rPr lang="en-US" altLang="zh-CN" dirty="0"/>
-              <a:t>s3r6</a:t>
-            </a:r>
-            <a:endParaRPr lang="zh-CN" altLang="en-US" dirty="0"/>
-          </a:p>
-        </p:txBody>
-      </p:sp>
-      <p:sp>
-        <p:nvSpPr>
-          <p:cNvPr id="11" name="文本框 10"/>
-          <p:cNvSpPr txBox="1"/>
-          <p:nvPr/>
-        </p:nvSpPr>
-        <p:spPr>
-          <a:xfrm>
-            <a:off x="4473416" y="385898"/>
-            <a:ext cx="2396810" cy="369332"/>
-          </a:xfrm>
-          <a:prstGeom prst="rect">
-            <a:avLst/>
-          </a:prstGeom>
-        </p:spPr>
-        <p:style>
-          <a:lnRef idx="2">
-            <a:schemeClr val="accent1"/>
-          </a:lnRef>
-          <a:fillRef idx="1">
-            <a:schemeClr val="lt1"/>
-          </a:fillRef>
-          <a:effectRef idx="0">
-            <a:schemeClr val="accent1"/>
-          </a:effectRef>
-          <a:fontRef idx="minor">
-            <a:schemeClr val="dk1"/>
-          </a:fontRef>
-        </p:style>
-        <p:txBody>
-          <a:bodyPr wrap="none" rtlCol="0">
-            <a:spAutoFit/>
-          </a:bodyPr>
-          <a:lstStyle/>
-          <a:p>
-            <a:r>
-              <a:rPr lang="en-US" altLang="zh-CN" dirty="0"/>
-              <a:t>3</a:t>
-            </a:r>
-            <a:r>
-              <a:rPr lang="zh-CN" altLang="en-US" dirty="0"/>
-              <a:t>分片</a:t>
-            </a:r>
-            <a:r>
-              <a:rPr lang="en-US" altLang="zh-CN" dirty="0"/>
-              <a:t>2</a:t>
-            </a:r>
-            <a:r>
-              <a:rPr lang="zh-CN" altLang="en-US" dirty="0"/>
-              <a:t>副本共</a:t>
-            </a:r>
-            <a:r>
-              <a:rPr lang="en-US" altLang="zh-CN" dirty="0"/>
-              <a:t>6</a:t>
-            </a:r>
-            <a:r>
-              <a:rPr lang="zh-CN" altLang="en-US" dirty="0"/>
-              <a:t>个节点</a:t>
-            </a:r>
-            <a:endParaRPr lang="zh-CN" altLang="en-US" dirty="0"/>
-          </a:p>
-        </p:txBody>
-      </p:sp>
-      <p:sp>
-        <p:nvSpPr>
-          <p:cNvPr id="13" name="文本框 12"/>
-          <p:cNvSpPr txBox="1"/>
-          <p:nvPr/>
-        </p:nvSpPr>
-        <p:spPr>
-          <a:xfrm>
-            <a:off x="9530080" y="553720"/>
-            <a:ext cx="2066591" cy="369332"/>
-          </a:xfrm>
-          <a:prstGeom prst="rect">
-            <a:avLst/>
-          </a:prstGeom>
-          <a:noFill/>
-        </p:spPr>
-        <p:txBody>
-          <a:bodyPr wrap="none" rtlCol="0">
-            <a:spAutoFit/>
-          </a:bodyPr>
-          <a:lstStyle/>
-          <a:p>
-            <a:r>
-              <a:rPr lang="en-US" altLang="zh-CN" dirty="0" err="1"/>
-              <a:t>Internal_replication</a:t>
+              <a:t>Client</a:t>
             </a:r>
             <a:endParaRPr lang="zh-CN" altLang="en-US" dirty="0"/>
           </a:p>
@@ -7587,102 +7649,41 @@
       </p:sp>
       <p:cxnSp>
         <p:nvCxnSpPr>
-          <p:cNvPr id="15" name="直接箭头连接符 14"/>
+          <p:cNvPr id="24" name="直接箭头连接符 23">
+            <a:extLst>
+              <a:ext uri="{FF2B5EF4-FFF2-40B4-BE49-F238E27FC236}">
+                <a16:creationId xmlns:a16="http://schemas.microsoft.com/office/drawing/2014/main" id="{3FBE86E1-E808-8C71-B835-29D8B8D3929F}"/>
+              </a:ext>
+            </a:extLst>
+          </p:cNvPr>
           <p:cNvCxnSpPr>
-            <a:stCxn id="16" idx="1"/>
+            <a:cxnSpLocks/>
+            <a:stCxn id="21" idx="2"/>
+            <a:endCxn id="12" idx="0"/>
           </p:cNvCxnSpPr>
           <p:nvPr/>
         </p:nvCxnSpPr>
         <p:spPr>
-          <a:xfrm flipH="1">
-            <a:off x="9522047" y="1295790"/>
-            <a:ext cx="1442720" cy="0"/>
+          <a:xfrm>
+            <a:off x="5554898" y="1341031"/>
+            <a:ext cx="3238745" cy="1496434"/>
           </a:xfrm>
           <a:prstGeom prst="straightConnector1">
             <a:avLst/>
           </a:prstGeom>
-          <a:ln w="25400" cmpd="sng">
+          <a:ln>
             <a:prstDash val="dash"/>
-            <a:round/>
             <a:tailEnd type="triangle"/>
           </a:ln>
         </p:spPr>
         <p:style>
-          <a:lnRef idx="3">
+          <a:lnRef idx="1">
             <a:schemeClr val="accent1"/>
           </a:lnRef>
           <a:fillRef idx="0">
             <a:schemeClr val="accent1"/>
           </a:fillRef>
-          <a:effectRef idx="2">
-            <a:schemeClr val="accent1"/>
-          </a:effectRef>
-          <a:fontRef idx="minor">
-            <a:schemeClr val="tx1"/>
-          </a:fontRef>
-        </p:style>
-      </p:cxnSp>
-      <p:sp>
-        <p:nvSpPr>
-          <p:cNvPr id="16" name="文本框 15"/>
-          <p:cNvSpPr txBox="1"/>
-          <p:nvPr/>
-        </p:nvSpPr>
-        <p:spPr>
-          <a:xfrm>
-            <a:off x="10964767" y="1111124"/>
-            <a:ext cx="631904" cy="369332"/>
-          </a:xfrm>
-          <a:prstGeom prst="rect">
-            <a:avLst/>
-          </a:prstGeom>
-          <a:noFill/>
-        </p:spPr>
-        <p:txBody>
-          <a:bodyPr wrap="none" rtlCol="0">
-            <a:spAutoFit/>
-          </a:bodyPr>
-          <a:lstStyle/>
-          <a:p>
-            <a:r>
-              <a:rPr lang="en-US" altLang="zh-CN" dirty="0"/>
-              <a:t>false</a:t>
-            </a:r>
-            <a:endParaRPr lang="zh-CN" altLang="en-US" dirty="0"/>
-          </a:p>
-        </p:txBody>
-      </p:sp>
-      <p:cxnSp>
-        <p:nvCxnSpPr>
-          <p:cNvPr id="17" name="直接箭头连接符 16"/>
-          <p:cNvCxnSpPr/>
-          <p:nvPr/>
-        </p:nvCxnSpPr>
-        <p:spPr>
-          <a:xfrm flipH="1">
-            <a:off x="5725171" y="923052"/>
-            <a:ext cx="1391909" cy="548696"/>
-          </a:xfrm>
-          <a:prstGeom prst="straightConnector1">
-            <a:avLst/>
-          </a:prstGeom>
-          <a:ln w="38100" cmpd="sng">
-            <a:solidFill>
-              <a:schemeClr val="accent5"/>
-            </a:solidFill>
-            <a:prstDash val="solid"/>
-            <a:round/>
-            <a:tailEnd type="triangle"/>
-          </a:ln>
-        </p:spPr>
-        <p:style>
-          <a:lnRef idx="3">
-            <a:schemeClr val="accent1"/>
-          </a:lnRef>
-          <a:fillRef idx="0">
-            <a:schemeClr val="accent1"/>
-          </a:fillRef>
-          <a:effectRef idx="2">
+          <a:effectRef idx="0">
             <a:schemeClr val="accent1"/>
           </a:effectRef>
           <a:fontRef idx="minor">
@@ -7692,35 +7693,123 @@
       </p:cxnSp>
       <p:cxnSp>
         <p:nvCxnSpPr>
-          <p:cNvPr id="19" name="直接箭头连接符 18"/>
+          <p:cNvPr id="30" name="直接箭头连接符 29">
+            <a:extLst>
+              <a:ext uri="{FF2B5EF4-FFF2-40B4-BE49-F238E27FC236}">
+                <a16:creationId xmlns:a16="http://schemas.microsoft.com/office/drawing/2014/main" id="{404CF4E6-433D-2AA6-0AAD-D7AC97214634}"/>
+              </a:ext>
+            </a:extLst>
+          </p:cNvPr>
           <p:cNvCxnSpPr>
-            <a:stCxn id="4" idx="2"/>
-            <a:endCxn id="5" idx="3"/>
+            <a:stCxn id="15" idx="3"/>
+            <a:endCxn id="12" idx="1"/>
           </p:cNvCxnSpPr>
           <p:nvPr/>
         </p:nvCxnSpPr>
         <p:spPr>
-          <a:xfrm flipH="1">
-            <a:off x="3193959" y="2255519"/>
-            <a:ext cx="2630262" cy="1406301"/>
+          <a:xfrm>
+            <a:off x="4046485" y="3039907"/>
+            <a:ext cx="3770579" cy="0"/>
           </a:xfrm>
           <a:prstGeom prst="straightConnector1">
             <a:avLst/>
           </a:prstGeom>
-          <a:ln w="25400" cmpd="sng">
-            <a:prstDash val="dash"/>
-            <a:round/>
+          <a:ln>
+            <a:headEnd type="triangle"/>
             <a:tailEnd type="triangle"/>
           </a:ln>
         </p:spPr>
         <p:style>
-          <a:lnRef idx="3">
+          <a:lnRef idx="1">
             <a:schemeClr val="accent1"/>
           </a:lnRef>
           <a:fillRef idx="0">
             <a:schemeClr val="accent1"/>
           </a:fillRef>
-          <a:effectRef idx="2">
+          <a:effectRef idx="0">
+            <a:schemeClr val="accent1"/>
+          </a:effectRef>
+          <a:fontRef idx="minor">
+            <a:schemeClr val="tx1"/>
+          </a:fontRef>
+        </p:style>
+      </p:cxnSp>
+      <p:sp>
+        <p:nvSpPr>
+          <p:cNvPr id="31" name="文本框 30">
+            <a:extLst>
+              <a:ext uri="{FF2B5EF4-FFF2-40B4-BE49-F238E27FC236}">
+                <a16:creationId xmlns:a16="http://schemas.microsoft.com/office/drawing/2014/main" id="{4C69FFBA-091E-8A46-3E4F-74DE4C528F89}"/>
+              </a:ext>
+            </a:extLst>
+          </p:cNvPr>
+          <p:cNvSpPr txBox="1"/>
+          <p:nvPr/>
+        </p:nvSpPr>
+        <p:spPr>
+          <a:xfrm>
+            <a:off x="5652636" y="2754020"/>
+            <a:ext cx="510076" cy="369332"/>
+          </a:xfrm>
+          <a:prstGeom prst="rect">
+            <a:avLst/>
+          </a:prstGeom>
+          <a:noFill/>
+          <a:ln>
+            <a:solidFill>
+              <a:schemeClr val="accent1"/>
+            </a:solidFill>
+            <a:prstDash val="dash"/>
+          </a:ln>
+        </p:spPr>
+        <p:txBody>
+          <a:bodyPr wrap="none" rtlCol="0">
+            <a:spAutoFit/>
+          </a:bodyPr>
+          <a:lstStyle/>
+          <a:p>
+            <a:r>
+              <a:rPr lang="en-US" altLang="zh-CN" dirty="0"/>
+              <a:t>VIP</a:t>
+            </a:r>
+            <a:endParaRPr lang="zh-CN" altLang="en-US" dirty="0"/>
+          </a:p>
+        </p:txBody>
+      </p:sp>
+      <p:cxnSp>
+        <p:nvCxnSpPr>
+          <p:cNvPr id="33" name="直接箭头连接符 32">
+            <a:extLst>
+              <a:ext uri="{FF2B5EF4-FFF2-40B4-BE49-F238E27FC236}">
+                <a16:creationId xmlns:a16="http://schemas.microsoft.com/office/drawing/2014/main" id="{F6F623C4-6825-5FAD-6CBC-285C9C798222}"/>
+              </a:ext>
+            </a:extLst>
+          </p:cNvPr>
+          <p:cNvCxnSpPr>
+            <a:endCxn id="10" idx="0"/>
+          </p:cNvCxnSpPr>
+          <p:nvPr/>
+        </p:nvCxnSpPr>
+        <p:spPr>
+          <a:xfrm>
+            <a:off x="3069906" y="3242349"/>
+            <a:ext cx="0" cy="575744"/>
+          </a:xfrm>
+          <a:prstGeom prst="straightConnector1">
+            <a:avLst/>
+          </a:prstGeom>
+          <a:ln>
+            <a:tailEnd type="triangle"/>
+          </a:ln>
+        </p:spPr>
+        <p:style>
+          <a:lnRef idx="1">
+            <a:schemeClr val="accent1"/>
+          </a:lnRef>
+          <a:fillRef idx="0">
+            <a:schemeClr val="accent1"/>
+          </a:fillRef>
+          <a:effectRef idx="0">
             <a:schemeClr val="accent1"/>
           </a:effectRef>
           <a:fontRef idx="minor">
@@ -7730,35 +7819,36 @@
       </p:cxnSp>
       <p:cxnSp>
         <p:nvCxnSpPr>
-          <p:cNvPr id="21" name="直接箭头连接符 20"/>
-          <p:cNvCxnSpPr>
-            <a:stCxn id="4" idx="2"/>
-            <a:endCxn id="6" idx="3"/>
-          </p:cNvCxnSpPr>
+          <p:cNvPr id="34" name="直接箭头连接符 33">
+            <a:extLst>
+              <a:ext uri="{FF2B5EF4-FFF2-40B4-BE49-F238E27FC236}">
+                <a16:creationId xmlns:a16="http://schemas.microsoft.com/office/drawing/2014/main" id="{F488E8BE-E553-00EE-9013-82C4D37CC1A1}"/>
+              </a:ext>
+            </a:extLst>
+          </p:cNvPr>
+          <p:cNvCxnSpPr/>
           <p:nvPr/>
         </p:nvCxnSpPr>
         <p:spPr>
-          <a:xfrm flipH="1">
-            <a:off x="3193959" y="2255519"/>
-            <a:ext cx="2630262" cy="3244626"/>
+          <a:xfrm>
+            <a:off x="8793642" y="3242349"/>
+            <a:ext cx="0" cy="575744"/>
           </a:xfrm>
           <a:prstGeom prst="straightConnector1">
             <a:avLst/>
           </a:prstGeom>
-          <a:ln w="25400" cmpd="sng">
-            <a:prstDash val="dash"/>
-            <a:round/>
+          <a:ln>
             <a:tailEnd type="triangle"/>
           </a:ln>
         </p:spPr>
         <p:style>
-          <a:lnRef idx="3">
+          <a:lnRef idx="1">
             <a:schemeClr val="accent1"/>
           </a:lnRef>
           <a:fillRef idx="0">
             <a:schemeClr val="accent1"/>
           </a:fillRef>
-          <a:effectRef idx="2">
+          <a:effectRef idx="0">
             <a:schemeClr val="accent1"/>
           </a:effectRef>
           <a:fontRef idx="minor">
@@ -7768,157 +7858,40 @@
       </p:cxnSp>
       <p:cxnSp>
         <p:nvCxnSpPr>
-          <p:cNvPr id="25" name="直接箭头连接符 24"/>
+          <p:cNvPr id="36" name="直接箭头连接符 35">
+            <a:extLst>
+              <a:ext uri="{FF2B5EF4-FFF2-40B4-BE49-F238E27FC236}">
+                <a16:creationId xmlns:a16="http://schemas.microsoft.com/office/drawing/2014/main" id="{7EB5A972-3A86-C202-6F2A-FC7F99DE83B2}"/>
+              </a:ext>
+            </a:extLst>
+          </p:cNvPr>
           <p:cNvCxnSpPr>
-            <a:stCxn id="28" idx="2"/>
-            <a:endCxn id="8" idx="1"/>
+            <a:cxnSpLocks/>
+            <a:stCxn id="10" idx="2"/>
+            <a:endCxn id="5" idx="1"/>
           </p:cNvCxnSpPr>
           <p:nvPr/>
         </p:nvCxnSpPr>
         <p:spPr>
           <a:xfrm>
-            <a:off x="7385345" y="2194367"/>
-            <a:ext cx="901768" cy="1467452"/>
+            <a:off x="3069906" y="4222977"/>
+            <a:ext cx="0" cy="462440"/>
           </a:xfrm>
           <a:prstGeom prst="straightConnector1">
             <a:avLst/>
           </a:prstGeom>
-          <a:ln w="25400" cmpd="sng">
-            <a:prstDash val="dash"/>
-            <a:round/>
+          <a:ln>
             <a:tailEnd type="triangle"/>
           </a:ln>
         </p:spPr>
         <p:style>
-          <a:lnRef idx="3">
+          <a:lnRef idx="1">
             <a:schemeClr val="accent1"/>
           </a:lnRef>
           <a:fillRef idx="0">
             <a:schemeClr val="accent1"/>
           </a:fillRef>
-          <a:effectRef idx="2">
-            <a:schemeClr val="accent1"/>
-          </a:effectRef>
-          <a:fontRef idx="minor">
-            <a:schemeClr val="tx1"/>
-          </a:fontRef>
-        </p:style>
-      </p:cxnSp>
-      <p:sp>
-        <p:nvSpPr>
-          <p:cNvPr id="28" name="矩形 27"/>
-          <p:cNvSpPr/>
-          <p:nvPr/>
-        </p:nvSpPr>
-        <p:spPr>
-          <a:xfrm>
-            <a:off x="6520769" y="1761840"/>
-            <a:ext cx="1729151" cy="432527"/>
-          </a:xfrm>
-          <a:prstGeom prst="rect">
-            <a:avLst/>
-          </a:prstGeom>
-        </p:spPr>
-        <p:style>
-          <a:lnRef idx="1">
-            <a:schemeClr val="accent4"/>
-          </a:lnRef>
-          <a:fillRef idx="2">
-            <a:schemeClr val="accent4"/>
-          </a:fillRef>
-          <a:effectRef idx="1">
-            <a:schemeClr val="accent4"/>
-          </a:effectRef>
-          <a:fontRef idx="minor">
-            <a:schemeClr val="dk1"/>
-          </a:fontRef>
-        </p:style>
-        <p:txBody>
-          <a:bodyPr rtlCol="0" anchor="ctr"/>
-          <a:lstStyle/>
-          <a:p>
-            <a:pPr algn="ctr"/>
-            <a:r>
-              <a:rPr lang="en-US" altLang="zh-CN" sz="1200" dirty="0"/>
-              <a:t>remote-shard-data-temp-partition</a:t>
-            </a:r>
-            <a:endParaRPr lang="zh-CN" altLang="en-US" sz="1200" dirty="0"/>
-          </a:p>
-        </p:txBody>
-      </p:sp>
-      <p:sp>
-        <p:nvSpPr>
-          <p:cNvPr id="31" name="矩形 30"/>
-          <p:cNvSpPr/>
-          <p:nvPr/>
-        </p:nvSpPr>
-        <p:spPr>
-          <a:xfrm>
-            <a:off x="375115" y="3445553"/>
-            <a:ext cx="1174546" cy="432527"/>
-          </a:xfrm>
-          <a:prstGeom prst="rect">
-            <a:avLst/>
-          </a:prstGeom>
-        </p:spPr>
-        <p:style>
-          <a:lnRef idx="1">
-            <a:schemeClr val="accent4"/>
-          </a:lnRef>
-          <a:fillRef idx="2">
-            <a:schemeClr val="accent4"/>
-          </a:fillRef>
-          <a:effectRef idx="1">
-            <a:schemeClr val="accent4"/>
-          </a:effectRef>
-          <a:fontRef idx="minor">
-            <a:schemeClr val="dk1"/>
-          </a:fontRef>
-        </p:style>
-        <p:txBody>
-          <a:bodyPr rtlCol="0" anchor="ctr"/>
-          <a:lstStyle/>
-          <a:p>
-            <a:pPr algn="ctr"/>
-            <a:r>
-              <a:rPr lang="en-US" altLang="zh-CN" sz="1000" dirty="0"/>
-              <a:t>Local-shard-data-partition</a:t>
-            </a:r>
-            <a:endParaRPr lang="zh-CN" altLang="en-US" sz="1000" dirty="0"/>
-          </a:p>
-        </p:txBody>
-      </p:sp>
-      <p:cxnSp>
-        <p:nvCxnSpPr>
-          <p:cNvPr id="32" name="直接箭头连接符 31"/>
-          <p:cNvCxnSpPr>
-            <a:stCxn id="28" idx="2"/>
-            <a:endCxn id="7" idx="3"/>
-          </p:cNvCxnSpPr>
-          <p:nvPr/>
-        </p:nvCxnSpPr>
-        <p:spPr>
-          <a:xfrm flipH="1">
-            <a:off x="6824346" y="2194367"/>
-            <a:ext cx="560999" cy="1467451"/>
-          </a:xfrm>
-          <a:prstGeom prst="straightConnector1">
-            <a:avLst/>
-          </a:prstGeom>
-          <a:ln w="25400" cmpd="sng">
-            <a:prstDash val="dash"/>
-            <a:round/>
-            <a:tailEnd type="triangle"/>
-          </a:ln>
-        </p:spPr>
-        <p:style>
-          <a:lnRef idx="3">
-            <a:schemeClr val="accent1"/>
-          </a:lnRef>
-          <a:fillRef idx="0">
-            <a:schemeClr val="accent1"/>
-          </a:fillRef>
-          <a:effectRef idx="2">
+          <a:effectRef idx="0">
             <a:schemeClr val="accent1"/>
           </a:effectRef>
           <a:fontRef idx="minor">
@@ -7928,35 +7901,40 @@
       </p:cxnSp>
       <p:cxnSp>
         <p:nvCxnSpPr>
-          <p:cNvPr id="35" name="直接箭头连接符 34"/>
+          <p:cNvPr id="38" name="直接箭头连接符 37">
+            <a:extLst>
+              <a:ext uri="{FF2B5EF4-FFF2-40B4-BE49-F238E27FC236}">
+                <a16:creationId xmlns:a16="http://schemas.microsoft.com/office/drawing/2014/main" id="{5FE06E8D-E3EE-C6D5-3E24-0E572A0E2B8D}"/>
+              </a:ext>
+            </a:extLst>
+          </p:cNvPr>
           <p:cNvCxnSpPr>
-            <a:stCxn id="28" idx="2"/>
-            <a:endCxn id="9" idx="3"/>
+            <a:cxnSpLocks/>
+            <a:stCxn id="10" idx="2"/>
+            <a:endCxn id="7" idx="2"/>
           </p:cNvCxnSpPr>
           <p:nvPr/>
         </p:nvCxnSpPr>
         <p:spPr>
-          <a:xfrm flipH="1">
-            <a:off x="6824346" y="2194367"/>
-            <a:ext cx="560999" cy="3305778"/>
+          <a:xfrm>
+            <a:off x="3069906" y="4222977"/>
+            <a:ext cx="4747158" cy="799200"/>
           </a:xfrm>
           <a:prstGeom prst="straightConnector1">
             <a:avLst/>
           </a:prstGeom>
-          <a:ln w="25400" cmpd="sng">
-            <a:prstDash val="dash"/>
-            <a:round/>
+          <a:ln>
             <a:tailEnd type="triangle"/>
           </a:ln>
         </p:spPr>
         <p:style>
-          <a:lnRef idx="3">
+          <a:lnRef idx="1">
             <a:schemeClr val="accent1"/>
           </a:lnRef>
           <a:fillRef idx="0">
             <a:schemeClr val="accent1"/>
           </a:fillRef>
-          <a:effectRef idx="2">
+          <a:effectRef idx="0">
             <a:schemeClr val="accent1"/>
           </a:effectRef>
           <a:fontRef idx="minor">
@@ -7966,35 +7944,40 @@
       </p:cxnSp>
       <p:cxnSp>
         <p:nvCxnSpPr>
-          <p:cNvPr id="38" name="直接箭头连接符 37"/>
+          <p:cNvPr id="46" name="直接箭头连接符 45">
+            <a:extLst>
+              <a:ext uri="{FF2B5EF4-FFF2-40B4-BE49-F238E27FC236}">
+                <a16:creationId xmlns:a16="http://schemas.microsoft.com/office/drawing/2014/main" id="{AF0296EB-24DC-1B49-A9A4-490EBC0F386E}"/>
+              </a:ext>
+            </a:extLst>
+          </p:cNvPr>
           <p:cNvCxnSpPr>
-            <a:stCxn id="28" idx="2"/>
-            <a:endCxn id="10" idx="1"/>
+            <a:cxnSpLocks/>
+            <a:stCxn id="11" idx="2"/>
+            <a:endCxn id="7" idx="1"/>
           </p:cNvCxnSpPr>
           <p:nvPr/>
         </p:nvCxnSpPr>
         <p:spPr>
           <a:xfrm>
-            <a:off x="7385345" y="2194367"/>
-            <a:ext cx="901768" cy="3305777"/>
+            <a:off x="8793643" y="4222977"/>
+            <a:ext cx="1" cy="462440"/>
           </a:xfrm>
           <a:prstGeom prst="straightConnector1">
             <a:avLst/>
           </a:prstGeom>
-          <a:ln w="25400" cmpd="sng">
-            <a:prstDash val="dash"/>
-            <a:round/>
+          <a:ln>
             <a:tailEnd type="triangle"/>
           </a:ln>
         </p:spPr>
         <p:style>
-          <a:lnRef idx="3">
+          <a:lnRef idx="1">
             <a:schemeClr val="accent1"/>
           </a:lnRef>
           <a:fillRef idx="0">
             <a:schemeClr val="accent1"/>
           </a:fillRef>
-          <a:effectRef idx="2">
+          <a:effectRef idx="0">
             <a:schemeClr val="accent1"/>
           </a:effectRef>
           <a:fontRef idx="minor">
@@ -8004,308 +7987,40 @@
       </p:cxnSp>
       <p:cxnSp>
         <p:nvCxnSpPr>
-          <p:cNvPr id="42" name="直接箭头连接符 41"/>
-          <p:cNvCxnSpPr/>
-          <p:nvPr/>
-        </p:nvCxnSpPr>
-        <p:spPr>
-          <a:xfrm flipH="1">
-            <a:off x="9566003" y="1839350"/>
-            <a:ext cx="1442720" cy="0"/>
-          </a:xfrm>
-          <a:prstGeom prst="straightConnector1">
-            <a:avLst/>
-          </a:prstGeom>
-          <a:ln w="25400" cmpd="sng">
-            <a:solidFill>
-              <a:srgbClr val="00B0F0"/>
-            </a:solidFill>
-            <a:prstDash val="solid"/>
-            <a:round/>
-            <a:tailEnd type="triangle"/>
-          </a:ln>
-        </p:spPr>
-        <p:style>
-          <a:lnRef idx="3">
-            <a:schemeClr val="accent1"/>
-          </a:lnRef>
-          <a:fillRef idx="0">
-            <a:schemeClr val="accent1"/>
-          </a:fillRef>
-          <a:effectRef idx="2">
-            <a:schemeClr val="accent1"/>
-          </a:effectRef>
-          <a:fontRef idx="minor">
-            <a:schemeClr val="tx1"/>
-          </a:fontRef>
-        </p:style>
-      </p:cxnSp>
-      <p:sp>
-        <p:nvSpPr>
-          <p:cNvPr id="43" name="文本框 42"/>
-          <p:cNvSpPr txBox="1"/>
-          <p:nvPr/>
-        </p:nvSpPr>
-        <p:spPr>
-          <a:xfrm>
-            <a:off x="10964767" y="1639641"/>
-            <a:ext cx="582211" cy="369332"/>
-          </a:xfrm>
-          <a:prstGeom prst="rect">
-            <a:avLst/>
-          </a:prstGeom>
-          <a:noFill/>
-        </p:spPr>
-        <p:txBody>
-          <a:bodyPr wrap="none" rtlCol="0">
-            <a:spAutoFit/>
-          </a:bodyPr>
-          <a:lstStyle/>
-          <a:p>
-            <a:r>
-              <a:rPr lang="en-US" altLang="zh-CN" dirty="0"/>
-              <a:t>true</a:t>
-            </a:r>
-            <a:endParaRPr lang="zh-CN" altLang="en-US" dirty="0"/>
-          </a:p>
-        </p:txBody>
-      </p:sp>
-      <p:cxnSp>
-        <p:nvCxnSpPr>
-          <p:cNvPr id="44" name="直接箭头连接符 43"/>
+          <p:cNvPr id="49" name="直接箭头连接符 48">
+            <a:extLst>
+              <a:ext uri="{FF2B5EF4-FFF2-40B4-BE49-F238E27FC236}">
+                <a16:creationId xmlns:a16="http://schemas.microsoft.com/office/drawing/2014/main" id="{9CB501BE-1574-6AA1-3886-92EC24F275BC}"/>
+              </a:ext>
+            </a:extLst>
+          </p:cNvPr>
           <p:cNvCxnSpPr>
-            <a:stCxn id="4" idx="2"/>
-            <a:endCxn id="5" idx="0"/>
+            <a:cxnSpLocks/>
+            <a:stCxn id="11" idx="2"/>
+            <a:endCxn id="5" idx="4"/>
           </p:cNvCxnSpPr>
           <p:nvPr/>
         </p:nvCxnSpPr>
         <p:spPr>
           <a:xfrm flipH="1">
-            <a:off x="2193834" y="2255519"/>
-            <a:ext cx="3630387" cy="1085852"/>
+            <a:off x="4046485" y="4222977"/>
+            <a:ext cx="4747158" cy="799200"/>
           </a:xfrm>
           <a:prstGeom prst="straightConnector1">
             <a:avLst/>
           </a:prstGeom>
-          <a:ln w="25400" cmpd="sng">
-            <a:solidFill>
-              <a:srgbClr val="00B0F0"/>
-            </a:solidFill>
-            <a:prstDash val="solid"/>
-            <a:round/>
+          <a:ln>
             <a:tailEnd type="triangle"/>
           </a:ln>
         </p:spPr>
         <p:style>
-          <a:lnRef idx="3">
+          <a:lnRef idx="1">
             <a:schemeClr val="accent1"/>
           </a:lnRef>
           <a:fillRef idx="0">
             <a:schemeClr val="accent1"/>
           </a:fillRef>
-          <a:effectRef idx="2">
-            <a:schemeClr val="accent1"/>
-          </a:effectRef>
-          <a:fontRef idx="minor">
-            <a:schemeClr val="tx1"/>
-          </a:fontRef>
-        </p:style>
-      </p:cxnSp>
-      <p:cxnSp>
-        <p:nvCxnSpPr>
-          <p:cNvPr id="48" name="直接箭头连接符 47"/>
-          <p:cNvCxnSpPr>
-            <a:stCxn id="28" idx="2"/>
-          </p:cNvCxnSpPr>
-          <p:nvPr/>
-        </p:nvCxnSpPr>
-        <p:spPr>
-          <a:xfrm flipH="1">
-            <a:off x="5629299" y="2194367"/>
-            <a:ext cx="1756046" cy="1141922"/>
-          </a:xfrm>
-          <a:prstGeom prst="straightConnector1">
-            <a:avLst/>
-          </a:prstGeom>
-          <a:ln w="25400" cmpd="sng">
-            <a:solidFill>
-              <a:srgbClr val="00B0F0"/>
-            </a:solidFill>
-            <a:prstDash val="solid"/>
-            <a:round/>
-            <a:tailEnd type="triangle"/>
-          </a:ln>
-        </p:spPr>
-        <p:style>
-          <a:lnRef idx="3">
-            <a:schemeClr val="accent1"/>
-          </a:lnRef>
-          <a:fillRef idx="0">
-            <a:schemeClr val="accent1"/>
-          </a:fillRef>
-          <a:effectRef idx="2">
-            <a:schemeClr val="accent1"/>
-          </a:effectRef>
-          <a:fontRef idx="minor">
-            <a:schemeClr val="tx1"/>
-          </a:fontRef>
-        </p:style>
-      </p:cxnSp>
-      <p:cxnSp>
-        <p:nvCxnSpPr>
-          <p:cNvPr id="51" name="直接箭头连接符 50"/>
-          <p:cNvCxnSpPr>
-            <a:stCxn id="5" idx="2"/>
-          </p:cNvCxnSpPr>
-          <p:nvPr/>
-        </p:nvCxnSpPr>
-        <p:spPr>
-          <a:xfrm>
-            <a:off x="2193834" y="3982268"/>
-            <a:ext cx="0" cy="1197427"/>
-          </a:xfrm>
-          <a:prstGeom prst="straightConnector1">
-            <a:avLst/>
-          </a:prstGeom>
-          <a:ln w="25400" cmpd="sng">
-            <a:solidFill>
-              <a:srgbClr val="00B0F0"/>
-            </a:solidFill>
-            <a:prstDash val="solid"/>
-            <a:round/>
-            <a:tailEnd type="triangle"/>
-          </a:ln>
-        </p:spPr>
-        <p:style>
-          <a:lnRef idx="3">
-            <a:schemeClr val="accent1"/>
-          </a:lnRef>
-          <a:fillRef idx="0">
-            <a:schemeClr val="accent1"/>
-          </a:fillRef>
-          <a:effectRef idx="2">
-            <a:schemeClr val="accent1"/>
-          </a:effectRef>
-          <a:fontRef idx="minor">
-            <a:schemeClr val="tx1"/>
-          </a:fontRef>
-        </p:style>
-      </p:cxnSp>
-      <p:cxnSp>
-        <p:nvCxnSpPr>
-          <p:cNvPr id="53" name="直接箭头连接符 52"/>
-          <p:cNvCxnSpPr>
-            <a:stCxn id="7" idx="2"/>
-            <a:endCxn id="9" idx="0"/>
-          </p:cNvCxnSpPr>
-          <p:nvPr/>
-        </p:nvCxnSpPr>
-        <p:spPr>
-          <a:xfrm>
-            <a:off x="5824221" y="3982266"/>
-            <a:ext cx="0" cy="1197430"/>
-          </a:xfrm>
-          <a:prstGeom prst="straightConnector1">
-            <a:avLst/>
-          </a:prstGeom>
-          <a:ln w="25400" cmpd="sng">
-            <a:solidFill>
-              <a:srgbClr val="00B0F0"/>
-            </a:solidFill>
-            <a:prstDash val="solid"/>
-            <a:round/>
-            <a:tailEnd type="triangle"/>
-          </a:ln>
-        </p:spPr>
-        <p:style>
-          <a:lnRef idx="3">
-            <a:schemeClr val="accent1"/>
-          </a:lnRef>
-          <a:fillRef idx="0">
-            <a:schemeClr val="accent1"/>
-          </a:fillRef>
-          <a:effectRef idx="2">
-            <a:schemeClr val="accent1"/>
-          </a:effectRef>
-          <a:fontRef idx="minor">
-            <a:schemeClr val="tx1"/>
-          </a:fontRef>
-        </p:style>
-      </p:cxnSp>
-      <p:cxnSp>
-        <p:nvCxnSpPr>
-          <p:cNvPr id="56" name="直接箭头连接符 55"/>
-          <p:cNvCxnSpPr>
-            <a:stCxn id="8" idx="2"/>
-          </p:cNvCxnSpPr>
-          <p:nvPr/>
-        </p:nvCxnSpPr>
-        <p:spPr>
-          <a:xfrm>
-            <a:off x="9287238" y="3982267"/>
-            <a:ext cx="0" cy="1197429"/>
-          </a:xfrm>
-          <a:prstGeom prst="straightConnector1">
-            <a:avLst/>
-          </a:prstGeom>
-          <a:ln w="25400" cmpd="sng">
-            <a:solidFill>
-              <a:srgbClr val="00B0F0"/>
-            </a:solidFill>
-            <a:prstDash val="solid"/>
-            <a:round/>
-            <a:tailEnd type="triangle"/>
-          </a:ln>
-        </p:spPr>
-        <p:style>
-          <a:lnRef idx="3">
-            <a:schemeClr val="accent1"/>
-          </a:lnRef>
-          <a:fillRef idx="0">
-            <a:schemeClr val="accent1"/>
-          </a:fillRef>
-          <a:effectRef idx="2">
-            <a:schemeClr val="accent1"/>
-          </a:effectRef>
-          <a:fontRef idx="minor">
-            <a:schemeClr val="tx1"/>
-          </a:fontRef>
-        </p:style>
-      </p:cxnSp>
-      <p:cxnSp>
-        <p:nvCxnSpPr>
-          <p:cNvPr id="60" name="直接箭头连接符 59"/>
-          <p:cNvCxnSpPr>
-            <a:stCxn id="28" idx="2"/>
-            <a:endCxn id="8" idx="0"/>
-          </p:cNvCxnSpPr>
-          <p:nvPr/>
-        </p:nvCxnSpPr>
-        <p:spPr>
-          <a:xfrm>
-            <a:off x="7385345" y="2194367"/>
-            <a:ext cx="1901893" cy="1147003"/>
-          </a:xfrm>
-          <a:prstGeom prst="straightConnector1">
-            <a:avLst/>
-          </a:prstGeom>
-          <a:ln w="25400" cmpd="sng">
-            <a:solidFill>
-              <a:srgbClr val="00B0F0"/>
-            </a:solidFill>
-            <a:prstDash val="solid"/>
-            <a:round/>
-            <a:tailEnd type="triangle"/>
-          </a:ln>
-        </p:spPr>
-        <p:style>
-          <a:lnRef idx="3">
-            <a:schemeClr val="accent1"/>
-          </a:lnRef>
-          <a:fillRef idx="0">
-            <a:schemeClr val="accent1"/>
-          </a:fillRef>
-          <a:effectRef idx="2">
+          <a:effectRef idx="0">
             <a:schemeClr val="accent1"/>
           </a:effectRef>
           <a:fontRef idx="minor">
@@ -8314,6 +8029,11 @@
         </p:style>
       </p:cxnSp>
     </p:spTree>
+    <p:extLst>
+      <p:ext uri="{BB962C8B-B14F-4D97-AF65-F5344CB8AC3E}">
+        <p14:creationId xmlns:p14="http://schemas.microsoft.com/office/powerpoint/2010/main" val="3683910910"/>
+      </p:ext>
+    </p:extLst>
   </p:cSld>
   <p:clrMapOvr>
     <a:masterClrMapping/>
@@ -8376,7 +8096,6 @@
               <a:rPr lang="en-US" altLang="zh-CN" dirty="0"/>
               <a:t>distribute</a:t>
             </a:r>
-            <a:endParaRPr lang="en-US" altLang="zh-CN" dirty="0"/>
           </a:p>
           <a:p>
             <a:pPr algn="ctr"/>
@@ -8426,7 +8145,6 @@
               <a:rPr lang="en-US" altLang="zh-CN" dirty="0"/>
               <a:t>os01</a:t>
             </a:r>
-            <a:endParaRPr lang="en-US" altLang="zh-CN" dirty="0"/>
           </a:p>
           <a:p>
             <a:pPr algn="ctr"/>
@@ -8476,7 +8194,6 @@
               <a:rPr lang="en-US" altLang="zh-CN" dirty="0"/>
               <a:t>os02</a:t>
             </a:r>
-            <a:endParaRPr lang="en-US" altLang="zh-CN" dirty="0"/>
           </a:p>
           <a:p>
             <a:pPr algn="ctr"/>
@@ -8526,7 +8243,6 @@
               <a:rPr lang="en-US" altLang="zh-CN" dirty="0"/>
               <a:t>os03</a:t>
             </a:r>
-            <a:endParaRPr lang="en-US" altLang="zh-CN" dirty="0"/>
           </a:p>
           <a:p>
             <a:pPr algn="ctr"/>
@@ -8576,7 +8292,6 @@
               <a:rPr lang="en-US" altLang="zh-CN" dirty="0"/>
               <a:t>os05</a:t>
             </a:r>
-            <a:endParaRPr lang="en-US" altLang="zh-CN" dirty="0"/>
           </a:p>
           <a:p>
             <a:pPr algn="ctr"/>
@@ -8626,7 +8341,6 @@
               <a:rPr lang="en-US" altLang="zh-CN" dirty="0"/>
               <a:t>os04</a:t>
             </a:r>
-            <a:endParaRPr lang="en-US" altLang="zh-CN" dirty="0"/>
           </a:p>
           <a:p>
             <a:pPr algn="ctr"/>
@@ -8676,7 +8390,6 @@
               <a:rPr lang="en-US" altLang="zh-CN" dirty="0"/>
               <a:t>os06</a:t>
             </a:r>
-            <a:endParaRPr lang="en-US" altLang="zh-CN" dirty="0"/>
           </a:p>
           <a:p>
             <a:pPr algn="ctr"/>
@@ -8747,7 +8460,6 @@
               <a:rPr lang="zh-CN" altLang="en-US" dirty="0"/>
               <a:t>个节点</a:t>
             </a:r>
-            <a:endParaRPr lang="zh-CN" altLang="en-US" dirty="0"/>
           </a:p>
         </p:txBody>
       </p:sp>
@@ -8759,27 +8471,14 @@
         </p:nvSpPr>
         <p:spPr>
           <a:xfrm>
-            <a:off x="7987393" y="599886"/>
-            <a:ext cx="3884397" cy="646331"/>
+            <a:off x="9530080" y="553720"/>
+            <a:ext cx="2066591" cy="369332"/>
           </a:xfrm>
           <a:prstGeom prst="rect">
             <a:avLst/>
           </a:prstGeom>
-        </p:spPr>
-        <p:style>
-          <a:lnRef idx="2">
-            <a:schemeClr val="accent1"/>
-          </a:lnRef>
-          <a:fillRef idx="1">
-            <a:schemeClr val="lt1"/>
-          </a:fillRef>
-          <a:effectRef idx="0">
-            <a:schemeClr val="accent1"/>
-          </a:effectRef>
-          <a:fontRef idx="minor">
-            <a:schemeClr val="dk1"/>
-          </a:fontRef>
-        </p:style>
+          <a:noFill/>
+        </p:spPr>
         <p:txBody>
           <a:bodyPr wrap="none" rtlCol="0">
             <a:spAutoFit/>
@@ -8787,56 +8486,77 @@
           <a:lstStyle/>
           <a:p>
             <a:r>
-              <a:rPr lang="zh-CN" altLang="en-US" sz="1200" dirty="0"/>
-              <a:t>优先选择</a:t>
-            </a:r>
-            <a:r>
-              <a:rPr lang="en-US" altLang="zh-CN" sz="1200" dirty="0"/>
-              <a:t>errors-count</a:t>
-            </a:r>
-            <a:r>
-              <a:rPr lang="zh-CN" altLang="en-US" sz="1200" dirty="0"/>
-              <a:t>小的副本</a:t>
-            </a:r>
-            <a:endParaRPr lang="en-US" altLang="zh-CN" sz="1200" dirty="0"/>
-          </a:p>
-          <a:p>
-            <a:r>
-              <a:rPr lang="en-US" altLang="zh-CN" sz="1200" dirty="0"/>
-              <a:t>errors-count</a:t>
-            </a:r>
-            <a:r>
-              <a:rPr lang="zh-CN" altLang="en-US" sz="1200" dirty="0"/>
-              <a:t>相同的有随机、顺序、随机</a:t>
-            </a:r>
-            <a:r>
-              <a:rPr lang="en-US" altLang="zh-CN" sz="1200" dirty="0"/>
-              <a:t>(</a:t>
-            </a:r>
-            <a:r>
-              <a:rPr lang="zh-CN" altLang="en-US" sz="1200" dirty="0"/>
-              <a:t>第一顺序位</a:t>
-            </a:r>
-            <a:r>
-              <a:rPr lang="en-US" altLang="zh-CN" sz="1200" dirty="0"/>
-              <a:t>)</a:t>
-            </a:r>
-            <a:r>
-              <a:rPr lang="zh-CN" altLang="en-US" sz="1200" dirty="0"/>
-              <a:t>、</a:t>
-            </a:r>
-            <a:endParaRPr lang="en-US" altLang="zh-CN" sz="1200" dirty="0"/>
-          </a:p>
-          <a:p>
-            <a:r>
-              <a:rPr lang="en-US" altLang="zh-CN" sz="1200" dirty="0"/>
-              <a:t>host</a:t>
-            </a:r>
-            <a:r>
-              <a:rPr lang="zh-CN" altLang="en-US" sz="1200" dirty="0"/>
-              <a:t>名称近似等四种选择方式</a:t>
-            </a:r>
-            <a:endParaRPr lang="zh-CN" altLang="en-US" sz="1200" dirty="0"/>
+              <a:rPr lang="en-US" altLang="zh-CN" dirty="0" err="1"/>
+              <a:t>Internal_replication</a:t>
+            </a:r>
+            <a:endParaRPr lang="zh-CN" altLang="en-US" dirty="0"/>
+          </a:p>
+        </p:txBody>
+      </p:sp>
+      <p:cxnSp>
+        <p:nvCxnSpPr>
+          <p:cNvPr id="15" name="直接箭头连接符 14"/>
+          <p:cNvCxnSpPr>
+            <a:stCxn id="16" idx="1"/>
+          </p:cNvCxnSpPr>
+          <p:nvPr/>
+        </p:nvCxnSpPr>
+        <p:spPr>
+          <a:xfrm flipH="1">
+            <a:off x="9522047" y="1295790"/>
+            <a:ext cx="1442720" cy="0"/>
+          </a:xfrm>
+          <a:prstGeom prst="straightConnector1">
+            <a:avLst/>
+          </a:prstGeom>
+          <a:ln w="25400" cmpd="sng">
+            <a:prstDash val="dash"/>
+            <a:round/>
+            <a:tailEnd type="triangle"/>
+          </a:ln>
+        </p:spPr>
+        <p:style>
+          <a:lnRef idx="3">
+            <a:schemeClr val="accent1"/>
+          </a:lnRef>
+          <a:fillRef idx="0">
+            <a:schemeClr val="accent1"/>
+          </a:fillRef>
+          <a:effectRef idx="2">
+            <a:schemeClr val="accent1"/>
+          </a:effectRef>
+          <a:fontRef idx="minor">
+            <a:schemeClr val="tx1"/>
+          </a:fontRef>
+        </p:style>
+      </p:cxnSp>
+      <p:sp>
+        <p:nvSpPr>
+          <p:cNvPr id="16" name="文本框 15"/>
+          <p:cNvSpPr txBox="1"/>
+          <p:nvPr/>
+        </p:nvSpPr>
+        <p:spPr>
+          <a:xfrm>
+            <a:off x="10964767" y="1111124"/>
+            <a:ext cx="631904" cy="369332"/>
+          </a:xfrm>
+          <a:prstGeom prst="rect">
+            <a:avLst/>
+          </a:prstGeom>
+          <a:noFill/>
+        </p:spPr>
+        <p:txBody>
+          <a:bodyPr wrap="none" rtlCol="0">
+            <a:spAutoFit/>
+          </a:bodyPr>
+          <a:lstStyle/>
+          <a:p>
+            <a:r>
+              <a:rPr lang="en-US" altLang="zh-CN" dirty="0"/>
+              <a:t>false</a:t>
+            </a:r>
+            <a:endParaRPr lang="zh-CN" altLang="en-US" dirty="0"/>
           </a:p>
         </p:txBody>
       </p:sp>
@@ -8878,229 +8598,25 @@
           </a:fontRef>
         </p:style>
       </p:cxnSp>
-      <p:sp>
-        <p:nvSpPr>
-          <p:cNvPr id="2" name="文本框 1"/>
-          <p:cNvSpPr txBox="1"/>
-          <p:nvPr/>
-        </p:nvSpPr>
-        <p:spPr>
-          <a:xfrm>
-            <a:off x="1391920" y="3982266"/>
-            <a:ext cx="1702710" cy="369332"/>
-          </a:xfrm>
-          <a:prstGeom prst="rect">
-            <a:avLst/>
-          </a:prstGeom>
-          <a:noFill/>
-        </p:spPr>
-        <p:txBody>
-          <a:bodyPr wrap="none" rtlCol="0">
-            <a:spAutoFit/>
-          </a:bodyPr>
-          <a:lstStyle/>
-          <a:p>
-            <a:r>
-              <a:rPr lang="en-US" altLang="zh-CN" dirty="0" err="1"/>
-              <a:t>errors_count</a:t>
-            </a:r>
-            <a:r>
-              <a:rPr lang="en-US" altLang="zh-CN" dirty="0"/>
-              <a:t>=1</a:t>
-            </a:r>
-            <a:endParaRPr lang="zh-CN" altLang="en-US" dirty="0"/>
-          </a:p>
-        </p:txBody>
-      </p:sp>
-      <p:sp>
-        <p:nvSpPr>
-          <p:cNvPr id="3" name="文本框 2"/>
-          <p:cNvSpPr txBox="1"/>
-          <p:nvPr/>
-        </p:nvSpPr>
-        <p:spPr>
-          <a:xfrm>
-            <a:off x="1244600" y="5820592"/>
-            <a:ext cx="1702710" cy="369332"/>
-          </a:xfrm>
-          <a:prstGeom prst="rect">
-            <a:avLst/>
-          </a:prstGeom>
-          <a:noFill/>
-        </p:spPr>
-        <p:txBody>
-          <a:bodyPr wrap="none" rtlCol="0">
-            <a:spAutoFit/>
-          </a:bodyPr>
-          <a:lstStyle/>
-          <a:p>
-            <a:r>
-              <a:rPr lang="en-US" altLang="zh-CN" dirty="0" err="1"/>
-              <a:t>errors_count</a:t>
-            </a:r>
-            <a:r>
-              <a:rPr lang="en-US" altLang="zh-CN" dirty="0"/>
-              <a:t>=8</a:t>
-            </a:r>
-            <a:endParaRPr lang="zh-CN" altLang="en-US" dirty="0"/>
-          </a:p>
-        </p:txBody>
-      </p:sp>
-      <p:sp>
-        <p:nvSpPr>
-          <p:cNvPr id="12" name="文本框 11"/>
-          <p:cNvSpPr txBox="1"/>
-          <p:nvPr/>
-        </p:nvSpPr>
-        <p:spPr>
-          <a:xfrm>
-            <a:off x="4938845" y="3982266"/>
-            <a:ext cx="1702710" cy="369332"/>
-          </a:xfrm>
-          <a:prstGeom prst="rect">
-            <a:avLst/>
-          </a:prstGeom>
-          <a:noFill/>
-        </p:spPr>
-        <p:txBody>
-          <a:bodyPr wrap="none" rtlCol="0">
-            <a:spAutoFit/>
-          </a:bodyPr>
-          <a:lstStyle/>
-          <a:p>
-            <a:r>
-              <a:rPr lang="en-US" altLang="zh-CN" dirty="0" err="1"/>
-              <a:t>errors_count</a:t>
-            </a:r>
-            <a:r>
-              <a:rPr lang="en-US" altLang="zh-CN" dirty="0"/>
-              <a:t>=3</a:t>
-            </a:r>
-            <a:endParaRPr lang="zh-CN" altLang="en-US" dirty="0"/>
-          </a:p>
-        </p:txBody>
-      </p:sp>
-      <p:sp>
-        <p:nvSpPr>
-          <p:cNvPr id="14" name="文本框 13"/>
-          <p:cNvSpPr txBox="1"/>
-          <p:nvPr/>
-        </p:nvSpPr>
-        <p:spPr>
-          <a:xfrm>
-            <a:off x="4972865" y="5750282"/>
-            <a:ext cx="1702710" cy="369332"/>
-          </a:xfrm>
-          <a:prstGeom prst="rect">
-            <a:avLst/>
-          </a:prstGeom>
-          <a:noFill/>
-        </p:spPr>
-        <p:txBody>
-          <a:bodyPr wrap="none" rtlCol="0">
-            <a:spAutoFit/>
-          </a:bodyPr>
-          <a:lstStyle/>
-          <a:p>
-            <a:r>
-              <a:rPr lang="en-US" altLang="zh-CN" dirty="0" err="1"/>
-              <a:t>errors_count</a:t>
-            </a:r>
-            <a:r>
-              <a:rPr lang="en-US" altLang="zh-CN" dirty="0"/>
-              <a:t>=2</a:t>
-            </a:r>
-            <a:endParaRPr lang="zh-CN" altLang="en-US" dirty="0"/>
-          </a:p>
-        </p:txBody>
-      </p:sp>
-      <p:sp>
-        <p:nvSpPr>
-          <p:cNvPr id="18" name="文本框 17"/>
-          <p:cNvSpPr txBox="1"/>
-          <p:nvPr/>
-        </p:nvSpPr>
-        <p:spPr>
-          <a:xfrm>
-            <a:off x="8435883" y="3982266"/>
-            <a:ext cx="1702710" cy="369332"/>
-          </a:xfrm>
-          <a:prstGeom prst="rect">
-            <a:avLst/>
-          </a:prstGeom>
-          <a:noFill/>
-        </p:spPr>
-        <p:txBody>
-          <a:bodyPr wrap="none" rtlCol="0">
-            <a:spAutoFit/>
-          </a:bodyPr>
-          <a:lstStyle/>
-          <a:p>
-            <a:r>
-              <a:rPr lang="en-US" altLang="zh-CN" dirty="0" err="1"/>
-              <a:t>errors_count</a:t>
-            </a:r>
-            <a:r>
-              <a:rPr lang="en-US" altLang="zh-CN" dirty="0"/>
-              <a:t>=3</a:t>
-            </a:r>
-            <a:endParaRPr lang="zh-CN" altLang="en-US" dirty="0"/>
-          </a:p>
-        </p:txBody>
-      </p:sp>
-      <p:sp>
-        <p:nvSpPr>
-          <p:cNvPr id="20" name="文本框 19"/>
-          <p:cNvSpPr txBox="1"/>
-          <p:nvPr/>
-        </p:nvSpPr>
-        <p:spPr>
-          <a:xfrm>
-            <a:off x="8431713" y="5820592"/>
-            <a:ext cx="1702710" cy="369332"/>
-          </a:xfrm>
-          <a:prstGeom prst="rect">
-            <a:avLst/>
-          </a:prstGeom>
-          <a:noFill/>
-        </p:spPr>
-        <p:txBody>
-          <a:bodyPr wrap="none" rtlCol="0">
-            <a:spAutoFit/>
-          </a:bodyPr>
-          <a:lstStyle/>
-          <a:p>
-            <a:r>
-              <a:rPr lang="en-US" altLang="zh-CN" dirty="0" err="1"/>
-              <a:t>errors_count</a:t>
-            </a:r>
-            <a:r>
-              <a:rPr lang="en-US" altLang="zh-CN" dirty="0"/>
-              <a:t>=3</a:t>
-            </a:r>
-            <a:endParaRPr lang="zh-CN" altLang="en-US" dirty="0"/>
-          </a:p>
-        </p:txBody>
-      </p:sp>
       <p:cxnSp>
         <p:nvCxnSpPr>
-          <p:cNvPr id="22" name="直接箭头连接符 21"/>
-          <p:cNvCxnSpPr/>
+          <p:cNvPr id="19" name="直接箭头连接符 18"/>
+          <p:cNvCxnSpPr>
+            <a:stCxn id="4" idx="2"/>
+            <a:endCxn id="5" idx="3"/>
+          </p:cNvCxnSpPr>
           <p:nvPr/>
         </p:nvCxnSpPr>
         <p:spPr>
           <a:xfrm flipH="1">
-            <a:off x="2193834" y="2255519"/>
-            <a:ext cx="3630387" cy="1085852"/>
+            <a:off x="3193959" y="2255519"/>
+            <a:ext cx="2630262" cy="1406301"/>
           </a:xfrm>
           <a:prstGeom prst="straightConnector1">
             <a:avLst/>
           </a:prstGeom>
           <a:ln w="25400" cmpd="sng">
-            <a:solidFill>
-              <a:srgbClr val="92D050"/>
-            </a:solidFill>
-            <a:prstDash val="solid"/>
+            <a:prstDash val="dash"/>
             <a:round/>
             <a:tailEnd type="triangle"/>
           </a:ln>
@@ -9122,26 +8638,23 @@
       </p:cxnSp>
       <p:cxnSp>
         <p:nvCxnSpPr>
-          <p:cNvPr id="23" name="直接箭头连接符 22"/>
+          <p:cNvPr id="21" name="直接箭头连接符 20"/>
           <p:cNvCxnSpPr>
             <a:stCxn id="4" idx="2"/>
-            <a:endCxn id="9" idx="0"/>
+            <a:endCxn id="6" idx="3"/>
           </p:cNvCxnSpPr>
           <p:nvPr/>
         </p:nvCxnSpPr>
         <p:spPr>
-          <a:xfrm>
-            <a:off x="5824221" y="2255519"/>
-            <a:ext cx="0" cy="2924177"/>
+          <a:xfrm flipH="1">
+            <a:off x="3193959" y="2255519"/>
+            <a:ext cx="2630262" cy="3244626"/>
           </a:xfrm>
           <a:prstGeom prst="straightConnector1">
             <a:avLst/>
           </a:prstGeom>
           <a:ln w="25400" cmpd="sng">
-            <a:solidFill>
-              <a:srgbClr val="92D050"/>
-            </a:solidFill>
-            <a:prstDash val="solid"/>
+            <a:prstDash val="dash"/>
             <a:round/>
             <a:tailEnd type="triangle"/>
           </a:ln>
@@ -9163,24 +8676,530 @@
       </p:cxnSp>
       <p:cxnSp>
         <p:nvCxnSpPr>
-          <p:cNvPr id="27" name="直接箭头连接符 26"/>
+          <p:cNvPr id="25" name="直接箭头连接符 24"/>
+          <p:cNvCxnSpPr>
+            <a:stCxn id="28" idx="2"/>
+            <a:endCxn id="8" idx="1"/>
+          </p:cNvCxnSpPr>
+          <p:nvPr/>
+        </p:nvCxnSpPr>
+        <p:spPr>
+          <a:xfrm>
+            <a:off x="7385345" y="2194367"/>
+            <a:ext cx="901768" cy="1467452"/>
+          </a:xfrm>
+          <a:prstGeom prst="straightConnector1">
+            <a:avLst/>
+          </a:prstGeom>
+          <a:ln w="25400" cmpd="sng">
+            <a:prstDash val="dash"/>
+            <a:round/>
+            <a:tailEnd type="triangle"/>
+          </a:ln>
+        </p:spPr>
+        <p:style>
+          <a:lnRef idx="3">
+            <a:schemeClr val="accent1"/>
+          </a:lnRef>
+          <a:fillRef idx="0">
+            <a:schemeClr val="accent1"/>
+          </a:fillRef>
+          <a:effectRef idx="2">
+            <a:schemeClr val="accent1"/>
+          </a:effectRef>
+          <a:fontRef idx="minor">
+            <a:schemeClr val="tx1"/>
+          </a:fontRef>
+        </p:style>
+      </p:cxnSp>
+      <p:sp>
+        <p:nvSpPr>
+          <p:cNvPr id="28" name="矩形 27"/>
+          <p:cNvSpPr/>
+          <p:nvPr/>
+        </p:nvSpPr>
+        <p:spPr>
+          <a:xfrm>
+            <a:off x="6520769" y="1761840"/>
+            <a:ext cx="1729151" cy="432527"/>
+          </a:xfrm>
+          <a:prstGeom prst="rect">
+            <a:avLst/>
+          </a:prstGeom>
+        </p:spPr>
+        <p:style>
+          <a:lnRef idx="1">
+            <a:schemeClr val="accent4"/>
+          </a:lnRef>
+          <a:fillRef idx="2">
+            <a:schemeClr val="accent4"/>
+          </a:fillRef>
+          <a:effectRef idx="1">
+            <a:schemeClr val="accent4"/>
+          </a:effectRef>
+          <a:fontRef idx="minor">
+            <a:schemeClr val="dk1"/>
+          </a:fontRef>
+        </p:style>
+        <p:txBody>
+          <a:bodyPr rtlCol="0" anchor="ctr"/>
+          <a:lstStyle/>
+          <a:p>
+            <a:pPr algn="ctr"/>
+            <a:r>
+              <a:rPr lang="en-US" altLang="zh-CN" sz="1200" dirty="0"/>
+              <a:t>remote-shard-data-temp-partition</a:t>
+            </a:r>
+            <a:endParaRPr lang="zh-CN" altLang="en-US" sz="1200" dirty="0"/>
+          </a:p>
+        </p:txBody>
+      </p:sp>
+      <p:sp>
+        <p:nvSpPr>
+          <p:cNvPr id="31" name="矩形 30"/>
+          <p:cNvSpPr/>
+          <p:nvPr/>
+        </p:nvSpPr>
+        <p:spPr>
+          <a:xfrm>
+            <a:off x="375115" y="3445553"/>
+            <a:ext cx="1174546" cy="432527"/>
+          </a:xfrm>
+          <a:prstGeom prst="rect">
+            <a:avLst/>
+          </a:prstGeom>
+        </p:spPr>
+        <p:style>
+          <a:lnRef idx="1">
+            <a:schemeClr val="accent4"/>
+          </a:lnRef>
+          <a:fillRef idx="2">
+            <a:schemeClr val="accent4"/>
+          </a:fillRef>
+          <a:effectRef idx="1">
+            <a:schemeClr val="accent4"/>
+          </a:effectRef>
+          <a:fontRef idx="minor">
+            <a:schemeClr val="dk1"/>
+          </a:fontRef>
+        </p:style>
+        <p:txBody>
+          <a:bodyPr rtlCol="0" anchor="ctr"/>
+          <a:lstStyle/>
+          <a:p>
+            <a:pPr algn="ctr"/>
+            <a:r>
+              <a:rPr lang="en-US" altLang="zh-CN" sz="1000" dirty="0"/>
+              <a:t>Local-shard-data-partition</a:t>
+            </a:r>
+            <a:endParaRPr lang="zh-CN" altLang="en-US" sz="1000" dirty="0"/>
+          </a:p>
+        </p:txBody>
+      </p:sp>
+      <p:cxnSp>
+        <p:nvCxnSpPr>
+          <p:cNvPr id="32" name="直接箭头连接符 31"/>
+          <p:cNvCxnSpPr>
+            <a:stCxn id="28" idx="2"/>
+            <a:endCxn id="7" idx="3"/>
+          </p:cNvCxnSpPr>
+          <p:nvPr/>
+        </p:nvCxnSpPr>
+        <p:spPr>
+          <a:xfrm flipH="1">
+            <a:off x="6824346" y="2194367"/>
+            <a:ext cx="560999" cy="1467451"/>
+          </a:xfrm>
+          <a:prstGeom prst="straightConnector1">
+            <a:avLst/>
+          </a:prstGeom>
+          <a:ln w="25400" cmpd="sng">
+            <a:prstDash val="dash"/>
+            <a:round/>
+            <a:tailEnd type="triangle"/>
+          </a:ln>
+        </p:spPr>
+        <p:style>
+          <a:lnRef idx="3">
+            <a:schemeClr val="accent1"/>
+          </a:lnRef>
+          <a:fillRef idx="0">
+            <a:schemeClr val="accent1"/>
+          </a:fillRef>
+          <a:effectRef idx="2">
+            <a:schemeClr val="accent1"/>
+          </a:effectRef>
+          <a:fontRef idx="minor">
+            <a:schemeClr val="tx1"/>
+          </a:fontRef>
+        </p:style>
+      </p:cxnSp>
+      <p:cxnSp>
+        <p:nvCxnSpPr>
+          <p:cNvPr id="35" name="直接箭头连接符 34"/>
+          <p:cNvCxnSpPr>
+            <a:stCxn id="28" idx="2"/>
+            <a:endCxn id="9" idx="3"/>
+          </p:cNvCxnSpPr>
+          <p:nvPr/>
+        </p:nvCxnSpPr>
+        <p:spPr>
+          <a:xfrm flipH="1">
+            <a:off x="6824346" y="2194367"/>
+            <a:ext cx="560999" cy="3305778"/>
+          </a:xfrm>
+          <a:prstGeom prst="straightConnector1">
+            <a:avLst/>
+          </a:prstGeom>
+          <a:ln w="25400" cmpd="sng">
+            <a:prstDash val="dash"/>
+            <a:round/>
+            <a:tailEnd type="triangle"/>
+          </a:ln>
+        </p:spPr>
+        <p:style>
+          <a:lnRef idx="3">
+            <a:schemeClr val="accent1"/>
+          </a:lnRef>
+          <a:fillRef idx="0">
+            <a:schemeClr val="accent1"/>
+          </a:fillRef>
+          <a:effectRef idx="2">
+            <a:schemeClr val="accent1"/>
+          </a:effectRef>
+          <a:fontRef idx="minor">
+            <a:schemeClr val="tx1"/>
+          </a:fontRef>
+        </p:style>
+      </p:cxnSp>
+      <p:cxnSp>
+        <p:nvCxnSpPr>
+          <p:cNvPr id="38" name="直接箭头连接符 37"/>
+          <p:cNvCxnSpPr>
+            <a:stCxn id="28" idx="2"/>
+            <a:endCxn id="10" idx="1"/>
+          </p:cNvCxnSpPr>
+          <p:nvPr/>
+        </p:nvCxnSpPr>
+        <p:spPr>
+          <a:xfrm>
+            <a:off x="7385345" y="2194367"/>
+            <a:ext cx="901768" cy="3305777"/>
+          </a:xfrm>
+          <a:prstGeom prst="straightConnector1">
+            <a:avLst/>
+          </a:prstGeom>
+          <a:ln w="25400" cmpd="sng">
+            <a:prstDash val="dash"/>
+            <a:round/>
+            <a:tailEnd type="triangle"/>
+          </a:ln>
+        </p:spPr>
+        <p:style>
+          <a:lnRef idx="3">
+            <a:schemeClr val="accent1"/>
+          </a:lnRef>
+          <a:fillRef idx="0">
+            <a:schemeClr val="accent1"/>
+          </a:fillRef>
+          <a:effectRef idx="2">
+            <a:schemeClr val="accent1"/>
+          </a:effectRef>
+          <a:fontRef idx="minor">
+            <a:schemeClr val="tx1"/>
+          </a:fontRef>
+        </p:style>
+      </p:cxnSp>
+      <p:cxnSp>
+        <p:nvCxnSpPr>
+          <p:cNvPr id="42" name="直接箭头连接符 41"/>
+          <p:cNvCxnSpPr/>
+          <p:nvPr/>
+        </p:nvCxnSpPr>
+        <p:spPr>
+          <a:xfrm flipH="1">
+            <a:off x="9566003" y="1839350"/>
+            <a:ext cx="1442720" cy="0"/>
+          </a:xfrm>
+          <a:prstGeom prst="straightConnector1">
+            <a:avLst/>
+          </a:prstGeom>
+          <a:ln w="25400" cmpd="sng">
+            <a:solidFill>
+              <a:srgbClr val="00B0F0"/>
+            </a:solidFill>
+            <a:prstDash val="solid"/>
+            <a:round/>
+            <a:tailEnd type="triangle"/>
+          </a:ln>
+        </p:spPr>
+        <p:style>
+          <a:lnRef idx="3">
+            <a:schemeClr val="accent1"/>
+          </a:lnRef>
+          <a:fillRef idx="0">
+            <a:schemeClr val="accent1"/>
+          </a:fillRef>
+          <a:effectRef idx="2">
+            <a:schemeClr val="accent1"/>
+          </a:effectRef>
+          <a:fontRef idx="minor">
+            <a:schemeClr val="tx1"/>
+          </a:fontRef>
+        </p:style>
+      </p:cxnSp>
+      <p:sp>
+        <p:nvSpPr>
+          <p:cNvPr id="43" name="文本框 42"/>
+          <p:cNvSpPr txBox="1"/>
+          <p:nvPr/>
+        </p:nvSpPr>
+        <p:spPr>
+          <a:xfrm>
+            <a:off x="10964767" y="1639641"/>
+            <a:ext cx="582211" cy="369332"/>
+          </a:xfrm>
+          <a:prstGeom prst="rect">
+            <a:avLst/>
+          </a:prstGeom>
+          <a:noFill/>
+        </p:spPr>
+        <p:txBody>
+          <a:bodyPr wrap="none" rtlCol="0">
+            <a:spAutoFit/>
+          </a:bodyPr>
+          <a:lstStyle/>
+          <a:p>
+            <a:r>
+              <a:rPr lang="en-US" altLang="zh-CN" dirty="0"/>
+              <a:t>true</a:t>
+            </a:r>
+            <a:endParaRPr lang="zh-CN" altLang="en-US" dirty="0"/>
+          </a:p>
+        </p:txBody>
+      </p:sp>
+      <p:cxnSp>
+        <p:nvCxnSpPr>
+          <p:cNvPr id="44" name="直接箭头连接符 43"/>
           <p:cNvCxnSpPr>
             <a:stCxn id="4" idx="2"/>
+            <a:endCxn id="5" idx="0"/>
+          </p:cNvCxnSpPr>
+          <p:nvPr/>
+        </p:nvCxnSpPr>
+        <p:spPr>
+          <a:xfrm flipH="1">
+            <a:off x="2193834" y="2255519"/>
+            <a:ext cx="3630387" cy="1085852"/>
+          </a:xfrm>
+          <a:prstGeom prst="straightConnector1">
+            <a:avLst/>
+          </a:prstGeom>
+          <a:ln w="25400" cmpd="sng">
+            <a:solidFill>
+              <a:srgbClr val="00B0F0"/>
+            </a:solidFill>
+            <a:prstDash val="solid"/>
+            <a:round/>
+            <a:tailEnd type="triangle"/>
+          </a:ln>
+        </p:spPr>
+        <p:style>
+          <a:lnRef idx="3">
+            <a:schemeClr val="accent1"/>
+          </a:lnRef>
+          <a:fillRef idx="0">
+            <a:schemeClr val="accent1"/>
+          </a:fillRef>
+          <a:effectRef idx="2">
+            <a:schemeClr val="accent1"/>
+          </a:effectRef>
+          <a:fontRef idx="minor">
+            <a:schemeClr val="tx1"/>
+          </a:fontRef>
+        </p:style>
+      </p:cxnSp>
+      <p:cxnSp>
+        <p:nvCxnSpPr>
+          <p:cNvPr id="48" name="直接箭头连接符 47"/>
+          <p:cNvCxnSpPr>
+            <a:stCxn id="28" idx="2"/>
+          </p:cNvCxnSpPr>
+          <p:nvPr/>
+        </p:nvCxnSpPr>
+        <p:spPr>
+          <a:xfrm flipH="1">
+            <a:off x="5629299" y="2194367"/>
+            <a:ext cx="1756046" cy="1141922"/>
+          </a:xfrm>
+          <a:prstGeom prst="straightConnector1">
+            <a:avLst/>
+          </a:prstGeom>
+          <a:ln w="25400" cmpd="sng">
+            <a:solidFill>
+              <a:srgbClr val="00B0F0"/>
+            </a:solidFill>
+            <a:prstDash val="solid"/>
+            <a:round/>
+            <a:tailEnd type="triangle"/>
+          </a:ln>
+        </p:spPr>
+        <p:style>
+          <a:lnRef idx="3">
+            <a:schemeClr val="accent1"/>
+          </a:lnRef>
+          <a:fillRef idx="0">
+            <a:schemeClr val="accent1"/>
+          </a:fillRef>
+          <a:effectRef idx="2">
+            <a:schemeClr val="accent1"/>
+          </a:effectRef>
+          <a:fontRef idx="minor">
+            <a:schemeClr val="tx1"/>
+          </a:fontRef>
+        </p:style>
+      </p:cxnSp>
+      <p:cxnSp>
+        <p:nvCxnSpPr>
+          <p:cNvPr id="51" name="直接箭头连接符 50"/>
+          <p:cNvCxnSpPr>
+            <a:stCxn id="5" idx="2"/>
+          </p:cNvCxnSpPr>
+          <p:nvPr/>
+        </p:nvCxnSpPr>
+        <p:spPr>
+          <a:xfrm>
+            <a:off x="2193834" y="3982268"/>
+            <a:ext cx="0" cy="1197427"/>
+          </a:xfrm>
+          <a:prstGeom prst="straightConnector1">
+            <a:avLst/>
+          </a:prstGeom>
+          <a:ln w="25400" cmpd="sng">
+            <a:solidFill>
+              <a:srgbClr val="00B0F0"/>
+            </a:solidFill>
+            <a:prstDash val="solid"/>
+            <a:round/>
+            <a:tailEnd type="triangle"/>
+          </a:ln>
+        </p:spPr>
+        <p:style>
+          <a:lnRef idx="3">
+            <a:schemeClr val="accent1"/>
+          </a:lnRef>
+          <a:fillRef idx="0">
+            <a:schemeClr val="accent1"/>
+          </a:fillRef>
+          <a:effectRef idx="2">
+            <a:schemeClr val="accent1"/>
+          </a:effectRef>
+          <a:fontRef idx="minor">
+            <a:schemeClr val="tx1"/>
+          </a:fontRef>
+        </p:style>
+      </p:cxnSp>
+      <p:cxnSp>
+        <p:nvCxnSpPr>
+          <p:cNvPr id="53" name="直接箭头连接符 52"/>
+          <p:cNvCxnSpPr>
+            <a:stCxn id="7" idx="2"/>
+            <a:endCxn id="9" idx="0"/>
+          </p:cNvCxnSpPr>
+          <p:nvPr/>
+        </p:nvCxnSpPr>
+        <p:spPr>
+          <a:xfrm>
+            <a:off x="5824221" y="3982266"/>
+            <a:ext cx="0" cy="1197430"/>
+          </a:xfrm>
+          <a:prstGeom prst="straightConnector1">
+            <a:avLst/>
+          </a:prstGeom>
+          <a:ln w="25400" cmpd="sng">
+            <a:solidFill>
+              <a:srgbClr val="00B0F0"/>
+            </a:solidFill>
+            <a:prstDash val="solid"/>
+            <a:round/>
+            <a:tailEnd type="triangle"/>
+          </a:ln>
+        </p:spPr>
+        <p:style>
+          <a:lnRef idx="3">
+            <a:schemeClr val="accent1"/>
+          </a:lnRef>
+          <a:fillRef idx="0">
+            <a:schemeClr val="accent1"/>
+          </a:fillRef>
+          <a:effectRef idx="2">
+            <a:schemeClr val="accent1"/>
+          </a:effectRef>
+          <a:fontRef idx="minor">
+            <a:schemeClr val="tx1"/>
+          </a:fontRef>
+        </p:style>
+      </p:cxnSp>
+      <p:cxnSp>
+        <p:nvCxnSpPr>
+          <p:cNvPr id="56" name="直接箭头连接符 55"/>
+          <p:cNvCxnSpPr>
+            <a:stCxn id="8" idx="2"/>
+          </p:cNvCxnSpPr>
+          <p:nvPr/>
+        </p:nvCxnSpPr>
+        <p:spPr>
+          <a:xfrm>
+            <a:off x="9287238" y="3982267"/>
+            <a:ext cx="0" cy="1197429"/>
+          </a:xfrm>
+          <a:prstGeom prst="straightConnector1">
+            <a:avLst/>
+          </a:prstGeom>
+          <a:ln w="25400" cmpd="sng">
+            <a:solidFill>
+              <a:srgbClr val="00B0F0"/>
+            </a:solidFill>
+            <a:prstDash val="solid"/>
+            <a:round/>
+            <a:tailEnd type="triangle"/>
+          </a:ln>
+        </p:spPr>
+        <p:style>
+          <a:lnRef idx="3">
+            <a:schemeClr val="accent1"/>
+          </a:lnRef>
+          <a:fillRef idx="0">
+            <a:schemeClr val="accent1"/>
+          </a:fillRef>
+          <a:effectRef idx="2">
+            <a:schemeClr val="accent1"/>
+          </a:effectRef>
+          <a:fontRef idx="minor">
+            <a:schemeClr val="tx1"/>
+          </a:fontRef>
+        </p:style>
+      </p:cxnSp>
+      <p:cxnSp>
+        <p:nvCxnSpPr>
+          <p:cNvPr id="60" name="直接箭头连接符 59"/>
+          <p:cNvCxnSpPr>
+            <a:stCxn id="28" idx="2"/>
             <a:endCxn id="8" idx="0"/>
           </p:cNvCxnSpPr>
           <p:nvPr/>
         </p:nvCxnSpPr>
         <p:spPr>
           <a:xfrm>
-            <a:off x="5824221" y="2255519"/>
-            <a:ext cx="3463017" cy="1085851"/>
+            <a:off x="7385345" y="2194367"/>
+            <a:ext cx="1901893" cy="1147003"/>
           </a:xfrm>
           <a:prstGeom prst="straightConnector1">
             <a:avLst/>
           </a:prstGeom>
           <a:ln w="25400" cmpd="sng">
             <a:solidFill>
-              <a:srgbClr val="92D050"/>
+              <a:srgbClr val="00B0F0"/>
             </a:solidFill>
             <a:prstDash val="solid"/>
             <a:round/>
@@ -9229,129 +9248,6 @@
       </p:grpSpPr>
       <p:sp>
         <p:nvSpPr>
-          <p:cNvPr id="38" name="矩形: 圆角 37"/>
-          <p:cNvSpPr/>
-          <p:nvPr/>
-        </p:nvSpPr>
-        <p:spPr>
-          <a:xfrm>
-            <a:off x="7651206" y="3429001"/>
-            <a:ext cx="2341880" cy="3119120"/>
-          </a:xfrm>
-          <a:prstGeom prst="roundRect">
-            <a:avLst/>
-          </a:prstGeom>
-          <a:ln>
-            <a:prstDash val="dash"/>
-          </a:ln>
-        </p:spPr>
-        <p:style>
-          <a:lnRef idx="2">
-            <a:schemeClr val="accent1"/>
-          </a:lnRef>
-          <a:fillRef idx="1">
-            <a:schemeClr val="lt1"/>
-          </a:fillRef>
-          <a:effectRef idx="0">
-            <a:schemeClr val="accent1"/>
-          </a:effectRef>
-          <a:fontRef idx="minor">
-            <a:schemeClr val="dk1"/>
-          </a:fontRef>
-        </p:style>
-        <p:txBody>
-          <a:bodyPr rtlCol="0" anchor="ctr"/>
-          <a:lstStyle/>
-          <a:p>
-            <a:pPr algn="ctr"/>
-            <a:endParaRPr lang="zh-CN" altLang="en-US"/>
-          </a:p>
-        </p:txBody>
-      </p:sp>
-      <p:sp>
-        <p:nvSpPr>
-          <p:cNvPr id="37" name="矩形: 圆角 36"/>
-          <p:cNvSpPr/>
-          <p:nvPr/>
-        </p:nvSpPr>
-        <p:spPr>
-          <a:xfrm>
-            <a:off x="4655821" y="3429000"/>
-            <a:ext cx="2341880" cy="3119120"/>
-          </a:xfrm>
-          <a:prstGeom prst="roundRect">
-            <a:avLst/>
-          </a:prstGeom>
-          <a:ln>
-            <a:prstDash val="dash"/>
-          </a:ln>
-        </p:spPr>
-        <p:style>
-          <a:lnRef idx="2">
-            <a:schemeClr val="accent1"/>
-          </a:lnRef>
-          <a:fillRef idx="1">
-            <a:schemeClr val="lt1"/>
-          </a:fillRef>
-          <a:effectRef idx="0">
-            <a:schemeClr val="accent1"/>
-          </a:effectRef>
-          <a:fontRef idx="minor">
-            <a:schemeClr val="dk1"/>
-          </a:fontRef>
-        </p:style>
-        <p:txBody>
-          <a:bodyPr rtlCol="0" anchor="ctr"/>
-          <a:lstStyle/>
-          <a:p>
-            <a:pPr algn="ctr"/>
-            <a:endParaRPr lang="zh-CN" altLang="en-US"/>
-          </a:p>
-        </p:txBody>
-      </p:sp>
-      <p:sp>
-        <p:nvSpPr>
-          <p:cNvPr id="36" name="矩形: 圆角 35"/>
-          <p:cNvSpPr/>
-          <p:nvPr/>
-        </p:nvSpPr>
-        <p:spPr>
-          <a:xfrm>
-            <a:off x="1510792" y="3429001"/>
-            <a:ext cx="2341880" cy="3119120"/>
-          </a:xfrm>
-          <a:prstGeom prst="roundRect">
-            <a:avLst/>
-          </a:prstGeom>
-          <a:ln>
-            <a:prstDash val="dash"/>
-          </a:ln>
-        </p:spPr>
-        <p:style>
-          <a:lnRef idx="2">
-            <a:schemeClr val="accent1"/>
-          </a:lnRef>
-          <a:fillRef idx="1">
-            <a:schemeClr val="lt1"/>
-          </a:fillRef>
-          <a:effectRef idx="0">
-            <a:schemeClr val="accent1"/>
-          </a:effectRef>
-          <a:fontRef idx="minor">
-            <a:schemeClr val="dk1"/>
-          </a:fontRef>
-        </p:style>
-        <p:txBody>
-          <a:bodyPr rtlCol="0" anchor="ctr"/>
-          <a:lstStyle/>
-          <a:p>
-            <a:pPr algn="ctr"/>
-            <a:endParaRPr lang="zh-CN" altLang="en-US"/>
-          </a:p>
-        </p:txBody>
-      </p:sp>
-      <p:sp>
-        <p:nvSpPr>
           <p:cNvPr id="4" name="矩形: 圆角 3"/>
           <p:cNvSpPr/>
           <p:nvPr/>
@@ -9388,13 +9284,12 @@
               <a:rPr lang="en-US" altLang="zh-CN" dirty="0"/>
               <a:t>distribute</a:t>
             </a:r>
-            <a:endParaRPr lang="en-US" altLang="zh-CN" dirty="0"/>
           </a:p>
           <a:p>
             <a:pPr algn="ctr"/>
             <a:r>
               <a:rPr lang="en-US" altLang="zh-CN" dirty="0"/>
-              <a:t>os11</a:t>
+              <a:t>os01</a:t>
             </a:r>
             <a:endParaRPr lang="zh-CN" altLang="en-US" dirty="0"/>
           </a:p>
@@ -9408,7 +9303,7 @@
         </p:nvSpPr>
         <p:spPr>
           <a:xfrm>
-            <a:off x="1683421" y="3708403"/>
+            <a:off x="1193709" y="3341371"/>
             <a:ext cx="2000250" cy="640897"/>
           </a:xfrm>
           <a:prstGeom prst="rect">
@@ -9436,17 +9331,16 @@
             <a:pPr algn="ctr"/>
             <a:r>
               <a:rPr lang="en-US" altLang="zh-CN" dirty="0"/>
-              <a:t>os11</a:t>
-            </a:r>
-            <a:endParaRPr lang="en-US" altLang="zh-CN" dirty="0"/>
+              <a:t>os01</a:t>
+            </a:r>
           </a:p>
           <a:p>
             <a:pPr algn="ctr"/>
             <a:r>
               <a:rPr lang="en-US" altLang="zh-CN" dirty="0"/>
-              <a:t>share1 replica1</a:t>
-            </a:r>
-            <a:endParaRPr lang="en-US" altLang="zh-CN" dirty="0"/>
+              <a:t>s1r1</a:t>
+            </a:r>
+            <a:endParaRPr lang="zh-CN" altLang="en-US" dirty="0"/>
           </a:p>
         </p:txBody>
       </p:sp>
@@ -9458,7 +9352,7 @@
         </p:nvSpPr>
         <p:spPr>
           <a:xfrm>
-            <a:off x="1683421" y="5546728"/>
+            <a:off x="1193709" y="5179696"/>
             <a:ext cx="2000250" cy="640897"/>
           </a:xfrm>
           <a:prstGeom prst="rect">
@@ -9486,9 +9380,16 @@
             <a:pPr algn="ctr"/>
             <a:r>
               <a:rPr lang="en-US" altLang="zh-CN" dirty="0"/>
-              <a:t>share1 replica2</a:t>
-            </a:r>
-            <a:endParaRPr lang="en-US" altLang="zh-CN" dirty="0"/>
+              <a:t>os02</a:t>
+            </a:r>
+          </a:p>
+          <a:p>
+            <a:pPr algn="ctr"/>
+            <a:r>
+              <a:rPr lang="en-US" altLang="zh-CN" dirty="0"/>
+              <a:t>s1r2</a:t>
+            </a:r>
+            <a:endParaRPr lang="zh-CN" altLang="en-US" dirty="0"/>
           </a:p>
         </p:txBody>
       </p:sp>
@@ -9500,7 +9401,7 @@
         </p:nvSpPr>
         <p:spPr>
           <a:xfrm>
-            <a:off x="4829176" y="3708400"/>
+            <a:off x="4824096" y="3341369"/>
             <a:ext cx="2000250" cy="640897"/>
           </a:xfrm>
           <a:prstGeom prst="rect">
@@ -9527,34 +9428,29 @@
           <a:p>
             <a:pPr algn="ctr"/>
             <a:r>
-              <a:rPr lang="en-US" altLang="zh-CN"/>
-              <a:t>os1</a:t>
-            </a:r>
-            <a:r>
               <a:rPr lang="en-US" altLang="zh-CN" dirty="0"/>
-              <a:t>2</a:t>
-            </a:r>
-            <a:endParaRPr lang="en-US" altLang="zh-CN" dirty="0"/>
+              <a:t>os03</a:t>
+            </a:r>
           </a:p>
           <a:p>
             <a:pPr algn="ctr"/>
             <a:r>
               <a:rPr lang="en-US" altLang="zh-CN" dirty="0"/>
-              <a:t>share2 replica1</a:t>
-            </a:r>
-            <a:endParaRPr lang="en-US" altLang="zh-CN" dirty="0"/>
-          </a:p>
-        </p:txBody>
-      </p:sp>
-      <p:sp>
-        <p:nvSpPr>
-          <p:cNvPr id="9" name="矩形 8"/>
+              <a:t>s2r3</a:t>
+            </a:r>
+            <a:endParaRPr lang="zh-CN" altLang="en-US" dirty="0"/>
+          </a:p>
+        </p:txBody>
+      </p:sp>
+      <p:sp>
+        <p:nvSpPr>
+          <p:cNvPr id="8" name="矩形 7"/>
           <p:cNvSpPr/>
           <p:nvPr/>
         </p:nvSpPr>
         <p:spPr>
           <a:xfrm>
-            <a:off x="4829176" y="5546727"/>
+            <a:off x="8287113" y="3341370"/>
             <a:ext cx="2000250" cy="640897"/>
           </a:xfrm>
           <a:prstGeom prst="rect">
@@ -9582,285 +9478,28 @@
             <a:pPr algn="ctr"/>
             <a:r>
               <a:rPr lang="en-US" altLang="zh-CN" dirty="0"/>
-              <a:t>share2 replica2</a:t>
-            </a:r>
-            <a:endParaRPr lang="en-US" altLang="zh-CN" dirty="0"/>
-          </a:p>
-        </p:txBody>
-      </p:sp>
-      <p:sp>
-        <p:nvSpPr>
-          <p:cNvPr id="11" name="文本框 10"/>
-          <p:cNvSpPr txBox="1"/>
-          <p:nvPr/>
-        </p:nvSpPr>
-        <p:spPr>
-          <a:xfrm>
-            <a:off x="4473416" y="385898"/>
-            <a:ext cx="2396810" cy="369332"/>
-          </a:xfrm>
-          <a:prstGeom prst="rect">
-            <a:avLst/>
-          </a:prstGeom>
-        </p:spPr>
-        <p:style>
-          <a:lnRef idx="2">
-            <a:schemeClr val="accent1"/>
-          </a:lnRef>
-          <a:fillRef idx="1">
-            <a:schemeClr val="lt1"/>
-          </a:fillRef>
-          <a:effectRef idx="0">
-            <a:schemeClr val="accent1"/>
-          </a:effectRef>
-          <a:fontRef idx="minor">
-            <a:schemeClr val="dk1"/>
-          </a:fontRef>
-        </p:style>
-        <p:txBody>
-          <a:bodyPr wrap="none" rtlCol="0">
-            <a:spAutoFit/>
-          </a:bodyPr>
-          <a:lstStyle/>
-          <a:p>
+              <a:t>os05</a:t>
+            </a:r>
+          </a:p>
+          <a:p>
+            <a:pPr algn="ctr"/>
             <a:r>
               <a:rPr lang="en-US" altLang="zh-CN" dirty="0"/>
-              <a:t>3</a:t>
-            </a:r>
-            <a:r>
-              <a:rPr lang="zh-CN" altLang="en-US" dirty="0"/>
-              <a:t>分片</a:t>
-            </a:r>
-            <a:r>
-              <a:rPr lang="en-US" altLang="zh-CN" dirty="0"/>
-              <a:t>2</a:t>
-            </a:r>
-            <a:r>
-              <a:rPr lang="zh-CN" altLang="en-US" dirty="0"/>
-              <a:t>副本共</a:t>
-            </a:r>
-            <a:r>
-              <a:rPr lang="en-US" altLang="zh-CN" dirty="0"/>
-              <a:t>3</a:t>
-            </a:r>
-            <a:r>
-              <a:rPr lang="zh-CN" altLang="en-US" dirty="0"/>
-              <a:t>个节点</a:t>
+              <a:t>s3r5</a:t>
             </a:r>
             <a:endParaRPr lang="zh-CN" altLang="en-US" dirty="0"/>
           </a:p>
         </p:txBody>
       </p:sp>
-      <p:cxnSp>
-        <p:nvCxnSpPr>
-          <p:cNvPr id="17" name="直接箭头连接符 16"/>
-          <p:cNvCxnSpPr/>
-          <p:nvPr/>
-        </p:nvCxnSpPr>
-        <p:spPr>
-          <a:xfrm flipH="1">
-            <a:off x="5725171" y="923052"/>
-            <a:ext cx="1391909" cy="548696"/>
-          </a:xfrm>
-          <a:prstGeom prst="straightConnector1">
-            <a:avLst/>
-          </a:prstGeom>
-          <a:ln w="38100" cmpd="sng">
-            <a:solidFill>
-              <a:schemeClr val="accent5"/>
-            </a:solidFill>
-            <a:prstDash val="solid"/>
-            <a:round/>
-            <a:tailEnd type="triangle"/>
-          </a:ln>
-        </p:spPr>
-        <p:style>
-          <a:lnRef idx="3">
-            <a:schemeClr val="accent1"/>
-          </a:lnRef>
-          <a:fillRef idx="0">
-            <a:schemeClr val="accent1"/>
-          </a:fillRef>
-          <a:effectRef idx="2">
-            <a:schemeClr val="accent1"/>
-          </a:effectRef>
-          <a:fontRef idx="minor">
-            <a:schemeClr val="tx1"/>
-          </a:fontRef>
-        </p:style>
-      </p:cxnSp>
-      <p:cxnSp>
-        <p:nvCxnSpPr>
-          <p:cNvPr id="22" name="直接箭头连接符 21"/>
-          <p:cNvCxnSpPr>
-            <a:stCxn id="4" idx="2"/>
-            <a:endCxn id="5" idx="0"/>
-          </p:cNvCxnSpPr>
-          <p:nvPr/>
-        </p:nvCxnSpPr>
-        <p:spPr>
-          <a:xfrm flipH="1">
-            <a:off x="2683546" y="2255519"/>
-            <a:ext cx="3140675" cy="1452884"/>
-          </a:xfrm>
-          <a:prstGeom prst="straightConnector1">
-            <a:avLst/>
-          </a:prstGeom>
-          <a:ln w="25400" cmpd="sng">
-            <a:solidFill>
-              <a:srgbClr val="92D050"/>
-            </a:solidFill>
-            <a:prstDash val="solid"/>
-            <a:round/>
-            <a:tailEnd type="triangle"/>
-          </a:ln>
-        </p:spPr>
-        <p:style>
-          <a:lnRef idx="3">
-            <a:schemeClr val="accent1"/>
-          </a:lnRef>
-          <a:fillRef idx="0">
-            <a:schemeClr val="accent1"/>
-          </a:fillRef>
-          <a:effectRef idx="2">
-            <a:schemeClr val="accent1"/>
-          </a:effectRef>
-          <a:fontRef idx="minor">
-            <a:schemeClr val="tx1"/>
-          </a:fontRef>
-        </p:style>
-      </p:cxnSp>
-      <p:cxnSp>
-        <p:nvCxnSpPr>
-          <p:cNvPr id="15" name="直接箭头连接符 14"/>
-          <p:cNvCxnSpPr>
-            <a:endCxn id="9" idx="0"/>
-          </p:cNvCxnSpPr>
-          <p:nvPr/>
-        </p:nvCxnSpPr>
-        <p:spPr>
-          <a:xfrm>
-            <a:off x="2198914" y="4349299"/>
-            <a:ext cx="3630387" cy="1197428"/>
-          </a:xfrm>
-          <a:prstGeom prst="straightConnector1">
-            <a:avLst/>
-          </a:prstGeom>
-          <a:ln w="25400" cmpd="sng">
-            <a:solidFill>
-              <a:srgbClr val="00B0F0"/>
-            </a:solidFill>
-            <a:prstDash val="solid"/>
-            <a:round/>
-            <a:tailEnd type="triangle"/>
-          </a:ln>
-        </p:spPr>
-        <p:style>
-          <a:lnRef idx="3">
-            <a:schemeClr val="accent1"/>
-          </a:lnRef>
-          <a:fillRef idx="0">
-            <a:schemeClr val="accent1"/>
-          </a:fillRef>
-          <a:effectRef idx="2">
-            <a:schemeClr val="accent1"/>
-          </a:effectRef>
-          <a:fontRef idx="minor">
-            <a:schemeClr val="tx1"/>
-          </a:fontRef>
-        </p:style>
-      </p:cxnSp>
-      <p:cxnSp>
-        <p:nvCxnSpPr>
-          <p:cNvPr id="16" name="直接箭头连接符 15"/>
-          <p:cNvCxnSpPr>
-            <a:stCxn id="7" idx="2"/>
-            <a:endCxn id="29" idx="0"/>
-          </p:cNvCxnSpPr>
-          <p:nvPr/>
-        </p:nvCxnSpPr>
-        <p:spPr>
-          <a:xfrm>
-            <a:off x="5829301" y="4349297"/>
-            <a:ext cx="2995385" cy="1344658"/>
-          </a:xfrm>
-          <a:prstGeom prst="straightConnector1">
-            <a:avLst/>
-          </a:prstGeom>
-          <a:ln w="25400" cmpd="sng">
-            <a:solidFill>
-              <a:srgbClr val="00B0F0"/>
-            </a:solidFill>
-            <a:prstDash val="solid"/>
-            <a:round/>
-            <a:tailEnd type="triangle"/>
-          </a:ln>
-        </p:spPr>
-        <p:style>
-          <a:lnRef idx="3">
-            <a:schemeClr val="accent1"/>
-          </a:lnRef>
-          <a:fillRef idx="0">
-            <a:schemeClr val="accent1"/>
-          </a:fillRef>
-          <a:effectRef idx="2">
-            <a:schemeClr val="accent1"/>
-          </a:effectRef>
-          <a:fontRef idx="minor">
-            <a:schemeClr val="tx1"/>
-          </a:fontRef>
-        </p:style>
-      </p:cxnSp>
-      <p:cxnSp>
-        <p:nvCxnSpPr>
-          <p:cNvPr id="19" name="直接箭头连接符 18"/>
-          <p:cNvCxnSpPr>
-            <a:stCxn id="4" idx="2"/>
-            <a:endCxn id="7" idx="0"/>
-          </p:cNvCxnSpPr>
-          <p:nvPr/>
-        </p:nvCxnSpPr>
-        <p:spPr>
-          <a:xfrm>
-            <a:off x="5824221" y="2255519"/>
-            <a:ext cx="5080" cy="1452881"/>
-          </a:xfrm>
-          <a:prstGeom prst="straightConnector1">
-            <a:avLst/>
-          </a:prstGeom>
-          <a:ln w="25400" cmpd="sng">
-            <a:solidFill>
-              <a:srgbClr val="92D050"/>
-            </a:solidFill>
-            <a:prstDash val="solid"/>
-            <a:round/>
-            <a:tailEnd type="triangle"/>
-          </a:ln>
-        </p:spPr>
-        <p:style>
-          <a:lnRef idx="3">
-            <a:schemeClr val="accent1"/>
-          </a:lnRef>
-          <a:fillRef idx="0">
-            <a:schemeClr val="accent1"/>
-          </a:fillRef>
-          <a:effectRef idx="2">
-            <a:schemeClr val="accent1"/>
-          </a:effectRef>
-          <a:fontRef idx="minor">
-            <a:schemeClr val="tx1"/>
-          </a:fontRef>
-        </p:style>
-      </p:cxnSp>
-      <p:sp>
-        <p:nvSpPr>
-          <p:cNvPr id="28" name="矩形 27"/>
+      <p:sp>
+        <p:nvSpPr>
+          <p:cNvPr id="9" name="矩形 8"/>
           <p:cNvSpPr/>
           <p:nvPr/>
         </p:nvSpPr>
         <p:spPr>
           <a:xfrm>
-            <a:off x="7824561" y="3855628"/>
+            <a:off x="4824096" y="5179696"/>
             <a:ext cx="2000250" cy="640897"/>
           </a:xfrm>
           <a:prstGeom prst="rect">
@@ -9888,29 +9527,28 @@
             <a:pPr algn="ctr"/>
             <a:r>
               <a:rPr lang="en-US" altLang="zh-CN" dirty="0"/>
-              <a:t>os13</a:t>
-            </a:r>
-            <a:endParaRPr lang="en-US" altLang="zh-CN" dirty="0"/>
+              <a:t>os04</a:t>
+            </a:r>
           </a:p>
           <a:p>
             <a:pPr algn="ctr"/>
             <a:r>
               <a:rPr lang="en-US" altLang="zh-CN" dirty="0"/>
-              <a:t>share2 replica1</a:t>
-            </a:r>
-            <a:endParaRPr lang="en-US" altLang="zh-CN" dirty="0"/>
-          </a:p>
-        </p:txBody>
-      </p:sp>
-      <p:sp>
-        <p:nvSpPr>
-          <p:cNvPr id="29" name="矩形 28"/>
+              <a:t>s2r4</a:t>
+            </a:r>
+            <a:endParaRPr lang="zh-CN" altLang="en-US" dirty="0"/>
+          </a:p>
+        </p:txBody>
+      </p:sp>
+      <p:sp>
+        <p:nvSpPr>
+          <p:cNvPr id="10" name="矩形 9"/>
           <p:cNvSpPr/>
           <p:nvPr/>
         </p:nvSpPr>
         <p:spPr>
           <a:xfrm>
-            <a:off x="7824561" y="5693955"/>
+            <a:off x="8287113" y="5179695"/>
             <a:ext cx="2000250" cy="640897"/>
           </a:xfrm>
           <a:prstGeom prst="rect">
@@ -9938,31 +9576,428 @@
             <a:pPr algn="ctr"/>
             <a:r>
               <a:rPr lang="en-US" altLang="zh-CN" dirty="0"/>
-              <a:t>share2 replica2</a:t>
-            </a:r>
-            <a:endParaRPr lang="en-US" altLang="zh-CN" dirty="0"/>
+              <a:t>os06</a:t>
+            </a:r>
+          </a:p>
+          <a:p>
+            <a:pPr algn="ctr"/>
+            <a:r>
+              <a:rPr lang="en-US" altLang="zh-CN" dirty="0"/>
+              <a:t>s3r6</a:t>
+            </a:r>
+            <a:endParaRPr lang="zh-CN" altLang="en-US" dirty="0"/>
+          </a:p>
+        </p:txBody>
+      </p:sp>
+      <p:sp>
+        <p:nvSpPr>
+          <p:cNvPr id="11" name="文本框 10"/>
+          <p:cNvSpPr txBox="1"/>
+          <p:nvPr/>
+        </p:nvSpPr>
+        <p:spPr>
+          <a:xfrm>
+            <a:off x="4473416" y="385898"/>
+            <a:ext cx="2396810" cy="369332"/>
+          </a:xfrm>
+          <a:prstGeom prst="rect">
+            <a:avLst/>
+          </a:prstGeom>
+        </p:spPr>
+        <p:style>
+          <a:lnRef idx="2">
+            <a:schemeClr val="accent1"/>
+          </a:lnRef>
+          <a:fillRef idx="1">
+            <a:schemeClr val="lt1"/>
+          </a:fillRef>
+          <a:effectRef idx="0">
+            <a:schemeClr val="accent1"/>
+          </a:effectRef>
+          <a:fontRef idx="minor">
+            <a:schemeClr val="dk1"/>
+          </a:fontRef>
+        </p:style>
+        <p:txBody>
+          <a:bodyPr wrap="none" rtlCol="0">
+            <a:spAutoFit/>
+          </a:bodyPr>
+          <a:lstStyle/>
+          <a:p>
+            <a:r>
+              <a:rPr lang="en-US" altLang="zh-CN" dirty="0"/>
+              <a:t>3</a:t>
+            </a:r>
+            <a:r>
+              <a:rPr lang="zh-CN" altLang="en-US" dirty="0"/>
+              <a:t>分片</a:t>
+            </a:r>
+            <a:r>
+              <a:rPr lang="en-US" altLang="zh-CN" dirty="0"/>
+              <a:t>2</a:t>
+            </a:r>
+            <a:r>
+              <a:rPr lang="zh-CN" altLang="en-US" dirty="0"/>
+              <a:t>副本共</a:t>
+            </a:r>
+            <a:r>
+              <a:rPr lang="en-US" altLang="zh-CN" dirty="0"/>
+              <a:t>6</a:t>
+            </a:r>
+            <a:r>
+              <a:rPr lang="zh-CN" altLang="en-US" dirty="0"/>
+              <a:t>个节点</a:t>
+            </a:r>
+          </a:p>
+        </p:txBody>
+      </p:sp>
+      <p:sp>
+        <p:nvSpPr>
+          <p:cNvPr id="13" name="文本框 12"/>
+          <p:cNvSpPr txBox="1"/>
+          <p:nvPr/>
+        </p:nvSpPr>
+        <p:spPr>
+          <a:xfrm>
+            <a:off x="7987393" y="599886"/>
+            <a:ext cx="3884397" cy="646331"/>
+          </a:xfrm>
+          <a:prstGeom prst="rect">
+            <a:avLst/>
+          </a:prstGeom>
+        </p:spPr>
+        <p:style>
+          <a:lnRef idx="2">
+            <a:schemeClr val="accent1"/>
+          </a:lnRef>
+          <a:fillRef idx="1">
+            <a:schemeClr val="lt1"/>
+          </a:fillRef>
+          <a:effectRef idx="0">
+            <a:schemeClr val="accent1"/>
+          </a:effectRef>
+          <a:fontRef idx="minor">
+            <a:schemeClr val="dk1"/>
+          </a:fontRef>
+        </p:style>
+        <p:txBody>
+          <a:bodyPr wrap="none" rtlCol="0">
+            <a:spAutoFit/>
+          </a:bodyPr>
+          <a:lstStyle/>
+          <a:p>
+            <a:r>
+              <a:rPr lang="zh-CN" altLang="en-US" sz="1200" dirty="0"/>
+              <a:t>优先选择</a:t>
+            </a:r>
+            <a:r>
+              <a:rPr lang="en-US" altLang="zh-CN" sz="1200" dirty="0"/>
+              <a:t>errors-count</a:t>
+            </a:r>
+            <a:r>
+              <a:rPr lang="zh-CN" altLang="en-US" sz="1200" dirty="0"/>
+              <a:t>小的副本</a:t>
+            </a:r>
+            <a:endParaRPr lang="en-US" altLang="zh-CN" sz="1200" dirty="0"/>
+          </a:p>
+          <a:p>
+            <a:r>
+              <a:rPr lang="en-US" altLang="zh-CN" sz="1200" dirty="0"/>
+              <a:t>errors-count</a:t>
+            </a:r>
+            <a:r>
+              <a:rPr lang="zh-CN" altLang="en-US" sz="1200" dirty="0"/>
+              <a:t>相同的有随机、顺序、随机</a:t>
+            </a:r>
+            <a:r>
+              <a:rPr lang="en-US" altLang="zh-CN" sz="1200" dirty="0"/>
+              <a:t>(</a:t>
+            </a:r>
+            <a:r>
+              <a:rPr lang="zh-CN" altLang="en-US" sz="1200" dirty="0"/>
+              <a:t>第一顺序位</a:t>
+            </a:r>
+            <a:r>
+              <a:rPr lang="en-US" altLang="zh-CN" sz="1200" dirty="0"/>
+              <a:t>)</a:t>
+            </a:r>
+            <a:r>
+              <a:rPr lang="zh-CN" altLang="en-US" sz="1200" dirty="0"/>
+              <a:t>、</a:t>
+            </a:r>
+            <a:endParaRPr lang="en-US" altLang="zh-CN" sz="1200" dirty="0"/>
+          </a:p>
+          <a:p>
+            <a:r>
+              <a:rPr lang="en-US" altLang="zh-CN" sz="1200" dirty="0"/>
+              <a:t>host</a:t>
+            </a:r>
+            <a:r>
+              <a:rPr lang="zh-CN" altLang="en-US" sz="1200" dirty="0"/>
+              <a:t>名称近似等四种选择方式</a:t>
+            </a:r>
           </a:p>
         </p:txBody>
       </p:sp>
       <p:cxnSp>
         <p:nvCxnSpPr>
-          <p:cNvPr id="30" name="直接箭头连接符 29"/>
-          <p:cNvCxnSpPr>
-            <a:endCxn id="6" idx="0"/>
-          </p:cNvCxnSpPr>
+          <p:cNvPr id="17" name="直接箭头连接符 16"/>
+          <p:cNvCxnSpPr/>
           <p:nvPr/>
         </p:nvCxnSpPr>
         <p:spPr>
           <a:xfrm flipH="1">
-            <a:off x="2683546" y="4455980"/>
-            <a:ext cx="6429467" cy="1090748"/>
+            <a:off x="5725171" y="923052"/>
+            <a:ext cx="1391909" cy="548696"/>
+          </a:xfrm>
+          <a:prstGeom prst="straightConnector1">
+            <a:avLst/>
+          </a:prstGeom>
+          <a:ln w="38100" cmpd="sng">
+            <a:solidFill>
+              <a:schemeClr val="accent5"/>
+            </a:solidFill>
+            <a:prstDash val="solid"/>
+            <a:round/>
+            <a:tailEnd type="triangle"/>
+          </a:ln>
+        </p:spPr>
+        <p:style>
+          <a:lnRef idx="3">
+            <a:schemeClr val="accent1"/>
+          </a:lnRef>
+          <a:fillRef idx="0">
+            <a:schemeClr val="accent1"/>
+          </a:fillRef>
+          <a:effectRef idx="2">
+            <a:schemeClr val="accent1"/>
+          </a:effectRef>
+          <a:fontRef idx="minor">
+            <a:schemeClr val="tx1"/>
+          </a:fontRef>
+        </p:style>
+      </p:cxnSp>
+      <p:sp>
+        <p:nvSpPr>
+          <p:cNvPr id="2" name="文本框 1"/>
+          <p:cNvSpPr txBox="1"/>
+          <p:nvPr/>
+        </p:nvSpPr>
+        <p:spPr>
+          <a:xfrm>
+            <a:off x="1391920" y="3982266"/>
+            <a:ext cx="1702710" cy="369332"/>
+          </a:xfrm>
+          <a:prstGeom prst="rect">
+            <a:avLst/>
+          </a:prstGeom>
+          <a:noFill/>
+        </p:spPr>
+        <p:txBody>
+          <a:bodyPr wrap="none" rtlCol="0">
+            <a:spAutoFit/>
+          </a:bodyPr>
+          <a:lstStyle/>
+          <a:p>
+            <a:r>
+              <a:rPr lang="en-US" altLang="zh-CN" dirty="0" err="1"/>
+              <a:t>errors_count</a:t>
+            </a:r>
+            <a:r>
+              <a:rPr lang="en-US" altLang="zh-CN" dirty="0"/>
+              <a:t>=1</a:t>
+            </a:r>
+            <a:endParaRPr lang="zh-CN" altLang="en-US" dirty="0"/>
+          </a:p>
+        </p:txBody>
+      </p:sp>
+      <p:sp>
+        <p:nvSpPr>
+          <p:cNvPr id="3" name="文本框 2"/>
+          <p:cNvSpPr txBox="1"/>
+          <p:nvPr/>
+        </p:nvSpPr>
+        <p:spPr>
+          <a:xfrm>
+            <a:off x="1244600" y="5820592"/>
+            <a:ext cx="1702710" cy="369332"/>
+          </a:xfrm>
+          <a:prstGeom prst="rect">
+            <a:avLst/>
+          </a:prstGeom>
+          <a:noFill/>
+        </p:spPr>
+        <p:txBody>
+          <a:bodyPr wrap="none" rtlCol="0">
+            <a:spAutoFit/>
+          </a:bodyPr>
+          <a:lstStyle/>
+          <a:p>
+            <a:r>
+              <a:rPr lang="en-US" altLang="zh-CN" dirty="0" err="1"/>
+              <a:t>errors_count</a:t>
+            </a:r>
+            <a:r>
+              <a:rPr lang="en-US" altLang="zh-CN" dirty="0"/>
+              <a:t>=8</a:t>
+            </a:r>
+            <a:endParaRPr lang="zh-CN" altLang="en-US" dirty="0"/>
+          </a:p>
+        </p:txBody>
+      </p:sp>
+      <p:sp>
+        <p:nvSpPr>
+          <p:cNvPr id="12" name="文本框 11"/>
+          <p:cNvSpPr txBox="1"/>
+          <p:nvPr/>
+        </p:nvSpPr>
+        <p:spPr>
+          <a:xfrm>
+            <a:off x="4938845" y="3982266"/>
+            <a:ext cx="1702710" cy="369332"/>
+          </a:xfrm>
+          <a:prstGeom prst="rect">
+            <a:avLst/>
+          </a:prstGeom>
+          <a:noFill/>
+        </p:spPr>
+        <p:txBody>
+          <a:bodyPr wrap="none" rtlCol="0">
+            <a:spAutoFit/>
+          </a:bodyPr>
+          <a:lstStyle/>
+          <a:p>
+            <a:r>
+              <a:rPr lang="en-US" altLang="zh-CN" dirty="0" err="1"/>
+              <a:t>errors_count</a:t>
+            </a:r>
+            <a:r>
+              <a:rPr lang="en-US" altLang="zh-CN" dirty="0"/>
+              <a:t>=3</a:t>
+            </a:r>
+            <a:endParaRPr lang="zh-CN" altLang="en-US" dirty="0"/>
+          </a:p>
+        </p:txBody>
+      </p:sp>
+      <p:sp>
+        <p:nvSpPr>
+          <p:cNvPr id="14" name="文本框 13"/>
+          <p:cNvSpPr txBox="1"/>
+          <p:nvPr/>
+        </p:nvSpPr>
+        <p:spPr>
+          <a:xfrm>
+            <a:off x="4972865" y="5750282"/>
+            <a:ext cx="1702710" cy="369332"/>
+          </a:xfrm>
+          <a:prstGeom prst="rect">
+            <a:avLst/>
+          </a:prstGeom>
+          <a:noFill/>
+        </p:spPr>
+        <p:txBody>
+          <a:bodyPr wrap="none" rtlCol="0">
+            <a:spAutoFit/>
+          </a:bodyPr>
+          <a:lstStyle/>
+          <a:p>
+            <a:r>
+              <a:rPr lang="en-US" altLang="zh-CN" dirty="0" err="1"/>
+              <a:t>errors_count</a:t>
+            </a:r>
+            <a:r>
+              <a:rPr lang="en-US" altLang="zh-CN" dirty="0"/>
+              <a:t>=2</a:t>
+            </a:r>
+            <a:endParaRPr lang="zh-CN" altLang="en-US" dirty="0"/>
+          </a:p>
+        </p:txBody>
+      </p:sp>
+      <p:sp>
+        <p:nvSpPr>
+          <p:cNvPr id="18" name="文本框 17"/>
+          <p:cNvSpPr txBox="1"/>
+          <p:nvPr/>
+        </p:nvSpPr>
+        <p:spPr>
+          <a:xfrm>
+            <a:off x="8435883" y="3982266"/>
+            <a:ext cx="1702710" cy="369332"/>
+          </a:xfrm>
+          <a:prstGeom prst="rect">
+            <a:avLst/>
+          </a:prstGeom>
+          <a:noFill/>
+        </p:spPr>
+        <p:txBody>
+          <a:bodyPr wrap="none" rtlCol="0">
+            <a:spAutoFit/>
+          </a:bodyPr>
+          <a:lstStyle/>
+          <a:p>
+            <a:r>
+              <a:rPr lang="en-US" altLang="zh-CN" dirty="0" err="1"/>
+              <a:t>errors_count</a:t>
+            </a:r>
+            <a:r>
+              <a:rPr lang="en-US" altLang="zh-CN" dirty="0"/>
+              <a:t>=3</a:t>
+            </a:r>
+            <a:endParaRPr lang="zh-CN" altLang="en-US" dirty="0"/>
+          </a:p>
+        </p:txBody>
+      </p:sp>
+      <p:sp>
+        <p:nvSpPr>
+          <p:cNvPr id="20" name="文本框 19"/>
+          <p:cNvSpPr txBox="1"/>
+          <p:nvPr/>
+        </p:nvSpPr>
+        <p:spPr>
+          <a:xfrm>
+            <a:off x="8431713" y="5820592"/>
+            <a:ext cx="1702710" cy="369332"/>
+          </a:xfrm>
+          <a:prstGeom prst="rect">
+            <a:avLst/>
+          </a:prstGeom>
+          <a:noFill/>
+        </p:spPr>
+        <p:txBody>
+          <a:bodyPr wrap="none" rtlCol="0">
+            <a:spAutoFit/>
+          </a:bodyPr>
+          <a:lstStyle/>
+          <a:p>
+            <a:r>
+              <a:rPr lang="en-US" altLang="zh-CN" dirty="0" err="1"/>
+              <a:t>errors_count</a:t>
+            </a:r>
+            <a:r>
+              <a:rPr lang="en-US" altLang="zh-CN" dirty="0"/>
+              <a:t>=3</a:t>
+            </a:r>
+            <a:endParaRPr lang="zh-CN" altLang="en-US" dirty="0"/>
+          </a:p>
+        </p:txBody>
+      </p:sp>
+      <p:cxnSp>
+        <p:nvCxnSpPr>
+          <p:cNvPr id="22" name="直接箭头连接符 21"/>
+          <p:cNvCxnSpPr/>
+          <p:nvPr/>
+        </p:nvCxnSpPr>
+        <p:spPr>
+          <a:xfrm flipH="1">
+            <a:off x="2193834" y="2255519"/>
+            <a:ext cx="3630387" cy="1085852"/>
           </a:xfrm>
           <a:prstGeom prst="straightConnector1">
             <a:avLst/>
           </a:prstGeom>
           <a:ln w="25400" cmpd="sng">
             <a:solidFill>
-              <a:srgbClr val="00B0F0"/>
+              <a:srgbClr val="92D050"/>
             </a:solidFill>
             <a:prstDash val="solid"/>
             <a:round/>
@@ -9986,16 +10021,58 @@
       </p:cxnSp>
       <p:cxnSp>
         <p:nvCxnSpPr>
-          <p:cNvPr id="39" name="直接箭头连接符 38"/>
+          <p:cNvPr id="23" name="直接箭头连接符 22"/>
           <p:cNvCxnSpPr>
             <a:stCxn id="4" idx="2"/>
+            <a:endCxn id="9" idx="0"/>
           </p:cNvCxnSpPr>
           <p:nvPr/>
         </p:nvCxnSpPr>
         <p:spPr>
           <a:xfrm>
             <a:off x="5824221" y="2255519"/>
-            <a:ext cx="2799080" cy="1559561"/>
+            <a:ext cx="0" cy="2924177"/>
+          </a:xfrm>
+          <a:prstGeom prst="straightConnector1">
+            <a:avLst/>
+          </a:prstGeom>
+          <a:ln w="25400" cmpd="sng">
+            <a:solidFill>
+              <a:srgbClr val="92D050"/>
+            </a:solidFill>
+            <a:prstDash val="solid"/>
+            <a:round/>
+            <a:tailEnd type="triangle"/>
+          </a:ln>
+        </p:spPr>
+        <p:style>
+          <a:lnRef idx="3">
+            <a:schemeClr val="accent1"/>
+          </a:lnRef>
+          <a:fillRef idx="0">
+            <a:schemeClr val="accent1"/>
+          </a:fillRef>
+          <a:effectRef idx="2">
+            <a:schemeClr val="accent1"/>
+          </a:effectRef>
+          <a:fontRef idx="minor">
+            <a:schemeClr val="tx1"/>
+          </a:fontRef>
+        </p:style>
+      </p:cxnSp>
+      <p:cxnSp>
+        <p:nvCxnSpPr>
+          <p:cNvPr id="27" name="直接箭头连接符 26"/>
+          <p:cNvCxnSpPr>
+            <a:stCxn id="4" idx="2"/>
+            <a:endCxn id="8" idx="0"/>
+          </p:cNvCxnSpPr>
+          <p:nvPr/>
+        </p:nvCxnSpPr>
+        <p:spPr>
+          <a:xfrm>
+            <a:off x="5824221" y="2255519"/>
+            <a:ext cx="3463017" cy="1085851"/>
           </a:xfrm>
           <a:prstGeom prst="straightConnector1">
             <a:avLst/>
@@ -10051,13 +10128,13 @@
       </p:grpSpPr>
       <p:sp>
         <p:nvSpPr>
-          <p:cNvPr id="37" name="矩形: 圆角 36"/>
+          <p:cNvPr id="38" name="矩形: 圆角 37"/>
           <p:cNvSpPr/>
           <p:nvPr/>
         </p:nvSpPr>
         <p:spPr>
           <a:xfrm>
-            <a:off x="3487421" y="3429000"/>
+            <a:off x="7651206" y="3429001"/>
             <a:ext cx="2341880" cy="3119120"/>
           </a:xfrm>
           <a:prstGeom prst="roundRect">
@@ -10092,13 +10169,54 @@
       </p:sp>
       <p:sp>
         <p:nvSpPr>
+          <p:cNvPr id="37" name="矩形: 圆角 36"/>
+          <p:cNvSpPr/>
+          <p:nvPr/>
+        </p:nvSpPr>
+        <p:spPr>
+          <a:xfrm>
+            <a:off x="4655821" y="3429000"/>
+            <a:ext cx="2341880" cy="3119120"/>
+          </a:xfrm>
+          <a:prstGeom prst="roundRect">
+            <a:avLst/>
+          </a:prstGeom>
+          <a:ln>
+            <a:prstDash val="dash"/>
+          </a:ln>
+        </p:spPr>
+        <p:style>
+          <a:lnRef idx="2">
+            <a:schemeClr val="accent1"/>
+          </a:lnRef>
+          <a:fillRef idx="1">
+            <a:schemeClr val="lt1"/>
+          </a:fillRef>
+          <a:effectRef idx="0">
+            <a:schemeClr val="accent1"/>
+          </a:effectRef>
+          <a:fontRef idx="minor">
+            <a:schemeClr val="dk1"/>
+          </a:fontRef>
+        </p:style>
+        <p:txBody>
+          <a:bodyPr rtlCol="0" anchor="ctr"/>
+          <a:lstStyle/>
+          <a:p>
+            <a:pPr algn="ctr"/>
+            <a:endParaRPr lang="zh-CN" altLang="en-US"/>
+          </a:p>
+        </p:txBody>
+      </p:sp>
+      <p:sp>
+        <p:nvSpPr>
           <p:cNvPr id="36" name="矩形: 圆角 35"/>
           <p:cNvSpPr/>
           <p:nvPr/>
         </p:nvSpPr>
         <p:spPr>
           <a:xfrm>
-            <a:off x="342392" y="3429001"/>
+            <a:off x="1510792" y="3429001"/>
             <a:ext cx="2341880" cy="3119120"/>
           </a:xfrm>
           <a:prstGeom prst="roundRect">
@@ -10169,7 +10287,6 @@
               <a:rPr lang="en-US" altLang="zh-CN" dirty="0"/>
               <a:t>distribute</a:t>
             </a:r>
-            <a:endParaRPr lang="en-US" altLang="zh-CN" dirty="0"/>
           </a:p>
           <a:p>
             <a:pPr algn="ctr"/>
@@ -10189,7 +10306,7 @@
         </p:nvSpPr>
         <p:spPr>
           <a:xfrm>
-            <a:off x="513116" y="4668523"/>
+            <a:off x="1683421" y="3708403"/>
             <a:ext cx="2000250" cy="640897"/>
           </a:xfrm>
           <a:prstGeom prst="rect">
@@ -10219,7 +10336,6 @@
               <a:rPr lang="en-US" altLang="zh-CN" dirty="0"/>
               <a:t>os11</a:t>
             </a:r>
-            <a:endParaRPr lang="en-US" altLang="zh-CN" dirty="0"/>
           </a:p>
           <a:p>
             <a:pPr algn="ctr"/>
@@ -10227,19 +10343,18 @@
               <a:rPr lang="en-US" altLang="zh-CN" dirty="0"/>
               <a:t>share1 replica1</a:t>
             </a:r>
-            <a:endParaRPr lang="en-US" altLang="zh-CN" dirty="0"/>
-          </a:p>
-        </p:txBody>
-      </p:sp>
-      <p:sp>
-        <p:nvSpPr>
-          <p:cNvPr id="7" name="矩形 6"/>
+          </a:p>
+        </p:txBody>
+      </p:sp>
+      <p:sp>
+        <p:nvSpPr>
+          <p:cNvPr id="6" name="矩形 5"/>
           <p:cNvSpPr/>
           <p:nvPr/>
         </p:nvSpPr>
         <p:spPr>
           <a:xfrm>
-            <a:off x="3703956" y="4668520"/>
+            <a:off x="1683421" y="5546728"/>
             <a:ext cx="2000250" cy="640897"/>
           </a:xfrm>
           <a:prstGeom prst="rect">
@@ -10266,6 +10381,47 @@
           <a:p>
             <a:pPr algn="ctr"/>
             <a:r>
+              <a:rPr lang="en-US" altLang="zh-CN" dirty="0"/>
+              <a:t>share1 replica2</a:t>
+            </a:r>
+          </a:p>
+        </p:txBody>
+      </p:sp>
+      <p:sp>
+        <p:nvSpPr>
+          <p:cNvPr id="7" name="矩形 6"/>
+          <p:cNvSpPr/>
+          <p:nvPr/>
+        </p:nvSpPr>
+        <p:spPr>
+          <a:xfrm>
+            <a:off x="4829176" y="3708400"/>
+            <a:ext cx="2000250" cy="640897"/>
+          </a:xfrm>
+          <a:prstGeom prst="rect">
+            <a:avLst/>
+          </a:prstGeom>
+        </p:spPr>
+        <p:style>
+          <a:lnRef idx="1">
+            <a:schemeClr val="accent5"/>
+          </a:lnRef>
+          <a:fillRef idx="2">
+            <a:schemeClr val="accent5"/>
+          </a:fillRef>
+          <a:effectRef idx="1">
+            <a:schemeClr val="accent5"/>
+          </a:effectRef>
+          <a:fontRef idx="minor">
+            <a:schemeClr val="dk1"/>
+          </a:fontRef>
+        </p:style>
+        <p:txBody>
+          <a:bodyPr rtlCol="0" anchor="ctr"/>
+          <a:lstStyle/>
+          <a:p>
+            <a:pPr algn="ctr"/>
+            <a:r>
               <a:rPr lang="en-US" altLang="zh-CN"/>
               <a:t>os1</a:t>
             </a:r>
@@ -10273,15 +10429,54 @@
               <a:rPr lang="en-US" altLang="zh-CN" dirty="0"/>
               <a:t>2</a:t>
             </a:r>
-            <a:endParaRPr lang="en-US" altLang="zh-CN" dirty="0"/>
           </a:p>
           <a:p>
             <a:pPr algn="ctr"/>
             <a:r>
               <a:rPr lang="en-US" altLang="zh-CN" dirty="0"/>
-              <a:t>share1 replica1</a:t>
-            </a:r>
-            <a:endParaRPr lang="en-US" altLang="zh-CN" dirty="0"/>
+              <a:t>share2 replica1</a:t>
+            </a:r>
+          </a:p>
+        </p:txBody>
+      </p:sp>
+      <p:sp>
+        <p:nvSpPr>
+          <p:cNvPr id="9" name="矩形 8"/>
+          <p:cNvSpPr/>
+          <p:nvPr/>
+        </p:nvSpPr>
+        <p:spPr>
+          <a:xfrm>
+            <a:off x="4829176" y="5546727"/>
+            <a:ext cx="2000250" cy="640897"/>
+          </a:xfrm>
+          <a:prstGeom prst="rect">
+            <a:avLst/>
+          </a:prstGeom>
+        </p:spPr>
+        <p:style>
+          <a:lnRef idx="1">
+            <a:schemeClr val="accent5"/>
+          </a:lnRef>
+          <a:fillRef idx="2">
+            <a:schemeClr val="accent5"/>
+          </a:fillRef>
+          <a:effectRef idx="1">
+            <a:schemeClr val="accent5"/>
+          </a:effectRef>
+          <a:fontRef idx="minor">
+            <a:schemeClr val="dk1"/>
+          </a:fontRef>
+        </p:style>
+        <p:txBody>
+          <a:bodyPr rtlCol="0" anchor="ctr"/>
+          <a:lstStyle/>
+          <a:p>
+            <a:pPr algn="ctr"/>
+            <a:r>
+              <a:rPr lang="en-US" altLang="zh-CN" dirty="0"/>
+              <a:t>share2 replica2</a:t>
+            </a:r>
           </a:p>
         </p:txBody>
       </p:sp>
@@ -10294,7 +10489,7 @@
         <p:spPr>
           <a:xfrm>
             <a:off x="4473416" y="385898"/>
-            <a:ext cx="2373630" cy="368300"/>
+            <a:ext cx="2396810" cy="369332"/>
           </a:xfrm>
           <a:prstGeom prst="rect">
             <a:avLst/>
@@ -10322,7 +10517,7 @@
           <a:p>
             <a:r>
               <a:rPr lang="en-US" altLang="zh-CN" dirty="0"/>
-              <a:t>4</a:t>
+              <a:t>3</a:t>
             </a:r>
             <a:r>
               <a:rPr lang="zh-CN" altLang="en-US" dirty="0"/>
@@ -10338,13 +10533,12 @@
             </a:r>
             <a:r>
               <a:rPr lang="en-US" altLang="zh-CN" dirty="0"/>
-              <a:t>4</a:t>
+              <a:t>3</a:t>
             </a:r>
             <a:r>
               <a:rPr lang="zh-CN" altLang="en-US" dirty="0"/>
               <a:t>个节点</a:t>
             </a:r>
-            <a:endParaRPr lang="zh-CN" altLang="en-US" dirty="0"/>
           </a:p>
         </p:txBody>
       </p:sp>
@@ -10397,6 +10591,694 @@
         </p:nvCxnSpPr>
         <p:spPr>
           <a:xfrm flipH="1">
+            <a:off x="2683546" y="2255519"/>
+            <a:ext cx="3140675" cy="1452884"/>
+          </a:xfrm>
+          <a:prstGeom prst="straightConnector1">
+            <a:avLst/>
+          </a:prstGeom>
+          <a:ln w="25400" cmpd="sng">
+            <a:solidFill>
+              <a:srgbClr val="92D050"/>
+            </a:solidFill>
+            <a:prstDash val="solid"/>
+            <a:round/>
+            <a:tailEnd type="triangle"/>
+          </a:ln>
+        </p:spPr>
+        <p:style>
+          <a:lnRef idx="3">
+            <a:schemeClr val="accent1"/>
+          </a:lnRef>
+          <a:fillRef idx="0">
+            <a:schemeClr val="accent1"/>
+          </a:fillRef>
+          <a:effectRef idx="2">
+            <a:schemeClr val="accent1"/>
+          </a:effectRef>
+          <a:fontRef idx="minor">
+            <a:schemeClr val="tx1"/>
+          </a:fontRef>
+        </p:style>
+      </p:cxnSp>
+      <p:cxnSp>
+        <p:nvCxnSpPr>
+          <p:cNvPr id="15" name="直接箭头连接符 14"/>
+          <p:cNvCxnSpPr>
+            <a:endCxn id="9" idx="0"/>
+          </p:cNvCxnSpPr>
+          <p:nvPr/>
+        </p:nvCxnSpPr>
+        <p:spPr>
+          <a:xfrm>
+            <a:off x="2198914" y="4349299"/>
+            <a:ext cx="3630387" cy="1197428"/>
+          </a:xfrm>
+          <a:prstGeom prst="straightConnector1">
+            <a:avLst/>
+          </a:prstGeom>
+          <a:ln w="25400" cmpd="sng">
+            <a:solidFill>
+              <a:srgbClr val="00B0F0"/>
+            </a:solidFill>
+            <a:prstDash val="solid"/>
+            <a:round/>
+            <a:tailEnd type="triangle"/>
+          </a:ln>
+        </p:spPr>
+        <p:style>
+          <a:lnRef idx="3">
+            <a:schemeClr val="accent1"/>
+          </a:lnRef>
+          <a:fillRef idx="0">
+            <a:schemeClr val="accent1"/>
+          </a:fillRef>
+          <a:effectRef idx="2">
+            <a:schemeClr val="accent1"/>
+          </a:effectRef>
+          <a:fontRef idx="minor">
+            <a:schemeClr val="tx1"/>
+          </a:fontRef>
+        </p:style>
+      </p:cxnSp>
+      <p:cxnSp>
+        <p:nvCxnSpPr>
+          <p:cNvPr id="16" name="直接箭头连接符 15"/>
+          <p:cNvCxnSpPr>
+            <a:stCxn id="7" idx="2"/>
+            <a:endCxn id="29" idx="0"/>
+          </p:cNvCxnSpPr>
+          <p:nvPr/>
+        </p:nvCxnSpPr>
+        <p:spPr>
+          <a:xfrm>
+            <a:off x="5829301" y="4349297"/>
+            <a:ext cx="2995385" cy="1344658"/>
+          </a:xfrm>
+          <a:prstGeom prst="straightConnector1">
+            <a:avLst/>
+          </a:prstGeom>
+          <a:ln w="25400" cmpd="sng">
+            <a:solidFill>
+              <a:srgbClr val="00B0F0"/>
+            </a:solidFill>
+            <a:prstDash val="solid"/>
+            <a:round/>
+            <a:tailEnd type="triangle"/>
+          </a:ln>
+        </p:spPr>
+        <p:style>
+          <a:lnRef idx="3">
+            <a:schemeClr val="accent1"/>
+          </a:lnRef>
+          <a:fillRef idx="0">
+            <a:schemeClr val="accent1"/>
+          </a:fillRef>
+          <a:effectRef idx="2">
+            <a:schemeClr val="accent1"/>
+          </a:effectRef>
+          <a:fontRef idx="minor">
+            <a:schemeClr val="tx1"/>
+          </a:fontRef>
+        </p:style>
+      </p:cxnSp>
+      <p:cxnSp>
+        <p:nvCxnSpPr>
+          <p:cNvPr id="19" name="直接箭头连接符 18"/>
+          <p:cNvCxnSpPr>
+            <a:stCxn id="4" idx="2"/>
+            <a:endCxn id="7" idx="0"/>
+          </p:cNvCxnSpPr>
+          <p:nvPr/>
+        </p:nvCxnSpPr>
+        <p:spPr>
+          <a:xfrm>
+            <a:off x="5824221" y="2255519"/>
+            <a:ext cx="5080" cy="1452881"/>
+          </a:xfrm>
+          <a:prstGeom prst="straightConnector1">
+            <a:avLst/>
+          </a:prstGeom>
+          <a:ln w="25400" cmpd="sng">
+            <a:solidFill>
+              <a:srgbClr val="92D050"/>
+            </a:solidFill>
+            <a:prstDash val="solid"/>
+            <a:round/>
+            <a:tailEnd type="triangle"/>
+          </a:ln>
+        </p:spPr>
+        <p:style>
+          <a:lnRef idx="3">
+            <a:schemeClr val="accent1"/>
+          </a:lnRef>
+          <a:fillRef idx="0">
+            <a:schemeClr val="accent1"/>
+          </a:fillRef>
+          <a:effectRef idx="2">
+            <a:schemeClr val="accent1"/>
+          </a:effectRef>
+          <a:fontRef idx="minor">
+            <a:schemeClr val="tx1"/>
+          </a:fontRef>
+        </p:style>
+      </p:cxnSp>
+      <p:sp>
+        <p:nvSpPr>
+          <p:cNvPr id="28" name="矩形 27"/>
+          <p:cNvSpPr/>
+          <p:nvPr/>
+        </p:nvSpPr>
+        <p:spPr>
+          <a:xfrm>
+            <a:off x="7824561" y="3855628"/>
+            <a:ext cx="2000250" cy="640897"/>
+          </a:xfrm>
+          <a:prstGeom prst="rect">
+            <a:avLst/>
+          </a:prstGeom>
+        </p:spPr>
+        <p:style>
+          <a:lnRef idx="1">
+            <a:schemeClr val="accent5"/>
+          </a:lnRef>
+          <a:fillRef idx="2">
+            <a:schemeClr val="accent5"/>
+          </a:fillRef>
+          <a:effectRef idx="1">
+            <a:schemeClr val="accent5"/>
+          </a:effectRef>
+          <a:fontRef idx="minor">
+            <a:schemeClr val="dk1"/>
+          </a:fontRef>
+        </p:style>
+        <p:txBody>
+          <a:bodyPr rtlCol="0" anchor="ctr"/>
+          <a:lstStyle/>
+          <a:p>
+            <a:pPr algn="ctr"/>
+            <a:r>
+              <a:rPr lang="en-US" altLang="zh-CN" dirty="0"/>
+              <a:t>os13</a:t>
+            </a:r>
+          </a:p>
+          <a:p>
+            <a:pPr algn="ctr"/>
+            <a:r>
+              <a:rPr lang="en-US" altLang="zh-CN" dirty="0"/>
+              <a:t>share2 replica1</a:t>
+            </a:r>
+          </a:p>
+        </p:txBody>
+      </p:sp>
+      <p:sp>
+        <p:nvSpPr>
+          <p:cNvPr id="29" name="矩形 28"/>
+          <p:cNvSpPr/>
+          <p:nvPr/>
+        </p:nvSpPr>
+        <p:spPr>
+          <a:xfrm>
+            <a:off x="7824561" y="5693955"/>
+            <a:ext cx="2000250" cy="640897"/>
+          </a:xfrm>
+          <a:prstGeom prst="rect">
+            <a:avLst/>
+          </a:prstGeom>
+        </p:spPr>
+        <p:style>
+          <a:lnRef idx="1">
+            <a:schemeClr val="accent5"/>
+          </a:lnRef>
+          <a:fillRef idx="2">
+            <a:schemeClr val="accent5"/>
+          </a:fillRef>
+          <a:effectRef idx="1">
+            <a:schemeClr val="accent5"/>
+          </a:effectRef>
+          <a:fontRef idx="minor">
+            <a:schemeClr val="dk1"/>
+          </a:fontRef>
+        </p:style>
+        <p:txBody>
+          <a:bodyPr rtlCol="0" anchor="ctr"/>
+          <a:lstStyle/>
+          <a:p>
+            <a:pPr algn="ctr"/>
+            <a:r>
+              <a:rPr lang="en-US" altLang="zh-CN" dirty="0"/>
+              <a:t>share2 replica2</a:t>
+            </a:r>
+          </a:p>
+        </p:txBody>
+      </p:sp>
+      <p:cxnSp>
+        <p:nvCxnSpPr>
+          <p:cNvPr id="30" name="直接箭头连接符 29"/>
+          <p:cNvCxnSpPr>
+            <a:endCxn id="6" idx="0"/>
+          </p:cNvCxnSpPr>
+          <p:nvPr/>
+        </p:nvCxnSpPr>
+        <p:spPr>
+          <a:xfrm flipH="1">
+            <a:off x="2683546" y="4455980"/>
+            <a:ext cx="6429467" cy="1090748"/>
+          </a:xfrm>
+          <a:prstGeom prst="straightConnector1">
+            <a:avLst/>
+          </a:prstGeom>
+          <a:ln w="25400" cmpd="sng">
+            <a:solidFill>
+              <a:srgbClr val="00B0F0"/>
+            </a:solidFill>
+            <a:prstDash val="solid"/>
+            <a:round/>
+            <a:tailEnd type="triangle"/>
+          </a:ln>
+        </p:spPr>
+        <p:style>
+          <a:lnRef idx="3">
+            <a:schemeClr val="accent1"/>
+          </a:lnRef>
+          <a:fillRef idx="0">
+            <a:schemeClr val="accent1"/>
+          </a:fillRef>
+          <a:effectRef idx="2">
+            <a:schemeClr val="accent1"/>
+          </a:effectRef>
+          <a:fontRef idx="minor">
+            <a:schemeClr val="tx1"/>
+          </a:fontRef>
+        </p:style>
+      </p:cxnSp>
+      <p:cxnSp>
+        <p:nvCxnSpPr>
+          <p:cNvPr id="39" name="直接箭头连接符 38"/>
+          <p:cNvCxnSpPr>
+            <a:stCxn id="4" idx="2"/>
+          </p:cNvCxnSpPr>
+          <p:nvPr/>
+        </p:nvCxnSpPr>
+        <p:spPr>
+          <a:xfrm>
+            <a:off x="5824221" y="2255519"/>
+            <a:ext cx="2799080" cy="1559561"/>
+          </a:xfrm>
+          <a:prstGeom prst="straightConnector1">
+            <a:avLst/>
+          </a:prstGeom>
+          <a:ln w="25400" cmpd="sng">
+            <a:solidFill>
+              <a:srgbClr val="92D050"/>
+            </a:solidFill>
+            <a:prstDash val="solid"/>
+            <a:round/>
+            <a:tailEnd type="triangle"/>
+          </a:ln>
+        </p:spPr>
+        <p:style>
+          <a:lnRef idx="3">
+            <a:schemeClr val="accent1"/>
+          </a:lnRef>
+          <a:fillRef idx="0">
+            <a:schemeClr val="accent1"/>
+          </a:fillRef>
+          <a:effectRef idx="2">
+            <a:schemeClr val="accent1"/>
+          </a:effectRef>
+          <a:fontRef idx="minor">
+            <a:schemeClr val="tx1"/>
+          </a:fontRef>
+        </p:style>
+      </p:cxnSp>
+    </p:spTree>
+  </p:cSld>
+  <p:clrMapOvr>
+    <a:masterClrMapping/>
+  </p:clrMapOvr>
+</p:sld>
+</file>
+
+<file path=ppt/slides/slide8.xml><?xml version="1.0" encoding="utf-8"?>
+<p:sld xmlns:a="http://schemas.openxmlformats.org/drawingml/2006/main" xmlns:r="http://schemas.openxmlformats.org/officeDocument/2006/relationships" xmlns:p="http://schemas.openxmlformats.org/presentationml/2006/main">
+  <p:cSld>
+    <p:spTree>
+      <p:nvGrpSpPr>
+        <p:cNvPr id="1" name=""/>
+        <p:cNvGrpSpPr/>
+        <p:nvPr/>
+      </p:nvGrpSpPr>
+      <p:grpSpPr>
+        <a:xfrm>
+          <a:off x="0" y="0"/>
+          <a:ext cx="0" cy="0"/>
+          <a:chOff x="0" y="0"/>
+          <a:chExt cx="0" cy="0"/>
+        </a:xfrm>
+      </p:grpSpPr>
+      <p:sp>
+        <p:nvSpPr>
+          <p:cNvPr id="37" name="矩形: 圆角 36"/>
+          <p:cNvSpPr/>
+          <p:nvPr/>
+        </p:nvSpPr>
+        <p:spPr>
+          <a:xfrm>
+            <a:off x="3487421" y="3429000"/>
+            <a:ext cx="2341880" cy="3119120"/>
+          </a:xfrm>
+          <a:prstGeom prst="roundRect">
+            <a:avLst/>
+          </a:prstGeom>
+          <a:ln>
+            <a:prstDash val="dash"/>
+          </a:ln>
+        </p:spPr>
+        <p:style>
+          <a:lnRef idx="2">
+            <a:schemeClr val="accent1"/>
+          </a:lnRef>
+          <a:fillRef idx="1">
+            <a:schemeClr val="lt1"/>
+          </a:fillRef>
+          <a:effectRef idx="0">
+            <a:schemeClr val="accent1"/>
+          </a:effectRef>
+          <a:fontRef idx="minor">
+            <a:schemeClr val="dk1"/>
+          </a:fontRef>
+        </p:style>
+        <p:txBody>
+          <a:bodyPr rtlCol="0" anchor="ctr"/>
+          <a:lstStyle/>
+          <a:p>
+            <a:pPr algn="ctr"/>
+            <a:endParaRPr lang="zh-CN" altLang="en-US"/>
+          </a:p>
+        </p:txBody>
+      </p:sp>
+      <p:sp>
+        <p:nvSpPr>
+          <p:cNvPr id="36" name="矩形: 圆角 35"/>
+          <p:cNvSpPr/>
+          <p:nvPr/>
+        </p:nvSpPr>
+        <p:spPr>
+          <a:xfrm>
+            <a:off x="342392" y="3429001"/>
+            <a:ext cx="2341880" cy="3119120"/>
+          </a:xfrm>
+          <a:prstGeom prst="roundRect">
+            <a:avLst/>
+          </a:prstGeom>
+          <a:ln>
+            <a:prstDash val="dash"/>
+          </a:ln>
+        </p:spPr>
+        <p:style>
+          <a:lnRef idx="2">
+            <a:schemeClr val="accent1"/>
+          </a:lnRef>
+          <a:fillRef idx="1">
+            <a:schemeClr val="lt1"/>
+          </a:fillRef>
+          <a:effectRef idx="0">
+            <a:schemeClr val="accent1"/>
+          </a:effectRef>
+          <a:fontRef idx="minor">
+            <a:schemeClr val="dk1"/>
+          </a:fontRef>
+        </p:style>
+        <p:txBody>
+          <a:bodyPr rtlCol="0" anchor="ctr"/>
+          <a:lstStyle/>
+          <a:p>
+            <a:pPr algn="ctr"/>
+            <a:endParaRPr lang="zh-CN" altLang="en-US"/>
+          </a:p>
+        </p:txBody>
+      </p:sp>
+      <p:sp>
+        <p:nvSpPr>
+          <p:cNvPr id="4" name="矩形: 圆角 3"/>
+          <p:cNvSpPr/>
+          <p:nvPr/>
+        </p:nvSpPr>
+        <p:spPr>
+          <a:xfrm>
+            <a:off x="4434251" y="1471748"/>
+            <a:ext cx="2779939" cy="783771"/>
+          </a:xfrm>
+          <a:prstGeom prst="roundRect">
+            <a:avLst/>
+          </a:prstGeom>
+        </p:spPr>
+        <p:style>
+          <a:lnRef idx="1">
+            <a:schemeClr val="accent2"/>
+          </a:lnRef>
+          <a:fillRef idx="2">
+            <a:schemeClr val="accent2"/>
+          </a:fillRef>
+          <a:effectRef idx="1">
+            <a:schemeClr val="accent2"/>
+          </a:effectRef>
+          <a:fontRef idx="minor">
+            <a:schemeClr val="dk1"/>
+          </a:fontRef>
+        </p:style>
+        <p:txBody>
+          <a:bodyPr rtlCol="0" anchor="ctr"/>
+          <a:lstStyle/>
+          <a:p>
+            <a:pPr algn="ctr"/>
+            <a:r>
+              <a:rPr lang="en-US" altLang="zh-CN" dirty="0"/>
+              <a:t>distribute</a:t>
+            </a:r>
+          </a:p>
+          <a:p>
+            <a:pPr algn="ctr"/>
+            <a:r>
+              <a:rPr lang="en-US" altLang="zh-CN" dirty="0"/>
+              <a:t>os11</a:t>
+            </a:r>
+            <a:endParaRPr lang="zh-CN" altLang="en-US" dirty="0"/>
+          </a:p>
+        </p:txBody>
+      </p:sp>
+      <p:sp>
+        <p:nvSpPr>
+          <p:cNvPr id="5" name="矩形 4"/>
+          <p:cNvSpPr/>
+          <p:nvPr/>
+        </p:nvSpPr>
+        <p:spPr>
+          <a:xfrm>
+            <a:off x="513116" y="4668523"/>
+            <a:ext cx="2000250" cy="640897"/>
+          </a:xfrm>
+          <a:prstGeom prst="rect">
+            <a:avLst/>
+          </a:prstGeom>
+        </p:spPr>
+        <p:style>
+          <a:lnRef idx="1">
+            <a:schemeClr val="accent5"/>
+          </a:lnRef>
+          <a:fillRef idx="2">
+            <a:schemeClr val="accent5"/>
+          </a:fillRef>
+          <a:effectRef idx="1">
+            <a:schemeClr val="accent5"/>
+          </a:effectRef>
+          <a:fontRef idx="minor">
+            <a:schemeClr val="dk1"/>
+          </a:fontRef>
+        </p:style>
+        <p:txBody>
+          <a:bodyPr rtlCol="0" anchor="ctr"/>
+          <a:lstStyle/>
+          <a:p>
+            <a:pPr algn="ctr"/>
+            <a:r>
+              <a:rPr lang="en-US" altLang="zh-CN" dirty="0"/>
+              <a:t>os11</a:t>
+            </a:r>
+          </a:p>
+          <a:p>
+            <a:pPr algn="ctr"/>
+            <a:r>
+              <a:rPr lang="en-US" altLang="zh-CN" dirty="0"/>
+              <a:t>share1 replica1</a:t>
+            </a:r>
+          </a:p>
+        </p:txBody>
+      </p:sp>
+      <p:sp>
+        <p:nvSpPr>
+          <p:cNvPr id="7" name="矩形 6"/>
+          <p:cNvSpPr/>
+          <p:nvPr/>
+        </p:nvSpPr>
+        <p:spPr>
+          <a:xfrm>
+            <a:off x="3703956" y="4668520"/>
+            <a:ext cx="2000250" cy="640897"/>
+          </a:xfrm>
+          <a:prstGeom prst="rect">
+            <a:avLst/>
+          </a:prstGeom>
+        </p:spPr>
+        <p:style>
+          <a:lnRef idx="1">
+            <a:schemeClr val="accent5"/>
+          </a:lnRef>
+          <a:fillRef idx="2">
+            <a:schemeClr val="accent5"/>
+          </a:fillRef>
+          <a:effectRef idx="1">
+            <a:schemeClr val="accent5"/>
+          </a:effectRef>
+          <a:fontRef idx="minor">
+            <a:schemeClr val="dk1"/>
+          </a:fontRef>
+        </p:style>
+        <p:txBody>
+          <a:bodyPr rtlCol="0" anchor="ctr"/>
+          <a:lstStyle/>
+          <a:p>
+            <a:pPr algn="ctr"/>
+            <a:r>
+              <a:rPr lang="en-US" altLang="zh-CN"/>
+              <a:t>os1</a:t>
+            </a:r>
+            <a:r>
+              <a:rPr lang="en-US" altLang="zh-CN" dirty="0"/>
+              <a:t>2</a:t>
+            </a:r>
+          </a:p>
+          <a:p>
+            <a:pPr algn="ctr"/>
+            <a:r>
+              <a:rPr lang="en-US" altLang="zh-CN" dirty="0"/>
+              <a:t>share1 replica1</a:t>
+            </a:r>
+          </a:p>
+        </p:txBody>
+      </p:sp>
+      <p:sp>
+        <p:nvSpPr>
+          <p:cNvPr id="11" name="文本框 10"/>
+          <p:cNvSpPr txBox="1"/>
+          <p:nvPr/>
+        </p:nvSpPr>
+        <p:spPr>
+          <a:xfrm>
+            <a:off x="4473416" y="385898"/>
+            <a:ext cx="2373630" cy="368300"/>
+          </a:xfrm>
+          <a:prstGeom prst="rect">
+            <a:avLst/>
+          </a:prstGeom>
+        </p:spPr>
+        <p:style>
+          <a:lnRef idx="2">
+            <a:schemeClr val="accent1"/>
+          </a:lnRef>
+          <a:fillRef idx="1">
+            <a:schemeClr val="lt1"/>
+          </a:fillRef>
+          <a:effectRef idx="0">
+            <a:schemeClr val="accent1"/>
+          </a:effectRef>
+          <a:fontRef idx="minor">
+            <a:schemeClr val="dk1"/>
+          </a:fontRef>
+        </p:style>
+        <p:txBody>
+          <a:bodyPr wrap="none" rtlCol="0">
+            <a:spAutoFit/>
+          </a:bodyPr>
+          <a:lstStyle/>
+          <a:p>
+            <a:r>
+              <a:rPr lang="en-US" altLang="zh-CN" dirty="0"/>
+              <a:t>4</a:t>
+            </a:r>
+            <a:r>
+              <a:rPr lang="zh-CN" altLang="en-US" dirty="0"/>
+              <a:t>分片</a:t>
+            </a:r>
+            <a:r>
+              <a:rPr lang="en-US" altLang="zh-CN" dirty="0"/>
+              <a:t>2</a:t>
+            </a:r>
+            <a:r>
+              <a:rPr lang="zh-CN" altLang="en-US" dirty="0"/>
+              <a:t>副本共</a:t>
+            </a:r>
+            <a:r>
+              <a:rPr lang="en-US" altLang="zh-CN" dirty="0"/>
+              <a:t>4</a:t>
+            </a:r>
+            <a:r>
+              <a:rPr lang="zh-CN" altLang="en-US" dirty="0"/>
+              <a:t>个节点</a:t>
+            </a:r>
+          </a:p>
+        </p:txBody>
+      </p:sp>
+      <p:cxnSp>
+        <p:nvCxnSpPr>
+          <p:cNvPr id="17" name="直接箭头连接符 16"/>
+          <p:cNvCxnSpPr/>
+          <p:nvPr/>
+        </p:nvCxnSpPr>
+        <p:spPr>
+          <a:xfrm flipH="1">
+            <a:off x="5725171" y="923052"/>
+            <a:ext cx="1391909" cy="548696"/>
+          </a:xfrm>
+          <a:prstGeom prst="straightConnector1">
+            <a:avLst/>
+          </a:prstGeom>
+          <a:ln w="38100" cmpd="sng">
+            <a:solidFill>
+              <a:schemeClr val="accent5"/>
+            </a:solidFill>
+            <a:prstDash val="solid"/>
+            <a:round/>
+            <a:tailEnd type="triangle"/>
+          </a:ln>
+        </p:spPr>
+        <p:style>
+          <a:lnRef idx="3">
+            <a:schemeClr val="accent1"/>
+          </a:lnRef>
+          <a:fillRef idx="0">
+            <a:schemeClr val="accent1"/>
+          </a:fillRef>
+          <a:effectRef idx="2">
+            <a:schemeClr val="accent1"/>
+          </a:effectRef>
+          <a:fontRef idx="minor">
+            <a:schemeClr val="tx1"/>
+          </a:fontRef>
+        </p:style>
+      </p:cxnSp>
+      <p:cxnSp>
+        <p:nvCxnSpPr>
+          <p:cNvPr id="22" name="直接箭头连接符 21"/>
+          <p:cNvCxnSpPr>
+            <a:stCxn id="4" idx="2"/>
+            <a:endCxn id="5" idx="0"/>
+          </p:cNvCxnSpPr>
+          <p:nvPr/>
+        </p:nvCxnSpPr>
+        <p:spPr>
+          <a:xfrm flipH="1">
             <a:off x="1513206" y="2255519"/>
             <a:ext cx="4311015" cy="2413000"/>
           </a:xfrm>
@@ -10547,6 +11429,7 @@
         </p:style>
         <p:txBody>
           <a:bodyPr rtlCol="0" anchor="ctr"/>
+          <a:lstStyle/>
           <a:p>
             <a:pPr algn="ctr"/>
             <a:endParaRPr lang="zh-CN" altLang="en-US"/>
@@ -10591,6 +11474,7 @@
         </p:style>
         <p:txBody>
           <a:bodyPr rtlCol="0" anchor="ctr"/>
+          <a:lstStyle/>
           <a:p>
             <a:pPr algn="ctr"/>
             <a:endParaRPr lang="zh-CN" altLang="en-US"/>
@@ -10632,13 +11516,13 @@
         </p:style>
         <p:txBody>
           <a:bodyPr rtlCol="0" anchor="ctr"/>
+          <a:lstStyle/>
           <a:p>
             <a:pPr algn="ctr"/>
             <a:r>
               <a:rPr lang="en-US" altLang="zh-CN" dirty="0"/>
               <a:t>os13</a:t>
             </a:r>
-            <a:endParaRPr lang="en-US" altLang="zh-CN" dirty="0"/>
           </a:p>
           <a:p>
             <a:pPr algn="ctr"/>
@@ -10646,7 +11530,6 @@
               <a:rPr lang="en-US" altLang="zh-CN" dirty="0"/>
               <a:t>share3 replica1</a:t>
             </a:r>
-            <a:endParaRPr lang="en-US" altLang="zh-CN" dirty="0"/>
           </a:p>
         </p:txBody>
       </p:sp>
@@ -10685,6 +11568,7 @@
         </p:style>
         <p:txBody>
           <a:bodyPr rtlCol="0" anchor="ctr"/>
+          <a:lstStyle/>
           <a:p>
             <a:pPr algn="ctr"/>
             <a:r>
@@ -10699,7 +11583,6 @@
               <a:rPr lang="en-US" altLang="zh-CN" dirty="0"/>
               <a:t>share3 replica1</a:t>
             </a:r>
-            <a:endParaRPr lang="en-US" altLang="zh-CN" dirty="0"/>
           </a:p>
         </p:txBody>
       </p:sp>
@@ -10847,50 +11730,50 @@
 </file>
 
 <file path=ppt/tags/tag1.xml><?xml version="1.0" encoding="utf-8"?>
-<p:tagLst xmlns:p="http://schemas.openxmlformats.org/presentationml/2006/main">
-  <p:tag name="KSO_WM_BEAUTIFY_FLAG" val=""/>
+<p:tagLst xmlns:a="http://schemas.openxmlformats.org/drawingml/2006/main" xmlns:r="http://schemas.openxmlformats.org/officeDocument/2006/relationships" xmlns:p="http://schemas.openxmlformats.org/presentationml/2006/main">
+  <p:tag name="COMMONDATA" val="eyJoZGlkIjoiMjdjYzBiM2JmMDdiNmE0MzdmZGUxMTJkZmU5Yzk1NGMifQ=="/>
 </p:tagLst>
 </file>
 
 <file path=ppt/tags/tag2.xml><?xml version="1.0" encoding="utf-8"?>
-<p:tagLst xmlns:p="http://schemas.openxmlformats.org/presentationml/2006/main">
+<p:tagLst xmlns:a="http://schemas.openxmlformats.org/drawingml/2006/main" xmlns:r="http://schemas.openxmlformats.org/officeDocument/2006/relationships" xmlns:p="http://schemas.openxmlformats.org/presentationml/2006/main">
   <p:tag name="KSO_WM_BEAUTIFY_FLAG" val=""/>
 </p:tagLst>
 </file>
 
 <file path=ppt/tags/tag3.xml><?xml version="1.0" encoding="utf-8"?>
-<p:tagLst xmlns:p="http://schemas.openxmlformats.org/presentationml/2006/main">
+<p:tagLst xmlns:a="http://schemas.openxmlformats.org/drawingml/2006/main" xmlns:r="http://schemas.openxmlformats.org/officeDocument/2006/relationships" xmlns:p="http://schemas.openxmlformats.org/presentationml/2006/main">
   <p:tag name="KSO_WM_BEAUTIFY_FLAG" val=""/>
 </p:tagLst>
 </file>
 
 <file path=ppt/tags/tag4.xml><?xml version="1.0" encoding="utf-8"?>
-<p:tagLst xmlns:p="http://schemas.openxmlformats.org/presentationml/2006/main">
+<p:tagLst xmlns:a="http://schemas.openxmlformats.org/drawingml/2006/main" xmlns:r="http://schemas.openxmlformats.org/officeDocument/2006/relationships" xmlns:p="http://schemas.openxmlformats.org/presentationml/2006/main">
   <p:tag name="KSO_WM_BEAUTIFY_FLAG" val=""/>
 </p:tagLst>
 </file>
 
 <file path=ppt/tags/tag5.xml><?xml version="1.0" encoding="utf-8"?>
-<p:tagLst xmlns:p="http://schemas.openxmlformats.org/presentationml/2006/main">
+<p:tagLst xmlns:a="http://schemas.openxmlformats.org/drawingml/2006/main" xmlns:r="http://schemas.openxmlformats.org/officeDocument/2006/relationships" xmlns:p="http://schemas.openxmlformats.org/presentationml/2006/main">
   <p:tag name="KSO_WM_BEAUTIFY_FLAG" val=""/>
 </p:tagLst>
 </file>
 
 <file path=ppt/tags/tag6.xml><?xml version="1.0" encoding="utf-8"?>
-<p:tagLst xmlns:p="http://schemas.openxmlformats.org/presentationml/2006/main">
+<p:tagLst xmlns:a="http://schemas.openxmlformats.org/drawingml/2006/main" xmlns:r="http://schemas.openxmlformats.org/officeDocument/2006/relationships" xmlns:p="http://schemas.openxmlformats.org/presentationml/2006/main">
   <p:tag name="KSO_WM_BEAUTIFY_FLAG" val=""/>
 </p:tagLst>
 </file>
 
 <file path=ppt/tags/tag7.xml><?xml version="1.0" encoding="utf-8"?>
-<p:tagLst xmlns:p="http://schemas.openxmlformats.org/presentationml/2006/main">
+<p:tagLst xmlns:a="http://schemas.openxmlformats.org/drawingml/2006/main" xmlns:r="http://schemas.openxmlformats.org/officeDocument/2006/relationships" xmlns:p="http://schemas.openxmlformats.org/presentationml/2006/main">
   <p:tag name="KSO_WM_BEAUTIFY_FLAG" val=""/>
 </p:tagLst>
 </file>
 
 <file path=ppt/tags/tag8.xml><?xml version="1.0" encoding="utf-8"?>
-<p:tagLst xmlns:p="http://schemas.openxmlformats.org/presentationml/2006/main">
-  <p:tag name="commondata" val="eyJoZGlkIjoiMjdjYzBiM2JmMDdiNmE0MzdmZGUxMTJkZmU5Yzk1NGMifQ=="/>
+<p:tagLst xmlns:a="http://schemas.openxmlformats.org/drawingml/2006/main" xmlns:r="http://schemas.openxmlformats.org/officeDocument/2006/relationships" xmlns:p="http://schemas.openxmlformats.org/presentationml/2006/main">
+  <p:tag name="KSO_WM_BEAUTIFY_FLAG" val=""/>
 </p:tagLst>
 </file>
 
@@ -11145,6 +12028,8 @@
       </a:bgFillStyleLst>
     </a:fmtScheme>
   </a:themeElements>
+  <a:objectDefaults/>
+  <a:extraClrSchemeLst/>
   <a:extLst>
     <a:ext uri="{05A4C25C-085E-4340-85A3-A5531E510DB2}">
       <thm15:themeFamily xmlns:thm15="http://schemas.microsoft.com/office/thememl/2012/main" name="Office Theme" id="{62F939B6-93AF-4DB8-9C6B-D6C7DFDC589F}" vid="{4A3C46E8-61CC-4603-A589-7422A47A8E4A}"/>
@@ -11404,6 +12289,8 @@
       </a:bgFillStyleLst>
     </a:fmtScheme>
   </a:themeElements>
+  <a:objectDefaults/>
+  <a:extraClrSchemeLst/>
   <a:extLst>
     <a:ext uri="{05A4C25C-085E-4340-85A3-A5531E510DB2}">
       <thm15:themeFamily xmlns:thm15="http://schemas.microsoft.com/office/thememl/2012/main" name="Office Theme" id="{62F939B6-93AF-4DB8-9C6B-D6C7DFDC589F}" vid="{4A3C46E8-61CC-4603-A589-7422A47A8E4A}"/>
